--- a/07 云台控制/07 自动瞄准-云台控制.pptx
+++ b/07 云台控制/07 自动瞄准-云台控制.pptx
@@ -13,8 +13,8 @@
     <p:sldId id="286" r:id="rId4"/>
     <p:sldId id="290" r:id="rId5"/>
     <p:sldId id="287" r:id="rId6"/>
-    <p:sldId id="267" r:id="rId7"/>
-    <p:sldId id="291" r:id="rId8"/>
+    <p:sldId id="291" r:id="rId7"/>
+    <p:sldId id="267" r:id="rId8"/>
   </p:sldIdLst>
   <p:sldSz cx="12192000" cy="6858000"/>
   <p:notesSz cx="6858000" cy="9144000"/>
@@ -2081,1911 +2081,6 @@
       <dsp:cNvGrpSpPr/>
     </dsp:nvGrpSpPr>
     <dsp:grpSpPr/>
-    <dsp:sp modelId="{1AE2AA0B-A835-4FDC-995D-C4FE2CBD913C}">
-      <dsp:nvSpPr>
-        <dsp:cNvPr id="0" name=""/>
-        <dsp:cNvSpPr/>
-      </dsp:nvSpPr>
-      <dsp:spPr>
-        <a:xfrm>
-          <a:off x="3917420" y="2419344"/>
-          <a:ext cx="1130803" cy="205530"/>
-        </a:xfrm>
-        <a:custGeom>
-          <a:avLst/>
-          <a:gdLst/>
-          <a:ahLst/>
-          <a:cxnLst/>
-          <a:rect l="0" t="0" r="0" b="0"/>
-          <a:pathLst>
-            <a:path>
-              <a:moveTo>
-                <a:pt x="0" y="0"/>
-              </a:moveTo>
-              <a:lnTo>
-                <a:pt x="0" y="102765"/>
-              </a:lnTo>
-              <a:lnTo>
-                <a:pt x="1130803" y="102765"/>
-              </a:lnTo>
-              <a:lnTo>
-                <a:pt x="1130803" y="205530"/>
-              </a:lnTo>
-            </a:path>
-          </a:pathLst>
-        </a:custGeom>
-        <a:noFill/>
-        <a:ln w="12700" cap="flat" cmpd="sng" algn="ctr">
-          <a:solidFill>
-            <a:schemeClr val="accent1">
-              <a:shade val="60000"/>
-              <a:hueOff val="0"/>
-              <a:satOff val="0"/>
-              <a:lumOff val="0"/>
-              <a:alphaOff val="0"/>
-            </a:schemeClr>
-          </a:solidFill>
-          <a:prstDash val="solid"/>
-          <a:miter lim="800000"/>
-        </a:ln>
-        <a:effectLst/>
-      </dsp:spPr>
-      <dsp:style>
-        <a:lnRef idx="2">
-          <a:scrgbClr r="0" g="0" b="0"/>
-        </a:lnRef>
-        <a:fillRef idx="0">
-          <a:scrgbClr r="0" g="0" b="0"/>
-        </a:fillRef>
-        <a:effectRef idx="0">
-          <a:scrgbClr r="0" g="0" b="0"/>
-        </a:effectRef>
-        <a:fontRef idx="minor"/>
-      </dsp:style>
-    </dsp:sp>
-    <dsp:sp modelId="{AE360543-E0FA-4774-998D-6C9F7321AFBE}">
-      <dsp:nvSpPr>
-        <dsp:cNvPr id="0" name=""/>
-        <dsp:cNvSpPr/>
-      </dsp:nvSpPr>
-      <dsp:spPr>
-        <a:xfrm>
-          <a:off x="3861269" y="2419344"/>
-          <a:ext cx="91440" cy="205530"/>
-        </a:xfrm>
-        <a:custGeom>
-          <a:avLst/>
-          <a:gdLst/>
-          <a:ahLst/>
-          <a:cxnLst/>
-          <a:rect l="0" t="0" r="0" b="0"/>
-          <a:pathLst>
-            <a:path>
-              <a:moveTo>
-                <a:pt x="56150" y="0"/>
-              </a:moveTo>
-              <a:lnTo>
-                <a:pt x="56150" y="102765"/>
-              </a:lnTo>
-              <a:lnTo>
-                <a:pt x="45720" y="102765"/>
-              </a:lnTo>
-              <a:lnTo>
-                <a:pt x="45720" y="205530"/>
-              </a:lnTo>
-            </a:path>
-          </a:pathLst>
-        </a:custGeom>
-        <a:noFill/>
-        <a:ln w="12700" cap="flat" cmpd="sng" algn="ctr">
-          <a:solidFill>
-            <a:schemeClr val="accent1">
-              <a:shade val="60000"/>
-              <a:hueOff val="0"/>
-              <a:satOff val="0"/>
-              <a:lumOff val="0"/>
-              <a:alphaOff val="0"/>
-            </a:schemeClr>
-          </a:solidFill>
-          <a:prstDash val="solid"/>
-          <a:miter lim="800000"/>
-        </a:ln>
-        <a:effectLst/>
-      </dsp:spPr>
-      <dsp:style>
-        <a:lnRef idx="2">
-          <a:scrgbClr r="0" g="0" b="0"/>
-        </a:lnRef>
-        <a:fillRef idx="0">
-          <a:scrgbClr r="0" g="0" b="0"/>
-        </a:fillRef>
-        <a:effectRef idx="0">
-          <a:scrgbClr r="0" g="0" b="0"/>
-        </a:effectRef>
-        <a:fontRef idx="minor"/>
-      </dsp:style>
-    </dsp:sp>
-    <dsp:sp modelId="{9BB13E79-9FF7-404C-A420-33C623456D33}">
-      <dsp:nvSpPr>
-        <dsp:cNvPr id="0" name=""/>
-        <dsp:cNvSpPr/>
-      </dsp:nvSpPr>
-      <dsp:spPr>
-        <a:xfrm>
-          <a:off x="2765755" y="3065299"/>
-          <a:ext cx="2282467" cy="254466"/>
-        </a:xfrm>
-        <a:custGeom>
-          <a:avLst/>
-          <a:gdLst/>
-          <a:ahLst/>
-          <a:cxnLst/>
-          <a:rect l="0" t="0" r="0" b="0"/>
-          <a:pathLst>
-            <a:path>
-              <a:moveTo>
-                <a:pt x="0" y="0"/>
-              </a:moveTo>
-              <a:lnTo>
-                <a:pt x="0" y="151701"/>
-              </a:lnTo>
-              <a:lnTo>
-                <a:pt x="2282467" y="151701"/>
-              </a:lnTo>
-              <a:lnTo>
-                <a:pt x="2282467" y="254466"/>
-              </a:lnTo>
-            </a:path>
-          </a:pathLst>
-        </a:custGeom>
-        <a:noFill/>
-        <a:ln w="12700" cap="flat" cmpd="sng" algn="ctr">
-          <a:solidFill>
-            <a:schemeClr val="accent1">
-              <a:shade val="80000"/>
-              <a:hueOff val="0"/>
-              <a:satOff val="0"/>
-              <a:lumOff val="0"/>
-              <a:alphaOff val="0"/>
-            </a:schemeClr>
-          </a:solidFill>
-          <a:prstDash val="solid"/>
-          <a:miter lim="800000"/>
-        </a:ln>
-        <a:effectLst/>
-      </dsp:spPr>
-      <dsp:style>
-        <a:lnRef idx="2">
-          <a:scrgbClr r="0" g="0" b="0"/>
-        </a:lnRef>
-        <a:fillRef idx="0">
-          <a:scrgbClr r="0" g="0" b="0"/>
-        </a:fillRef>
-        <a:effectRef idx="0">
-          <a:scrgbClr r="0" g="0" b="0"/>
-        </a:effectRef>
-        <a:fontRef idx="minor"/>
-      </dsp:style>
-    </dsp:sp>
-    <dsp:sp modelId="{4BD224DF-0C53-462E-ACCE-AA164EB81E4D}">
-      <dsp:nvSpPr>
-        <dsp:cNvPr id="0" name=""/>
-        <dsp:cNvSpPr/>
-      </dsp:nvSpPr>
-      <dsp:spPr>
-        <a:xfrm>
-          <a:off x="2765755" y="3065299"/>
-          <a:ext cx="1141233" cy="254466"/>
-        </a:xfrm>
-        <a:custGeom>
-          <a:avLst/>
-          <a:gdLst/>
-          <a:ahLst/>
-          <a:cxnLst/>
-          <a:rect l="0" t="0" r="0" b="0"/>
-          <a:pathLst>
-            <a:path>
-              <a:moveTo>
-                <a:pt x="0" y="0"/>
-              </a:moveTo>
-              <a:lnTo>
-                <a:pt x="0" y="151701"/>
-              </a:lnTo>
-              <a:lnTo>
-                <a:pt x="1141233" y="151701"/>
-              </a:lnTo>
-              <a:lnTo>
-                <a:pt x="1141233" y="254466"/>
-              </a:lnTo>
-            </a:path>
-          </a:pathLst>
-        </a:custGeom>
-        <a:noFill/>
-        <a:ln w="12700" cap="flat" cmpd="sng" algn="ctr">
-          <a:solidFill>
-            <a:schemeClr val="accent1">
-              <a:shade val="80000"/>
-              <a:hueOff val="0"/>
-              <a:satOff val="0"/>
-              <a:lumOff val="0"/>
-              <a:alphaOff val="0"/>
-            </a:schemeClr>
-          </a:solidFill>
-          <a:prstDash val="solid"/>
-          <a:miter lim="800000"/>
-        </a:ln>
-        <a:effectLst/>
-      </dsp:spPr>
-      <dsp:style>
-        <a:lnRef idx="2">
-          <a:scrgbClr r="0" g="0" b="0"/>
-        </a:lnRef>
-        <a:fillRef idx="0">
-          <a:scrgbClr r="0" g="0" b="0"/>
-        </a:fillRef>
-        <a:effectRef idx="0">
-          <a:scrgbClr r="0" g="0" b="0"/>
-        </a:effectRef>
-        <a:fontRef idx="minor"/>
-      </dsp:style>
-    </dsp:sp>
-    <dsp:sp modelId="{6C06A399-0CAD-479F-B26C-018776FEBE6B}">
-      <dsp:nvSpPr>
-        <dsp:cNvPr id="0" name=""/>
-        <dsp:cNvSpPr/>
-      </dsp:nvSpPr>
-      <dsp:spPr>
-        <a:xfrm>
-          <a:off x="2720035" y="3065299"/>
-          <a:ext cx="91440" cy="254466"/>
-        </a:xfrm>
-        <a:custGeom>
-          <a:avLst/>
-          <a:gdLst/>
-          <a:ahLst/>
-          <a:cxnLst/>
-          <a:rect l="0" t="0" r="0" b="0"/>
-          <a:pathLst>
-            <a:path>
-              <a:moveTo>
-                <a:pt x="45720" y="0"/>
-              </a:moveTo>
-              <a:lnTo>
-                <a:pt x="45720" y="254466"/>
-              </a:lnTo>
-            </a:path>
-          </a:pathLst>
-        </a:custGeom>
-        <a:noFill/>
-        <a:ln w="12700" cap="flat" cmpd="sng" algn="ctr">
-          <a:solidFill>
-            <a:schemeClr val="accent1">
-              <a:shade val="80000"/>
-              <a:hueOff val="0"/>
-              <a:satOff val="0"/>
-              <a:lumOff val="0"/>
-              <a:alphaOff val="0"/>
-            </a:schemeClr>
-          </a:solidFill>
-          <a:prstDash val="solid"/>
-          <a:miter lim="800000"/>
-        </a:ln>
-        <a:effectLst/>
-      </dsp:spPr>
-      <dsp:style>
-        <a:lnRef idx="2">
-          <a:scrgbClr r="0" g="0" b="0"/>
-        </a:lnRef>
-        <a:fillRef idx="0">
-          <a:scrgbClr r="0" g="0" b="0"/>
-        </a:fillRef>
-        <a:effectRef idx="0">
-          <a:scrgbClr r="0" g="0" b="0"/>
-        </a:effectRef>
-        <a:fontRef idx="minor"/>
-      </dsp:style>
-    </dsp:sp>
-    <dsp:sp modelId="{A865A302-1DBC-46C0-8E1B-AD63A6139207}">
-      <dsp:nvSpPr>
-        <dsp:cNvPr id="0" name=""/>
-        <dsp:cNvSpPr/>
-      </dsp:nvSpPr>
-      <dsp:spPr>
-        <a:xfrm>
-          <a:off x="1624521" y="3065299"/>
-          <a:ext cx="1141233" cy="254466"/>
-        </a:xfrm>
-        <a:custGeom>
-          <a:avLst/>
-          <a:gdLst/>
-          <a:ahLst/>
-          <a:cxnLst/>
-          <a:rect l="0" t="0" r="0" b="0"/>
-          <a:pathLst>
-            <a:path>
-              <a:moveTo>
-                <a:pt x="1141233" y="0"/>
-              </a:moveTo>
-              <a:lnTo>
-                <a:pt x="1141233" y="151701"/>
-              </a:lnTo>
-              <a:lnTo>
-                <a:pt x="0" y="151701"/>
-              </a:lnTo>
-              <a:lnTo>
-                <a:pt x="0" y="254466"/>
-              </a:lnTo>
-            </a:path>
-          </a:pathLst>
-        </a:custGeom>
-        <a:noFill/>
-        <a:ln w="12700" cap="flat" cmpd="sng" algn="ctr">
-          <a:solidFill>
-            <a:schemeClr val="accent1">
-              <a:shade val="80000"/>
-              <a:hueOff val="0"/>
-              <a:satOff val="0"/>
-              <a:lumOff val="0"/>
-              <a:alphaOff val="0"/>
-            </a:schemeClr>
-          </a:solidFill>
-          <a:prstDash val="solid"/>
-          <a:miter lim="800000"/>
-        </a:ln>
-        <a:effectLst/>
-      </dsp:spPr>
-      <dsp:style>
-        <a:lnRef idx="2">
-          <a:scrgbClr r="0" g="0" b="0"/>
-        </a:lnRef>
-        <a:fillRef idx="0">
-          <a:scrgbClr r="0" g="0" b="0"/>
-        </a:fillRef>
-        <a:effectRef idx="0">
-          <a:scrgbClr r="0" g="0" b="0"/>
-        </a:effectRef>
-        <a:fontRef idx="minor"/>
-      </dsp:style>
-    </dsp:sp>
-    <dsp:sp modelId="{1F041AB5-1189-40AF-B9D6-1FDC0CAE2063}">
-      <dsp:nvSpPr>
-        <dsp:cNvPr id="0" name=""/>
-        <dsp:cNvSpPr/>
-      </dsp:nvSpPr>
-      <dsp:spPr>
-        <a:xfrm>
-          <a:off x="483287" y="3065299"/>
-          <a:ext cx="2282467" cy="254466"/>
-        </a:xfrm>
-        <a:custGeom>
-          <a:avLst/>
-          <a:gdLst/>
-          <a:ahLst/>
-          <a:cxnLst/>
-          <a:rect l="0" t="0" r="0" b="0"/>
-          <a:pathLst>
-            <a:path>
-              <a:moveTo>
-                <a:pt x="2282467" y="0"/>
-              </a:moveTo>
-              <a:lnTo>
-                <a:pt x="2282467" y="151701"/>
-              </a:lnTo>
-              <a:lnTo>
-                <a:pt x="0" y="151701"/>
-              </a:lnTo>
-              <a:lnTo>
-                <a:pt x="0" y="254466"/>
-              </a:lnTo>
-            </a:path>
-          </a:pathLst>
-        </a:custGeom>
-        <a:noFill/>
-        <a:ln w="12700" cap="flat" cmpd="sng" algn="ctr">
-          <a:solidFill>
-            <a:schemeClr val="accent1">
-              <a:shade val="80000"/>
-              <a:hueOff val="0"/>
-              <a:satOff val="0"/>
-              <a:lumOff val="0"/>
-              <a:alphaOff val="0"/>
-            </a:schemeClr>
-          </a:solidFill>
-          <a:prstDash val="solid"/>
-          <a:miter lim="800000"/>
-        </a:ln>
-        <a:effectLst/>
-      </dsp:spPr>
-      <dsp:style>
-        <a:lnRef idx="2">
-          <a:scrgbClr r="0" g="0" b="0"/>
-        </a:lnRef>
-        <a:fillRef idx="0">
-          <a:scrgbClr r="0" g="0" b="0"/>
-        </a:fillRef>
-        <a:effectRef idx="0">
-          <a:scrgbClr r="0" g="0" b="0"/>
-        </a:effectRef>
-        <a:fontRef idx="minor"/>
-      </dsp:style>
-    </dsp:sp>
-    <dsp:sp modelId="{8CD82476-B37F-4CF8-8A32-7601F336A95A}">
-      <dsp:nvSpPr>
-        <dsp:cNvPr id="0" name=""/>
-        <dsp:cNvSpPr/>
-      </dsp:nvSpPr>
-      <dsp:spPr>
-        <a:xfrm>
-          <a:off x="2765755" y="2419344"/>
-          <a:ext cx="1151664" cy="205530"/>
-        </a:xfrm>
-        <a:custGeom>
-          <a:avLst/>
-          <a:gdLst/>
-          <a:ahLst/>
-          <a:cxnLst/>
-          <a:rect l="0" t="0" r="0" b="0"/>
-          <a:pathLst>
-            <a:path>
-              <a:moveTo>
-                <a:pt x="1151664" y="0"/>
-              </a:moveTo>
-              <a:lnTo>
-                <a:pt x="1151664" y="102765"/>
-              </a:lnTo>
-              <a:lnTo>
-                <a:pt x="0" y="102765"/>
-              </a:lnTo>
-              <a:lnTo>
-                <a:pt x="0" y="205530"/>
-              </a:lnTo>
-            </a:path>
-          </a:pathLst>
-        </a:custGeom>
-        <a:noFill/>
-        <a:ln w="12700" cap="flat" cmpd="sng" algn="ctr">
-          <a:solidFill>
-            <a:schemeClr val="accent1">
-              <a:shade val="60000"/>
-              <a:hueOff val="0"/>
-              <a:satOff val="0"/>
-              <a:lumOff val="0"/>
-              <a:alphaOff val="0"/>
-            </a:schemeClr>
-          </a:solidFill>
-          <a:prstDash val="solid"/>
-          <a:miter lim="800000"/>
-        </a:ln>
-        <a:effectLst/>
-      </dsp:spPr>
-      <dsp:style>
-        <a:lnRef idx="2">
-          <a:scrgbClr r="0" g="0" b="0"/>
-        </a:lnRef>
-        <a:fillRef idx="0">
-          <a:scrgbClr r="0" g="0" b="0"/>
-        </a:fillRef>
-        <a:effectRef idx="0">
-          <a:scrgbClr r="0" g="0" b="0"/>
-        </a:effectRef>
-        <a:fontRef idx="minor"/>
-      </dsp:style>
-    </dsp:sp>
-    <dsp:sp modelId="{1B1CD378-FEC6-4CAA-84E8-355C6131EC24}">
-      <dsp:nvSpPr>
-        <dsp:cNvPr id="0" name=""/>
-        <dsp:cNvSpPr/>
-      </dsp:nvSpPr>
-      <dsp:spPr>
-        <a:xfrm>
-          <a:off x="3135886" y="1776423"/>
-          <a:ext cx="1563066" cy="642921"/>
-        </a:xfrm>
-        <a:prstGeom prst="rect">
-          <a:avLst/>
-        </a:prstGeom>
-        <a:solidFill>
-          <a:schemeClr val="accent1">
-            <a:hueOff val="0"/>
-            <a:satOff val="0"/>
-            <a:lumOff val="0"/>
-            <a:alphaOff val="0"/>
-          </a:schemeClr>
-        </a:solidFill>
-        <a:ln w="12700" cap="flat" cmpd="sng" algn="ctr">
-          <a:solidFill>
-            <a:schemeClr val="lt1">
-              <a:hueOff val="0"/>
-              <a:satOff val="0"/>
-              <a:lumOff val="0"/>
-              <a:alphaOff val="0"/>
-            </a:schemeClr>
-          </a:solidFill>
-          <a:prstDash val="solid"/>
-          <a:miter lim="800000"/>
-        </a:ln>
-        <a:effectLst/>
-      </dsp:spPr>
-      <dsp:style>
-        <a:lnRef idx="2">
-          <a:scrgbClr r="0" g="0" b="0"/>
-        </a:lnRef>
-        <a:fillRef idx="1">
-          <a:scrgbClr r="0" g="0" b="0"/>
-        </a:fillRef>
-        <a:effectRef idx="0">
-          <a:scrgbClr r="0" g="0" b="0"/>
-        </a:effectRef>
-        <a:fontRef idx="minor">
-          <a:schemeClr val="lt1"/>
-        </a:fontRef>
-      </dsp:style>
-      <dsp:txBody>
-        <a:bodyPr spcFirstLastPara="0" vert="horz" wrap="square" lIns="8255" tIns="8255" rIns="8255" bIns="62149" numCol="1" spcCol="1270" anchor="ctr" anchorCtr="0">
-          <a:noAutofit/>
-        </a:bodyPr>
-        <a:lstStyle/>
-        <a:p>
-          <a:pPr lvl="0" algn="ctr" defTabSz="577850">
-            <a:lnSpc>
-              <a:spcPct val="90000"/>
-            </a:lnSpc>
-            <a:spcBef>
-              <a:spcPct val="0"/>
-            </a:spcBef>
-            <a:spcAft>
-              <a:spcPct val="35000"/>
-            </a:spcAft>
-          </a:pPr>
-          <a:r>
-            <a:rPr lang="zh-CN" altLang="en-US" sz="1300" kern="1200"/>
-            <a:t>输入参数</a:t>
-          </a:r>
-          <a:endParaRPr lang="en-US" altLang="zh-CN" sz="1300" kern="1200"/>
-        </a:p>
-        <a:p>
-          <a:pPr lvl="0" algn="ctr" defTabSz="577850">
-            <a:lnSpc>
-              <a:spcPct val="90000"/>
-            </a:lnSpc>
-            <a:spcBef>
-              <a:spcPct val="0"/>
-            </a:spcBef>
-            <a:spcAft>
-              <a:spcPct val="35000"/>
-            </a:spcAft>
-          </a:pPr>
-          <a:r>
-            <a:rPr lang="zh-CN" altLang="en-US" sz="1300" kern="1200"/>
-            <a:t>（识别到目标的列表）</a:t>
-          </a:r>
-        </a:p>
-      </dsp:txBody>
-      <dsp:txXfrm>
-        <a:off x="3135886" y="1776423"/>
-        <a:ext cx="1563066" cy="642921"/>
-      </dsp:txXfrm>
-    </dsp:sp>
-    <dsp:sp modelId="{B99621D8-E21B-45A6-999D-21C47E4632B9}">
-      <dsp:nvSpPr>
-        <dsp:cNvPr id="0" name=""/>
-        <dsp:cNvSpPr/>
-      </dsp:nvSpPr>
-      <dsp:spPr>
-        <a:xfrm>
-          <a:off x="3375887" y="2326369"/>
-          <a:ext cx="1436280" cy="147659"/>
-        </a:xfrm>
-        <a:prstGeom prst="rect">
-          <a:avLst/>
-        </a:prstGeom>
-        <a:solidFill>
-          <a:schemeClr val="lt1">
-            <a:alpha val="90000"/>
-            <a:hueOff val="0"/>
-            <a:satOff val="0"/>
-            <a:lumOff val="0"/>
-            <a:alphaOff val="0"/>
-          </a:schemeClr>
-        </a:solidFill>
-        <a:ln w="12700" cap="flat" cmpd="sng" algn="ctr">
-          <a:solidFill>
-            <a:schemeClr val="accent1">
-              <a:hueOff val="0"/>
-              <a:satOff val="0"/>
-              <a:lumOff val="0"/>
-              <a:alphaOff val="0"/>
-            </a:schemeClr>
-          </a:solidFill>
-          <a:prstDash val="solid"/>
-          <a:miter lim="800000"/>
-        </a:ln>
-        <a:effectLst/>
-      </dsp:spPr>
-      <dsp:style>
-        <a:lnRef idx="2">
-          <a:scrgbClr r="0" g="0" b="0"/>
-        </a:lnRef>
-        <a:fillRef idx="1">
-          <a:scrgbClr r="0" g="0" b="0"/>
-        </a:fillRef>
-        <a:effectRef idx="0">
-          <a:scrgbClr r="0" g="0" b="0"/>
-        </a:effectRef>
-        <a:fontRef idx="minor"/>
-      </dsp:style>
-      <dsp:txBody>
-        <a:bodyPr spcFirstLastPara="0" vert="horz" wrap="square" lIns="22860" tIns="5715" rIns="22860" bIns="5715" numCol="1" spcCol="1270" anchor="ctr" anchorCtr="0">
-          <a:noAutofit/>
-        </a:bodyPr>
-        <a:lstStyle/>
-        <a:p>
-          <a:pPr lvl="0" algn="ctr" defTabSz="400050">
-            <a:lnSpc>
-              <a:spcPct val="90000"/>
-            </a:lnSpc>
-            <a:spcBef>
-              <a:spcPct val="0"/>
-            </a:spcBef>
-            <a:spcAft>
-              <a:spcPct val="35000"/>
-            </a:spcAft>
-          </a:pPr>
-          <a:r>
-            <a:rPr lang="en-US" altLang="zh-CN" sz="900" kern="1200"/>
-            <a:t>marker_info</a:t>
-          </a:r>
-          <a:endParaRPr lang="zh-CN" altLang="en-US" sz="900" kern="1200"/>
-        </a:p>
-      </dsp:txBody>
-      <dsp:txXfrm>
-        <a:off x="3375887" y="2326369"/>
-        <a:ext cx="1436280" cy="147659"/>
-      </dsp:txXfrm>
-    </dsp:sp>
-    <dsp:sp modelId="{9D0CBF0D-F1B1-44BD-BAB5-CDAF2B476330}">
-      <dsp:nvSpPr>
-        <dsp:cNvPr id="0" name=""/>
-        <dsp:cNvSpPr/>
-      </dsp:nvSpPr>
-      <dsp:spPr>
-        <a:xfrm>
-          <a:off x="2340435" y="2624875"/>
-          <a:ext cx="850639" cy="440423"/>
-        </a:xfrm>
-        <a:prstGeom prst="rect">
-          <a:avLst/>
-        </a:prstGeom>
-        <a:solidFill>
-          <a:schemeClr val="accent1">
-            <a:hueOff val="0"/>
-            <a:satOff val="0"/>
-            <a:lumOff val="0"/>
-            <a:alphaOff val="0"/>
-          </a:schemeClr>
-        </a:solidFill>
-        <a:ln w="12700" cap="flat" cmpd="sng" algn="ctr">
-          <a:solidFill>
-            <a:schemeClr val="lt1">
-              <a:hueOff val="0"/>
-              <a:satOff val="0"/>
-              <a:lumOff val="0"/>
-              <a:alphaOff val="0"/>
-            </a:schemeClr>
-          </a:solidFill>
-          <a:prstDash val="solid"/>
-          <a:miter lim="800000"/>
-        </a:ln>
-        <a:effectLst/>
-      </dsp:spPr>
-      <dsp:style>
-        <a:lnRef idx="2">
-          <a:scrgbClr r="0" g="0" b="0"/>
-        </a:lnRef>
-        <a:fillRef idx="1">
-          <a:scrgbClr r="0" g="0" b="0"/>
-        </a:fillRef>
-        <a:effectRef idx="0">
-          <a:scrgbClr r="0" g="0" b="0"/>
-        </a:effectRef>
-        <a:fontRef idx="minor">
-          <a:schemeClr val="lt1"/>
-        </a:fontRef>
-      </dsp:style>
-      <dsp:txBody>
-        <a:bodyPr spcFirstLastPara="0" vert="horz" wrap="square" lIns="8255" tIns="8255" rIns="8255" bIns="62149" numCol="1" spcCol="1270" anchor="ctr" anchorCtr="0">
-          <a:noAutofit/>
-        </a:bodyPr>
-        <a:lstStyle/>
-        <a:p>
-          <a:pPr lvl="0" algn="ctr" defTabSz="577850">
-            <a:lnSpc>
-              <a:spcPct val="90000"/>
-            </a:lnSpc>
-            <a:spcBef>
-              <a:spcPct val="0"/>
-            </a:spcBef>
-            <a:spcAft>
-              <a:spcPct val="35000"/>
-            </a:spcAft>
-          </a:pPr>
-          <a:r>
-            <a:rPr lang="zh-CN" altLang="en-US" sz="1300" kern="1200"/>
-            <a:t>第一个元素</a:t>
-          </a:r>
-        </a:p>
-      </dsp:txBody>
-      <dsp:txXfrm>
-        <a:off x="2340435" y="2624875"/>
-        <a:ext cx="850639" cy="440423"/>
-      </dsp:txXfrm>
-    </dsp:sp>
-    <dsp:sp modelId="{9BC7642B-F09E-473F-ABC5-B25F042E5A93}">
-      <dsp:nvSpPr>
-        <dsp:cNvPr id="0" name=""/>
-        <dsp:cNvSpPr/>
-      </dsp:nvSpPr>
-      <dsp:spPr>
-        <a:xfrm>
-          <a:off x="2510563" y="2967427"/>
-          <a:ext cx="765575" cy="146807"/>
-        </a:xfrm>
-        <a:prstGeom prst="rect">
-          <a:avLst/>
-        </a:prstGeom>
-        <a:solidFill>
-          <a:schemeClr val="lt1">
-            <a:alpha val="90000"/>
-            <a:hueOff val="0"/>
-            <a:satOff val="0"/>
-            <a:lumOff val="0"/>
-            <a:alphaOff val="0"/>
-          </a:schemeClr>
-        </a:solidFill>
-        <a:ln w="12700" cap="flat" cmpd="sng" algn="ctr">
-          <a:solidFill>
-            <a:schemeClr val="accent1">
-              <a:hueOff val="0"/>
-              <a:satOff val="0"/>
-              <a:lumOff val="0"/>
-              <a:alphaOff val="0"/>
-            </a:schemeClr>
-          </a:solidFill>
-          <a:prstDash val="solid"/>
-          <a:miter lim="800000"/>
-        </a:ln>
-        <a:effectLst/>
-      </dsp:spPr>
-      <dsp:style>
-        <a:lnRef idx="2">
-          <a:scrgbClr r="0" g="0" b="0"/>
-        </a:lnRef>
-        <a:fillRef idx="1">
-          <a:scrgbClr r="0" g="0" b="0"/>
-        </a:fillRef>
-        <a:effectRef idx="0">
-          <a:scrgbClr r="0" g="0" b="0"/>
-        </a:effectRef>
-        <a:fontRef idx="minor"/>
-      </dsp:style>
-      <dsp:txBody>
-        <a:bodyPr spcFirstLastPara="0" vert="horz" wrap="square" lIns="22860" tIns="5715" rIns="22860" bIns="5715" numCol="1" spcCol="1270" anchor="ctr" anchorCtr="0">
-          <a:noAutofit/>
-        </a:bodyPr>
-        <a:lstStyle/>
-        <a:p>
-          <a:pPr lvl="0" algn="ctr" defTabSz="400050">
-            <a:lnSpc>
-              <a:spcPct val="90000"/>
-            </a:lnSpc>
-            <a:spcBef>
-              <a:spcPct val="0"/>
-            </a:spcBef>
-            <a:spcAft>
-              <a:spcPct val="35000"/>
-            </a:spcAft>
-          </a:pPr>
-          <a:r>
-            <a:rPr lang="en-US" altLang="zh-CN" sz="900" kern="1200"/>
-            <a:t>marker_info[0]</a:t>
-          </a:r>
-          <a:endParaRPr lang="zh-CN" altLang="en-US" sz="900" kern="1200"/>
-        </a:p>
-      </dsp:txBody>
-      <dsp:txXfrm>
-        <a:off x="2510563" y="2967427"/>
-        <a:ext cx="765575" cy="146807"/>
-      </dsp:txXfrm>
-    </dsp:sp>
-    <dsp:sp modelId="{B7FC38DF-39D9-4733-9441-98398A47DAD5}">
-      <dsp:nvSpPr>
-        <dsp:cNvPr id="0" name=""/>
-        <dsp:cNvSpPr/>
-      </dsp:nvSpPr>
-      <dsp:spPr>
-        <a:xfrm>
-          <a:off x="57968" y="3319765"/>
-          <a:ext cx="850639" cy="440423"/>
-        </a:xfrm>
-        <a:prstGeom prst="rect">
-          <a:avLst/>
-        </a:prstGeom>
-        <a:solidFill>
-          <a:schemeClr val="accent1">
-            <a:hueOff val="0"/>
-            <a:satOff val="0"/>
-            <a:lumOff val="0"/>
-            <a:alphaOff val="0"/>
-          </a:schemeClr>
-        </a:solidFill>
-        <a:ln w="12700" cap="flat" cmpd="sng" algn="ctr">
-          <a:solidFill>
-            <a:schemeClr val="lt1">
-              <a:hueOff val="0"/>
-              <a:satOff val="0"/>
-              <a:lumOff val="0"/>
-              <a:alphaOff val="0"/>
-            </a:schemeClr>
-          </a:solidFill>
-          <a:prstDash val="solid"/>
-          <a:miter lim="800000"/>
-        </a:ln>
-        <a:effectLst/>
-      </dsp:spPr>
-      <dsp:style>
-        <a:lnRef idx="2">
-          <a:scrgbClr r="0" g="0" b="0"/>
-        </a:lnRef>
-        <a:fillRef idx="1">
-          <a:scrgbClr r="0" g="0" b="0"/>
-        </a:fillRef>
-        <a:effectRef idx="0">
-          <a:scrgbClr r="0" g="0" b="0"/>
-        </a:effectRef>
-        <a:fontRef idx="minor">
-          <a:schemeClr val="lt1"/>
-        </a:fontRef>
-      </dsp:style>
-      <dsp:txBody>
-        <a:bodyPr spcFirstLastPara="0" vert="horz" wrap="square" lIns="8255" tIns="8255" rIns="8255" bIns="62149" numCol="1" spcCol="1270" anchor="ctr" anchorCtr="0">
-          <a:noAutofit/>
-        </a:bodyPr>
-        <a:lstStyle/>
-        <a:p>
-          <a:pPr lvl="0" algn="ctr" defTabSz="577850">
-            <a:lnSpc>
-              <a:spcPct val="90000"/>
-            </a:lnSpc>
-            <a:spcBef>
-              <a:spcPct val="0"/>
-            </a:spcBef>
-            <a:spcAft>
-              <a:spcPct val="35000"/>
-            </a:spcAft>
-          </a:pPr>
-          <a:r>
-            <a:rPr lang="zh-CN" altLang="en-US" sz="1300" kern="1200"/>
-            <a:t>中心点</a:t>
-          </a:r>
-          <a:r>
-            <a:rPr lang="en-US" altLang="zh-CN" sz="1300" kern="1200"/>
-            <a:t>x</a:t>
-          </a:r>
-          <a:endParaRPr lang="zh-CN" altLang="en-US" sz="1300" kern="1200"/>
-        </a:p>
-      </dsp:txBody>
-      <dsp:txXfrm>
-        <a:off x="57968" y="3319765"/>
-        <a:ext cx="850639" cy="440423"/>
-      </dsp:txXfrm>
-    </dsp:sp>
-    <dsp:sp modelId="{B971F7AE-3AC5-4897-910E-0CAF0D578381}">
-      <dsp:nvSpPr>
-        <dsp:cNvPr id="0" name=""/>
-        <dsp:cNvSpPr/>
-      </dsp:nvSpPr>
-      <dsp:spPr>
-        <a:xfrm>
-          <a:off x="228095" y="3662317"/>
-          <a:ext cx="765575" cy="146807"/>
-        </a:xfrm>
-        <a:prstGeom prst="rect">
-          <a:avLst/>
-        </a:prstGeom>
-        <a:solidFill>
-          <a:schemeClr val="lt1">
-            <a:alpha val="90000"/>
-            <a:hueOff val="0"/>
-            <a:satOff val="0"/>
-            <a:lumOff val="0"/>
-            <a:alphaOff val="0"/>
-          </a:schemeClr>
-        </a:solidFill>
-        <a:ln w="12700" cap="flat" cmpd="sng" algn="ctr">
-          <a:solidFill>
-            <a:schemeClr val="accent1">
-              <a:hueOff val="0"/>
-              <a:satOff val="0"/>
-              <a:lumOff val="0"/>
-              <a:alphaOff val="0"/>
-            </a:schemeClr>
-          </a:solidFill>
-          <a:prstDash val="solid"/>
-          <a:miter lim="800000"/>
-        </a:ln>
-        <a:effectLst/>
-      </dsp:spPr>
-      <dsp:style>
-        <a:lnRef idx="2">
-          <a:scrgbClr r="0" g="0" b="0"/>
-        </a:lnRef>
-        <a:fillRef idx="1">
-          <a:scrgbClr r="0" g="0" b="0"/>
-        </a:fillRef>
-        <a:effectRef idx="0">
-          <a:scrgbClr r="0" g="0" b="0"/>
-        </a:effectRef>
-        <a:fontRef idx="minor"/>
-      </dsp:style>
-      <dsp:txBody>
-        <a:bodyPr spcFirstLastPara="0" vert="horz" wrap="square" lIns="22860" tIns="5715" rIns="22860" bIns="5715" numCol="1" spcCol="1270" anchor="ctr" anchorCtr="0">
-          <a:noAutofit/>
-        </a:bodyPr>
-        <a:lstStyle/>
-        <a:p>
-          <a:pPr lvl="0" algn="ctr" defTabSz="400050">
-            <a:lnSpc>
-              <a:spcPct val="90000"/>
-            </a:lnSpc>
-            <a:spcBef>
-              <a:spcPct val="0"/>
-            </a:spcBef>
-            <a:spcAft>
-              <a:spcPct val="35000"/>
-            </a:spcAft>
-          </a:pPr>
-          <a:r>
-            <a:rPr lang="en-US" altLang="zh-CN" sz="900" kern="1200"/>
-            <a:t>x</a:t>
-          </a:r>
-          <a:endParaRPr lang="zh-CN" altLang="en-US" sz="900" kern="1200"/>
-        </a:p>
-      </dsp:txBody>
-      <dsp:txXfrm>
-        <a:off x="228095" y="3662317"/>
-        <a:ext cx="765575" cy="146807"/>
-      </dsp:txXfrm>
-    </dsp:sp>
-    <dsp:sp modelId="{5A9CF5F3-5C0A-4504-92E7-FAB51A2B799B}">
-      <dsp:nvSpPr>
-        <dsp:cNvPr id="0" name=""/>
-        <dsp:cNvSpPr/>
-      </dsp:nvSpPr>
-      <dsp:spPr>
-        <a:xfrm>
-          <a:off x="1199202" y="3319765"/>
-          <a:ext cx="850639" cy="440423"/>
-        </a:xfrm>
-        <a:prstGeom prst="rect">
-          <a:avLst/>
-        </a:prstGeom>
-        <a:solidFill>
-          <a:schemeClr val="accent1">
-            <a:hueOff val="0"/>
-            <a:satOff val="0"/>
-            <a:lumOff val="0"/>
-            <a:alphaOff val="0"/>
-          </a:schemeClr>
-        </a:solidFill>
-        <a:ln w="12700" cap="flat" cmpd="sng" algn="ctr">
-          <a:solidFill>
-            <a:schemeClr val="lt1">
-              <a:hueOff val="0"/>
-              <a:satOff val="0"/>
-              <a:lumOff val="0"/>
-              <a:alphaOff val="0"/>
-            </a:schemeClr>
-          </a:solidFill>
-          <a:prstDash val="solid"/>
-          <a:miter lim="800000"/>
-        </a:ln>
-        <a:effectLst/>
-      </dsp:spPr>
-      <dsp:style>
-        <a:lnRef idx="2">
-          <a:scrgbClr r="0" g="0" b="0"/>
-        </a:lnRef>
-        <a:fillRef idx="1">
-          <a:scrgbClr r="0" g="0" b="0"/>
-        </a:fillRef>
-        <a:effectRef idx="0">
-          <a:scrgbClr r="0" g="0" b="0"/>
-        </a:effectRef>
-        <a:fontRef idx="minor">
-          <a:schemeClr val="lt1"/>
-        </a:fontRef>
-      </dsp:style>
-      <dsp:txBody>
-        <a:bodyPr spcFirstLastPara="0" vert="horz" wrap="square" lIns="8255" tIns="8255" rIns="8255" bIns="62149" numCol="1" spcCol="1270" anchor="ctr" anchorCtr="0">
-          <a:noAutofit/>
-        </a:bodyPr>
-        <a:lstStyle/>
-        <a:p>
-          <a:pPr lvl="0" algn="ctr" defTabSz="577850">
-            <a:lnSpc>
-              <a:spcPct val="90000"/>
-            </a:lnSpc>
-            <a:spcBef>
-              <a:spcPct val="0"/>
-            </a:spcBef>
-            <a:spcAft>
-              <a:spcPct val="35000"/>
-            </a:spcAft>
-          </a:pPr>
-          <a:r>
-            <a:rPr lang="zh-CN" altLang="en-US" sz="1300" kern="1200"/>
-            <a:t>中心点</a:t>
-          </a:r>
-          <a:r>
-            <a:rPr lang="en-US" altLang="zh-CN" sz="1300" kern="1200"/>
-            <a:t>y</a:t>
-          </a:r>
-          <a:endParaRPr lang="zh-CN" altLang="en-US" sz="1300" kern="1200"/>
-        </a:p>
-      </dsp:txBody>
-      <dsp:txXfrm>
-        <a:off x="1199202" y="3319765"/>
-        <a:ext cx="850639" cy="440423"/>
-      </dsp:txXfrm>
-    </dsp:sp>
-    <dsp:sp modelId="{BFB7ED88-20B6-490B-A5EF-0B02C4CCBFE3}">
-      <dsp:nvSpPr>
-        <dsp:cNvPr id="0" name=""/>
-        <dsp:cNvSpPr/>
-      </dsp:nvSpPr>
-      <dsp:spPr>
-        <a:xfrm>
-          <a:off x="1369329" y="3662317"/>
-          <a:ext cx="765575" cy="146807"/>
-        </a:xfrm>
-        <a:prstGeom prst="rect">
-          <a:avLst/>
-        </a:prstGeom>
-        <a:solidFill>
-          <a:schemeClr val="lt1">
-            <a:alpha val="90000"/>
-            <a:hueOff val="0"/>
-            <a:satOff val="0"/>
-            <a:lumOff val="0"/>
-            <a:alphaOff val="0"/>
-          </a:schemeClr>
-        </a:solidFill>
-        <a:ln w="12700" cap="flat" cmpd="sng" algn="ctr">
-          <a:solidFill>
-            <a:schemeClr val="accent1">
-              <a:hueOff val="0"/>
-              <a:satOff val="0"/>
-              <a:lumOff val="0"/>
-              <a:alphaOff val="0"/>
-            </a:schemeClr>
-          </a:solidFill>
-          <a:prstDash val="solid"/>
-          <a:miter lim="800000"/>
-        </a:ln>
-        <a:effectLst/>
-      </dsp:spPr>
-      <dsp:style>
-        <a:lnRef idx="2">
-          <a:scrgbClr r="0" g="0" b="0"/>
-        </a:lnRef>
-        <a:fillRef idx="1">
-          <a:scrgbClr r="0" g="0" b="0"/>
-        </a:fillRef>
-        <a:effectRef idx="0">
-          <a:scrgbClr r="0" g="0" b="0"/>
-        </a:effectRef>
-        <a:fontRef idx="minor"/>
-      </dsp:style>
-      <dsp:txBody>
-        <a:bodyPr spcFirstLastPara="0" vert="horz" wrap="square" lIns="22860" tIns="5715" rIns="22860" bIns="5715" numCol="1" spcCol="1270" anchor="ctr" anchorCtr="0">
-          <a:noAutofit/>
-        </a:bodyPr>
-        <a:lstStyle/>
-        <a:p>
-          <a:pPr lvl="0" algn="ctr" defTabSz="400050">
-            <a:lnSpc>
-              <a:spcPct val="90000"/>
-            </a:lnSpc>
-            <a:spcBef>
-              <a:spcPct val="0"/>
-            </a:spcBef>
-            <a:spcAft>
-              <a:spcPct val="35000"/>
-            </a:spcAft>
-          </a:pPr>
-          <a:r>
-            <a:rPr lang="en-US" altLang="zh-CN" sz="900" kern="1200"/>
-            <a:t>y</a:t>
-          </a:r>
-          <a:endParaRPr lang="zh-CN" altLang="en-US" sz="900" kern="1200"/>
-        </a:p>
-      </dsp:txBody>
-      <dsp:txXfrm>
-        <a:off x="1369329" y="3662317"/>
-        <a:ext cx="765575" cy="146807"/>
-      </dsp:txXfrm>
-    </dsp:sp>
-    <dsp:sp modelId="{A6DEF17E-B0EB-49DC-8C94-972854141CE1}">
-      <dsp:nvSpPr>
-        <dsp:cNvPr id="0" name=""/>
-        <dsp:cNvSpPr/>
-      </dsp:nvSpPr>
-      <dsp:spPr>
-        <a:xfrm>
-          <a:off x="2340435" y="3319765"/>
-          <a:ext cx="850639" cy="440423"/>
-        </a:xfrm>
-        <a:prstGeom prst="rect">
-          <a:avLst/>
-        </a:prstGeom>
-        <a:solidFill>
-          <a:schemeClr val="accent1">
-            <a:hueOff val="0"/>
-            <a:satOff val="0"/>
-            <a:lumOff val="0"/>
-            <a:alphaOff val="0"/>
-          </a:schemeClr>
-        </a:solidFill>
-        <a:ln w="12700" cap="flat" cmpd="sng" algn="ctr">
-          <a:solidFill>
-            <a:schemeClr val="lt1">
-              <a:hueOff val="0"/>
-              <a:satOff val="0"/>
-              <a:lumOff val="0"/>
-              <a:alphaOff val="0"/>
-            </a:schemeClr>
-          </a:solidFill>
-          <a:prstDash val="solid"/>
-          <a:miter lim="800000"/>
-        </a:ln>
-        <a:effectLst/>
-      </dsp:spPr>
-      <dsp:style>
-        <a:lnRef idx="2">
-          <a:scrgbClr r="0" g="0" b="0"/>
-        </a:lnRef>
-        <a:fillRef idx="1">
-          <a:scrgbClr r="0" g="0" b="0"/>
-        </a:fillRef>
-        <a:effectRef idx="0">
-          <a:scrgbClr r="0" g="0" b="0"/>
-        </a:effectRef>
-        <a:fontRef idx="minor">
-          <a:schemeClr val="lt1"/>
-        </a:fontRef>
-      </dsp:style>
-      <dsp:txBody>
-        <a:bodyPr spcFirstLastPara="0" vert="horz" wrap="square" lIns="8255" tIns="8255" rIns="8255" bIns="62149" numCol="1" spcCol="1270" anchor="ctr" anchorCtr="0">
-          <a:noAutofit/>
-        </a:bodyPr>
-        <a:lstStyle/>
-        <a:p>
-          <a:pPr lvl="0" algn="ctr" defTabSz="577850">
-            <a:lnSpc>
-              <a:spcPct val="90000"/>
-            </a:lnSpc>
-            <a:spcBef>
-              <a:spcPct val="0"/>
-            </a:spcBef>
-            <a:spcAft>
-              <a:spcPct val="35000"/>
-            </a:spcAft>
-          </a:pPr>
-          <a:r>
-            <a:rPr lang="zh-CN" altLang="en-US" sz="1300" kern="1200"/>
-            <a:t>目标宽度</a:t>
-          </a:r>
-        </a:p>
-      </dsp:txBody>
-      <dsp:txXfrm>
-        <a:off x="2340435" y="3319765"/>
-        <a:ext cx="850639" cy="440423"/>
-      </dsp:txXfrm>
-    </dsp:sp>
-    <dsp:sp modelId="{7584A32E-D29E-45DF-BC16-3EF17A6A5A64}">
-      <dsp:nvSpPr>
-        <dsp:cNvPr id="0" name=""/>
-        <dsp:cNvSpPr/>
-      </dsp:nvSpPr>
-      <dsp:spPr>
-        <a:xfrm>
-          <a:off x="2510563" y="3662317"/>
-          <a:ext cx="765575" cy="146807"/>
-        </a:xfrm>
-        <a:prstGeom prst="rect">
-          <a:avLst/>
-        </a:prstGeom>
-        <a:solidFill>
-          <a:schemeClr val="lt1">
-            <a:alpha val="90000"/>
-            <a:hueOff val="0"/>
-            <a:satOff val="0"/>
-            <a:lumOff val="0"/>
-            <a:alphaOff val="0"/>
-          </a:schemeClr>
-        </a:solidFill>
-        <a:ln w="12700" cap="flat" cmpd="sng" algn="ctr">
-          <a:solidFill>
-            <a:schemeClr val="accent1">
-              <a:hueOff val="0"/>
-              <a:satOff val="0"/>
-              <a:lumOff val="0"/>
-              <a:alphaOff val="0"/>
-            </a:schemeClr>
-          </a:solidFill>
-          <a:prstDash val="solid"/>
-          <a:miter lim="800000"/>
-        </a:ln>
-        <a:effectLst/>
-      </dsp:spPr>
-      <dsp:style>
-        <a:lnRef idx="2">
-          <a:scrgbClr r="0" g="0" b="0"/>
-        </a:lnRef>
-        <a:fillRef idx="1">
-          <a:scrgbClr r="0" g="0" b="0"/>
-        </a:fillRef>
-        <a:effectRef idx="0">
-          <a:scrgbClr r="0" g="0" b="0"/>
-        </a:effectRef>
-        <a:fontRef idx="minor"/>
-      </dsp:style>
-      <dsp:txBody>
-        <a:bodyPr spcFirstLastPara="0" vert="horz" wrap="square" lIns="22860" tIns="5715" rIns="22860" bIns="5715" numCol="1" spcCol="1270" anchor="ctr" anchorCtr="0">
-          <a:noAutofit/>
-        </a:bodyPr>
-        <a:lstStyle/>
-        <a:p>
-          <a:pPr lvl="0" algn="ctr" defTabSz="400050">
-            <a:lnSpc>
-              <a:spcPct val="90000"/>
-            </a:lnSpc>
-            <a:spcBef>
-              <a:spcPct val="0"/>
-            </a:spcBef>
-            <a:spcAft>
-              <a:spcPct val="35000"/>
-            </a:spcAft>
-          </a:pPr>
-          <a:r>
-            <a:rPr lang="en-US" altLang="zh-CN" sz="900" kern="1200"/>
-            <a:t>w</a:t>
-          </a:r>
-          <a:endParaRPr lang="zh-CN" altLang="en-US" sz="900" kern="1200"/>
-        </a:p>
-      </dsp:txBody>
-      <dsp:txXfrm>
-        <a:off x="2510563" y="3662317"/>
-        <a:ext cx="765575" cy="146807"/>
-      </dsp:txXfrm>
-    </dsp:sp>
-    <dsp:sp modelId="{0D193F05-2B67-4356-8CB6-5A88F3957F3C}">
-      <dsp:nvSpPr>
-        <dsp:cNvPr id="0" name=""/>
-        <dsp:cNvSpPr/>
-      </dsp:nvSpPr>
-      <dsp:spPr>
-        <a:xfrm>
-          <a:off x="3481669" y="3319765"/>
-          <a:ext cx="850639" cy="440423"/>
-        </a:xfrm>
-        <a:prstGeom prst="rect">
-          <a:avLst/>
-        </a:prstGeom>
-        <a:solidFill>
-          <a:schemeClr val="accent1">
-            <a:hueOff val="0"/>
-            <a:satOff val="0"/>
-            <a:lumOff val="0"/>
-            <a:alphaOff val="0"/>
-          </a:schemeClr>
-        </a:solidFill>
-        <a:ln w="12700" cap="flat" cmpd="sng" algn="ctr">
-          <a:solidFill>
-            <a:schemeClr val="lt1">
-              <a:hueOff val="0"/>
-              <a:satOff val="0"/>
-              <a:lumOff val="0"/>
-              <a:alphaOff val="0"/>
-            </a:schemeClr>
-          </a:solidFill>
-          <a:prstDash val="solid"/>
-          <a:miter lim="800000"/>
-        </a:ln>
-        <a:effectLst/>
-      </dsp:spPr>
-      <dsp:style>
-        <a:lnRef idx="2">
-          <a:scrgbClr r="0" g="0" b="0"/>
-        </a:lnRef>
-        <a:fillRef idx="1">
-          <a:scrgbClr r="0" g="0" b="0"/>
-        </a:fillRef>
-        <a:effectRef idx="0">
-          <a:scrgbClr r="0" g="0" b="0"/>
-        </a:effectRef>
-        <a:fontRef idx="minor">
-          <a:schemeClr val="lt1"/>
-        </a:fontRef>
-      </dsp:style>
-      <dsp:txBody>
-        <a:bodyPr spcFirstLastPara="0" vert="horz" wrap="square" lIns="8255" tIns="8255" rIns="8255" bIns="62149" numCol="1" spcCol="1270" anchor="ctr" anchorCtr="0">
-          <a:noAutofit/>
-        </a:bodyPr>
-        <a:lstStyle/>
-        <a:p>
-          <a:pPr lvl="0" algn="ctr" defTabSz="577850">
-            <a:lnSpc>
-              <a:spcPct val="90000"/>
-            </a:lnSpc>
-            <a:spcBef>
-              <a:spcPct val="0"/>
-            </a:spcBef>
-            <a:spcAft>
-              <a:spcPct val="35000"/>
-            </a:spcAft>
-          </a:pPr>
-          <a:r>
-            <a:rPr lang="zh-CN" altLang="en-US" sz="1300" kern="1200"/>
-            <a:t>目标高度</a:t>
-          </a:r>
-        </a:p>
-      </dsp:txBody>
-      <dsp:txXfrm>
-        <a:off x="3481669" y="3319765"/>
-        <a:ext cx="850639" cy="440423"/>
-      </dsp:txXfrm>
-    </dsp:sp>
-    <dsp:sp modelId="{90162B7E-97B7-4DA8-95E0-1DDCB0E51360}">
-      <dsp:nvSpPr>
-        <dsp:cNvPr id="0" name=""/>
-        <dsp:cNvSpPr/>
-      </dsp:nvSpPr>
-      <dsp:spPr>
-        <a:xfrm>
-          <a:off x="3651797" y="3662317"/>
-          <a:ext cx="765575" cy="146807"/>
-        </a:xfrm>
-        <a:prstGeom prst="rect">
-          <a:avLst/>
-        </a:prstGeom>
-        <a:solidFill>
-          <a:schemeClr val="lt1">
-            <a:alpha val="90000"/>
-            <a:hueOff val="0"/>
-            <a:satOff val="0"/>
-            <a:lumOff val="0"/>
-            <a:alphaOff val="0"/>
-          </a:schemeClr>
-        </a:solidFill>
-        <a:ln w="12700" cap="flat" cmpd="sng" algn="ctr">
-          <a:solidFill>
-            <a:schemeClr val="accent1">
-              <a:hueOff val="0"/>
-              <a:satOff val="0"/>
-              <a:lumOff val="0"/>
-              <a:alphaOff val="0"/>
-            </a:schemeClr>
-          </a:solidFill>
-          <a:prstDash val="solid"/>
-          <a:miter lim="800000"/>
-        </a:ln>
-        <a:effectLst/>
-      </dsp:spPr>
-      <dsp:style>
-        <a:lnRef idx="2">
-          <a:scrgbClr r="0" g="0" b="0"/>
-        </a:lnRef>
-        <a:fillRef idx="1">
-          <a:scrgbClr r="0" g="0" b="0"/>
-        </a:fillRef>
-        <a:effectRef idx="0">
-          <a:scrgbClr r="0" g="0" b="0"/>
-        </a:effectRef>
-        <a:fontRef idx="minor"/>
-      </dsp:style>
-      <dsp:txBody>
-        <a:bodyPr spcFirstLastPara="0" vert="horz" wrap="square" lIns="22860" tIns="5715" rIns="22860" bIns="5715" numCol="1" spcCol="1270" anchor="ctr" anchorCtr="0">
-          <a:noAutofit/>
-        </a:bodyPr>
-        <a:lstStyle/>
-        <a:p>
-          <a:pPr lvl="0" algn="ctr" defTabSz="400050">
-            <a:lnSpc>
-              <a:spcPct val="90000"/>
-            </a:lnSpc>
-            <a:spcBef>
-              <a:spcPct val="0"/>
-            </a:spcBef>
-            <a:spcAft>
-              <a:spcPct val="35000"/>
-            </a:spcAft>
-          </a:pPr>
-          <a:r>
-            <a:rPr lang="en-US" altLang="zh-CN" sz="900" kern="1200"/>
-            <a:t>h</a:t>
-          </a:r>
-          <a:endParaRPr lang="zh-CN" altLang="en-US" sz="900" kern="1200"/>
-        </a:p>
-      </dsp:txBody>
-      <dsp:txXfrm>
-        <a:off x="3651797" y="3662317"/>
-        <a:ext cx="765575" cy="146807"/>
-      </dsp:txXfrm>
-    </dsp:sp>
-    <dsp:sp modelId="{19A0DAA0-DFEF-4703-B312-F427F62AC478}">
-      <dsp:nvSpPr>
-        <dsp:cNvPr id="0" name=""/>
-        <dsp:cNvSpPr/>
-      </dsp:nvSpPr>
-      <dsp:spPr>
-        <a:xfrm>
-          <a:off x="4622903" y="3319765"/>
-          <a:ext cx="850639" cy="440423"/>
-        </a:xfrm>
-        <a:prstGeom prst="rect">
-          <a:avLst/>
-        </a:prstGeom>
-        <a:solidFill>
-          <a:schemeClr val="accent1">
-            <a:hueOff val="0"/>
-            <a:satOff val="0"/>
-            <a:lumOff val="0"/>
-            <a:alphaOff val="0"/>
-          </a:schemeClr>
-        </a:solidFill>
-        <a:ln w="12700" cap="flat" cmpd="sng" algn="ctr">
-          <a:solidFill>
-            <a:schemeClr val="lt1">
-              <a:hueOff val="0"/>
-              <a:satOff val="0"/>
-              <a:lumOff val="0"/>
-              <a:alphaOff val="0"/>
-            </a:schemeClr>
-          </a:solidFill>
-          <a:prstDash val="solid"/>
-          <a:miter lim="800000"/>
-        </a:ln>
-        <a:effectLst/>
-      </dsp:spPr>
-      <dsp:style>
-        <a:lnRef idx="2">
-          <a:scrgbClr r="0" g="0" b="0"/>
-        </a:lnRef>
-        <a:fillRef idx="1">
-          <a:scrgbClr r="0" g="0" b="0"/>
-        </a:fillRef>
-        <a:effectRef idx="0">
-          <a:scrgbClr r="0" g="0" b="0"/>
-        </a:effectRef>
-        <a:fontRef idx="minor">
-          <a:schemeClr val="lt1"/>
-        </a:fontRef>
-      </dsp:style>
-      <dsp:txBody>
-        <a:bodyPr spcFirstLastPara="0" vert="horz" wrap="square" lIns="8255" tIns="8255" rIns="8255" bIns="62149" numCol="1" spcCol="1270" anchor="ctr" anchorCtr="0">
-          <a:noAutofit/>
-        </a:bodyPr>
-        <a:lstStyle/>
-        <a:p>
-          <a:pPr lvl="0" algn="ctr" defTabSz="577850">
-            <a:lnSpc>
-              <a:spcPct val="90000"/>
-            </a:lnSpc>
-            <a:spcBef>
-              <a:spcPct val="0"/>
-            </a:spcBef>
-            <a:spcAft>
-              <a:spcPct val="35000"/>
-            </a:spcAft>
-          </a:pPr>
-          <a:r>
-            <a:rPr lang="zh-CN" altLang="en-US" sz="1300" kern="1200"/>
-            <a:t>上的数字</a:t>
-          </a:r>
-        </a:p>
-      </dsp:txBody>
-      <dsp:txXfrm>
-        <a:off x="4622903" y="3319765"/>
-        <a:ext cx="850639" cy="440423"/>
-      </dsp:txXfrm>
-    </dsp:sp>
-    <dsp:sp modelId="{67F8EACB-D9EA-402B-A75F-EF53CD7D370E}">
-      <dsp:nvSpPr>
-        <dsp:cNvPr id="0" name=""/>
-        <dsp:cNvSpPr/>
-      </dsp:nvSpPr>
-      <dsp:spPr>
-        <a:xfrm>
-          <a:off x="4793031" y="3662317"/>
-          <a:ext cx="765575" cy="146807"/>
-        </a:xfrm>
-        <a:prstGeom prst="rect">
-          <a:avLst/>
-        </a:prstGeom>
-        <a:solidFill>
-          <a:schemeClr val="lt1">
-            <a:alpha val="90000"/>
-            <a:hueOff val="0"/>
-            <a:satOff val="0"/>
-            <a:lumOff val="0"/>
-            <a:alphaOff val="0"/>
-          </a:schemeClr>
-        </a:solidFill>
-        <a:ln w="12700" cap="flat" cmpd="sng" algn="ctr">
-          <a:solidFill>
-            <a:schemeClr val="accent1">
-              <a:hueOff val="0"/>
-              <a:satOff val="0"/>
-              <a:lumOff val="0"/>
-              <a:alphaOff val="0"/>
-            </a:schemeClr>
-          </a:solidFill>
-          <a:prstDash val="solid"/>
-          <a:miter lim="800000"/>
-        </a:ln>
-        <a:effectLst/>
-      </dsp:spPr>
-      <dsp:style>
-        <a:lnRef idx="2">
-          <a:scrgbClr r="0" g="0" b="0"/>
-        </a:lnRef>
-        <a:fillRef idx="1">
-          <a:scrgbClr r="0" g="0" b="0"/>
-        </a:fillRef>
-        <a:effectRef idx="0">
-          <a:scrgbClr r="0" g="0" b="0"/>
-        </a:effectRef>
-        <a:fontRef idx="minor"/>
-      </dsp:style>
-      <dsp:txBody>
-        <a:bodyPr spcFirstLastPara="0" vert="horz" wrap="square" lIns="22860" tIns="5715" rIns="22860" bIns="5715" numCol="1" spcCol="1270" anchor="ctr" anchorCtr="0">
-          <a:noAutofit/>
-        </a:bodyPr>
-        <a:lstStyle/>
-        <a:p>
-          <a:pPr lvl="0" algn="ctr" defTabSz="400050">
-            <a:lnSpc>
-              <a:spcPct val="90000"/>
-            </a:lnSpc>
-            <a:spcBef>
-              <a:spcPct val="0"/>
-            </a:spcBef>
-            <a:spcAft>
-              <a:spcPct val="35000"/>
-            </a:spcAft>
-          </a:pPr>
-          <a:r>
-            <a:rPr lang="en-US" altLang="zh-CN" sz="900" kern="1200"/>
-            <a:t>info</a:t>
-          </a:r>
-          <a:endParaRPr lang="zh-CN" altLang="en-US" sz="900" kern="1200"/>
-        </a:p>
-      </dsp:txBody>
-      <dsp:txXfrm>
-        <a:off x="4793031" y="3662317"/>
-        <a:ext cx="765575" cy="146807"/>
-      </dsp:txXfrm>
-    </dsp:sp>
-    <dsp:sp modelId="{CEEE5EFB-6AA8-4903-A4F3-2FB0CC3FACAD}">
-      <dsp:nvSpPr>
-        <dsp:cNvPr id="0" name=""/>
-        <dsp:cNvSpPr/>
-      </dsp:nvSpPr>
-      <dsp:spPr>
-        <a:xfrm>
-          <a:off x="3481669" y="2624875"/>
-          <a:ext cx="850639" cy="440423"/>
-        </a:xfrm>
-        <a:prstGeom prst="rect">
-          <a:avLst/>
-        </a:prstGeom>
-        <a:solidFill>
-          <a:schemeClr val="accent1">
-            <a:hueOff val="0"/>
-            <a:satOff val="0"/>
-            <a:lumOff val="0"/>
-            <a:alphaOff val="0"/>
-          </a:schemeClr>
-        </a:solidFill>
-        <a:ln w="12700" cap="flat" cmpd="sng" algn="ctr">
-          <a:solidFill>
-            <a:schemeClr val="lt1">
-              <a:hueOff val="0"/>
-              <a:satOff val="0"/>
-              <a:lumOff val="0"/>
-              <a:alphaOff val="0"/>
-            </a:schemeClr>
-          </a:solidFill>
-          <a:prstDash val="solid"/>
-          <a:miter lim="800000"/>
-        </a:ln>
-        <a:effectLst/>
-      </dsp:spPr>
-      <dsp:style>
-        <a:lnRef idx="2">
-          <a:scrgbClr r="0" g="0" b="0"/>
-        </a:lnRef>
-        <a:fillRef idx="1">
-          <a:scrgbClr r="0" g="0" b="0"/>
-        </a:fillRef>
-        <a:effectRef idx="0">
-          <a:scrgbClr r="0" g="0" b="0"/>
-        </a:effectRef>
-        <a:fontRef idx="minor">
-          <a:schemeClr val="lt1"/>
-        </a:fontRef>
-      </dsp:style>
-      <dsp:txBody>
-        <a:bodyPr spcFirstLastPara="0" vert="horz" wrap="square" lIns="8255" tIns="8255" rIns="8255" bIns="62149" numCol="1" spcCol="1270" anchor="ctr" anchorCtr="0">
-          <a:noAutofit/>
-        </a:bodyPr>
-        <a:lstStyle/>
-        <a:p>
-          <a:pPr lvl="0" algn="ctr" defTabSz="577850">
-            <a:lnSpc>
-              <a:spcPct val="90000"/>
-            </a:lnSpc>
-            <a:spcBef>
-              <a:spcPct val="0"/>
-            </a:spcBef>
-            <a:spcAft>
-              <a:spcPct val="35000"/>
-            </a:spcAft>
-          </a:pPr>
-          <a:r>
-            <a:rPr lang="zh-CN" altLang="en-US" sz="1300" kern="1200"/>
-            <a:t>第二个元素</a:t>
-          </a:r>
-        </a:p>
-      </dsp:txBody>
-      <dsp:txXfrm>
-        <a:off x="3481669" y="2624875"/>
-        <a:ext cx="850639" cy="440423"/>
-      </dsp:txXfrm>
-    </dsp:sp>
-    <dsp:sp modelId="{D19CCDAA-D3F3-46A9-82D0-09CEC4DB354D}">
-      <dsp:nvSpPr>
-        <dsp:cNvPr id="0" name=""/>
-        <dsp:cNvSpPr/>
-      </dsp:nvSpPr>
-      <dsp:spPr>
-        <a:xfrm>
-          <a:off x="3651797" y="2967427"/>
-          <a:ext cx="765575" cy="146807"/>
-        </a:xfrm>
-        <a:prstGeom prst="rect">
-          <a:avLst/>
-        </a:prstGeom>
-        <a:solidFill>
-          <a:schemeClr val="lt1">
-            <a:alpha val="90000"/>
-            <a:hueOff val="0"/>
-            <a:satOff val="0"/>
-            <a:lumOff val="0"/>
-            <a:alphaOff val="0"/>
-          </a:schemeClr>
-        </a:solidFill>
-        <a:ln w="12700" cap="flat" cmpd="sng" algn="ctr">
-          <a:solidFill>
-            <a:schemeClr val="accent1">
-              <a:hueOff val="0"/>
-              <a:satOff val="0"/>
-              <a:lumOff val="0"/>
-              <a:alphaOff val="0"/>
-            </a:schemeClr>
-          </a:solidFill>
-          <a:prstDash val="solid"/>
-          <a:miter lim="800000"/>
-        </a:ln>
-        <a:effectLst/>
-      </dsp:spPr>
-      <dsp:style>
-        <a:lnRef idx="2">
-          <a:scrgbClr r="0" g="0" b="0"/>
-        </a:lnRef>
-        <a:fillRef idx="1">
-          <a:scrgbClr r="0" g="0" b="0"/>
-        </a:fillRef>
-        <a:effectRef idx="0">
-          <a:scrgbClr r="0" g="0" b="0"/>
-        </a:effectRef>
-        <a:fontRef idx="minor"/>
-      </dsp:style>
-      <dsp:txBody>
-        <a:bodyPr spcFirstLastPara="0" vert="horz" wrap="square" lIns="22860" tIns="5715" rIns="22860" bIns="5715" numCol="1" spcCol="1270" anchor="ctr" anchorCtr="0">
-          <a:noAutofit/>
-        </a:bodyPr>
-        <a:lstStyle/>
-        <a:p>
-          <a:pPr lvl="0" algn="ctr" defTabSz="400050">
-            <a:lnSpc>
-              <a:spcPct val="90000"/>
-            </a:lnSpc>
-            <a:spcBef>
-              <a:spcPct val="0"/>
-            </a:spcBef>
-            <a:spcAft>
-              <a:spcPct val="35000"/>
-            </a:spcAft>
-          </a:pPr>
-          <a:r>
-            <a:rPr lang="en-US" altLang="zh-CN" sz="900" kern="1200"/>
-            <a:t>marker_info[1]</a:t>
-          </a:r>
-          <a:endParaRPr lang="zh-CN" altLang="en-US" sz="900" kern="1200"/>
-        </a:p>
-      </dsp:txBody>
-      <dsp:txXfrm>
-        <a:off x="3651797" y="2967427"/>
-        <a:ext cx="765575" cy="146807"/>
-      </dsp:txXfrm>
-    </dsp:sp>
-    <dsp:sp modelId="{E930D036-5968-40FF-90CD-55757612DBF7}">
-      <dsp:nvSpPr>
-        <dsp:cNvPr id="0" name=""/>
-        <dsp:cNvSpPr/>
-      </dsp:nvSpPr>
-      <dsp:spPr>
-        <a:xfrm>
-          <a:off x="4622903" y="2624875"/>
-          <a:ext cx="850639" cy="440423"/>
-        </a:xfrm>
-        <a:prstGeom prst="rect">
-          <a:avLst/>
-        </a:prstGeom>
-        <a:solidFill>
-          <a:schemeClr val="accent1">
-            <a:hueOff val="0"/>
-            <a:satOff val="0"/>
-            <a:lumOff val="0"/>
-            <a:alphaOff val="0"/>
-          </a:schemeClr>
-        </a:solidFill>
-        <a:ln w="12700" cap="flat" cmpd="sng" algn="ctr">
-          <a:solidFill>
-            <a:schemeClr val="lt1">
-              <a:hueOff val="0"/>
-              <a:satOff val="0"/>
-              <a:lumOff val="0"/>
-              <a:alphaOff val="0"/>
-            </a:schemeClr>
-          </a:solidFill>
-          <a:prstDash val="solid"/>
-          <a:miter lim="800000"/>
-        </a:ln>
-        <a:effectLst/>
-      </dsp:spPr>
-      <dsp:style>
-        <a:lnRef idx="2">
-          <a:scrgbClr r="0" g="0" b="0"/>
-        </a:lnRef>
-        <a:fillRef idx="1">
-          <a:scrgbClr r="0" g="0" b="0"/>
-        </a:fillRef>
-        <a:effectRef idx="0">
-          <a:scrgbClr r="0" g="0" b="0"/>
-        </a:effectRef>
-        <a:fontRef idx="minor">
-          <a:schemeClr val="lt1"/>
-        </a:fontRef>
-      </dsp:style>
-      <dsp:txBody>
-        <a:bodyPr spcFirstLastPara="0" vert="horz" wrap="square" lIns="8255" tIns="8255" rIns="8255" bIns="62149" numCol="1" spcCol="1270" anchor="ctr" anchorCtr="0">
-          <a:noAutofit/>
-        </a:bodyPr>
-        <a:lstStyle/>
-        <a:p>
-          <a:pPr lvl="0" algn="ctr" defTabSz="577850">
-            <a:lnSpc>
-              <a:spcPct val="90000"/>
-            </a:lnSpc>
-            <a:spcBef>
-              <a:spcPct val="0"/>
-            </a:spcBef>
-            <a:spcAft>
-              <a:spcPct val="35000"/>
-            </a:spcAft>
-          </a:pPr>
-          <a:r>
-            <a:rPr lang="en-US" altLang="zh-CN" sz="1300" kern="1200"/>
-            <a:t>... ...</a:t>
-          </a:r>
-          <a:endParaRPr lang="zh-CN" altLang="en-US" sz="1300" kern="1200"/>
-        </a:p>
-      </dsp:txBody>
-      <dsp:txXfrm>
-        <a:off x="4622903" y="2624875"/>
-        <a:ext cx="850639" cy="440423"/>
-      </dsp:txXfrm>
-    </dsp:sp>
-    <dsp:sp modelId="{6BC0D8D4-F910-43DA-8034-B180247596F5}">
-      <dsp:nvSpPr>
-        <dsp:cNvPr id="0" name=""/>
-        <dsp:cNvSpPr/>
-      </dsp:nvSpPr>
-      <dsp:spPr>
-        <a:xfrm>
-          <a:off x="4793031" y="2967427"/>
-          <a:ext cx="765575" cy="146807"/>
-        </a:xfrm>
-        <a:prstGeom prst="rect">
-          <a:avLst/>
-        </a:prstGeom>
-        <a:solidFill>
-          <a:schemeClr val="lt1">
-            <a:alpha val="90000"/>
-            <a:hueOff val="0"/>
-            <a:satOff val="0"/>
-            <a:lumOff val="0"/>
-            <a:alphaOff val="0"/>
-          </a:schemeClr>
-        </a:solidFill>
-        <a:ln w="12700" cap="flat" cmpd="sng" algn="ctr">
-          <a:solidFill>
-            <a:schemeClr val="accent1">
-              <a:hueOff val="0"/>
-              <a:satOff val="0"/>
-              <a:lumOff val="0"/>
-              <a:alphaOff val="0"/>
-            </a:schemeClr>
-          </a:solidFill>
-          <a:prstDash val="solid"/>
-          <a:miter lim="800000"/>
-        </a:ln>
-        <a:effectLst/>
-      </dsp:spPr>
-      <dsp:style>
-        <a:lnRef idx="2">
-          <a:scrgbClr r="0" g="0" b="0"/>
-        </a:lnRef>
-        <a:fillRef idx="1">
-          <a:scrgbClr r="0" g="0" b="0"/>
-        </a:fillRef>
-        <a:effectRef idx="0">
-          <a:scrgbClr r="0" g="0" b="0"/>
-        </a:effectRef>
-        <a:fontRef idx="minor"/>
-      </dsp:style>
-      <dsp:txBody>
-        <a:bodyPr spcFirstLastPara="0" vert="horz" wrap="square" lIns="22860" tIns="5715" rIns="22860" bIns="5715" numCol="1" spcCol="1270" anchor="ctr" anchorCtr="0">
-          <a:noAutofit/>
-        </a:bodyPr>
-        <a:lstStyle/>
-        <a:p>
-          <a:pPr lvl="0" algn="ctr" defTabSz="400050">
-            <a:lnSpc>
-              <a:spcPct val="90000"/>
-            </a:lnSpc>
-            <a:spcBef>
-              <a:spcPct val="0"/>
-            </a:spcBef>
-            <a:spcAft>
-              <a:spcPct val="35000"/>
-            </a:spcAft>
-          </a:pPr>
-          <a:r>
-            <a:rPr lang="en-US" altLang="zh-CN" sz="900" kern="1200"/>
-            <a:t>marker_info[i]</a:t>
-          </a:r>
-          <a:endParaRPr lang="zh-CN" altLang="en-US" sz="900" kern="1200"/>
-        </a:p>
-      </dsp:txBody>
-      <dsp:txXfrm>
-        <a:off x="4793031" y="2967427"/>
-        <a:ext cx="765575" cy="146807"/>
-      </dsp:txXfrm>
-    </dsp:sp>
   </dsp:spTree>
 </dsp:drawing>
 </file>
@@ -6287,7 +4382,7 @@
           <a:p>
             <a:fld id="{3A33E72D-B369-482C-8E75-C72865680BD7}" type="datetimeFigureOut">
               <a:rPr lang="zh-CN" altLang="en-US" smtClean="0"/>
-              <a:t>2021/10/29</a:t>
+              <a:t>2021/10/30</a:t>
             </a:fld>
             <a:endParaRPr lang="zh-CN" altLang="en-US"/>
           </a:p>
@@ -6619,7 +4714,7 @@
           <a:p>
             <a:fld id="{444F8A33-AB79-4A59-8D0A-F4B8D9D7D03C}" type="slidenum">
               <a:rPr lang="zh-CN" altLang="en-US" smtClean="0"/>
-              <a:t>6</a:t>
+              <a:t>7</a:t>
             </a:fld>
             <a:endParaRPr lang="zh-CN" altLang="en-US"/>
           </a:p>
@@ -6767,7 +4862,7 @@
           <a:p>
             <a:fld id="{C39C68C5-D724-4B50-A561-B354F4A5D368}" type="datetimeFigureOut">
               <a:rPr lang="zh-CN" altLang="en-US" smtClean="0"/>
-              <a:t>2021/10/29</a:t>
+              <a:t>2021/10/30</a:t>
             </a:fld>
             <a:endParaRPr lang="zh-CN" altLang="en-US"/>
           </a:p>
@@ -6935,7 +5030,7 @@
           <a:p>
             <a:fld id="{C39C68C5-D724-4B50-A561-B354F4A5D368}" type="datetimeFigureOut">
               <a:rPr lang="zh-CN" altLang="en-US" smtClean="0"/>
-              <a:t>2021/10/29</a:t>
+              <a:t>2021/10/30</a:t>
             </a:fld>
             <a:endParaRPr lang="zh-CN" altLang="en-US"/>
           </a:p>
@@ -7113,7 +5208,7 @@
           <a:p>
             <a:fld id="{C39C68C5-D724-4B50-A561-B354F4A5D368}" type="datetimeFigureOut">
               <a:rPr lang="zh-CN" altLang="en-US" smtClean="0"/>
-              <a:t>2021/10/29</a:t>
+              <a:t>2021/10/30</a:t>
             </a:fld>
             <a:endParaRPr lang="zh-CN" altLang="en-US"/>
           </a:p>
@@ -7281,7 +5376,7 @@
           <a:p>
             <a:fld id="{C39C68C5-D724-4B50-A561-B354F4A5D368}" type="datetimeFigureOut">
               <a:rPr lang="zh-CN" altLang="en-US" smtClean="0"/>
-              <a:t>2021/10/29</a:t>
+              <a:t>2021/10/30</a:t>
             </a:fld>
             <a:endParaRPr lang="zh-CN" altLang="en-US"/>
           </a:p>
@@ -7526,7 +5621,7 @@
           <a:p>
             <a:fld id="{C39C68C5-D724-4B50-A561-B354F4A5D368}" type="datetimeFigureOut">
               <a:rPr lang="zh-CN" altLang="en-US" smtClean="0"/>
-              <a:t>2021/10/29</a:t>
+              <a:t>2021/10/30</a:t>
             </a:fld>
             <a:endParaRPr lang="zh-CN" altLang="en-US"/>
           </a:p>
@@ -7755,7 +5850,7 @@
           <a:p>
             <a:fld id="{C39C68C5-D724-4B50-A561-B354F4A5D368}" type="datetimeFigureOut">
               <a:rPr lang="zh-CN" altLang="en-US" smtClean="0"/>
-              <a:t>2021/10/29</a:t>
+              <a:t>2021/10/30</a:t>
             </a:fld>
             <a:endParaRPr lang="zh-CN" altLang="en-US"/>
           </a:p>
@@ -8119,7 +6214,7 @@
           <a:p>
             <a:fld id="{C39C68C5-D724-4B50-A561-B354F4A5D368}" type="datetimeFigureOut">
               <a:rPr lang="zh-CN" altLang="en-US" smtClean="0"/>
-              <a:t>2021/10/29</a:t>
+              <a:t>2021/10/30</a:t>
             </a:fld>
             <a:endParaRPr lang="zh-CN" altLang="en-US"/>
           </a:p>
@@ -8236,7 +6331,7 @@
           <a:p>
             <a:fld id="{C39C68C5-D724-4B50-A561-B354F4A5D368}" type="datetimeFigureOut">
               <a:rPr lang="zh-CN" altLang="en-US" smtClean="0"/>
-              <a:t>2021/10/29</a:t>
+              <a:t>2021/10/30</a:t>
             </a:fld>
             <a:endParaRPr lang="zh-CN" altLang="en-US"/>
           </a:p>
@@ -8331,7 +6426,7 @@
           <a:p>
             <a:fld id="{C39C68C5-D724-4B50-A561-B354F4A5D368}" type="datetimeFigureOut">
               <a:rPr lang="zh-CN" altLang="en-US" smtClean="0"/>
-              <a:t>2021/10/29</a:t>
+              <a:t>2021/10/30</a:t>
             </a:fld>
             <a:endParaRPr lang="zh-CN" altLang="en-US"/>
           </a:p>
@@ -8606,7 +6701,7 @@
           <a:p>
             <a:fld id="{C39C68C5-D724-4B50-A561-B354F4A5D368}" type="datetimeFigureOut">
               <a:rPr lang="zh-CN" altLang="en-US" smtClean="0"/>
-              <a:t>2021/10/29</a:t>
+              <a:t>2021/10/30</a:t>
             </a:fld>
             <a:endParaRPr lang="zh-CN" altLang="en-US"/>
           </a:p>
@@ -8858,7 +6953,7 @@
           <a:p>
             <a:fld id="{C39C68C5-D724-4B50-A561-B354F4A5D368}" type="datetimeFigureOut">
               <a:rPr lang="zh-CN" altLang="en-US" smtClean="0"/>
-              <a:t>2021/10/29</a:t>
+              <a:t>2021/10/30</a:t>
             </a:fld>
             <a:endParaRPr lang="zh-CN" altLang="en-US"/>
           </a:p>
@@ -9079,7 +7174,7 @@
           <a:p>
             <a:fld id="{C39C68C5-D724-4B50-A561-B354F4A5D368}" type="datetimeFigureOut">
               <a:rPr lang="zh-CN" altLang="en-US" smtClean="0"/>
-              <a:t>2021/10/29</a:t>
+              <a:t>2021/10/30</a:t>
             </a:fld>
             <a:endParaRPr lang="zh-CN" altLang="en-US"/>
           </a:p>
@@ -17366,2562 +15461,6 @@
         </p:nvSpPr>
         <p:spPr>
           <a:xfrm>
-            <a:off x="971005" y="31956"/>
-            <a:ext cx="3349592" cy="762524"/>
-          </a:xfrm>
-        </p:spPr>
-        <p:txBody>
-          <a:bodyPr>
-            <a:normAutofit/>
-          </a:bodyPr>
-          <a:lstStyle/>
-          <a:p>
-            <a:r>
-              <a:rPr lang="en-US" altLang="zh-CN" sz="3200" b="1" dirty="0" smtClean="0">
-                <a:solidFill>
-                  <a:srgbClr val="0070C0"/>
-                </a:solidFill>
-                <a:latin typeface="微软雅黑" panose="020B0503020204020204" pitchFamily="34" charset="-122"/>
-                <a:ea typeface="微软雅黑" panose="020B0503020204020204" pitchFamily="34" charset="-122"/>
-              </a:rPr>
-              <a:t>PID</a:t>
-            </a:r>
-            <a:r>
-              <a:rPr lang="zh-CN" altLang="en-US" sz="3200" b="1" dirty="0" smtClean="0">
-                <a:solidFill>
-                  <a:srgbClr val="0070C0"/>
-                </a:solidFill>
-                <a:latin typeface="微软雅黑" panose="020B0503020204020204" pitchFamily="34" charset="-122"/>
-                <a:ea typeface="微软雅黑" panose="020B0503020204020204" pitchFamily="34" charset="-122"/>
-              </a:rPr>
-              <a:t>控制</a:t>
-            </a:r>
-            <a:endParaRPr lang="zh-CN" altLang="en-US" sz="3200" b="1" dirty="0">
-              <a:solidFill>
-                <a:srgbClr val="0070C0"/>
-              </a:solidFill>
-              <a:latin typeface="微软雅黑" panose="020B0503020204020204" pitchFamily="34" charset="-122"/>
-              <a:ea typeface="微软雅黑" panose="020B0503020204020204" pitchFamily="34" charset="-122"/>
-            </a:endParaRPr>
-          </a:p>
-        </p:txBody>
-      </p:sp>
-      <p:sp>
-        <p:nvSpPr>
-          <p:cNvPr id="22" name="矩形 21"/>
-          <p:cNvSpPr/>
-          <p:nvPr/>
-        </p:nvSpPr>
-        <p:spPr>
-          <a:xfrm>
-            <a:off x="628650" y="676275"/>
-            <a:ext cx="11010900" cy="5863863"/>
-          </a:xfrm>
-          <a:prstGeom prst="rect">
-            <a:avLst/>
-          </a:prstGeom>
-          <a:solidFill>
-            <a:schemeClr val="accent1">
-              <a:lumMod val="50000"/>
-            </a:schemeClr>
-          </a:solidFill>
-          <a:ln>
-            <a:solidFill>
-              <a:schemeClr val="accent1"/>
-            </a:solidFill>
-          </a:ln>
-        </p:spPr>
-        <p:style>
-          <a:lnRef idx="2">
-            <a:schemeClr val="accent1">
-              <a:shade val="50000"/>
-            </a:schemeClr>
-          </a:lnRef>
-          <a:fillRef idx="1">
-            <a:schemeClr val="accent1"/>
-          </a:fillRef>
-          <a:effectRef idx="0">
-            <a:schemeClr val="accent1"/>
-          </a:effectRef>
-          <a:fontRef idx="minor">
-            <a:schemeClr val="lt1"/>
-          </a:fontRef>
-        </p:style>
-        <p:txBody>
-          <a:bodyPr rtlCol="0" anchor="ctr"/>
-          <a:lstStyle/>
-          <a:p>
-            <a:pPr lvl="0"/>
-            <a:endParaRPr lang="en-US" altLang="zh-CN" dirty="0">
-              <a:solidFill>
-                <a:prstClr val="white"/>
-              </a:solidFill>
-              <a:latin typeface="微软雅黑" panose="020B0503020204020204" pitchFamily="34" charset="-122"/>
-              <a:ea typeface="微软雅黑" panose="020B0503020204020204" pitchFamily="34" charset="-122"/>
-            </a:endParaRPr>
-          </a:p>
-          <a:p>
-            <a:endParaRPr lang="en-US" altLang="zh-CN" sz="2400" dirty="0">
-              <a:latin typeface="微软雅黑" panose="020B0503020204020204" pitchFamily="34" charset="-122"/>
-              <a:ea typeface="微软雅黑" panose="020B0503020204020204" pitchFamily="34" charset="-122"/>
-            </a:endParaRPr>
-          </a:p>
-          <a:p>
-            <a:endParaRPr lang="en-US" altLang="zh-CN" sz="2400" dirty="0">
-              <a:latin typeface="微软雅黑" panose="020B0503020204020204" pitchFamily="34" charset="-122"/>
-              <a:ea typeface="微软雅黑" panose="020B0503020204020204" pitchFamily="34" charset="-122"/>
-            </a:endParaRPr>
-          </a:p>
-          <a:p>
-            <a:endParaRPr lang="en-US" altLang="zh-CN" sz="2400" dirty="0">
-              <a:latin typeface="微软雅黑" panose="020B0503020204020204" pitchFamily="34" charset="-122"/>
-              <a:ea typeface="微软雅黑" panose="020B0503020204020204" pitchFamily="34" charset="-122"/>
-            </a:endParaRPr>
-          </a:p>
-          <a:p>
-            <a:endParaRPr lang="en-US" altLang="zh-CN" sz="2400" dirty="0">
-              <a:latin typeface="微软雅黑" panose="020B0503020204020204" pitchFamily="34" charset="-122"/>
-              <a:ea typeface="微软雅黑" panose="020B0503020204020204" pitchFamily="34" charset="-122"/>
-            </a:endParaRPr>
-          </a:p>
-          <a:p>
-            <a:endParaRPr lang="en-US" altLang="zh-CN" sz="2400" dirty="0">
-              <a:latin typeface="微软雅黑" panose="020B0503020204020204" pitchFamily="34" charset="-122"/>
-              <a:ea typeface="微软雅黑" panose="020B0503020204020204" pitchFamily="34" charset="-122"/>
-            </a:endParaRPr>
-          </a:p>
-          <a:p>
-            <a:endParaRPr lang="en-US" altLang="zh-CN" sz="2400" dirty="0">
-              <a:latin typeface="微软雅黑" panose="020B0503020204020204" pitchFamily="34" charset="-122"/>
-              <a:ea typeface="微软雅黑" panose="020B0503020204020204" pitchFamily="34" charset="-122"/>
-            </a:endParaRPr>
-          </a:p>
-          <a:p>
-            <a:endParaRPr lang="en-US" altLang="zh-CN" sz="2400" dirty="0">
-              <a:latin typeface="微软雅黑" panose="020B0503020204020204" pitchFamily="34" charset="-122"/>
-              <a:ea typeface="微软雅黑" panose="020B0503020204020204" pitchFamily="34" charset="-122"/>
-            </a:endParaRPr>
-          </a:p>
-          <a:p>
-            <a:endParaRPr lang="en-US" altLang="zh-CN" sz="2400" dirty="0">
-              <a:latin typeface="微软雅黑" panose="020B0503020204020204" pitchFamily="34" charset="-122"/>
-              <a:ea typeface="微软雅黑" panose="020B0503020204020204" pitchFamily="34" charset="-122"/>
-            </a:endParaRPr>
-          </a:p>
-          <a:p>
-            <a:pPr lvl="0"/>
-            <a:endParaRPr lang="en-US" altLang="zh-CN" dirty="0">
-              <a:solidFill>
-                <a:prstClr val="white"/>
-              </a:solidFill>
-              <a:latin typeface="微软雅黑" panose="020B0503020204020204" pitchFamily="34" charset="-122"/>
-              <a:ea typeface="微软雅黑" panose="020B0503020204020204" pitchFamily="34" charset="-122"/>
-            </a:endParaRPr>
-          </a:p>
-        </p:txBody>
-      </p:sp>
-      <p:pic>
-        <p:nvPicPr>
-          <p:cNvPr id="4" name="内容占位符 5">
-            <a:extLst>
-              <a:ext uri="{FF2B5EF4-FFF2-40B4-BE49-F238E27FC236}">
-                <a16:creationId xmlns:a16="http://schemas.microsoft.com/office/drawing/2014/main" xmlns="" id="{DB26105E-A1FF-4E29-8ADB-0BAF8186333C}"/>
-              </a:ext>
-            </a:extLst>
-          </p:cNvPr>
-          <p:cNvPicPr>
-            <a:picLocks noGrp="1" noChangeAspect="1"/>
-          </p:cNvPicPr>
-          <p:nvPr>
-            <p:ph idx="1"/>
-          </p:nvPr>
-        </p:nvPicPr>
-        <p:blipFill>
-          <a:blip r:embed="rId3" cstate="print">
-            <a:extLst>
-              <a:ext uri="{28A0092B-C50C-407E-A947-70E740481C1C}">
-                <a14:useLocalDpi xmlns:a14="http://schemas.microsoft.com/office/drawing/2010/main" val="0"/>
-              </a:ext>
-            </a:extLst>
-          </a:blip>
-          <a:stretch>
-            <a:fillRect/>
-          </a:stretch>
-        </p:blipFill>
-        <p:spPr>
-          <a:xfrm>
-            <a:off x="2125015" y="1030768"/>
-            <a:ext cx="816061" cy="816061"/>
-          </a:xfrm>
-          <a:ln>
-            <a:solidFill>
-              <a:schemeClr val="accent1"/>
-            </a:solidFill>
-          </a:ln>
-        </p:spPr>
-      </p:pic>
-      <p:grpSp>
-        <p:nvGrpSpPr>
-          <p:cNvPr id="14" name="组合 13"/>
-          <p:cNvGrpSpPr/>
-          <p:nvPr/>
-        </p:nvGrpSpPr>
-        <p:grpSpPr>
-          <a:xfrm>
-            <a:off x="5889314" y="1050331"/>
-            <a:ext cx="850900" cy="776933"/>
-            <a:chOff x="6003614" y="1518301"/>
-            <a:chExt cx="850900" cy="776933"/>
-          </a:xfrm>
-        </p:grpSpPr>
-        <p:sp>
-          <p:nvSpPr>
-            <p:cNvPr id="7" name="矩形 6"/>
-            <p:cNvSpPr/>
-            <p:nvPr/>
-          </p:nvSpPr>
-          <p:spPr>
-            <a:xfrm>
-              <a:off x="6197600" y="1658603"/>
-              <a:ext cx="462928" cy="462928"/>
-            </a:xfrm>
-            <a:prstGeom prst="rect">
-              <a:avLst/>
-            </a:prstGeom>
-            <a:noFill/>
-            <a:ln w="25400">
-              <a:solidFill>
-                <a:srgbClr val="92D050"/>
-              </a:solidFill>
-            </a:ln>
-          </p:spPr>
-          <p:style>
-            <a:lnRef idx="2">
-              <a:schemeClr val="accent1">
-                <a:shade val="50000"/>
-              </a:schemeClr>
-            </a:lnRef>
-            <a:fillRef idx="1">
-              <a:schemeClr val="accent1"/>
-            </a:fillRef>
-            <a:effectRef idx="0">
-              <a:schemeClr val="accent1"/>
-            </a:effectRef>
-            <a:fontRef idx="minor">
-              <a:schemeClr val="lt1"/>
-            </a:fontRef>
-          </p:style>
-          <p:txBody>
-            <a:bodyPr rtlCol="0" anchor="ctr"/>
-            <a:lstStyle/>
-            <a:p>
-              <a:pPr algn="ctr"/>
-              <a:endParaRPr lang="zh-CN" altLang="en-US"/>
-            </a:p>
-          </p:txBody>
-        </p:sp>
-        <p:cxnSp>
-          <p:nvCxnSpPr>
-            <p:cNvPr id="9" name="直接连接符 8"/>
-            <p:cNvCxnSpPr/>
-            <p:nvPr/>
-          </p:nvCxnSpPr>
-          <p:spPr>
-            <a:xfrm>
-              <a:off x="6003614" y="1890067"/>
-              <a:ext cx="850900" cy="0"/>
-            </a:xfrm>
-            <a:prstGeom prst="line">
-              <a:avLst/>
-            </a:prstGeom>
-            <a:ln w="25400">
-              <a:solidFill>
-                <a:srgbClr val="92D050"/>
-              </a:solidFill>
-            </a:ln>
-          </p:spPr>
-          <p:style>
-            <a:lnRef idx="1">
-              <a:schemeClr val="accent1"/>
-            </a:lnRef>
-            <a:fillRef idx="0">
-              <a:schemeClr val="accent1"/>
-            </a:fillRef>
-            <a:effectRef idx="0">
-              <a:schemeClr val="accent1"/>
-            </a:effectRef>
-            <a:fontRef idx="minor">
-              <a:schemeClr val="tx1"/>
-            </a:fontRef>
-          </p:style>
-        </p:cxnSp>
-        <p:cxnSp>
-          <p:nvCxnSpPr>
-            <p:cNvPr id="11" name="直接连接符 10"/>
-            <p:cNvCxnSpPr/>
-            <p:nvPr/>
-          </p:nvCxnSpPr>
-          <p:spPr>
-            <a:xfrm flipV="1">
-              <a:off x="6438278" y="1518301"/>
-              <a:ext cx="0" cy="776933"/>
-            </a:xfrm>
-            <a:prstGeom prst="line">
-              <a:avLst/>
-            </a:prstGeom>
-            <a:ln w="25400">
-              <a:solidFill>
-                <a:srgbClr val="92D050"/>
-              </a:solidFill>
-            </a:ln>
-          </p:spPr>
-          <p:style>
-            <a:lnRef idx="1">
-              <a:schemeClr val="accent1"/>
-            </a:lnRef>
-            <a:fillRef idx="0">
-              <a:schemeClr val="accent1"/>
-            </a:fillRef>
-            <a:effectRef idx="0">
-              <a:schemeClr val="accent1"/>
-            </a:effectRef>
-            <a:fontRef idx="minor">
-              <a:schemeClr val="tx1"/>
-            </a:fontRef>
-          </p:style>
-        </p:cxnSp>
-      </p:grpSp>
-      <p:cxnSp>
-        <p:nvCxnSpPr>
-          <p:cNvPr id="16" name="直接箭头连接符 15"/>
-          <p:cNvCxnSpPr/>
-          <p:nvPr/>
-        </p:nvCxnSpPr>
-        <p:spPr>
-          <a:xfrm>
-            <a:off x="2533045" y="1422097"/>
-            <a:ext cx="3790933" cy="0"/>
-          </a:xfrm>
-          <a:prstGeom prst="straightConnector1">
-            <a:avLst/>
-          </a:prstGeom>
-          <a:ln w="25400">
-            <a:headEnd type="triangle"/>
-            <a:tailEnd type="triangle"/>
-          </a:ln>
-        </p:spPr>
-        <p:style>
-          <a:lnRef idx="1">
-            <a:schemeClr val="accent1"/>
-          </a:lnRef>
-          <a:fillRef idx="0">
-            <a:schemeClr val="accent1"/>
-          </a:fillRef>
-          <a:effectRef idx="0">
-            <a:schemeClr val="accent1"/>
-          </a:effectRef>
-          <a:fontRef idx="minor">
-            <a:schemeClr val="tx1"/>
-          </a:fontRef>
-        </p:style>
-      </p:cxnSp>
-      <p:sp>
-        <p:nvSpPr>
-          <p:cNvPr id="19" name="文本框 18"/>
-          <p:cNvSpPr txBox="1"/>
-          <p:nvPr/>
-        </p:nvSpPr>
-        <p:spPr>
-          <a:xfrm>
-            <a:off x="4233906" y="1088656"/>
-            <a:ext cx="556563" cy="369332"/>
-          </a:xfrm>
-          <a:prstGeom prst="rect">
-            <a:avLst/>
-          </a:prstGeom>
-          <a:noFill/>
-        </p:spPr>
-        <p:txBody>
-          <a:bodyPr wrap="none" rtlCol="0">
-            <a:spAutoFit/>
-          </a:bodyPr>
-          <a:lstStyle/>
-          <a:p>
-            <a:r>
-              <a:rPr lang="en-US" altLang="zh-CN" dirty="0" err="1" smtClean="0">
-                <a:solidFill>
-                  <a:schemeClr val="bg1"/>
-                </a:solidFill>
-              </a:rPr>
-              <a:t>xErr</a:t>
-            </a:r>
-            <a:endParaRPr lang="zh-CN" altLang="en-US" dirty="0">
-              <a:solidFill>
-                <a:schemeClr val="bg1"/>
-              </a:solidFill>
-            </a:endParaRPr>
-          </a:p>
-        </p:txBody>
-      </p:sp>
-      <mc:AlternateContent xmlns:mc="http://schemas.openxmlformats.org/markup-compatibility/2006">
-        <mc:Choice xmlns:a14="http://schemas.microsoft.com/office/drawing/2010/main" Requires="a14">
-          <p:sp>
-            <p:nvSpPr>
-              <p:cNvPr id="20" name="文本框 19"/>
-              <p:cNvSpPr txBox="1"/>
-              <p:nvPr/>
-            </p:nvSpPr>
-            <p:spPr>
-              <a:xfrm>
-                <a:off x="6980892" y="960432"/>
-                <a:ext cx="3935693" cy="944746"/>
-              </a:xfrm>
-              <a:prstGeom prst="rect">
-                <a:avLst/>
-              </a:prstGeom>
-              <a:noFill/>
-            </p:spPr>
-            <p:txBody>
-              <a:bodyPr wrap="none" rtlCol="0">
-                <a:spAutoFit/>
-              </a:bodyPr>
-              <a:lstStyle/>
-              <a:p>
-                <a:pPr marL="285750" indent="-285750">
-                  <a:buFont typeface="Arial" panose="020B0604020202020204" pitchFamily="34" charset="0"/>
-                  <a:buChar char="•"/>
-                </a:pPr>
-                <a14:m>
-                  <m:oMath xmlns:m="http://schemas.openxmlformats.org/officeDocument/2006/math">
-                    <m:r>
-                      <a:rPr lang="en-US" altLang="zh-CN" b="0" i="1" smtClean="0">
-                        <a:solidFill>
-                          <a:schemeClr val="bg1"/>
-                        </a:solidFill>
-                        <a:latin typeface="Cambria Math" panose="02040503050406030204" pitchFamily="18" charset="0"/>
-                      </a:rPr>
-                      <m:t>𝑥𝑆𝑝𝑒𝑒𝑑</m:t>
-                    </m:r>
-                    <m:r>
-                      <a:rPr lang="en-US" altLang="zh-CN" b="0" i="1" smtClean="0">
-                        <a:solidFill>
-                          <a:schemeClr val="bg1"/>
-                        </a:solidFill>
-                        <a:latin typeface="Cambria Math" panose="02040503050406030204" pitchFamily="18" charset="0"/>
-                      </a:rPr>
-                      <m:t>=</m:t>
-                    </m:r>
-                    <m:sSub>
-                      <m:sSubPr>
-                        <m:ctrlPr>
-                          <a:rPr lang="en-US" altLang="zh-CN" b="0" i="1" smtClean="0">
-                            <a:solidFill>
-                              <a:schemeClr val="bg1"/>
-                            </a:solidFill>
-                            <a:latin typeface="Cambria Math" panose="02040503050406030204" pitchFamily="18" charset="0"/>
-                          </a:rPr>
-                        </m:ctrlPr>
-                      </m:sSubPr>
-                      <m:e>
-                        <m:r>
-                          <a:rPr lang="en-US" altLang="zh-CN" b="0" i="1" smtClean="0">
-                            <a:solidFill>
-                              <a:schemeClr val="bg1"/>
-                            </a:solidFill>
-                            <a:latin typeface="Cambria Math" panose="02040503050406030204" pitchFamily="18" charset="0"/>
-                          </a:rPr>
-                          <m:t>𝐾</m:t>
-                        </m:r>
-                      </m:e>
-                      <m:sub>
-                        <m:r>
-                          <a:rPr lang="en-US" altLang="zh-CN" b="0" i="1" smtClean="0">
-                            <a:solidFill>
-                              <a:schemeClr val="bg1"/>
-                            </a:solidFill>
-                            <a:latin typeface="Cambria Math" panose="02040503050406030204" pitchFamily="18" charset="0"/>
-                          </a:rPr>
-                          <m:t>𝑝</m:t>
-                        </m:r>
-                      </m:sub>
-                    </m:sSub>
-                    <m:r>
-                      <a:rPr lang="en-US" altLang="zh-CN" b="0" i="1" smtClean="0">
-                        <a:solidFill>
-                          <a:schemeClr val="bg1"/>
-                        </a:solidFill>
-                        <a:latin typeface="Cambria Math" panose="02040503050406030204" pitchFamily="18" charset="0"/>
-                        <a:ea typeface="Cambria Math" panose="02040503050406030204" pitchFamily="18" charset="0"/>
-                      </a:rPr>
-                      <m:t>×</m:t>
-                    </m:r>
-                    <m:r>
-                      <a:rPr lang="en-US" altLang="zh-CN" b="0" i="1" smtClean="0">
-                        <a:solidFill>
-                          <a:schemeClr val="bg1"/>
-                        </a:solidFill>
-                        <a:latin typeface="Cambria Math" panose="02040503050406030204" pitchFamily="18" charset="0"/>
-                        <a:ea typeface="Cambria Math" panose="02040503050406030204" pitchFamily="18" charset="0"/>
-                      </a:rPr>
-                      <m:t>𝑥𝐸𝑟𝑟</m:t>
-                    </m:r>
-                  </m:oMath>
-                </a14:m>
-                <a:endParaRPr lang="en-US" altLang="zh-CN" dirty="0" smtClean="0">
-                  <a:solidFill>
-                    <a:schemeClr val="bg1"/>
-                  </a:solidFill>
-                </a:endParaRPr>
-              </a:p>
-              <a:p>
-                <a:pPr marL="285750" indent="-285750">
-                  <a:buFont typeface="Arial" panose="020B0604020202020204" pitchFamily="34" charset="0"/>
-                  <a:buChar char="•"/>
-                </a:pPr>
-                <a:r>
-                  <a:rPr lang="en-US" altLang="zh-CN" dirty="0" err="1" smtClean="0">
-                    <a:solidFill>
-                      <a:schemeClr val="bg1"/>
-                    </a:solidFill>
-                  </a:rPr>
-                  <a:t>xErr</a:t>
-                </a:r>
-                <a:r>
-                  <a:rPr lang="zh-CN" altLang="en-US" dirty="0" smtClean="0">
-                    <a:solidFill>
-                      <a:schemeClr val="bg1"/>
-                    </a:solidFill>
-                  </a:rPr>
-                  <a:t>越大，</a:t>
-                </a:r>
-                <a:r>
-                  <a:rPr lang="en-US" altLang="zh-CN" dirty="0" err="1" smtClean="0">
-                    <a:solidFill>
-                      <a:schemeClr val="bg1"/>
-                    </a:solidFill>
-                  </a:rPr>
-                  <a:t>xSpeed</a:t>
-                </a:r>
-                <a:r>
-                  <a:rPr lang="zh-CN" altLang="en-US" dirty="0" smtClean="0">
-                    <a:solidFill>
-                      <a:schemeClr val="bg1"/>
-                    </a:solidFill>
-                  </a:rPr>
-                  <a:t>越快</a:t>
-                </a:r>
-                <a:endParaRPr lang="en-US" altLang="zh-CN" dirty="0" smtClean="0">
-                  <a:solidFill>
-                    <a:schemeClr val="bg1"/>
-                  </a:solidFill>
-                </a:endParaRPr>
-              </a:p>
-              <a:p>
-                <a:pPr marL="285750" indent="-285750">
-                  <a:buFont typeface="Arial" panose="020B0604020202020204" pitchFamily="34" charset="0"/>
-                  <a:buChar char="•"/>
-                </a:pPr>
-                <a:r>
-                  <a:rPr lang="zh-CN" altLang="en-US" dirty="0" smtClean="0">
-                    <a:solidFill>
-                      <a:schemeClr val="bg1"/>
-                    </a:solidFill>
-                  </a:rPr>
-                  <a:t>准星距离目标越远，云台转动越快</a:t>
-                </a:r>
-                <a:endParaRPr lang="zh-CN" altLang="en-US" dirty="0">
-                  <a:solidFill>
-                    <a:schemeClr val="bg1"/>
-                  </a:solidFill>
-                </a:endParaRPr>
-              </a:p>
-            </p:txBody>
-          </p:sp>
-        </mc:Choice>
-        <mc:Fallback>
-          <p:sp>
-            <p:nvSpPr>
-              <p:cNvPr id="20" name="文本框 19"/>
-              <p:cNvSpPr txBox="1">
-                <a:spLocks noRot="1" noChangeAspect="1" noMove="1" noResize="1" noEditPoints="1" noAdjustHandles="1" noChangeArrowheads="1" noChangeShapeType="1" noTextEdit="1"/>
-              </p:cNvSpPr>
-              <p:nvPr/>
-            </p:nvSpPr>
-            <p:spPr>
-              <a:xfrm>
-                <a:off x="6980892" y="960432"/>
-                <a:ext cx="3935693" cy="944746"/>
-              </a:xfrm>
-              <a:prstGeom prst="rect">
-                <a:avLst/>
-              </a:prstGeom>
-              <a:blipFill rotWithShape="0">
-                <a:blip r:embed="rId4"/>
-                <a:stretch>
-                  <a:fillRect l="-929" t="-1290" r="-774" b="-7097"/>
-                </a:stretch>
-              </a:blipFill>
-            </p:spPr>
-            <p:txBody>
-              <a:bodyPr/>
-              <a:lstStyle/>
-              <a:p>
-                <a:r>
-                  <a:rPr lang="zh-CN" altLang="en-US">
-                    <a:noFill/>
-                  </a:rPr>
-                  <a:t> </a:t>
-                </a:r>
-              </a:p>
-            </p:txBody>
-          </p:sp>
-        </mc:Fallback>
-      </mc:AlternateContent>
-      <p:sp>
-        <p:nvSpPr>
-          <p:cNvPr id="23" name="文本框 22"/>
-          <p:cNvSpPr txBox="1"/>
-          <p:nvPr/>
-        </p:nvSpPr>
-        <p:spPr>
-          <a:xfrm>
-            <a:off x="891400" y="1232750"/>
-            <a:ext cx="697627" cy="400110"/>
-          </a:xfrm>
-          <a:prstGeom prst="rect">
-            <a:avLst/>
-          </a:prstGeom>
-          <a:noFill/>
-        </p:spPr>
-        <p:txBody>
-          <a:bodyPr wrap="none" rtlCol="0">
-            <a:spAutoFit/>
-          </a:bodyPr>
-          <a:lstStyle/>
-          <a:p>
-            <a:r>
-              <a:rPr lang="zh-CN" altLang="en-US" sz="2000" b="1" dirty="0" smtClean="0">
-                <a:solidFill>
-                  <a:schemeClr val="bg1"/>
-                </a:solidFill>
-                <a:latin typeface="微软雅黑" panose="020B0503020204020204" pitchFamily="34" charset="-122"/>
-                <a:ea typeface="微软雅黑" panose="020B0503020204020204" pitchFamily="34" charset="-122"/>
-              </a:rPr>
-              <a:t>比例</a:t>
-            </a:r>
-            <a:endParaRPr lang="zh-CN" altLang="en-US" sz="2000" b="1" dirty="0">
-              <a:solidFill>
-                <a:schemeClr val="bg1"/>
-              </a:solidFill>
-              <a:latin typeface="微软雅黑" panose="020B0503020204020204" pitchFamily="34" charset="-122"/>
-              <a:ea typeface="微软雅黑" panose="020B0503020204020204" pitchFamily="34" charset="-122"/>
-            </a:endParaRPr>
-          </a:p>
-        </p:txBody>
-      </p:sp>
-      <p:pic>
-        <p:nvPicPr>
-          <p:cNvPr id="31" name="内容占位符 5">
-            <a:extLst>
-              <a:ext uri="{FF2B5EF4-FFF2-40B4-BE49-F238E27FC236}">
-                <a16:creationId xmlns:a16="http://schemas.microsoft.com/office/drawing/2014/main" xmlns="" id="{DB26105E-A1FF-4E29-8ADB-0BAF8186333C}"/>
-              </a:ext>
-            </a:extLst>
-          </p:cNvPr>
-          <p:cNvPicPr>
-            <a:picLocks noChangeAspect="1"/>
-          </p:cNvPicPr>
-          <p:nvPr/>
-        </p:nvPicPr>
-        <p:blipFill>
-          <a:blip r:embed="rId3" cstate="print">
-            <a:extLst>
-              <a:ext uri="{28A0092B-C50C-407E-A947-70E740481C1C}">
-                <a14:useLocalDpi xmlns:a14="http://schemas.microsoft.com/office/drawing/2010/main" val="0"/>
-              </a:ext>
-            </a:extLst>
-          </a:blip>
-          <a:stretch>
-            <a:fillRect/>
-          </a:stretch>
-        </p:blipFill>
-        <p:spPr>
-          <a:xfrm>
-            <a:off x="4544884" y="2346028"/>
-            <a:ext cx="816061" cy="816061"/>
-          </a:xfrm>
-          <a:prstGeom prst="rect">
-            <a:avLst/>
-          </a:prstGeom>
-          <a:ln>
-            <a:solidFill>
-              <a:schemeClr val="accent1"/>
-            </a:solidFill>
-          </a:ln>
-        </p:spPr>
-      </p:pic>
-      <p:grpSp>
-        <p:nvGrpSpPr>
-          <p:cNvPr id="32" name="组合 31"/>
-          <p:cNvGrpSpPr/>
-          <p:nvPr/>
-        </p:nvGrpSpPr>
-        <p:grpSpPr>
-          <a:xfrm>
-            <a:off x="5889314" y="2365593"/>
-            <a:ext cx="850900" cy="776933"/>
-            <a:chOff x="6003614" y="1518301"/>
-            <a:chExt cx="850900" cy="776933"/>
-          </a:xfrm>
-        </p:grpSpPr>
-        <p:sp>
-          <p:nvSpPr>
-            <p:cNvPr id="33" name="矩形 32"/>
-            <p:cNvSpPr/>
-            <p:nvPr/>
-          </p:nvSpPr>
-          <p:spPr>
-            <a:xfrm>
-              <a:off x="6197600" y="1658603"/>
-              <a:ext cx="462928" cy="462928"/>
-            </a:xfrm>
-            <a:prstGeom prst="rect">
-              <a:avLst/>
-            </a:prstGeom>
-            <a:noFill/>
-            <a:ln w="25400">
-              <a:solidFill>
-                <a:srgbClr val="92D050"/>
-              </a:solidFill>
-            </a:ln>
-          </p:spPr>
-          <p:style>
-            <a:lnRef idx="2">
-              <a:schemeClr val="accent1">
-                <a:shade val="50000"/>
-              </a:schemeClr>
-            </a:lnRef>
-            <a:fillRef idx="1">
-              <a:schemeClr val="accent1"/>
-            </a:fillRef>
-            <a:effectRef idx="0">
-              <a:schemeClr val="accent1"/>
-            </a:effectRef>
-            <a:fontRef idx="minor">
-              <a:schemeClr val="lt1"/>
-            </a:fontRef>
-          </p:style>
-          <p:txBody>
-            <a:bodyPr rtlCol="0" anchor="ctr"/>
-            <a:lstStyle/>
-            <a:p>
-              <a:pPr algn="ctr"/>
-              <a:endParaRPr lang="zh-CN" altLang="en-US"/>
-            </a:p>
-          </p:txBody>
-        </p:sp>
-        <p:cxnSp>
-          <p:nvCxnSpPr>
-            <p:cNvPr id="34" name="直接连接符 33"/>
-            <p:cNvCxnSpPr/>
-            <p:nvPr/>
-          </p:nvCxnSpPr>
-          <p:spPr>
-            <a:xfrm>
-              <a:off x="6003614" y="1890067"/>
-              <a:ext cx="850900" cy="0"/>
-            </a:xfrm>
-            <a:prstGeom prst="line">
-              <a:avLst/>
-            </a:prstGeom>
-            <a:ln w="25400">
-              <a:solidFill>
-                <a:srgbClr val="92D050"/>
-              </a:solidFill>
-            </a:ln>
-          </p:spPr>
-          <p:style>
-            <a:lnRef idx="1">
-              <a:schemeClr val="accent1"/>
-            </a:lnRef>
-            <a:fillRef idx="0">
-              <a:schemeClr val="accent1"/>
-            </a:fillRef>
-            <a:effectRef idx="0">
-              <a:schemeClr val="accent1"/>
-            </a:effectRef>
-            <a:fontRef idx="minor">
-              <a:schemeClr val="tx1"/>
-            </a:fontRef>
-          </p:style>
-        </p:cxnSp>
-        <p:cxnSp>
-          <p:nvCxnSpPr>
-            <p:cNvPr id="35" name="直接连接符 34"/>
-            <p:cNvCxnSpPr/>
-            <p:nvPr/>
-          </p:nvCxnSpPr>
-          <p:spPr>
-            <a:xfrm flipV="1">
-              <a:off x="6438278" y="1518301"/>
-              <a:ext cx="0" cy="776933"/>
-            </a:xfrm>
-            <a:prstGeom prst="line">
-              <a:avLst/>
-            </a:prstGeom>
-            <a:ln w="25400">
-              <a:solidFill>
-                <a:srgbClr val="92D050"/>
-              </a:solidFill>
-            </a:ln>
-          </p:spPr>
-          <p:style>
-            <a:lnRef idx="1">
-              <a:schemeClr val="accent1"/>
-            </a:lnRef>
-            <a:fillRef idx="0">
-              <a:schemeClr val="accent1"/>
-            </a:fillRef>
-            <a:effectRef idx="0">
-              <a:schemeClr val="accent1"/>
-            </a:effectRef>
-            <a:fontRef idx="minor">
-              <a:schemeClr val="tx1"/>
-            </a:fontRef>
-          </p:style>
-        </p:cxnSp>
-      </p:grpSp>
-      <p:cxnSp>
-        <p:nvCxnSpPr>
-          <p:cNvPr id="36" name="直接箭头连接符 35"/>
-          <p:cNvCxnSpPr/>
-          <p:nvPr/>
-        </p:nvCxnSpPr>
-        <p:spPr>
-          <a:xfrm>
-            <a:off x="4952914" y="2734925"/>
-            <a:ext cx="1371064" cy="2434"/>
-          </a:xfrm>
-          <a:prstGeom prst="straightConnector1">
-            <a:avLst/>
-          </a:prstGeom>
-          <a:ln w="25400">
-            <a:headEnd type="triangle"/>
-            <a:tailEnd type="triangle"/>
-          </a:ln>
-        </p:spPr>
-        <p:style>
-          <a:lnRef idx="1">
-            <a:schemeClr val="accent1"/>
-          </a:lnRef>
-          <a:fillRef idx="0">
-            <a:schemeClr val="accent1"/>
-          </a:fillRef>
-          <a:effectRef idx="0">
-            <a:schemeClr val="accent1"/>
-          </a:effectRef>
-          <a:fontRef idx="minor">
-            <a:schemeClr val="tx1"/>
-          </a:fontRef>
-        </p:style>
-      </p:cxnSp>
-      <p:sp>
-        <p:nvSpPr>
-          <p:cNvPr id="37" name="文本框 36"/>
-          <p:cNvSpPr txBox="1"/>
-          <p:nvPr/>
-        </p:nvSpPr>
-        <p:spPr>
-          <a:xfrm>
-            <a:off x="5414403" y="2365593"/>
-            <a:ext cx="518091" cy="369332"/>
-          </a:xfrm>
-          <a:prstGeom prst="rect">
-            <a:avLst/>
-          </a:prstGeom>
-          <a:noFill/>
-        </p:spPr>
-        <p:txBody>
-          <a:bodyPr wrap="none" rtlCol="0">
-            <a:spAutoFit/>
-          </a:bodyPr>
-          <a:lstStyle/>
-          <a:p>
-            <a:r>
-              <a:rPr lang="en-US" altLang="zh-CN" dirty="0">
-                <a:solidFill>
-                  <a:schemeClr val="bg1"/>
-                </a:solidFill>
-              </a:rPr>
-              <a:t>e</a:t>
-            </a:r>
-            <a:r>
-              <a:rPr lang="en-US" altLang="zh-CN" dirty="0" smtClean="0">
-                <a:solidFill>
-                  <a:schemeClr val="bg1"/>
-                </a:solidFill>
-              </a:rPr>
-              <a:t>(t)</a:t>
-            </a:r>
-            <a:endParaRPr lang="zh-CN" altLang="en-US" dirty="0">
-              <a:solidFill>
-                <a:schemeClr val="bg1"/>
-              </a:solidFill>
-            </a:endParaRPr>
-          </a:p>
-        </p:txBody>
-      </p:sp>
-      <p:cxnSp>
-        <p:nvCxnSpPr>
-          <p:cNvPr id="43" name="直接箭头连接符 42"/>
-          <p:cNvCxnSpPr/>
-          <p:nvPr/>
-        </p:nvCxnSpPr>
-        <p:spPr>
-          <a:xfrm>
-            <a:off x="2533045" y="2773626"/>
-            <a:ext cx="1289484" cy="0"/>
-          </a:xfrm>
-          <a:prstGeom prst="straightConnector1">
-            <a:avLst/>
-          </a:prstGeom>
-          <a:ln w="25400">
-            <a:headEnd type="triangle"/>
-            <a:tailEnd type="triangle"/>
-          </a:ln>
-        </p:spPr>
-        <p:style>
-          <a:lnRef idx="1">
-            <a:schemeClr val="accent1"/>
-          </a:lnRef>
-          <a:fillRef idx="0">
-            <a:schemeClr val="accent1"/>
-          </a:fillRef>
-          <a:effectRef idx="0">
-            <a:schemeClr val="accent1"/>
-          </a:effectRef>
-          <a:fontRef idx="minor">
-            <a:schemeClr val="tx1"/>
-          </a:fontRef>
-        </p:style>
-      </p:cxnSp>
-      <p:sp>
-        <p:nvSpPr>
-          <p:cNvPr id="46" name="文本框 45"/>
-          <p:cNvSpPr txBox="1"/>
-          <p:nvPr/>
-        </p:nvSpPr>
-        <p:spPr>
-          <a:xfrm>
-            <a:off x="2831325" y="2419133"/>
-            <a:ext cx="750526" cy="369332"/>
-          </a:xfrm>
-          <a:prstGeom prst="rect">
-            <a:avLst/>
-          </a:prstGeom>
-          <a:noFill/>
-        </p:spPr>
-        <p:txBody>
-          <a:bodyPr wrap="none" rtlCol="0">
-            <a:spAutoFit/>
-          </a:bodyPr>
-          <a:lstStyle/>
-          <a:p>
-            <a:r>
-              <a:rPr lang="en-US" altLang="zh-CN" dirty="0" smtClean="0">
-                <a:solidFill>
-                  <a:schemeClr val="bg1"/>
-                </a:solidFill>
-              </a:rPr>
-              <a:t>e(t+1)</a:t>
-            </a:r>
-            <a:endParaRPr lang="zh-CN" altLang="en-US" dirty="0">
-              <a:solidFill>
-                <a:schemeClr val="bg1"/>
-              </a:solidFill>
-            </a:endParaRPr>
-          </a:p>
-        </p:txBody>
-      </p:sp>
-      <p:sp>
-        <p:nvSpPr>
-          <p:cNvPr id="47" name="文本框 46"/>
-          <p:cNvSpPr txBox="1"/>
-          <p:nvPr/>
-        </p:nvSpPr>
-        <p:spPr>
-          <a:xfrm>
-            <a:off x="891400" y="2554003"/>
-            <a:ext cx="697627" cy="400110"/>
-          </a:xfrm>
-          <a:prstGeom prst="rect">
-            <a:avLst/>
-          </a:prstGeom>
-          <a:noFill/>
-        </p:spPr>
-        <p:txBody>
-          <a:bodyPr wrap="none" rtlCol="0">
-            <a:spAutoFit/>
-          </a:bodyPr>
-          <a:lstStyle/>
-          <a:p>
-            <a:r>
-              <a:rPr lang="zh-CN" altLang="en-US" sz="2000" b="1" dirty="0">
-                <a:solidFill>
-                  <a:schemeClr val="bg1"/>
-                </a:solidFill>
-                <a:latin typeface="微软雅黑" panose="020B0503020204020204" pitchFamily="34" charset="-122"/>
-                <a:ea typeface="微软雅黑" panose="020B0503020204020204" pitchFamily="34" charset="-122"/>
-              </a:rPr>
-              <a:t>积分</a:t>
-            </a:r>
-          </a:p>
-        </p:txBody>
-      </p:sp>
-      <mc:AlternateContent xmlns:mc="http://schemas.openxmlformats.org/markup-compatibility/2006">
-        <mc:Choice xmlns:a14="http://schemas.microsoft.com/office/drawing/2010/main" Requires="a14">
-          <p:sp>
-            <p:nvSpPr>
-              <p:cNvPr id="48" name="文本框 47"/>
-              <p:cNvSpPr txBox="1"/>
-              <p:nvPr/>
-            </p:nvSpPr>
-            <p:spPr>
-              <a:xfrm>
-                <a:off x="6972780" y="2458053"/>
-                <a:ext cx="4628190" cy="1056892"/>
-              </a:xfrm>
-              <a:prstGeom prst="rect">
-                <a:avLst/>
-              </a:prstGeom>
-              <a:noFill/>
-            </p:spPr>
-            <p:txBody>
-              <a:bodyPr wrap="none" rtlCol="0">
-                <a:spAutoFit/>
-              </a:bodyPr>
-              <a:lstStyle/>
-              <a:p>
-                <a:pPr marL="285750" indent="-285750">
-                  <a:buFont typeface="Arial" panose="020B0604020202020204" pitchFamily="34" charset="0"/>
-                  <a:buChar char="•"/>
-                </a:pPr>
-                <a:r>
-                  <a:rPr lang="zh-CN" altLang="en-US" dirty="0" smtClean="0">
-                    <a:solidFill>
-                      <a:schemeClr val="bg1"/>
-                    </a:solidFill>
-                    <a:latin typeface="Cambria Math" panose="02040503050406030204" pitchFamily="18" charset="0"/>
-                  </a:rPr>
-                  <a:t>每次的误差被累积起来并对输出产生影响</a:t>
-                </a:r>
-                <a:endParaRPr lang="en-US" altLang="zh-CN" dirty="0" smtClean="0">
-                  <a:solidFill>
-                    <a:schemeClr val="bg1"/>
-                  </a:solidFill>
-                  <a:latin typeface="Cambria Math" panose="02040503050406030204" pitchFamily="18" charset="0"/>
-                </a:endParaRPr>
-              </a:p>
-              <a:p>
-                <a:pPr marL="285750" indent="-285750">
-                  <a:buFont typeface="Arial" panose="020B0604020202020204" pitchFamily="34" charset="0"/>
-                  <a:buChar char="•"/>
-                </a:pPr>
-                <a14:m>
-                  <m:oMath xmlns:m="http://schemas.openxmlformats.org/officeDocument/2006/math">
-                    <m:r>
-                      <a:rPr lang="en-US" altLang="zh-CN" i="1">
-                        <a:solidFill>
-                          <a:schemeClr val="bg1"/>
-                        </a:solidFill>
-                        <a:latin typeface="Cambria Math" panose="02040503050406030204" pitchFamily="18" charset="0"/>
-                      </a:rPr>
-                      <m:t>𝑥𝑆𝑝𝑒𝑒𝑑</m:t>
-                    </m:r>
-                    <m:r>
-                      <a:rPr lang="en-US" altLang="zh-CN" i="1">
-                        <a:solidFill>
-                          <a:schemeClr val="bg1"/>
-                        </a:solidFill>
-                        <a:latin typeface="Cambria Math" panose="02040503050406030204" pitchFamily="18" charset="0"/>
-                      </a:rPr>
-                      <m:t>=</m:t>
-                    </m:r>
-                    <m:sSub>
-                      <m:sSubPr>
-                        <m:ctrlPr>
-                          <a:rPr lang="en-US" altLang="zh-CN" i="1">
-                            <a:solidFill>
-                              <a:schemeClr val="bg1"/>
-                            </a:solidFill>
-                            <a:latin typeface="Cambria Math" panose="02040503050406030204" pitchFamily="18" charset="0"/>
-                          </a:rPr>
-                        </m:ctrlPr>
-                      </m:sSubPr>
-                      <m:e>
-                        <m:r>
-                          <a:rPr lang="en-US" altLang="zh-CN" i="1">
-                            <a:solidFill>
-                              <a:schemeClr val="bg1"/>
-                            </a:solidFill>
-                            <a:latin typeface="Cambria Math" panose="02040503050406030204" pitchFamily="18" charset="0"/>
-                          </a:rPr>
-                          <m:t>𝐾</m:t>
-                        </m:r>
-                      </m:e>
-                      <m:sub>
-                        <m:r>
-                          <a:rPr lang="en-US" altLang="zh-CN" i="1">
-                            <a:solidFill>
-                              <a:schemeClr val="bg1"/>
-                            </a:solidFill>
-                            <a:latin typeface="Cambria Math" panose="02040503050406030204" pitchFamily="18" charset="0"/>
-                          </a:rPr>
-                          <m:t>𝑝</m:t>
-                        </m:r>
-                      </m:sub>
-                    </m:sSub>
-                    <m:r>
-                      <a:rPr lang="en-US" altLang="zh-CN" b="0" i="1" smtClean="0">
-                        <a:solidFill>
-                          <a:schemeClr val="bg1"/>
-                        </a:solidFill>
-                        <a:latin typeface="Cambria Math" panose="02040503050406030204" pitchFamily="18" charset="0"/>
-                        <a:ea typeface="Cambria Math" panose="02040503050406030204" pitchFamily="18" charset="0"/>
-                      </a:rPr>
-                      <m:t>𝑒</m:t>
-                    </m:r>
-                    <m:d>
-                      <m:dPr>
-                        <m:ctrlPr>
-                          <a:rPr lang="en-US" altLang="zh-CN" b="0" i="1" smtClean="0">
-                            <a:solidFill>
-                              <a:schemeClr val="bg1"/>
-                            </a:solidFill>
-                            <a:latin typeface="Cambria Math" panose="02040503050406030204" pitchFamily="18" charset="0"/>
-                            <a:ea typeface="Cambria Math" panose="02040503050406030204" pitchFamily="18" charset="0"/>
-                          </a:rPr>
-                        </m:ctrlPr>
-                      </m:dPr>
-                      <m:e>
-                        <m:r>
-                          <a:rPr lang="en-US" altLang="zh-CN" b="0" i="1" smtClean="0">
-                            <a:solidFill>
-                              <a:schemeClr val="bg1"/>
-                            </a:solidFill>
-                            <a:latin typeface="Cambria Math" panose="02040503050406030204" pitchFamily="18" charset="0"/>
-                            <a:ea typeface="Cambria Math" panose="02040503050406030204" pitchFamily="18" charset="0"/>
-                          </a:rPr>
-                          <m:t>𝑡</m:t>
-                        </m:r>
-                      </m:e>
-                    </m:d>
-                    <m:r>
-                      <a:rPr lang="en-US" altLang="zh-CN" b="0" i="1" smtClean="0">
-                        <a:solidFill>
-                          <a:schemeClr val="bg1"/>
-                        </a:solidFill>
-                        <a:latin typeface="Cambria Math" panose="02040503050406030204" pitchFamily="18" charset="0"/>
-                        <a:ea typeface="Cambria Math" panose="02040503050406030204" pitchFamily="18" charset="0"/>
-                      </a:rPr>
-                      <m:t>+</m:t>
-                    </m:r>
-                    <m:sSub>
-                      <m:sSubPr>
-                        <m:ctrlPr>
-                          <a:rPr lang="en-US" altLang="zh-CN" b="0" i="1" smtClean="0">
-                            <a:solidFill>
-                              <a:schemeClr val="bg1"/>
-                            </a:solidFill>
-                            <a:latin typeface="Cambria Math" panose="02040503050406030204" pitchFamily="18" charset="0"/>
-                            <a:ea typeface="Cambria Math" panose="02040503050406030204" pitchFamily="18" charset="0"/>
-                          </a:rPr>
-                        </m:ctrlPr>
-                      </m:sSubPr>
-                      <m:e>
-                        <m:r>
-                          <a:rPr lang="en-US" altLang="zh-CN" b="0" i="1" smtClean="0">
-                            <a:solidFill>
-                              <a:schemeClr val="bg1"/>
-                            </a:solidFill>
-                            <a:latin typeface="Cambria Math" panose="02040503050406030204" pitchFamily="18" charset="0"/>
-                            <a:ea typeface="Cambria Math" panose="02040503050406030204" pitchFamily="18" charset="0"/>
-                          </a:rPr>
-                          <m:t>𝐾</m:t>
-                        </m:r>
-                      </m:e>
-                      <m:sub>
-                        <m:r>
-                          <a:rPr lang="en-US" altLang="zh-CN" b="0" i="1" smtClean="0">
-                            <a:solidFill>
-                              <a:schemeClr val="bg1"/>
-                            </a:solidFill>
-                            <a:latin typeface="Cambria Math" panose="02040503050406030204" pitchFamily="18" charset="0"/>
-                            <a:ea typeface="Cambria Math" panose="02040503050406030204" pitchFamily="18" charset="0"/>
-                          </a:rPr>
-                          <m:t>𝑖</m:t>
-                        </m:r>
-                      </m:sub>
-                    </m:sSub>
-                    <m:r>
-                      <a:rPr lang="en-US" altLang="zh-CN" b="0" i="1" smtClean="0">
-                        <a:solidFill>
-                          <a:schemeClr val="bg1"/>
-                        </a:solidFill>
-                        <a:latin typeface="Cambria Math" panose="02040503050406030204" pitchFamily="18" charset="0"/>
-                        <a:ea typeface="Cambria Math" panose="02040503050406030204" pitchFamily="18" charset="0"/>
-                      </a:rPr>
-                      <m:t>𝐾𝑖</m:t>
-                    </m:r>
-                    <m:nary>
-                      <m:naryPr>
-                        <m:limLoc m:val="undOvr"/>
-                        <m:ctrlPr>
-                          <a:rPr lang="en-US" altLang="zh-CN" b="0" i="1" smtClean="0">
-                            <a:solidFill>
-                              <a:schemeClr val="bg1"/>
-                            </a:solidFill>
-                            <a:latin typeface="Cambria Math" panose="02040503050406030204" pitchFamily="18" charset="0"/>
-                            <a:ea typeface="Cambria Math" panose="02040503050406030204" pitchFamily="18" charset="0"/>
-                          </a:rPr>
-                        </m:ctrlPr>
-                      </m:naryPr>
-                      <m:sub>
-                        <m:r>
-                          <m:rPr>
-                            <m:brk m:alnAt="24"/>
-                          </m:rPr>
-                          <a:rPr lang="en-US" altLang="zh-CN" b="0" i="1" smtClean="0">
-                            <a:solidFill>
-                              <a:schemeClr val="bg1"/>
-                            </a:solidFill>
-                            <a:latin typeface="Cambria Math" panose="02040503050406030204" pitchFamily="18" charset="0"/>
-                            <a:ea typeface="Cambria Math" panose="02040503050406030204" pitchFamily="18" charset="0"/>
-                          </a:rPr>
-                          <m:t>0</m:t>
-                        </m:r>
-                      </m:sub>
-                      <m:sup>
-                        <m:r>
-                          <a:rPr lang="en-US" altLang="zh-CN" b="0" i="1" smtClean="0">
-                            <a:solidFill>
-                              <a:schemeClr val="bg1"/>
-                            </a:solidFill>
-                            <a:latin typeface="Cambria Math" panose="02040503050406030204" pitchFamily="18" charset="0"/>
-                            <a:ea typeface="Cambria Math" panose="02040503050406030204" pitchFamily="18" charset="0"/>
-                          </a:rPr>
-                          <m:t>𝑡</m:t>
-                        </m:r>
-                      </m:sup>
-                      <m:e>
-                        <m:r>
-                          <a:rPr lang="en-US" altLang="zh-CN" b="0" i="1" smtClean="0">
-                            <a:solidFill>
-                              <a:schemeClr val="bg1"/>
-                            </a:solidFill>
-                            <a:latin typeface="Cambria Math" panose="02040503050406030204" pitchFamily="18" charset="0"/>
-                            <a:ea typeface="Cambria Math" panose="02040503050406030204" pitchFamily="18" charset="0"/>
-                          </a:rPr>
-                          <m:t>𝑒</m:t>
-                        </m:r>
-                        <m:d>
-                          <m:dPr>
-                            <m:ctrlPr>
-                              <a:rPr lang="en-US" altLang="zh-CN" b="0" i="1" smtClean="0">
-                                <a:solidFill>
-                                  <a:schemeClr val="bg1"/>
-                                </a:solidFill>
-                                <a:latin typeface="Cambria Math" panose="02040503050406030204" pitchFamily="18" charset="0"/>
-                                <a:ea typeface="Cambria Math" panose="02040503050406030204" pitchFamily="18" charset="0"/>
-                              </a:rPr>
-                            </m:ctrlPr>
-                          </m:dPr>
-                          <m:e>
-                            <m:r>
-                              <a:rPr lang="zh-CN" altLang="en-US" b="0" i="1" smtClean="0">
-                                <a:solidFill>
-                                  <a:schemeClr val="bg1"/>
-                                </a:solidFill>
-                                <a:latin typeface="Cambria Math" panose="02040503050406030204" pitchFamily="18" charset="0"/>
-                                <a:ea typeface="Cambria Math" panose="02040503050406030204" pitchFamily="18" charset="0"/>
-                              </a:rPr>
-                              <m:t>𝜏</m:t>
-                            </m:r>
-                          </m:e>
-                        </m:d>
-                      </m:e>
-                    </m:nary>
-                    <m:r>
-                      <a:rPr lang="en-US" altLang="zh-CN" b="0" i="1" smtClean="0">
-                        <a:solidFill>
-                          <a:schemeClr val="bg1"/>
-                        </a:solidFill>
-                        <a:latin typeface="Cambria Math" panose="02040503050406030204" pitchFamily="18" charset="0"/>
-                        <a:ea typeface="Cambria Math" panose="02040503050406030204" pitchFamily="18" charset="0"/>
-                      </a:rPr>
-                      <m:t>𝑑</m:t>
-                    </m:r>
-                    <m:r>
-                      <a:rPr lang="zh-CN" altLang="en-US" b="0" i="1" smtClean="0">
-                        <a:solidFill>
-                          <a:schemeClr val="bg1"/>
-                        </a:solidFill>
-                        <a:latin typeface="Cambria Math" panose="02040503050406030204" pitchFamily="18" charset="0"/>
-                        <a:ea typeface="Cambria Math" panose="02040503050406030204" pitchFamily="18" charset="0"/>
-                      </a:rPr>
-                      <m:t>𝜏</m:t>
-                    </m:r>
-                  </m:oMath>
-                </a14:m>
-                <a:endParaRPr lang="en-US" altLang="zh-CN" b="0" dirty="0" smtClean="0">
-                  <a:solidFill>
-                    <a:schemeClr val="bg1"/>
-                  </a:solidFill>
-                  <a:ea typeface="Cambria Math" panose="02040503050406030204" pitchFamily="18" charset="0"/>
-                </a:endParaRPr>
-              </a:p>
-              <a:p>
-                <a:pPr marL="285750" indent="-285750">
-                  <a:buFont typeface="Arial" panose="020B0604020202020204" pitchFamily="34" charset="0"/>
-                  <a:buChar char="•"/>
-                </a:pPr>
-                <a14:m>
-                  <m:oMath xmlns:m="http://schemas.openxmlformats.org/officeDocument/2006/math">
-                    <m:r>
-                      <a:rPr lang="en-US" altLang="zh-CN" i="1">
-                        <a:solidFill>
-                          <a:schemeClr val="bg1"/>
-                        </a:solidFill>
-                        <a:latin typeface="Cambria Math" panose="02040503050406030204" pitchFamily="18" charset="0"/>
-                      </a:rPr>
-                      <m:t>𝑥𝑆𝑝𝑒𝑒𝑑</m:t>
-                    </m:r>
-                    <m:r>
-                      <a:rPr lang="en-US" altLang="zh-CN" i="1">
-                        <a:solidFill>
-                          <a:schemeClr val="bg1"/>
-                        </a:solidFill>
-                        <a:latin typeface="Cambria Math" panose="02040503050406030204" pitchFamily="18" charset="0"/>
-                      </a:rPr>
-                      <m:t>=</m:t>
-                    </m:r>
-                    <m:sSub>
-                      <m:sSubPr>
-                        <m:ctrlPr>
-                          <a:rPr lang="en-US" altLang="zh-CN" i="1">
-                            <a:solidFill>
-                              <a:schemeClr val="bg1"/>
-                            </a:solidFill>
-                            <a:latin typeface="Cambria Math" panose="02040503050406030204" pitchFamily="18" charset="0"/>
-                          </a:rPr>
-                        </m:ctrlPr>
-                      </m:sSubPr>
-                      <m:e>
-                        <m:r>
-                          <a:rPr lang="en-US" altLang="zh-CN" i="1">
-                            <a:solidFill>
-                              <a:schemeClr val="bg1"/>
-                            </a:solidFill>
-                            <a:latin typeface="Cambria Math" panose="02040503050406030204" pitchFamily="18" charset="0"/>
-                          </a:rPr>
-                          <m:t>𝐾</m:t>
-                        </m:r>
-                      </m:e>
-                      <m:sub>
-                        <m:r>
-                          <a:rPr lang="en-US" altLang="zh-CN" i="1">
-                            <a:solidFill>
-                              <a:schemeClr val="bg1"/>
-                            </a:solidFill>
-                            <a:latin typeface="Cambria Math" panose="02040503050406030204" pitchFamily="18" charset="0"/>
-                          </a:rPr>
-                          <m:t>𝑝</m:t>
-                        </m:r>
-                      </m:sub>
-                    </m:sSub>
-                    <m:r>
-                      <a:rPr lang="en-US" altLang="zh-CN" i="1">
-                        <a:solidFill>
-                          <a:schemeClr val="bg1"/>
-                        </a:solidFill>
-                        <a:latin typeface="Cambria Math" panose="02040503050406030204" pitchFamily="18" charset="0"/>
-                        <a:ea typeface="Cambria Math" panose="02040503050406030204" pitchFamily="18" charset="0"/>
-                      </a:rPr>
-                      <m:t>𝑒</m:t>
-                    </m:r>
-                    <m:d>
-                      <m:dPr>
-                        <m:ctrlPr>
-                          <a:rPr lang="en-US" altLang="zh-CN" i="1">
-                            <a:solidFill>
-                              <a:schemeClr val="bg1"/>
-                            </a:solidFill>
-                            <a:latin typeface="Cambria Math" panose="02040503050406030204" pitchFamily="18" charset="0"/>
-                            <a:ea typeface="Cambria Math" panose="02040503050406030204" pitchFamily="18" charset="0"/>
-                          </a:rPr>
-                        </m:ctrlPr>
-                      </m:dPr>
-                      <m:e>
-                        <m:r>
-                          <a:rPr lang="en-US" altLang="zh-CN" b="0" i="1" smtClean="0">
-                            <a:solidFill>
-                              <a:schemeClr val="bg1"/>
-                            </a:solidFill>
-                            <a:latin typeface="Cambria Math" panose="02040503050406030204" pitchFamily="18" charset="0"/>
-                            <a:ea typeface="Cambria Math" panose="02040503050406030204" pitchFamily="18" charset="0"/>
-                          </a:rPr>
-                          <m:t>𝑘</m:t>
-                        </m:r>
-                      </m:e>
-                    </m:d>
-                    <m:r>
-                      <a:rPr lang="en-US" altLang="zh-CN" i="1">
-                        <a:solidFill>
-                          <a:schemeClr val="bg1"/>
-                        </a:solidFill>
-                        <a:latin typeface="Cambria Math" panose="02040503050406030204" pitchFamily="18" charset="0"/>
-                        <a:ea typeface="Cambria Math" panose="02040503050406030204" pitchFamily="18" charset="0"/>
-                      </a:rPr>
-                      <m:t>+</m:t>
-                    </m:r>
-                    <m:sSub>
-                      <m:sSubPr>
-                        <m:ctrlPr>
-                          <a:rPr lang="en-US" altLang="zh-CN" i="1" smtClean="0">
-                            <a:solidFill>
-                              <a:schemeClr val="bg1"/>
-                            </a:solidFill>
-                            <a:latin typeface="Cambria Math" panose="02040503050406030204" pitchFamily="18" charset="0"/>
-                            <a:ea typeface="Cambria Math" panose="02040503050406030204" pitchFamily="18" charset="0"/>
-                          </a:rPr>
-                        </m:ctrlPr>
-                      </m:sSubPr>
-                      <m:e>
-                        <m:r>
-                          <a:rPr lang="en-US" altLang="zh-CN" b="0" i="1" smtClean="0">
-                            <a:solidFill>
-                              <a:schemeClr val="bg1"/>
-                            </a:solidFill>
-                            <a:latin typeface="Cambria Math" panose="02040503050406030204" pitchFamily="18" charset="0"/>
-                            <a:ea typeface="Cambria Math" panose="02040503050406030204" pitchFamily="18" charset="0"/>
-                          </a:rPr>
-                          <m:t>𝐾</m:t>
-                        </m:r>
-                      </m:e>
-                      <m:sub>
-                        <m:r>
-                          <a:rPr lang="en-US" altLang="zh-CN" b="0" i="1" smtClean="0">
-                            <a:solidFill>
-                              <a:schemeClr val="bg1"/>
-                            </a:solidFill>
-                            <a:latin typeface="Cambria Math" panose="02040503050406030204" pitchFamily="18" charset="0"/>
-                            <a:ea typeface="Cambria Math" panose="02040503050406030204" pitchFamily="18" charset="0"/>
-                          </a:rPr>
-                          <m:t>𝑖</m:t>
-                        </m:r>
-                      </m:sub>
-                    </m:sSub>
-                    <m:nary>
-                      <m:naryPr>
-                        <m:chr m:val="∑"/>
-                        <m:ctrlPr>
-                          <a:rPr lang="en-US" altLang="zh-CN" i="1" smtClean="0">
-                            <a:solidFill>
-                              <a:schemeClr val="bg1"/>
-                            </a:solidFill>
-                            <a:latin typeface="Cambria Math" panose="02040503050406030204" pitchFamily="18" charset="0"/>
-                            <a:ea typeface="Cambria Math" panose="02040503050406030204" pitchFamily="18" charset="0"/>
-                          </a:rPr>
-                        </m:ctrlPr>
-                      </m:naryPr>
-                      <m:sub>
-                        <m:r>
-                          <m:rPr>
-                            <m:brk m:alnAt="23"/>
-                          </m:rPr>
-                          <a:rPr lang="en-US" altLang="zh-CN" b="0" i="1" smtClean="0">
-                            <a:solidFill>
-                              <a:schemeClr val="bg1"/>
-                            </a:solidFill>
-                            <a:latin typeface="Cambria Math" panose="02040503050406030204" pitchFamily="18" charset="0"/>
-                            <a:ea typeface="Cambria Math" panose="02040503050406030204" pitchFamily="18" charset="0"/>
-                          </a:rPr>
-                          <m:t>𝑛</m:t>
-                        </m:r>
-                        <m:r>
-                          <a:rPr lang="en-US" altLang="zh-CN" b="0" i="1" smtClean="0">
-                            <a:solidFill>
-                              <a:schemeClr val="bg1"/>
-                            </a:solidFill>
-                            <a:latin typeface="Cambria Math" panose="02040503050406030204" pitchFamily="18" charset="0"/>
-                            <a:ea typeface="Cambria Math" panose="02040503050406030204" pitchFamily="18" charset="0"/>
-                          </a:rPr>
-                          <m:t>=0</m:t>
-                        </m:r>
-                      </m:sub>
-                      <m:sup>
-                        <m:r>
-                          <a:rPr lang="en-US" altLang="zh-CN" b="0" i="1" smtClean="0">
-                            <a:solidFill>
-                              <a:schemeClr val="bg1"/>
-                            </a:solidFill>
-                            <a:latin typeface="Cambria Math" panose="02040503050406030204" pitchFamily="18" charset="0"/>
-                            <a:ea typeface="Cambria Math" panose="02040503050406030204" pitchFamily="18" charset="0"/>
-                          </a:rPr>
-                          <m:t>𝑘</m:t>
-                        </m:r>
-                      </m:sup>
-                      <m:e>
-                        <m:r>
-                          <a:rPr lang="en-US" altLang="zh-CN" b="0" i="1" smtClean="0">
-                            <a:solidFill>
-                              <a:schemeClr val="bg1"/>
-                            </a:solidFill>
-                            <a:latin typeface="Cambria Math" panose="02040503050406030204" pitchFamily="18" charset="0"/>
-                            <a:ea typeface="Cambria Math" panose="02040503050406030204" pitchFamily="18" charset="0"/>
-                          </a:rPr>
-                          <m:t>𝑒</m:t>
-                        </m:r>
-                        <m:d>
-                          <m:dPr>
-                            <m:ctrlPr>
-                              <a:rPr lang="en-US" altLang="zh-CN" b="0" i="1" smtClean="0">
-                                <a:solidFill>
-                                  <a:schemeClr val="bg1"/>
-                                </a:solidFill>
-                                <a:latin typeface="Cambria Math" panose="02040503050406030204" pitchFamily="18" charset="0"/>
-                                <a:ea typeface="Cambria Math" panose="02040503050406030204" pitchFamily="18" charset="0"/>
-                              </a:rPr>
-                            </m:ctrlPr>
-                          </m:dPr>
-                          <m:e>
-                            <m:r>
-                              <a:rPr lang="en-US" altLang="zh-CN" b="0" i="1" smtClean="0">
-                                <a:solidFill>
-                                  <a:schemeClr val="bg1"/>
-                                </a:solidFill>
-                                <a:latin typeface="Cambria Math" panose="02040503050406030204" pitchFamily="18" charset="0"/>
-                                <a:ea typeface="Cambria Math" panose="02040503050406030204" pitchFamily="18" charset="0"/>
-                              </a:rPr>
-                              <m:t>𝑛</m:t>
-                            </m:r>
-                          </m:e>
-                        </m:d>
-                      </m:e>
-                    </m:nary>
-                  </m:oMath>
-                </a14:m>
-                <a:endParaRPr lang="zh-CN" altLang="en-US" dirty="0">
-                  <a:solidFill>
-                    <a:schemeClr val="bg1"/>
-                  </a:solidFill>
-                </a:endParaRPr>
-              </a:p>
-            </p:txBody>
-          </p:sp>
-        </mc:Choice>
-        <mc:Fallback>
-          <p:sp>
-            <p:nvSpPr>
-              <p:cNvPr id="48" name="文本框 47"/>
-              <p:cNvSpPr txBox="1">
-                <a:spLocks noRot="1" noChangeAspect="1" noMove="1" noResize="1" noEditPoints="1" noAdjustHandles="1" noChangeArrowheads="1" noChangeShapeType="1" noTextEdit="1"/>
-              </p:cNvSpPr>
-              <p:nvPr/>
-            </p:nvSpPr>
-            <p:spPr>
-              <a:xfrm>
-                <a:off x="6972780" y="2458053"/>
-                <a:ext cx="4628190" cy="1056892"/>
-              </a:xfrm>
-              <a:prstGeom prst="rect">
-                <a:avLst/>
-              </a:prstGeom>
-              <a:blipFill rotWithShape="0">
-                <a:blip r:embed="rId5"/>
-                <a:stretch>
-                  <a:fillRect l="-922" t="-20690" r="-527" b="-62069"/>
-                </a:stretch>
-              </a:blipFill>
-            </p:spPr>
-            <p:txBody>
-              <a:bodyPr/>
-              <a:lstStyle/>
-              <a:p>
-                <a:r>
-                  <a:rPr lang="zh-CN" altLang="en-US">
-                    <a:noFill/>
-                  </a:rPr>
-                  <a:t> </a:t>
-                </a:r>
-              </a:p>
-            </p:txBody>
-          </p:sp>
-        </mc:Fallback>
-      </mc:AlternateContent>
-      <mc:AlternateContent xmlns:mc="http://schemas.openxmlformats.org/markup-compatibility/2006">
-        <mc:Choice xmlns:a14="http://schemas.microsoft.com/office/drawing/2010/main" Requires="a14">
-          <p:sp>
-            <p:nvSpPr>
-              <p:cNvPr id="49" name="文本框 48"/>
-              <p:cNvSpPr txBox="1"/>
-              <p:nvPr/>
-            </p:nvSpPr>
-            <p:spPr>
-              <a:xfrm>
-                <a:off x="6980892" y="2140254"/>
-                <a:ext cx="4397358" cy="369332"/>
-              </a:xfrm>
-              <a:prstGeom prst="rect">
-                <a:avLst/>
-              </a:prstGeom>
-              <a:noFill/>
-            </p:spPr>
-            <p:txBody>
-              <a:bodyPr wrap="none" rtlCol="0">
-                <a:spAutoFit/>
-              </a:bodyPr>
-              <a:lstStyle/>
-              <a:p>
-                <a:pPr marL="285750" indent="-285750">
-                  <a:buFont typeface="Arial" panose="020B0604020202020204" pitchFamily="34" charset="0"/>
-                  <a:buChar char="•"/>
-                </a:pPr>
-                <a14:m>
-                  <m:oMath xmlns:m="http://schemas.openxmlformats.org/officeDocument/2006/math">
-                    <m:r>
-                      <a:rPr lang="zh-CN" altLang="en-US" b="0" i="1" smtClean="0">
-                        <a:solidFill>
-                          <a:schemeClr val="bg1"/>
-                        </a:solidFill>
-                        <a:latin typeface="Cambria Math" panose="02040503050406030204" pitchFamily="18" charset="0"/>
-                      </a:rPr>
-                      <m:t>在</m:t>
-                    </m:r>
-                  </m:oMath>
-                </a14:m>
-                <a:r>
-                  <a:rPr lang="zh-CN" altLang="en-US" dirty="0" smtClean="0">
-                    <a:solidFill>
-                      <a:schemeClr val="bg1"/>
-                    </a:solidFill>
-                  </a:rPr>
-                  <a:t>目标移动时只使用比例控制是不够的</a:t>
-                </a:r>
-                <a:endParaRPr lang="zh-CN" altLang="en-US" dirty="0">
-                  <a:solidFill>
-                    <a:schemeClr val="bg1"/>
-                  </a:solidFill>
-                </a:endParaRPr>
-              </a:p>
-            </p:txBody>
-          </p:sp>
-        </mc:Choice>
-        <mc:Fallback>
-          <p:sp>
-            <p:nvSpPr>
-              <p:cNvPr id="49" name="文本框 48"/>
-              <p:cNvSpPr txBox="1">
-                <a:spLocks noRot="1" noChangeAspect="1" noMove="1" noResize="1" noEditPoints="1" noAdjustHandles="1" noChangeArrowheads="1" noChangeShapeType="1" noTextEdit="1"/>
-              </p:cNvSpPr>
-              <p:nvPr/>
-            </p:nvSpPr>
-            <p:spPr>
-              <a:xfrm>
-                <a:off x="6980892" y="2140254"/>
-                <a:ext cx="4397358" cy="369332"/>
-              </a:xfrm>
-              <a:prstGeom prst="rect">
-                <a:avLst/>
-              </a:prstGeom>
-              <a:blipFill rotWithShape="0">
-                <a:blip r:embed="rId6"/>
-                <a:stretch>
-                  <a:fillRect l="-831" t="-13115" r="-693" b="-19672"/>
-                </a:stretch>
-              </a:blipFill>
-            </p:spPr>
-            <p:txBody>
-              <a:bodyPr/>
-              <a:lstStyle/>
-              <a:p>
-                <a:r>
-                  <a:rPr lang="zh-CN" altLang="en-US">
-                    <a:noFill/>
-                  </a:rPr>
-                  <a:t> </a:t>
-                </a:r>
-              </a:p>
-            </p:txBody>
-          </p:sp>
-        </mc:Fallback>
-      </mc:AlternateContent>
-    </p:spTree>
-    <p:extLst>
-      <p:ext uri="{BB962C8B-B14F-4D97-AF65-F5344CB8AC3E}">
-        <p14:creationId xmlns:p14="http://schemas.microsoft.com/office/powerpoint/2010/main" val="3230899045"/>
-      </p:ext>
-    </p:extLst>
-  </p:cSld>
-  <p:clrMapOvr>
-    <a:masterClrMapping/>
-  </p:clrMapOvr>
-  <p:timing>
-    <p:tnLst>
-      <p:par>
-        <p:cTn id="1" dur="indefinite" restart="never" nodeType="tmRoot">
-          <p:childTnLst>
-            <p:seq concurrent="1" nextAc="seek">
-              <p:cTn id="2" dur="indefinite" nodeType="mainSeq">
-                <p:childTnLst>
-                  <p:par>
-                    <p:cTn id="3" fill="hold">
-                      <p:stCondLst>
-                        <p:cond delay="indefinite"/>
-                      </p:stCondLst>
-                      <p:childTnLst>
-                        <p:par>
-                          <p:cTn id="4" fill="hold">
-                            <p:stCondLst>
-                              <p:cond delay="0"/>
-                            </p:stCondLst>
-                            <p:childTnLst>
-                              <p:par>
-                                <p:cTn id="5" presetID="10" presetClass="entr" presetSubtype="0" fill="hold" nodeType="clickEffect">
-                                  <p:stCondLst>
-                                    <p:cond delay="0"/>
-                                  </p:stCondLst>
-                                  <p:childTnLst>
-                                    <p:set>
-                                      <p:cBhvr>
-                                        <p:cTn id="6" dur="1" fill="hold">
-                                          <p:stCondLst>
-                                            <p:cond delay="0"/>
-                                          </p:stCondLst>
-                                        </p:cTn>
-                                        <p:tgtEl>
-                                          <p:spTgt spid="4"/>
-                                        </p:tgtEl>
-                                        <p:attrNameLst>
-                                          <p:attrName>style.visibility</p:attrName>
-                                        </p:attrNameLst>
-                                      </p:cBhvr>
-                                      <p:to>
-                                        <p:strVal val="visible"/>
-                                      </p:to>
-                                    </p:set>
-                                    <p:animEffect transition="in" filter="fade">
-                                      <p:cBhvr>
-                                        <p:cTn id="7" dur="500"/>
-                                        <p:tgtEl>
-                                          <p:spTgt spid="4"/>
-                                        </p:tgtEl>
-                                      </p:cBhvr>
-                                    </p:animEffect>
-                                  </p:childTnLst>
-                                </p:cTn>
-                              </p:par>
-                              <p:par>
-                                <p:cTn id="8" presetID="10" presetClass="entr" presetSubtype="0" fill="hold" nodeType="withEffect">
-                                  <p:stCondLst>
-                                    <p:cond delay="0"/>
-                                  </p:stCondLst>
-                                  <p:childTnLst>
-                                    <p:set>
-                                      <p:cBhvr>
-                                        <p:cTn id="9" dur="1" fill="hold">
-                                          <p:stCondLst>
-                                            <p:cond delay="0"/>
-                                          </p:stCondLst>
-                                        </p:cTn>
-                                        <p:tgtEl>
-                                          <p:spTgt spid="14"/>
-                                        </p:tgtEl>
-                                        <p:attrNameLst>
-                                          <p:attrName>style.visibility</p:attrName>
-                                        </p:attrNameLst>
-                                      </p:cBhvr>
-                                      <p:to>
-                                        <p:strVal val="visible"/>
-                                      </p:to>
-                                    </p:set>
-                                    <p:animEffect transition="in" filter="fade">
-                                      <p:cBhvr>
-                                        <p:cTn id="10" dur="500"/>
-                                        <p:tgtEl>
-                                          <p:spTgt spid="14"/>
-                                        </p:tgtEl>
-                                      </p:cBhvr>
-                                    </p:animEffect>
-                                  </p:childTnLst>
-                                </p:cTn>
-                              </p:par>
-                              <p:par>
-                                <p:cTn id="11" presetID="10" presetClass="entr" presetSubtype="0" fill="hold" nodeType="withEffect">
-                                  <p:stCondLst>
-                                    <p:cond delay="0"/>
-                                  </p:stCondLst>
-                                  <p:childTnLst>
-                                    <p:set>
-                                      <p:cBhvr>
-                                        <p:cTn id="12" dur="1" fill="hold">
-                                          <p:stCondLst>
-                                            <p:cond delay="0"/>
-                                          </p:stCondLst>
-                                        </p:cTn>
-                                        <p:tgtEl>
-                                          <p:spTgt spid="16"/>
-                                        </p:tgtEl>
-                                        <p:attrNameLst>
-                                          <p:attrName>style.visibility</p:attrName>
-                                        </p:attrNameLst>
-                                      </p:cBhvr>
-                                      <p:to>
-                                        <p:strVal val="visible"/>
-                                      </p:to>
-                                    </p:set>
-                                    <p:animEffect transition="in" filter="fade">
-                                      <p:cBhvr>
-                                        <p:cTn id="13" dur="500"/>
-                                        <p:tgtEl>
-                                          <p:spTgt spid="16"/>
-                                        </p:tgtEl>
-                                      </p:cBhvr>
-                                    </p:animEffect>
-                                  </p:childTnLst>
-                                </p:cTn>
-                              </p:par>
-                              <p:par>
-                                <p:cTn id="14" presetID="10" presetClass="entr" presetSubtype="0" fill="hold" grpId="0" nodeType="withEffect">
-                                  <p:stCondLst>
-                                    <p:cond delay="0"/>
-                                  </p:stCondLst>
-                                  <p:childTnLst>
-                                    <p:set>
-                                      <p:cBhvr>
-                                        <p:cTn id="15" dur="1" fill="hold">
-                                          <p:stCondLst>
-                                            <p:cond delay="0"/>
-                                          </p:stCondLst>
-                                        </p:cTn>
-                                        <p:tgtEl>
-                                          <p:spTgt spid="19"/>
-                                        </p:tgtEl>
-                                        <p:attrNameLst>
-                                          <p:attrName>style.visibility</p:attrName>
-                                        </p:attrNameLst>
-                                      </p:cBhvr>
-                                      <p:to>
-                                        <p:strVal val="visible"/>
-                                      </p:to>
-                                    </p:set>
-                                    <p:animEffect transition="in" filter="fade">
-                                      <p:cBhvr>
-                                        <p:cTn id="16" dur="500"/>
-                                        <p:tgtEl>
-                                          <p:spTgt spid="19"/>
-                                        </p:tgtEl>
-                                      </p:cBhvr>
-                                    </p:animEffect>
-                                  </p:childTnLst>
-                                </p:cTn>
-                              </p:par>
-                            </p:childTnLst>
-                          </p:cTn>
-                        </p:par>
-                      </p:childTnLst>
-                    </p:cTn>
-                  </p:par>
-                  <p:par>
-                    <p:cTn id="17" fill="hold">
-                      <p:stCondLst>
-                        <p:cond delay="indefinite"/>
-                      </p:stCondLst>
-                      <p:childTnLst>
-                        <p:par>
-                          <p:cTn id="18" fill="hold">
-                            <p:stCondLst>
-                              <p:cond delay="0"/>
-                            </p:stCondLst>
-                            <p:childTnLst>
-                              <p:par>
-                                <p:cTn id="19" presetID="10" presetClass="entr" presetSubtype="0" fill="hold" grpId="0" nodeType="clickEffect">
-                                  <p:stCondLst>
-                                    <p:cond delay="0"/>
-                                  </p:stCondLst>
-                                  <p:childTnLst>
-                                    <p:set>
-                                      <p:cBhvr>
-                                        <p:cTn id="20" dur="1" fill="hold">
-                                          <p:stCondLst>
-                                            <p:cond delay="0"/>
-                                          </p:stCondLst>
-                                        </p:cTn>
-                                        <p:tgtEl>
-                                          <p:spTgt spid="20"/>
-                                        </p:tgtEl>
-                                        <p:attrNameLst>
-                                          <p:attrName>style.visibility</p:attrName>
-                                        </p:attrNameLst>
-                                      </p:cBhvr>
-                                      <p:to>
-                                        <p:strVal val="visible"/>
-                                      </p:to>
-                                    </p:set>
-                                    <p:animEffect transition="in" filter="fade">
-                                      <p:cBhvr>
-                                        <p:cTn id="21" dur="500"/>
-                                        <p:tgtEl>
-                                          <p:spTgt spid="20"/>
-                                        </p:tgtEl>
-                                      </p:cBhvr>
-                                    </p:animEffect>
-                                  </p:childTnLst>
-                                </p:cTn>
-                              </p:par>
-                              <p:par>
-                                <p:cTn id="22" presetID="10" presetClass="entr" presetSubtype="0" fill="hold" grpId="0" nodeType="withEffect">
-                                  <p:stCondLst>
-                                    <p:cond delay="0"/>
-                                  </p:stCondLst>
-                                  <p:childTnLst>
-                                    <p:set>
-                                      <p:cBhvr>
-                                        <p:cTn id="23" dur="1" fill="hold">
-                                          <p:stCondLst>
-                                            <p:cond delay="0"/>
-                                          </p:stCondLst>
-                                        </p:cTn>
-                                        <p:tgtEl>
-                                          <p:spTgt spid="23"/>
-                                        </p:tgtEl>
-                                        <p:attrNameLst>
-                                          <p:attrName>style.visibility</p:attrName>
-                                        </p:attrNameLst>
-                                      </p:cBhvr>
-                                      <p:to>
-                                        <p:strVal val="visible"/>
-                                      </p:to>
-                                    </p:set>
-                                    <p:animEffect transition="in" filter="fade">
-                                      <p:cBhvr>
-                                        <p:cTn id="24" dur="500"/>
-                                        <p:tgtEl>
-                                          <p:spTgt spid="23"/>
-                                        </p:tgtEl>
-                                      </p:cBhvr>
-                                    </p:animEffect>
-                                  </p:childTnLst>
-                                </p:cTn>
-                              </p:par>
-                            </p:childTnLst>
-                          </p:cTn>
-                        </p:par>
-                      </p:childTnLst>
-                    </p:cTn>
-                  </p:par>
-                  <p:par>
-                    <p:cTn id="25" fill="hold">
-                      <p:stCondLst>
-                        <p:cond delay="indefinite"/>
-                      </p:stCondLst>
-                      <p:childTnLst>
-                        <p:par>
-                          <p:cTn id="26" fill="hold">
-                            <p:stCondLst>
-                              <p:cond delay="0"/>
-                            </p:stCondLst>
-                            <p:childTnLst>
-                              <p:par>
-                                <p:cTn id="27" presetID="10" presetClass="entr" presetSubtype="0" fill="hold" nodeType="clickEffect">
-                                  <p:stCondLst>
-                                    <p:cond delay="0"/>
-                                  </p:stCondLst>
-                                  <p:childTnLst>
-                                    <p:set>
-                                      <p:cBhvr>
-                                        <p:cTn id="28" dur="1" fill="hold">
-                                          <p:stCondLst>
-                                            <p:cond delay="0"/>
-                                          </p:stCondLst>
-                                        </p:cTn>
-                                        <p:tgtEl>
-                                          <p:spTgt spid="31"/>
-                                        </p:tgtEl>
-                                        <p:attrNameLst>
-                                          <p:attrName>style.visibility</p:attrName>
-                                        </p:attrNameLst>
-                                      </p:cBhvr>
-                                      <p:to>
-                                        <p:strVal val="visible"/>
-                                      </p:to>
-                                    </p:set>
-                                    <p:animEffect transition="in" filter="fade">
-                                      <p:cBhvr>
-                                        <p:cTn id="29" dur="500"/>
-                                        <p:tgtEl>
-                                          <p:spTgt spid="31"/>
-                                        </p:tgtEl>
-                                      </p:cBhvr>
-                                    </p:animEffect>
-                                  </p:childTnLst>
-                                </p:cTn>
-                              </p:par>
-                              <p:par>
-                                <p:cTn id="30" presetID="10" presetClass="entr" presetSubtype="0" fill="hold" nodeType="withEffect">
-                                  <p:stCondLst>
-                                    <p:cond delay="0"/>
-                                  </p:stCondLst>
-                                  <p:childTnLst>
-                                    <p:set>
-                                      <p:cBhvr>
-                                        <p:cTn id="31" dur="1" fill="hold">
-                                          <p:stCondLst>
-                                            <p:cond delay="0"/>
-                                          </p:stCondLst>
-                                        </p:cTn>
-                                        <p:tgtEl>
-                                          <p:spTgt spid="36"/>
-                                        </p:tgtEl>
-                                        <p:attrNameLst>
-                                          <p:attrName>style.visibility</p:attrName>
-                                        </p:attrNameLst>
-                                      </p:cBhvr>
-                                      <p:to>
-                                        <p:strVal val="visible"/>
-                                      </p:to>
-                                    </p:set>
-                                    <p:animEffect transition="in" filter="fade">
-                                      <p:cBhvr>
-                                        <p:cTn id="32" dur="500"/>
-                                        <p:tgtEl>
-                                          <p:spTgt spid="36"/>
-                                        </p:tgtEl>
-                                      </p:cBhvr>
-                                    </p:animEffect>
-                                  </p:childTnLst>
-                                </p:cTn>
-                              </p:par>
-                              <p:par>
-                                <p:cTn id="33" presetID="10" presetClass="entr" presetSubtype="0" fill="hold" grpId="0" nodeType="withEffect">
-                                  <p:stCondLst>
-                                    <p:cond delay="0"/>
-                                  </p:stCondLst>
-                                  <p:childTnLst>
-                                    <p:set>
-                                      <p:cBhvr>
-                                        <p:cTn id="34" dur="1" fill="hold">
-                                          <p:stCondLst>
-                                            <p:cond delay="0"/>
-                                          </p:stCondLst>
-                                        </p:cTn>
-                                        <p:tgtEl>
-                                          <p:spTgt spid="37"/>
-                                        </p:tgtEl>
-                                        <p:attrNameLst>
-                                          <p:attrName>style.visibility</p:attrName>
-                                        </p:attrNameLst>
-                                      </p:cBhvr>
-                                      <p:to>
-                                        <p:strVal val="visible"/>
-                                      </p:to>
-                                    </p:set>
-                                    <p:animEffect transition="in" filter="fade">
-                                      <p:cBhvr>
-                                        <p:cTn id="35" dur="500"/>
-                                        <p:tgtEl>
-                                          <p:spTgt spid="37"/>
-                                        </p:tgtEl>
-                                      </p:cBhvr>
-                                    </p:animEffect>
-                                  </p:childTnLst>
-                                </p:cTn>
-                              </p:par>
-                              <p:par>
-                                <p:cTn id="36" presetID="10" presetClass="entr" presetSubtype="0" fill="hold" nodeType="withEffect">
-                                  <p:stCondLst>
-                                    <p:cond delay="0"/>
-                                  </p:stCondLst>
-                                  <p:childTnLst>
-                                    <p:set>
-                                      <p:cBhvr>
-                                        <p:cTn id="37" dur="1" fill="hold">
-                                          <p:stCondLst>
-                                            <p:cond delay="0"/>
-                                          </p:stCondLst>
-                                        </p:cTn>
-                                        <p:tgtEl>
-                                          <p:spTgt spid="32"/>
-                                        </p:tgtEl>
-                                        <p:attrNameLst>
-                                          <p:attrName>style.visibility</p:attrName>
-                                        </p:attrNameLst>
-                                      </p:cBhvr>
-                                      <p:to>
-                                        <p:strVal val="visible"/>
-                                      </p:to>
-                                    </p:set>
-                                    <p:animEffect transition="in" filter="fade">
-                                      <p:cBhvr>
-                                        <p:cTn id="38" dur="500"/>
-                                        <p:tgtEl>
-                                          <p:spTgt spid="32"/>
-                                        </p:tgtEl>
-                                      </p:cBhvr>
-                                    </p:animEffect>
-                                  </p:childTnLst>
-                                </p:cTn>
-                              </p:par>
-                            </p:childTnLst>
-                          </p:cTn>
-                        </p:par>
-                      </p:childTnLst>
-                    </p:cTn>
-                  </p:par>
-                  <p:par>
-                    <p:cTn id="39" fill="hold">
-                      <p:stCondLst>
-                        <p:cond delay="indefinite"/>
-                      </p:stCondLst>
-                      <p:childTnLst>
-                        <p:par>
-                          <p:cTn id="40" fill="hold">
-                            <p:stCondLst>
-                              <p:cond delay="0"/>
-                            </p:stCondLst>
-                            <p:childTnLst>
-                              <p:par>
-                                <p:cTn id="41" presetID="10" presetClass="exit" presetSubtype="0" fill="hold" nodeType="clickEffect">
-                                  <p:stCondLst>
-                                    <p:cond delay="0"/>
-                                  </p:stCondLst>
-                                  <p:childTnLst>
-                                    <p:animEffect transition="out" filter="fade">
-                                      <p:cBhvr>
-                                        <p:cTn id="42" dur="500"/>
-                                        <p:tgtEl>
-                                          <p:spTgt spid="36"/>
-                                        </p:tgtEl>
-                                      </p:cBhvr>
-                                    </p:animEffect>
-                                    <p:set>
-                                      <p:cBhvr>
-                                        <p:cTn id="43" dur="1" fill="hold">
-                                          <p:stCondLst>
-                                            <p:cond delay="499"/>
-                                          </p:stCondLst>
-                                        </p:cTn>
-                                        <p:tgtEl>
-                                          <p:spTgt spid="36"/>
-                                        </p:tgtEl>
-                                        <p:attrNameLst>
-                                          <p:attrName>style.visibility</p:attrName>
-                                        </p:attrNameLst>
-                                      </p:cBhvr>
-                                      <p:to>
-                                        <p:strVal val="hidden"/>
-                                      </p:to>
-                                    </p:set>
-                                  </p:childTnLst>
-                                </p:cTn>
-                              </p:par>
-                              <p:par>
-                                <p:cTn id="44" presetID="10" presetClass="exit" presetSubtype="0" fill="hold" grpId="1" nodeType="withEffect">
-                                  <p:stCondLst>
-                                    <p:cond delay="0"/>
-                                  </p:stCondLst>
-                                  <p:childTnLst>
-                                    <p:animEffect transition="out" filter="fade">
-                                      <p:cBhvr>
-                                        <p:cTn id="45" dur="500"/>
-                                        <p:tgtEl>
-                                          <p:spTgt spid="37"/>
-                                        </p:tgtEl>
-                                      </p:cBhvr>
-                                    </p:animEffect>
-                                    <p:set>
-                                      <p:cBhvr>
-                                        <p:cTn id="46" dur="1" fill="hold">
-                                          <p:stCondLst>
-                                            <p:cond delay="499"/>
-                                          </p:stCondLst>
-                                        </p:cTn>
-                                        <p:tgtEl>
-                                          <p:spTgt spid="37"/>
-                                        </p:tgtEl>
-                                        <p:attrNameLst>
-                                          <p:attrName>style.visibility</p:attrName>
-                                        </p:attrNameLst>
-                                      </p:cBhvr>
-                                      <p:to>
-                                        <p:strVal val="hidden"/>
-                                      </p:to>
-                                    </p:set>
-                                  </p:childTnLst>
-                                </p:cTn>
-                              </p:par>
-                            </p:childTnLst>
-                          </p:cTn>
-                        </p:par>
-                      </p:childTnLst>
-                    </p:cTn>
-                  </p:par>
-                  <p:par>
-                    <p:cTn id="47" fill="hold">
-                      <p:stCondLst>
-                        <p:cond delay="indefinite"/>
-                      </p:stCondLst>
-                      <p:childTnLst>
-                        <p:par>
-                          <p:cTn id="48" fill="hold">
-                            <p:stCondLst>
-                              <p:cond delay="0"/>
-                            </p:stCondLst>
-                            <p:childTnLst>
-                              <p:par>
-                                <p:cTn id="49" presetID="42" presetClass="path" presetSubtype="0" accel="50000" decel="50000" fill="hold" nodeType="clickEffect">
-                                  <p:stCondLst>
-                                    <p:cond delay="0"/>
-                                  </p:stCondLst>
-                                  <p:childTnLst>
-                                    <p:animMotion origin="layout" path="M 0 -3.7037E-7 L -0.19844 0.00232 " pathEditMode="relative" rAng="0" ptsTypes="AA">
-                                      <p:cBhvr>
-                                        <p:cTn id="50" dur="2000" fill="hold"/>
-                                        <p:tgtEl>
-                                          <p:spTgt spid="31"/>
-                                        </p:tgtEl>
-                                        <p:attrNameLst>
-                                          <p:attrName>ppt_x</p:attrName>
-                                          <p:attrName>ppt_y</p:attrName>
-                                        </p:attrNameLst>
-                                      </p:cBhvr>
-                                      <p:rCtr x="-9922" y="116"/>
-                                    </p:animMotion>
-                                  </p:childTnLst>
-                                </p:cTn>
-                              </p:par>
-                              <p:par>
-                                <p:cTn id="51" presetID="42" presetClass="path" presetSubtype="0" accel="50000" decel="50000" fill="hold" nodeType="withEffect">
-                                  <p:stCondLst>
-                                    <p:cond delay="0"/>
-                                  </p:stCondLst>
-                                  <p:childTnLst>
-                                    <p:animMotion origin="layout" path="M 1.25E-6 -3.7037E-7 L -0.20547 0.00232 " pathEditMode="relative" rAng="0" ptsTypes="AA">
-                                      <p:cBhvr>
-                                        <p:cTn id="52" dur="2000" fill="hold"/>
-                                        <p:tgtEl>
-                                          <p:spTgt spid="32"/>
-                                        </p:tgtEl>
-                                        <p:attrNameLst>
-                                          <p:attrName>ppt_x</p:attrName>
-                                          <p:attrName>ppt_y</p:attrName>
-                                        </p:attrNameLst>
-                                      </p:cBhvr>
-                                      <p:rCtr x="-10273" y="116"/>
-                                    </p:animMotion>
-                                  </p:childTnLst>
-                                </p:cTn>
-                              </p:par>
-                            </p:childTnLst>
-                          </p:cTn>
-                        </p:par>
-                      </p:childTnLst>
-                    </p:cTn>
-                  </p:par>
-                  <p:par>
-                    <p:cTn id="53" fill="hold">
-                      <p:stCondLst>
-                        <p:cond delay="indefinite"/>
-                      </p:stCondLst>
-                      <p:childTnLst>
-                        <p:par>
-                          <p:cTn id="54" fill="hold">
-                            <p:stCondLst>
-                              <p:cond delay="0"/>
-                            </p:stCondLst>
-                            <p:childTnLst>
-                              <p:par>
-                                <p:cTn id="55" presetID="10" presetClass="entr" presetSubtype="0" fill="hold" grpId="0" nodeType="clickEffect">
-                                  <p:stCondLst>
-                                    <p:cond delay="0"/>
-                                  </p:stCondLst>
-                                  <p:childTnLst>
-                                    <p:set>
-                                      <p:cBhvr>
-                                        <p:cTn id="56" dur="1" fill="hold">
-                                          <p:stCondLst>
-                                            <p:cond delay="0"/>
-                                          </p:stCondLst>
-                                        </p:cTn>
-                                        <p:tgtEl>
-                                          <p:spTgt spid="46"/>
-                                        </p:tgtEl>
-                                        <p:attrNameLst>
-                                          <p:attrName>style.visibility</p:attrName>
-                                        </p:attrNameLst>
-                                      </p:cBhvr>
-                                      <p:to>
-                                        <p:strVal val="visible"/>
-                                      </p:to>
-                                    </p:set>
-                                    <p:animEffect transition="in" filter="fade">
-                                      <p:cBhvr>
-                                        <p:cTn id="57" dur="500"/>
-                                        <p:tgtEl>
-                                          <p:spTgt spid="46"/>
-                                        </p:tgtEl>
-                                      </p:cBhvr>
-                                    </p:animEffect>
-                                  </p:childTnLst>
-                                </p:cTn>
-                              </p:par>
-                              <p:par>
-                                <p:cTn id="58" presetID="10" presetClass="entr" presetSubtype="0" fill="hold" nodeType="withEffect">
-                                  <p:stCondLst>
-                                    <p:cond delay="0"/>
-                                  </p:stCondLst>
-                                  <p:childTnLst>
-                                    <p:set>
-                                      <p:cBhvr>
-                                        <p:cTn id="59" dur="1" fill="hold">
-                                          <p:stCondLst>
-                                            <p:cond delay="0"/>
-                                          </p:stCondLst>
-                                        </p:cTn>
-                                        <p:tgtEl>
-                                          <p:spTgt spid="43"/>
-                                        </p:tgtEl>
-                                        <p:attrNameLst>
-                                          <p:attrName>style.visibility</p:attrName>
-                                        </p:attrNameLst>
-                                      </p:cBhvr>
-                                      <p:to>
-                                        <p:strVal val="visible"/>
-                                      </p:to>
-                                    </p:set>
-                                    <p:animEffect transition="in" filter="fade">
-                                      <p:cBhvr>
-                                        <p:cTn id="60" dur="500"/>
-                                        <p:tgtEl>
-                                          <p:spTgt spid="43"/>
-                                        </p:tgtEl>
-                                      </p:cBhvr>
-                                    </p:animEffect>
-                                  </p:childTnLst>
-                                </p:cTn>
-                              </p:par>
-                            </p:childTnLst>
-                          </p:cTn>
-                        </p:par>
-                      </p:childTnLst>
-                    </p:cTn>
-                  </p:par>
-                  <p:par>
-                    <p:cTn id="61" fill="hold">
-                      <p:stCondLst>
-                        <p:cond delay="indefinite"/>
-                      </p:stCondLst>
-                      <p:childTnLst>
-                        <p:par>
-                          <p:cTn id="62" fill="hold">
-                            <p:stCondLst>
-                              <p:cond delay="0"/>
-                            </p:stCondLst>
-                            <p:childTnLst>
-                              <p:par>
-                                <p:cTn id="63" presetID="10" presetClass="entr" presetSubtype="0" fill="hold" grpId="0" nodeType="clickEffect">
-                                  <p:stCondLst>
-                                    <p:cond delay="0"/>
-                                  </p:stCondLst>
-                                  <p:childTnLst>
-                                    <p:set>
-                                      <p:cBhvr>
-                                        <p:cTn id="64" dur="1" fill="hold">
-                                          <p:stCondLst>
-                                            <p:cond delay="0"/>
-                                          </p:stCondLst>
-                                        </p:cTn>
-                                        <p:tgtEl>
-                                          <p:spTgt spid="49"/>
-                                        </p:tgtEl>
-                                        <p:attrNameLst>
-                                          <p:attrName>style.visibility</p:attrName>
-                                        </p:attrNameLst>
-                                      </p:cBhvr>
-                                      <p:to>
-                                        <p:strVal val="visible"/>
-                                      </p:to>
-                                    </p:set>
-                                    <p:animEffect transition="in" filter="fade">
-                                      <p:cBhvr>
-                                        <p:cTn id="65" dur="500"/>
-                                        <p:tgtEl>
-                                          <p:spTgt spid="49"/>
-                                        </p:tgtEl>
-                                      </p:cBhvr>
-                                    </p:animEffect>
-                                  </p:childTnLst>
-                                </p:cTn>
-                              </p:par>
-                            </p:childTnLst>
-                          </p:cTn>
-                        </p:par>
-                      </p:childTnLst>
-                    </p:cTn>
-                  </p:par>
-                  <p:par>
-                    <p:cTn id="66" fill="hold">
-                      <p:stCondLst>
-                        <p:cond delay="indefinite"/>
-                      </p:stCondLst>
-                      <p:childTnLst>
-                        <p:par>
-                          <p:cTn id="67" fill="hold">
-                            <p:stCondLst>
-                              <p:cond delay="0"/>
-                            </p:stCondLst>
-                            <p:childTnLst>
-                              <p:par>
-                                <p:cTn id="68" presetID="10" presetClass="entr" presetSubtype="0" fill="hold" grpId="0" nodeType="clickEffect">
-                                  <p:stCondLst>
-                                    <p:cond delay="0"/>
-                                  </p:stCondLst>
-                                  <p:childTnLst>
-                                    <p:set>
-                                      <p:cBhvr>
-                                        <p:cTn id="69" dur="1" fill="hold">
-                                          <p:stCondLst>
-                                            <p:cond delay="0"/>
-                                          </p:stCondLst>
-                                        </p:cTn>
-                                        <p:tgtEl>
-                                          <p:spTgt spid="47"/>
-                                        </p:tgtEl>
-                                        <p:attrNameLst>
-                                          <p:attrName>style.visibility</p:attrName>
-                                        </p:attrNameLst>
-                                      </p:cBhvr>
-                                      <p:to>
-                                        <p:strVal val="visible"/>
-                                      </p:to>
-                                    </p:set>
-                                    <p:animEffect transition="in" filter="fade">
-                                      <p:cBhvr>
-                                        <p:cTn id="70" dur="500"/>
-                                        <p:tgtEl>
-                                          <p:spTgt spid="47"/>
-                                        </p:tgtEl>
-                                      </p:cBhvr>
-                                    </p:animEffect>
-                                  </p:childTnLst>
-                                </p:cTn>
-                              </p:par>
-                              <p:par>
-                                <p:cTn id="71" presetID="10" presetClass="entr" presetSubtype="0" fill="hold" grpId="0" nodeType="withEffect">
-                                  <p:stCondLst>
-                                    <p:cond delay="0"/>
-                                  </p:stCondLst>
-                                  <p:childTnLst>
-                                    <p:set>
-                                      <p:cBhvr>
-                                        <p:cTn id="72" dur="1" fill="hold">
-                                          <p:stCondLst>
-                                            <p:cond delay="0"/>
-                                          </p:stCondLst>
-                                        </p:cTn>
-                                        <p:tgtEl>
-                                          <p:spTgt spid="48"/>
-                                        </p:tgtEl>
-                                        <p:attrNameLst>
-                                          <p:attrName>style.visibility</p:attrName>
-                                        </p:attrNameLst>
-                                      </p:cBhvr>
-                                      <p:to>
-                                        <p:strVal val="visible"/>
-                                      </p:to>
-                                    </p:set>
-                                    <p:animEffect transition="in" filter="fade">
-                                      <p:cBhvr>
-                                        <p:cTn id="73" dur="500"/>
-                                        <p:tgtEl>
-                                          <p:spTgt spid="48"/>
-                                        </p:tgtEl>
-                                      </p:cBhvr>
-                                    </p:animEffect>
-                                  </p:childTnLst>
-                                </p:cTn>
-                              </p:par>
-                            </p:childTnLst>
-                          </p:cTn>
-                        </p:par>
-                      </p:childTnLst>
-                    </p:cTn>
-                  </p:par>
-                </p:childTnLst>
-              </p:cTn>
-              <p:prevCondLst>
-                <p:cond evt="onPrev" delay="0">
-                  <p:tgtEl>
-                    <p:sldTgt/>
-                  </p:tgtEl>
-                </p:cond>
-              </p:prevCondLst>
-              <p:nextCondLst>
-                <p:cond evt="onNext" delay="0">
-                  <p:tgtEl>
-                    <p:sldTgt/>
-                  </p:tgtEl>
-                </p:cond>
-              </p:nextCondLst>
-            </p:seq>
-          </p:childTnLst>
-        </p:cTn>
-      </p:par>
-    </p:tnLst>
-    <p:bldLst>
-      <p:bldP spid="19" grpId="0"/>
-      <p:bldP spid="20" grpId="0"/>
-      <p:bldP spid="23" grpId="0"/>
-      <p:bldP spid="37" grpId="0"/>
-      <p:bldP spid="37" grpId="1"/>
-      <p:bldP spid="46" grpId="0"/>
-      <p:bldP spid="47" grpId="0"/>
-      <p:bldP spid="48" grpId="0"/>
-      <p:bldP spid="49" grpId="0"/>
-    </p:bldLst>
-  </p:timing>
-</p:sld>
-</file>
-
-<file path=ppt/slides/slide7.xml><?xml version="1.0" encoding="utf-8"?>
-<p:sld xmlns:a="http://schemas.openxmlformats.org/drawingml/2006/main" xmlns:r="http://schemas.openxmlformats.org/officeDocument/2006/relationships" xmlns:p="http://schemas.openxmlformats.org/presentationml/2006/main">
-  <p:cSld>
-    <p:spTree>
-      <p:nvGrpSpPr>
-        <p:cNvPr id="1" name=""/>
-        <p:cNvGrpSpPr/>
-        <p:nvPr/>
-      </p:nvGrpSpPr>
-      <p:grpSpPr>
-        <a:xfrm>
-          <a:off x="0" y="0"/>
-          <a:ext cx="0" cy="0"/>
-          <a:chOff x="0" y="0"/>
-          <a:chExt cx="0" cy="0"/>
-        </a:xfrm>
-      </p:grpSpPr>
-      <p:sp>
-        <p:nvSpPr>
-          <p:cNvPr id="2" name="标题 1"/>
-          <p:cNvSpPr>
-            <a:spLocks noGrp="1"/>
-          </p:cNvSpPr>
-          <p:nvPr>
-            <p:ph type="title"/>
-          </p:nvPr>
-        </p:nvSpPr>
-        <p:spPr>
-          <a:xfrm>
             <a:off x="838200" y="365126"/>
             <a:ext cx="10515600" cy="579254"/>
           </a:xfrm>
@@ -20042,11 +15581,7 @@
                       <a:pPr algn="ctr"/>
                       <a:r>
                         <a:rPr lang="en-US" altLang="zh-CN" dirty="0" smtClean="0"/>
-                        <a:t>1</a:t>
-                      </a:r>
-                      <a:r>
-                        <a:rPr lang="en-US" altLang="zh-CN" dirty="0" smtClean="0"/>
-                        <a:t>.</a:t>
+                        <a:t>1.</a:t>
                       </a:r>
                       <a:r>
                         <a:rPr lang="zh-CN" altLang="en-US" dirty="0" smtClean="0"/>
@@ -20543,15 +16078,6 @@
                         </a:rPr>
                         <a:t>°/s</a:t>
                       </a:r>
-                      <a:endParaRPr lang="en-US" altLang="zh-CN" sz="1400" b="0" i="0" kern="1200" dirty="0" smtClean="0">
-                        <a:solidFill>
-                          <a:schemeClr val="dk1"/>
-                        </a:solidFill>
-                        <a:effectLst/>
-                        <a:latin typeface="+mn-lt"/>
-                        <a:ea typeface="+mn-ea"/>
-                        <a:cs typeface="+mn-cs"/>
-                      </a:endParaRPr>
                     </a:p>
                   </a:txBody>
                   <a:tcPr/>
@@ -21495,6 +17021,4721 @@
 </p:sld>
 </file>
 
+<file path=ppt/slides/slide7.xml><?xml version="1.0" encoding="utf-8"?>
+<p:sld xmlns:a="http://schemas.openxmlformats.org/drawingml/2006/main" xmlns:r="http://schemas.openxmlformats.org/officeDocument/2006/relationships" xmlns:p="http://schemas.openxmlformats.org/presentationml/2006/main">
+  <p:cSld>
+    <p:spTree>
+      <p:nvGrpSpPr>
+        <p:cNvPr id="1" name=""/>
+        <p:cNvGrpSpPr/>
+        <p:nvPr/>
+      </p:nvGrpSpPr>
+      <p:grpSpPr>
+        <a:xfrm>
+          <a:off x="0" y="0"/>
+          <a:ext cx="0" cy="0"/>
+          <a:chOff x="0" y="0"/>
+          <a:chExt cx="0" cy="0"/>
+        </a:xfrm>
+      </p:grpSpPr>
+      <p:sp>
+        <p:nvSpPr>
+          <p:cNvPr id="2" name="标题 1"/>
+          <p:cNvSpPr>
+            <a:spLocks noGrp="1"/>
+          </p:cNvSpPr>
+          <p:nvPr>
+            <p:ph type="title"/>
+          </p:nvPr>
+        </p:nvSpPr>
+        <p:spPr>
+          <a:xfrm>
+            <a:off x="971005" y="31956"/>
+            <a:ext cx="3349592" cy="762524"/>
+          </a:xfrm>
+        </p:spPr>
+        <p:txBody>
+          <a:bodyPr>
+            <a:normAutofit/>
+          </a:bodyPr>
+          <a:lstStyle/>
+          <a:p>
+            <a:r>
+              <a:rPr lang="en-US" altLang="zh-CN" sz="3200" b="1" dirty="0" smtClean="0">
+                <a:solidFill>
+                  <a:srgbClr val="0070C0"/>
+                </a:solidFill>
+                <a:latin typeface="微软雅黑" panose="020B0503020204020204" pitchFamily="34" charset="-122"/>
+                <a:ea typeface="微软雅黑" panose="020B0503020204020204" pitchFamily="34" charset="-122"/>
+              </a:rPr>
+              <a:t>PID</a:t>
+            </a:r>
+            <a:r>
+              <a:rPr lang="zh-CN" altLang="en-US" sz="3200" b="1" dirty="0" smtClean="0">
+                <a:solidFill>
+                  <a:srgbClr val="0070C0"/>
+                </a:solidFill>
+                <a:latin typeface="微软雅黑" panose="020B0503020204020204" pitchFamily="34" charset="-122"/>
+                <a:ea typeface="微软雅黑" panose="020B0503020204020204" pitchFamily="34" charset="-122"/>
+              </a:rPr>
+              <a:t>控制</a:t>
+            </a:r>
+            <a:endParaRPr lang="zh-CN" altLang="en-US" sz="3200" b="1" dirty="0">
+              <a:solidFill>
+                <a:srgbClr val="0070C0"/>
+              </a:solidFill>
+              <a:latin typeface="微软雅黑" panose="020B0503020204020204" pitchFamily="34" charset="-122"/>
+              <a:ea typeface="微软雅黑" panose="020B0503020204020204" pitchFamily="34" charset="-122"/>
+            </a:endParaRPr>
+          </a:p>
+        </p:txBody>
+      </p:sp>
+      <p:sp>
+        <p:nvSpPr>
+          <p:cNvPr id="22" name="矩形 21"/>
+          <p:cNvSpPr/>
+          <p:nvPr/>
+        </p:nvSpPr>
+        <p:spPr>
+          <a:xfrm>
+            <a:off x="628650" y="676275"/>
+            <a:ext cx="11010900" cy="5863863"/>
+          </a:xfrm>
+          <a:prstGeom prst="rect">
+            <a:avLst/>
+          </a:prstGeom>
+          <a:solidFill>
+            <a:schemeClr val="accent1">
+              <a:lumMod val="50000"/>
+            </a:schemeClr>
+          </a:solidFill>
+          <a:ln>
+            <a:solidFill>
+              <a:schemeClr val="accent1"/>
+            </a:solidFill>
+          </a:ln>
+        </p:spPr>
+        <p:style>
+          <a:lnRef idx="2">
+            <a:schemeClr val="accent1">
+              <a:shade val="50000"/>
+            </a:schemeClr>
+          </a:lnRef>
+          <a:fillRef idx="1">
+            <a:schemeClr val="accent1"/>
+          </a:fillRef>
+          <a:effectRef idx="0">
+            <a:schemeClr val="accent1"/>
+          </a:effectRef>
+          <a:fontRef idx="minor">
+            <a:schemeClr val="lt1"/>
+          </a:fontRef>
+        </p:style>
+        <p:txBody>
+          <a:bodyPr rtlCol="0" anchor="ctr"/>
+          <a:lstStyle/>
+          <a:p>
+            <a:pPr lvl="0"/>
+            <a:endParaRPr lang="en-US" altLang="zh-CN" dirty="0">
+              <a:solidFill>
+                <a:prstClr val="white"/>
+              </a:solidFill>
+              <a:latin typeface="微软雅黑" panose="020B0503020204020204" pitchFamily="34" charset="-122"/>
+              <a:ea typeface="微软雅黑" panose="020B0503020204020204" pitchFamily="34" charset="-122"/>
+            </a:endParaRPr>
+          </a:p>
+          <a:p>
+            <a:endParaRPr lang="en-US" altLang="zh-CN" sz="2400" dirty="0">
+              <a:latin typeface="微软雅黑" panose="020B0503020204020204" pitchFamily="34" charset="-122"/>
+              <a:ea typeface="微软雅黑" panose="020B0503020204020204" pitchFamily="34" charset="-122"/>
+            </a:endParaRPr>
+          </a:p>
+          <a:p>
+            <a:endParaRPr lang="en-US" altLang="zh-CN" sz="2400" dirty="0">
+              <a:latin typeface="微软雅黑" panose="020B0503020204020204" pitchFamily="34" charset="-122"/>
+              <a:ea typeface="微软雅黑" panose="020B0503020204020204" pitchFamily="34" charset="-122"/>
+            </a:endParaRPr>
+          </a:p>
+          <a:p>
+            <a:endParaRPr lang="en-US" altLang="zh-CN" sz="2400" dirty="0">
+              <a:latin typeface="微软雅黑" panose="020B0503020204020204" pitchFamily="34" charset="-122"/>
+              <a:ea typeface="微软雅黑" panose="020B0503020204020204" pitchFamily="34" charset="-122"/>
+            </a:endParaRPr>
+          </a:p>
+          <a:p>
+            <a:endParaRPr lang="en-US" altLang="zh-CN" sz="2400" dirty="0">
+              <a:latin typeface="微软雅黑" panose="020B0503020204020204" pitchFamily="34" charset="-122"/>
+              <a:ea typeface="微软雅黑" panose="020B0503020204020204" pitchFamily="34" charset="-122"/>
+            </a:endParaRPr>
+          </a:p>
+          <a:p>
+            <a:endParaRPr lang="en-US" altLang="zh-CN" sz="2400" dirty="0">
+              <a:latin typeface="微软雅黑" panose="020B0503020204020204" pitchFamily="34" charset="-122"/>
+              <a:ea typeface="微软雅黑" panose="020B0503020204020204" pitchFamily="34" charset="-122"/>
+            </a:endParaRPr>
+          </a:p>
+          <a:p>
+            <a:endParaRPr lang="en-US" altLang="zh-CN" sz="2400" dirty="0">
+              <a:latin typeface="微软雅黑" panose="020B0503020204020204" pitchFamily="34" charset="-122"/>
+              <a:ea typeface="微软雅黑" panose="020B0503020204020204" pitchFamily="34" charset="-122"/>
+            </a:endParaRPr>
+          </a:p>
+          <a:p>
+            <a:endParaRPr lang="en-US" altLang="zh-CN" sz="2400" dirty="0">
+              <a:latin typeface="微软雅黑" panose="020B0503020204020204" pitchFamily="34" charset="-122"/>
+              <a:ea typeface="微软雅黑" panose="020B0503020204020204" pitchFamily="34" charset="-122"/>
+            </a:endParaRPr>
+          </a:p>
+          <a:p>
+            <a:endParaRPr lang="en-US" altLang="zh-CN" sz="2400" dirty="0">
+              <a:latin typeface="微软雅黑" panose="020B0503020204020204" pitchFamily="34" charset="-122"/>
+              <a:ea typeface="微软雅黑" panose="020B0503020204020204" pitchFamily="34" charset="-122"/>
+            </a:endParaRPr>
+          </a:p>
+          <a:p>
+            <a:pPr lvl="0"/>
+            <a:endParaRPr lang="en-US" altLang="zh-CN" dirty="0">
+              <a:solidFill>
+                <a:prstClr val="white"/>
+              </a:solidFill>
+              <a:latin typeface="微软雅黑" panose="020B0503020204020204" pitchFamily="34" charset="-122"/>
+              <a:ea typeface="微软雅黑" panose="020B0503020204020204" pitchFamily="34" charset="-122"/>
+            </a:endParaRPr>
+          </a:p>
+        </p:txBody>
+      </p:sp>
+      <p:pic>
+        <p:nvPicPr>
+          <p:cNvPr id="4" name="内容占位符 5">
+            <a:extLst>
+              <a:ext uri="{FF2B5EF4-FFF2-40B4-BE49-F238E27FC236}">
+                <a16:creationId xmlns:a16="http://schemas.microsoft.com/office/drawing/2014/main" xmlns="" id="{DB26105E-A1FF-4E29-8ADB-0BAF8186333C}"/>
+              </a:ext>
+            </a:extLst>
+          </p:cNvPr>
+          <p:cNvPicPr>
+            <a:picLocks noGrp="1" noChangeAspect="1"/>
+          </p:cNvPicPr>
+          <p:nvPr>
+            <p:ph idx="1"/>
+          </p:nvPr>
+        </p:nvPicPr>
+        <p:blipFill>
+          <a:blip r:embed="rId3" cstate="print">
+            <a:extLst>
+              <a:ext uri="{28A0092B-C50C-407E-A947-70E740481C1C}">
+                <a14:useLocalDpi xmlns:a14="http://schemas.microsoft.com/office/drawing/2010/main" val="0"/>
+              </a:ext>
+            </a:extLst>
+          </a:blip>
+          <a:stretch>
+            <a:fillRect/>
+          </a:stretch>
+        </p:blipFill>
+        <p:spPr>
+          <a:xfrm>
+            <a:off x="2125015" y="1030768"/>
+            <a:ext cx="816061" cy="816061"/>
+          </a:xfrm>
+          <a:ln>
+            <a:solidFill>
+              <a:schemeClr val="accent1"/>
+            </a:solidFill>
+          </a:ln>
+        </p:spPr>
+      </p:pic>
+      <p:grpSp>
+        <p:nvGrpSpPr>
+          <p:cNvPr id="14" name="组合 13"/>
+          <p:cNvGrpSpPr/>
+          <p:nvPr/>
+        </p:nvGrpSpPr>
+        <p:grpSpPr>
+          <a:xfrm>
+            <a:off x="5889314" y="1050331"/>
+            <a:ext cx="850900" cy="776933"/>
+            <a:chOff x="6003614" y="1518301"/>
+            <a:chExt cx="850900" cy="776933"/>
+          </a:xfrm>
+        </p:grpSpPr>
+        <p:sp>
+          <p:nvSpPr>
+            <p:cNvPr id="7" name="矩形 6"/>
+            <p:cNvSpPr/>
+            <p:nvPr/>
+          </p:nvSpPr>
+          <p:spPr>
+            <a:xfrm>
+              <a:off x="6197600" y="1658603"/>
+              <a:ext cx="462928" cy="462928"/>
+            </a:xfrm>
+            <a:prstGeom prst="rect">
+              <a:avLst/>
+            </a:prstGeom>
+            <a:noFill/>
+            <a:ln w="25400">
+              <a:solidFill>
+                <a:srgbClr val="92D050"/>
+              </a:solidFill>
+            </a:ln>
+          </p:spPr>
+          <p:style>
+            <a:lnRef idx="2">
+              <a:schemeClr val="accent1">
+                <a:shade val="50000"/>
+              </a:schemeClr>
+            </a:lnRef>
+            <a:fillRef idx="1">
+              <a:schemeClr val="accent1"/>
+            </a:fillRef>
+            <a:effectRef idx="0">
+              <a:schemeClr val="accent1"/>
+            </a:effectRef>
+            <a:fontRef idx="minor">
+              <a:schemeClr val="lt1"/>
+            </a:fontRef>
+          </p:style>
+          <p:txBody>
+            <a:bodyPr rtlCol="0" anchor="ctr"/>
+            <a:lstStyle/>
+            <a:p>
+              <a:pPr algn="ctr"/>
+              <a:endParaRPr lang="zh-CN" altLang="en-US"/>
+            </a:p>
+          </p:txBody>
+        </p:sp>
+        <p:cxnSp>
+          <p:nvCxnSpPr>
+            <p:cNvPr id="9" name="直接连接符 8"/>
+            <p:cNvCxnSpPr/>
+            <p:nvPr/>
+          </p:nvCxnSpPr>
+          <p:spPr>
+            <a:xfrm>
+              <a:off x="6003614" y="1890067"/>
+              <a:ext cx="850900" cy="0"/>
+            </a:xfrm>
+            <a:prstGeom prst="line">
+              <a:avLst/>
+            </a:prstGeom>
+            <a:ln w="25400">
+              <a:solidFill>
+                <a:srgbClr val="92D050"/>
+              </a:solidFill>
+            </a:ln>
+          </p:spPr>
+          <p:style>
+            <a:lnRef idx="1">
+              <a:schemeClr val="accent1"/>
+            </a:lnRef>
+            <a:fillRef idx="0">
+              <a:schemeClr val="accent1"/>
+            </a:fillRef>
+            <a:effectRef idx="0">
+              <a:schemeClr val="accent1"/>
+            </a:effectRef>
+            <a:fontRef idx="minor">
+              <a:schemeClr val="tx1"/>
+            </a:fontRef>
+          </p:style>
+        </p:cxnSp>
+        <p:cxnSp>
+          <p:nvCxnSpPr>
+            <p:cNvPr id="11" name="直接连接符 10"/>
+            <p:cNvCxnSpPr/>
+            <p:nvPr/>
+          </p:nvCxnSpPr>
+          <p:spPr>
+            <a:xfrm flipV="1">
+              <a:off x="6438278" y="1518301"/>
+              <a:ext cx="0" cy="776933"/>
+            </a:xfrm>
+            <a:prstGeom prst="line">
+              <a:avLst/>
+            </a:prstGeom>
+            <a:ln w="25400">
+              <a:solidFill>
+                <a:srgbClr val="92D050"/>
+              </a:solidFill>
+            </a:ln>
+          </p:spPr>
+          <p:style>
+            <a:lnRef idx="1">
+              <a:schemeClr val="accent1"/>
+            </a:lnRef>
+            <a:fillRef idx="0">
+              <a:schemeClr val="accent1"/>
+            </a:fillRef>
+            <a:effectRef idx="0">
+              <a:schemeClr val="accent1"/>
+            </a:effectRef>
+            <a:fontRef idx="minor">
+              <a:schemeClr val="tx1"/>
+            </a:fontRef>
+          </p:style>
+        </p:cxnSp>
+      </p:grpSp>
+      <p:cxnSp>
+        <p:nvCxnSpPr>
+          <p:cNvPr id="16" name="直接箭头连接符 15"/>
+          <p:cNvCxnSpPr/>
+          <p:nvPr/>
+        </p:nvCxnSpPr>
+        <p:spPr>
+          <a:xfrm>
+            <a:off x="2533045" y="1422097"/>
+            <a:ext cx="3790933" cy="0"/>
+          </a:xfrm>
+          <a:prstGeom prst="straightConnector1">
+            <a:avLst/>
+          </a:prstGeom>
+          <a:ln w="25400">
+            <a:headEnd type="triangle"/>
+            <a:tailEnd type="triangle"/>
+          </a:ln>
+        </p:spPr>
+        <p:style>
+          <a:lnRef idx="1">
+            <a:schemeClr val="accent1"/>
+          </a:lnRef>
+          <a:fillRef idx="0">
+            <a:schemeClr val="accent1"/>
+          </a:fillRef>
+          <a:effectRef idx="0">
+            <a:schemeClr val="accent1"/>
+          </a:effectRef>
+          <a:fontRef idx="minor">
+            <a:schemeClr val="tx1"/>
+          </a:fontRef>
+        </p:style>
+      </p:cxnSp>
+      <p:sp>
+        <p:nvSpPr>
+          <p:cNvPr id="19" name="文本框 18"/>
+          <p:cNvSpPr txBox="1"/>
+          <p:nvPr/>
+        </p:nvSpPr>
+        <p:spPr>
+          <a:xfrm>
+            <a:off x="4233906" y="1088656"/>
+            <a:ext cx="556563" cy="369332"/>
+          </a:xfrm>
+          <a:prstGeom prst="rect">
+            <a:avLst/>
+          </a:prstGeom>
+          <a:noFill/>
+        </p:spPr>
+        <p:txBody>
+          <a:bodyPr wrap="none" rtlCol="0">
+            <a:spAutoFit/>
+          </a:bodyPr>
+          <a:lstStyle/>
+          <a:p>
+            <a:r>
+              <a:rPr lang="en-US" altLang="zh-CN" dirty="0" err="1" smtClean="0">
+                <a:solidFill>
+                  <a:schemeClr val="bg1"/>
+                </a:solidFill>
+              </a:rPr>
+              <a:t>xErr</a:t>
+            </a:r>
+            <a:endParaRPr lang="zh-CN" altLang="en-US" dirty="0">
+              <a:solidFill>
+                <a:schemeClr val="bg1"/>
+              </a:solidFill>
+            </a:endParaRPr>
+          </a:p>
+        </p:txBody>
+      </p:sp>
+      <mc:AlternateContent xmlns:mc="http://schemas.openxmlformats.org/markup-compatibility/2006" xmlns:a14="http://schemas.microsoft.com/office/drawing/2010/main">
+        <mc:Choice Requires="a14">
+          <p:sp>
+            <p:nvSpPr>
+              <p:cNvPr id="20" name="文本框 19"/>
+              <p:cNvSpPr txBox="1"/>
+              <p:nvPr/>
+            </p:nvSpPr>
+            <p:spPr>
+              <a:xfrm>
+                <a:off x="6980892" y="960432"/>
+                <a:ext cx="3935693" cy="944746"/>
+              </a:xfrm>
+              <a:prstGeom prst="rect">
+                <a:avLst/>
+              </a:prstGeom>
+              <a:noFill/>
+            </p:spPr>
+            <p:txBody>
+              <a:bodyPr wrap="none" rtlCol="0">
+                <a:spAutoFit/>
+              </a:bodyPr>
+              <a:lstStyle/>
+              <a:p>
+                <a:pPr marL="285750" indent="-285750">
+                  <a:buFont typeface="Arial" panose="020B0604020202020204" pitchFamily="34" charset="0"/>
+                  <a:buChar char="•"/>
+                </a:pPr>
+                <a14:m>
+                  <m:oMath xmlns:m="http://schemas.openxmlformats.org/officeDocument/2006/math">
+                    <m:r>
+                      <a:rPr lang="en-US" altLang="zh-CN" b="0" i="1" smtClean="0">
+                        <a:solidFill>
+                          <a:schemeClr val="bg1"/>
+                        </a:solidFill>
+                        <a:latin typeface="Cambria Math" panose="02040503050406030204" pitchFamily="18" charset="0"/>
+                      </a:rPr>
+                      <m:t>𝑥𝑆𝑝𝑒𝑒𝑑</m:t>
+                    </m:r>
+                    <m:r>
+                      <a:rPr lang="en-US" altLang="zh-CN" b="0" i="1" smtClean="0">
+                        <a:solidFill>
+                          <a:schemeClr val="bg1"/>
+                        </a:solidFill>
+                        <a:latin typeface="Cambria Math" panose="02040503050406030204" pitchFamily="18" charset="0"/>
+                      </a:rPr>
+                      <m:t>=</m:t>
+                    </m:r>
+                    <m:sSub>
+                      <m:sSubPr>
+                        <m:ctrlPr>
+                          <a:rPr lang="en-US" altLang="zh-CN" b="0" i="1" smtClean="0">
+                            <a:solidFill>
+                              <a:schemeClr val="bg1"/>
+                            </a:solidFill>
+                            <a:latin typeface="Cambria Math" panose="02040503050406030204" pitchFamily="18" charset="0"/>
+                          </a:rPr>
+                        </m:ctrlPr>
+                      </m:sSubPr>
+                      <m:e>
+                        <m:r>
+                          <a:rPr lang="en-US" altLang="zh-CN" b="0" i="1" smtClean="0">
+                            <a:solidFill>
+                              <a:schemeClr val="bg1"/>
+                            </a:solidFill>
+                            <a:latin typeface="Cambria Math" panose="02040503050406030204" pitchFamily="18" charset="0"/>
+                          </a:rPr>
+                          <m:t>𝐾</m:t>
+                        </m:r>
+                      </m:e>
+                      <m:sub>
+                        <m:r>
+                          <a:rPr lang="en-US" altLang="zh-CN" b="0" i="1" smtClean="0">
+                            <a:solidFill>
+                              <a:schemeClr val="bg1"/>
+                            </a:solidFill>
+                            <a:latin typeface="Cambria Math" panose="02040503050406030204" pitchFamily="18" charset="0"/>
+                          </a:rPr>
+                          <m:t>𝑝</m:t>
+                        </m:r>
+                      </m:sub>
+                    </m:sSub>
+                    <m:r>
+                      <a:rPr lang="en-US" altLang="zh-CN" b="0" i="1" smtClean="0">
+                        <a:solidFill>
+                          <a:schemeClr val="bg1"/>
+                        </a:solidFill>
+                        <a:latin typeface="Cambria Math" panose="02040503050406030204" pitchFamily="18" charset="0"/>
+                        <a:ea typeface="Cambria Math" panose="02040503050406030204" pitchFamily="18" charset="0"/>
+                      </a:rPr>
+                      <m:t>×</m:t>
+                    </m:r>
+                    <m:r>
+                      <a:rPr lang="en-US" altLang="zh-CN" b="0" i="1" smtClean="0">
+                        <a:solidFill>
+                          <a:schemeClr val="bg1"/>
+                        </a:solidFill>
+                        <a:latin typeface="Cambria Math" panose="02040503050406030204" pitchFamily="18" charset="0"/>
+                        <a:ea typeface="Cambria Math" panose="02040503050406030204" pitchFamily="18" charset="0"/>
+                      </a:rPr>
+                      <m:t>𝑥𝐸𝑟𝑟</m:t>
+                    </m:r>
+                  </m:oMath>
+                </a14:m>
+                <a:endParaRPr lang="en-US" altLang="zh-CN" dirty="0" smtClean="0">
+                  <a:solidFill>
+                    <a:schemeClr val="bg1"/>
+                  </a:solidFill>
+                </a:endParaRPr>
+              </a:p>
+              <a:p>
+                <a:pPr marL="285750" indent="-285750">
+                  <a:buFont typeface="Arial" panose="020B0604020202020204" pitchFamily="34" charset="0"/>
+                  <a:buChar char="•"/>
+                </a:pPr>
+                <a:r>
+                  <a:rPr lang="en-US" altLang="zh-CN" dirty="0" err="1" smtClean="0">
+                    <a:solidFill>
+                      <a:schemeClr val="bg1"/>
+                    </a:solidFill>
+                  </a:rPr>
+                  <a:t>xErr</a:t>
+                </a:r>
+                <a:r>
+                  <a:rPr lang="zh-CN" altLang="en-US" dirty="0" smtClean="0">
+                    <a:solidFill>
+                      <a:schemeClr val="bg1"/>
+                    </a:solidFill>
+                  </a:rPr>
+                  <a:t>越大，</a:t>
+                </a:r>
+                <a:r>
+                  <a:rPr lang="en-US" altLang="zh-CN" dirty="0" err="1" smtClean="0">
+                    <a:solidFill>
+                      <a:schemeClr val="bg1"/>
+                    </a:solidFill>
+                  </a:rPr>
+                  <a:t>xSpeed</a:t>
+                </a:r>
+                <a:r>
+                  <a:rPr lang="zh-CN" altLang="en-US" dirty="0" smtClean="0">
+                    <a:solidFill>
+                      <a:schemeClr val="bg1"/>
+                    </a:solidFill>
+                  </a:rPr>
+                  <a:t>越快</a:t>
+                </a:r>
+                <a:endParaRPr lang="en-US" altLang="zh-CN" dirty="0" smtClean="0">
+                  <a:solidFill>
+                    <a:schemeClr val="bg1"/>
+                  </a:solidFill>
+                </a:endParaRPr>
+              </a:p>
+              <a:p>
+                <a:pPr marL="285750" indent="-285750">
+                  <a:buFont typeface="Arial" panose="020B0604020202020204" pitchFamily="34" charset="0"/>
+                  <a:buChar char="•"/>
+                </a:pPr>
+                <a:r>
+                  <a:rPr lang="zh-CN" altLang="en-US" dirty="0" smtClean="0">
+                    <a:solidFill>
+                      <a:schemeClr val="bg1"/>
+                    </a:solidFill>
+                  </a:rPr>
+                  <a:t>准星距离目标越远，云台转动越快</a:t>
+                </a:r>
+                <a:endParaRPr lang="zh-CN" altLang="en-US" dirty="0">
+                  <a:solidFill>
+                    <a:schemeClr val="bg1"/>
+                  </a:solidFill>
+                </a:endParaRPr>
+              </a:p>
+            </p:txBody>
+          </p:sp>
+        </mc:Choice>
+        <mc:Fallback xmlns="">
+          <p:sp>
+            <p:nvSpPr>
+              <p:cNvPr id="20" name="文本框 19"/>
+              <p:cNvSpPr txBox="1">
+                <a:spLocks noRot="1" noChangeAspect="1" noMove="1" noResize="1" noEditPoints="1" noAdjustHandles="1" noChangeArrowheads="1" noChangeShapeType="1" noTextEdit="1"/>
+              </p:cNvSpPr>
+              <p:nvPr/>
+            </p:nvSpPr>
+            <p:spPr>
+              <a:xfrm>
+                <a:off x="6980892" y="960432"/>
+                <a:ext cx="3935693" cy="944746"/>
+              </a:xfrm>
+              <a:prstGeom prst="rect">
+                <a:avLst/>
+              </a:prstGeom>
+              <a:blipFill rotWithShape="0">
+                <a:blip r:embed="rId4"/>
+                <a:stretch>
+                  <a:fillRect l="-929" t="-1290" r="-774" b="-7097"/>
+                </a:stretch>
+              </a:blipFill>
+            </p:spPr>
+            <p:txBody>
+              <a:bodyPr/>
+              <a:lstStyle/>
+              <a:p>
+                <a:r>
+                  <a:rPr lang="zh-CN" altLang="en-US">
+                    <a:noFill/>
+                  </a:rPr>
+                  <a:t> </a:t>
+                </a:r>
+              </a:p>
+            </p:txBody>
+          </p:sp>
+        </mc:Fallback>
+      </mc:AlternateContent>
+      <p:sp>
+        <p:nvSpPr>
+          <p:cNvPr id="23" name="文本框 22"/>
+          <p:cNvSpPr txBox="1"/>
+          <p:nvPr/>
+        </p:nvSpPr>
+        <p:spPr>
+          <a:xfrm>
+            <a:off x="891400" y="1232750"/>
+            <a:ext cx="865943" cy="400110"/>
+          </a:xfrm>
+          <a:prstGeom prst="rect">
+            <a:avLst/>
+          </a:prstGeom>
+          <a:noFill/>
+        </p:spPr>
+        <p:txBody>
+          <a:bodyPr wrap="none" rtlCol="0">
+            <a:spAutoFit/>
+          </a:bodyPr>
+          <a:lstStyle/>
+          <a:p>
+            <a:r>
+              <a:rPr lang="zh-CN" altLang="en-US" sz="2000" b="1" dirty="0" smtClean="0">
+                <a:solidFill>
+                  <a:schemeClr val="bg1"/>
+                </a:solidFill>
+                <a:latin typeface="微软雅黑" panose="020B0503020204020204" pitchFamily="34" charset="-122"/>
+                <a:ea typeface="微软雅黑" panose="020B0503020204020204" pitchFamily="34" charset="-122"/>
+              </a:rPr>
+              <a:t>比例</a:t>
+            </a:r>
+            <a:r>
+              <a:rPr lang="en-US" altLang="zh-CN" sz="2000" b="1" dirty="0" smtClean="0">
+                <a:solidFill>
+                  <a:schemeClr val="bg1"/>
+                </a:solidFill>
+                <a:latin typeface="微软雅黑" panose="020B0503020204020204" pitchFamily="34" charset="-122"/>
+                <a:ea typeface="微软雅黑" panose="020B0503020204020204" pitchFamily="34" charset="-122"/>
+              </a:rPr>
+              <a:t>P</a:t>
+            </a:r>
+            <a:endParaRPr lang="zh-CN" altLang="en-US" sz="2000" b="1" dirty="0">
+              <a:solidFill>
+                <a:schemeClr val="bg1"/>
+              </a:solidFill>
+              <a:latin typeface="微软雅黑" panose="020B0503020204020204" pitchFamily="34" charset="-122"/>
+              <a:ea typeface="微软雅黑" panose="020B0503020204020204" pitchFamily="34" charset="-122"/>
+            </a:endParaRPr>
+          </a:p>
+        </p:txBody>
+      </p:sp>
+      <p:pic>
+        <p:nvPicPr>
+          <p:cNvPr id="31" name="内容占位符 5">
+            <a:extLst>
+              <a:ext uri="{FF2B5EF4-FFF2-40B4-BE49-F238E27FC236}">
+                <a16:creationId xmlns:a16="http://schemas.microsoft.com/office/drawing/2014/main" xmlns="" id="{DB26105E-A1FF-4E29-8ADB-0BAF8186333C}"/>
+              </a:ext>
+            </a:extLst>
+          </p:cNvPr>
+          <p:cNvPicPr>
+            <a:picLocks noChangeAspect="1"/>
+          </p:cNvPicPr>
+          <p:nvPr/>
+        </p:nvPicPr>
+        <p:blipFill>
+          <a:blip r:embed="rId3" cstate="print">
+            <a:extLst>
+              <a:ext uri="{28A0092B-C50C-407E-A947-70E740481C1C}">
+                <a14:useLocalDpi xmlns:a14="http://schemas.microsoft.com/office/drawing/2010/main" val="0"/>
+              </a:ext>
+            </a:extLst>
+          </a:blip>
+          <a:stretch>
+            <a:fillRect/>
+          </a:stretch>
+        </p:blipFill>
+        <p:spPr>
+          <a:xfrm>
+            <a:off x="4544884" y="2346028"/>
+            <a:ext cx="816061" cy="816061"/>
+          </a:xfrm>
+          <a:prstGeom prst="rect">
+            <a:avLst/>
+          </a:prstGeom>
+          <a:ln>
+            <a:solidFill>
+              <a:schemeClr val="accent1"/>
+            </a:solidFill>
+          </a:ln>
+        </p:spPr>
+      </p:pic>
+      <p:grpSp>
+        <p:nvGrpSpPr>
+          <p:cNvPr id="32" name="组合 31"/>
+          <p:cNvGrpSpPr/>
+          <p:nvPr/>
+        </p:nvGrpSpPr>
+        <p:grpSpPr>
+          <a:xfrm>
+            <a:off x="5889314" y="2365593"/>
+            <a:ext cx="850900" cy="776933"/>
+            <a:chOff x="6003614" y="1518301"/>
+            <a:chExt cx="850900" cy="776933"/>
+          </a:xfrm>
+        </p:grpSpPr>
+        <p:sp>
+          <p:nvSpPr>
+            <p:cNvPr id="33" name="矩形 32"/>
+            <p:cNvSpPr/>
+            <p:nvPr/>
+          </p:nvSpPr>
+          <p:spPr>
+            <a:xfrm>
+              <a:off x="6197600" y="1658603"/>
+              <a:ext cx="462928" cy="462928"/>
+            </a:xfrm>
+            <a:prstGeom prst="rect">
+              <a:avLst/>
+            </a:prstGeom>
+            <a:noFill/>
+            <a:ln w="25400">
+              <a:solidFill>
+                <a:srgbClr val="92D050"/>
+              </a:solidFill>
+            </a:ln>
+          </p:spPr>
+          <p:style>
+            <a:lnRef idx="2">
+              <a:schemeClr val="accent1">
+                <a:shade val="50000"/>
+              </a:schemeClr>
+            </a:lnRef>
+            <a:fillRef idx="1">
+              <a:schemeClr val="accent1"/>
+            </a:fillRef>
+            <a:effectRef idx="0">
+              <a:schemeClr val="accent1"/>
+            </a:effectRef>
+            <a:fontRef idx="minor">
+              <a:schemeClr val="lt1"/>
+            </a:fontRef>
+          </p:style>
+          <p:txBody>
+            <a:bodyPr rtlCol="0" anchor="ctr"/>
+            <a:lstStyle/>
+            <a:p>
+              <a:pPr algn="ctr"/>
+              <a:endParaRPr lang="zh-CN" altLang="en-US"/>
+            </a:p>
+          </p:txBody>
+        </p:sp>
+        <p:cxnSp>
+          <p:nvCxnSpPr>
+            <p:cNvPr id="34" name="直接连接符 33"/>
+            <p:cNvCxnSpPr/>
+            <p:nvPr/>
+          </p:nvCxnSpPr>
+          <p:spPr>
+            <a:xfrm>
+              <a:off x="6003614" y="1890067"/>
+              <a:ext cx="850900" cy="0"/>
+            </a:xfrm>
+            <a:prstGeom prst="line">
+              <a:avLst/>
+            </a:prstGeom>
+            <a:ln w="25400">
+              <a:solidFill>
+                <a:srgbClr val="92D050"/>
+              </a:solidFill>
+            </a:ln>
+          </p:spPr>
+          <p:style>
+            <a:lnRef idx="1">
+              <a:schemeClr val="accent1"/>
+            </a:lnRef>
+            <a:fillRef idx="0">
+              <a:schemeClr val="accent1"/>
+            </a:fillRef>
+            <a:effectRef idx="0">
+              <a:schemeClr val="accent1"/>
+            </a:effectRef>
+            <a:fontRef idx="minor">
+              <a:schemeClr val="tx1"/>
+            </a:fontRef>
+          </p:style>
+        </p:cxnSp>
+        <p:cxnSp>
+          <p:nvCxnSpPr>
+            <p:cNvPr id="35" name="直接连接符 34"/>
+            <p:cNvCxnSpPr/>
+            <p:nvPr/>
+          </p:nvCxnSpPr>
+          <p:spPr>
+            <a:xfrm flipV="1">
+              <a:off x="6438278" y="1518301"/>
+              <a:ext cx="0" cy="776933"/>
+            </a:xfrm>
+            <a:prstGeom prst="line">
+              <a:avLst/>
+            </a:prstGeom>
+            <a:ln w="25400">
+              <a:solidFill>
+                <a:srgbClr val="92D050"/>
+              </a:solidFill>
+            </a:ln>
+          </p:spPr>
+          <p:style>
+            <a:lnRef idx="1">
+              <a:schemeClr val="accent1"/>
+            </a:lnRef>
+            <a:fillRef idx="0">
+              <a:schemeClr val="accent1"/>
+            </a:fillRef>
+            <a:effectRef idx="0">
+              <a:schemeClr val="accent1"/>
+            </a:effectRef>
+            <a:fontRef idx="minor">
+              <a:schemeClr val="tx1"/>
+            </a:fontRef>
+          </p:style>
+        </p:cxnSp>
+      </p:grpSp>
+      <p:cxnSp>
+        <p:nvCxnSpPr>
+          <p:cNvPr id="36" name="直接箭头连接符 35"/>
+          <p:cNvCxnSpPr/>
+          <p:nvPr/>
+        </p:nvCxnSpPr>
+        <p:spPr>
+          <a:xfrm>
+            <a:off x="4952914" y="2734925"/>
+            <a:ext cx="1371064" cy="2434"/>
+          </a:xfrm>
+          <a:prstGeom prst="straightConnector1">
+            <a:avLst/>
+          </a:prstGeom>
+          <a:ln w="25400">
+            <a:headEnd type="triangle"/>
+            <a:tailEnd type="triangle"/>
+          </a:ln>
+        </p:spPr>
+        <p:style>
+          <a:lnRef idx="1">
+            <a:schemeClr val="accent1"/>
+          </a:lnRef>
+          <a:fillRef idx="0">
+            <a:schemeClr val="accent1"/>
+          </a:fillRef>
+          <a:effectRef idx="0">
+            <a:schemeClr val="accent1"/>
+          </a:effectRef>
+          <a:fontRef idx="minor">
+            <a:schemeClr val="tx1"/>
+          </a:fontRef>
+        </p:style>
+      </p:cxnSp>
+      <p:sp>
+        <p:nvSpPr>
+          <p:cNvPr id="37" name="文本框 36"/>
+          <p:cNvSpPr txBox="1"/>
+          <p:nvPr/>
+        </p:nvSpPr>
+        <p:spPr>
+          <a:xfrm>
+            <a:off x="5414403" y="2365593"/>
+            <a:ext cx="518091" cy="369332"/>
+          </a:xfrm>
+          <a:prstGeom prst="rect">
+            <a:avLst/>
+          </a:prstGeom>
+          <a:noFill/>
+        </p:spPr>
+        <p:txBody>
+          <a:bodyPr wrap="none" rtlCol="0">
+            <a:spAutoFit/>
+          </a:bodyPr>
+          <a:lstStyle/>
+          <a:p>
+            <a:r>
+              <a:rPr lang="en-US" altLang="zh-CN" dirty="0">
+                <a:solidFill>
+                  <a:schemeClr val="bg1"/>
+                </a:solidFill>
+              </a:rPr>
+              <a:t>e</a:t>
+            </a:r>
+            <a:r>
+              <a:rPr lang="en-US" altLang="zh-CN" dirty="0" smtClean="0">
+                <a:solidFill>
+                  <a:schemeClr val="bg1"/>
+                </a:solidFill>
+              </a:rPr>
+              <a:t>(t)</a:t>
+            </a:r>
+            <a:endParaRPr lang="zh-CN" altLang="en-US" dirty="0">
+              <a:solidFill>
+                <a:schemeClr val="bg1"/>
+              </a:solidFill>
+            </a:endParaRPr>
+          </a:p>
+        </p:txBody>
+      </p:sp>
+      <p:cxnSp>
+        <p:nvCxnSpPr>
+          <p:cNvPr id="43" name="直接箭头连接符 42"/>
+          <p:cNvCxnSpPr/>
+          <p:nvPr/>
+        </p:nvCxnSpPr>
+        <p:spPr>
+          <a:xfrm>
+            <a:off x="2533045" y="2773626"/>
+            <a:ext cx="1289484" cy="0"/>
+          </a:xfrm>
+          <a:prstGeom prst="straightConnector1">
+            <a:avLst/>
+          </a:prstGeom>
+          <a:ln w="25400">
+            <a:headEnd type="triangle"/>
+            <a:tailEnd type="triangle"/>
+          </a:ln>
+        </p:spPr>
+        <p:style>
+          <a:lnRef idx="1">
+            <a:schemeClr val="accent1"/>
+          </a:lnRef>
+          <a:fillRef idx="0">
+            <a:schemeClr val="accent1"/>
+          </a:fillRef>
+          <a:effectRef idx="0">
+            <a:schemeClr val="accent1"/>
+          </a:effectRef>
+          <a:fontRef idx="minor">
+            <a:schemeClr val="tx1"/>
+          </a:fontRef>
+        </p:style>
+      </p:cxnSp>
+      <p:sp>
+        <p:nvSpPr>
+          <p:cNvPr id="46" name="文本框 45"/>
+          <p:cNvSpPr txBox="1"/>
+          <p:nvPr/>
+        </p:nvSpPr>
+        <p:spPr>
+          <a:xfrm>
+            <a:off x="2865615" y="2419133"/>
+            <a:ext cx="750526" cy="369332"/>
+          </a:xfrm>
+          <a:prstGeom prst="rect">
+            <a:avLst/>
+          </a:prstGeom>
+          <a:noFill/>
+        </p:spPr>
+        <p:txBody>
+          <a:bodyPr wrap="none" rtlCol="0">
+            <a:spAutoFit/>
+          </a:bodyPr>
+          <a:lstStyle/>
+          <a:p>
+            <a:r>
+              <a:rPr lang="en-US" altLang="zh-CN" dirty="0" smtClean="0">
+                <a:solidFill>
+                  <a:schemeClr val="bg1"/>
+                </a:solidFill>
+              </a:rPr>
+              <a:t>e(t+1)</a:t>
+            </a:r>
+            <a:endParaRPr lang="zh-CN" altLang="en-US" dirty="0">
+              <a:solidFill>
+                <a:schemeClr val="bg1"/>
+              </a:solidFill>
+            </a:endParaRPr>
+          </a:p>
+        </p:txBody>
+      </p:sp>
+      <p:sp>
+        <p:nvSpPr>
+          <p:cNvPr id="47" name="文本框 46"/>
+          <p:cNvSpPr txBox="1"/>
+          <p:nvPr/>
+        </p:nvSpPr>
+        <p:spPr>
+          <a:xfrm>
+            <a:off x="891400" y="2554003"/>
+            <a:ext cx="784189" cy="400110"/>
+          </a:xfrm>
+          <a:prstGeom prst="rect">
+            <a:avLst/>
+          </a:prstGeom>
+          <a:noFill/>
+        </p:spPr>
+        <p:txBody>
+          <a:bodyPr wrap="none" rtlCol="0">
+            <a:spAutoFit/>
+          </a:bodyPr>
+          <a:lstStyle/>
+          <a:p>
+            <a:r>
+              <a:rPr lang="zh-CN" altLang="en-US" sz="2000" b="1" dirty="0" smtClean="0">
+                <a:solidFill>
+                  <a:schemeClr val="bg1"/>
+                </a:solidFill>
+                <a:latin typeface="微软雅黑" panose="020B0503020204020204" pitchFamily="34" charset="-122"/>
+                <a:ea typeface="微软雅黑" panose="020B0503020204020204" pitchFamily="34" charset="-122"/>
+              </a:rPr>
+              <a:t>积分</a:t>
+            </a:r>
+            <a:r>
+              <a:rPr lang="en-US" altLang="zh-CN" sz="2000" b="1" dirty="0" smtClean="0">
+                <a:solidFill>
+                  <a:schemeClr val="bg1"/>
+                </a:solidFill>
+                <a:latin typeface="微软雅黑" panose="020B0503020204020204" pitchFamily="34" charset="-122"/>
+                <a:ea typeface="微软雅黑" panose="020B0503020204020204" pitchFamily="34" charset="-122"/>
+              </a:rPr>
+              <a:t>I</a:t>
+            </a:r>
+            <a:endParaRPr lang="zh-CN" altLang="en-US" sz="2000" b="1" dirty="0">
+              <a:solidFill>
+                <a:schemeClr val="bg1"/>
+              </a:solidFill>
+              <a:latin typeface="微软雅黑" panose="020B0503020204020204" pitchFamily="34" charset="-122"/>
+              <a:ea typeface="微软雅黑" panose="020B0503020204020204" pitchFamily="34" charset="-122"/>
+            </a:endParaRPr>
+          </a:p>
+        </p:txBody>
+      </p:sp>
+      <mc:AlternateContent xmlns:mc="http://schemas.openxmlformats.org/markup-compatibility/2006">
+        <mc:Choice xmlns:a14="http://schemas.microsoft.com/office/drawing/2010/main" Requires="a14">
+          <p:sp>
+            <p:nvSpPr>
+              <p:cNvPr id="48" name="文本框 47"/>
+              <p:cNvSpPr txBox="1"/>
+              <p:nvPr/>
+            </p:nvSpPr>
+            <p:spPr>
+              <a:xfrm>
+                <a:off x="6972780" y="2677128"/>
+                <a:ext cx="4628190" cy="1056892"/>
+              </a:xfrm>
+              <a:prstGeom prst="rect">
+                <a:avLst/>
+              </a:prstGeom>
+              <a:noFill/>
+            </p:spPr>
+            <p:txBody>
+              <a:bodyPr wrap="none" rtlCol="0">
+                <a:spAutoFit/>
+              </a:bodyPr>
+              <a:lstStyle/>
+              <a:p>
+                <a:pPr marL="285750" indent="-285750">
+                  <a:buFont typeface="Arial" panose="020B0604020202020204" pitchFamily="34" charset="0"/>
+                  <a:buChar char="•"/>
+                </a:pPr>
+                <a:r>
+                  <a:rPr lang="zh-CN" altLang="en-US" dirty="0" smtClean="0">
+                    <a:solidFill>
+                      <a:schemeClr val="bg1"/>
+                    </a:solidFill>
+                    <a:latin typeface="Cambria Math" panose="02040503050406030204" pitchFamily="18" charset="0"/>
+                  </a:rPr>
+                  <a:t>每次的误差被累积起来并对输出产生影响</a:t>
+                </a:r>
+                <a:endParaRPr lang="en-US" altLang="zh-CN" dirty="0" smtClean="0">
+                  <a:solidFill>
+                    <a:schemeClr val="bg1"/>
+                  </a:solidFill>
+                  <a:latin typeface="Cambria Math" panose="02040503050406030204" pitchFamily="18" charset="0"/>
+                </a:endParaRPr>
+              </a:p>
+              <a:p>
+                <a:pPr marL="285750" indent="-285750">
+                  <a:buFont typeface="Arial" panose="020B0604020202020204" pitchFamily="34" charset="0"/>
+                  <a:buChar char="•"/>
+                </a:pPr>
+                <a14:m>
+                  <m:oMath xmlns:m="http://schemas.openxmlformats.org/officeDocument/2006/math">
+                    <m:r>
+                      <a:rPr lang="en-US" altLang="zh-CN" b="0" i="1" smtClean="0">
+                        <a:solidFill>
+                          <a:schemeClr val="bg1"/>
+                        </a:solidFill>
+                        <a:latin typeface="Cambria Math" panose="02040503050406030204" pitchFamily="18" charset="0"/>
+                      </a:rPr>
+                      <m:t>𝑢</m:t>
+                    </m:r>
+                    <m:r>
+                      <a:rPr lang="en-US" altLang="zh-CN" b="0" i="1" smtClean="0">
+                        <a:solidFill>
+                          <a:schemeClr val="bg1"/>
+                        </a:solidFill>
+                        <a:latin typeface="Cambria Math" panose="02040503050406030204" pitchFamily="18" charset="0"/>
+                      </a:rPr>
+                      <m:t>(</m:t>
+                    </m:r>
+                    <m:r>
+                      <a:rPr lang="en-US" altLang="zh-CN" b="0" i="1" smtClean="0">
+                        <a:solidFill>
+                          <a:schemeClr val="bg1"/>
+                        </a:solidFill>
+                        <a:latin typeface="Cambria Math" panose="02040503050406030204" pitchFamily="18" charset="0"/>
+                      </a:rPr>
+                      <m:t>𝑡</m:t>
+                    </m:r>
+                    <m:r>
+                      <a:rPr lang="en-US" altLang="zh-CN" b="0" i="1" smtClean="0">
+                        <a:solidFill>
+                          <a:schemeClr val="bg1"/>
+                        </a:solidFill>
+                        <a:latin typeface="Cambria Math" panose="02040503050406030204" pitchFamily="18" charset="0"/>
+                      </a:rPr>
+                      <m:t>)=</m:t>
+                    </m:r>
+                    <m:sSub>
+                      <m:sSubPr>
+                        <m:ctrlPr>
+                          <a:rPr lang="en-US" altLang="zh-CN" i="1">
+                            <a:solidFill>
+                              <a:schemeClr val="bg1"/>
+                            </a:solidFill>
+                            <a:latin typeface="Cambria Math" panose="02040503050406030204" pitchFamily="18" charset="0"/>
+                          </a:rPr>
+                        </m:ctrlPr>
+                      </m:sSubPr>
+                      <m:e>
+                        <m:r>
+                          <a:rPr lang="en-US" altLang="zh-CN" i="1">
+                            <a:solidFill>
+                              <a:schemeClr val="bg1"/>
+                            </a:solidFill>
+                            <a:latin typeface="Cambria Math" panose="02040503050406030204" pitchFamily="18" charset="0"/>
+                          </a:rPr>
+                          <m:t>𝐾</m:t>
+                        </m:r>
+                      </m:e>
+                      <m:sub>
+                        <m:r>
+                          <a:rPr lang="en-US" altLang="zh-CN" i="1">
+                            <a:solidFill>
+                              <a:schemeClr val="bg1"/>
+                            </a:solidFill>
+                            <a:latin typeface="Cambria Math" panose="02040503050406030204" pitchFamily="18" charset="0"/>
+                          </a:rPr>
+                          <m:t>𝑝</m:t>
+                        </m:r>
+                      </m:sub>
+                    </m:sSub>
+                    <m:r>
+                      <a:rPr lang="en-US" altLang="zh-CN" b="0" i="1" smtClean="0">
+                        <a:solidFill>
+                          <a:schemeClr val="bg1"/>
+                        </a:solidFill>
+                        <a:latin typeface="Cambria Math" panose="02040503050406030204" pitchFamily="18" charset="0"/>
+                        <a:ea typeface="Cambria Math" panose="02040503050406030204" pitchFamily="18" charset="0"/>
+                      </a:rPr>
+                      <m:t>𝑒</m:t>
+                    </m:r>
+                    <m:d>
+                      <m:dPr>
+                        <m:ctrlPr>
+                          <a:rPr lang="en-US" altLang="zh-CN" b="0" i="1" smtClean="0">
+                            <a:solidFill>
+                              <a:schemeClr val="bg1"/>
+                            </a:solidFill>
+                            <a:latin typeface="Cambria Math" panose="02040503050406030204" pitchFamily="18" charset="0"/>
+                            <a:ea typeface="Cambria Math" panose="02040503050406030204" pitchFamily="18" charset="0"/>
+                          </a:rPr>
+                        </m:ctrlPr>
+                      </m:dPr>
+                      <m:e>
+                        <m:r>
+                          <a:rPr lang="en-US" altLang="zh-CN" b="0" i="1" smtClean="0">
+                            <a:solidFill>
+                              <a:schemeClr val="bg1"/>
+                            </a:solidFill>
+                            <a:latin typeface="Cambria Math" panose="02040503050406030204" pitchFamily="18" charset="0"/>
+                            <a:ea typeface="Cambria Math" panose="02040503050406030204" pitchFamily="18" charset="0"/>
+                          </a:rPr>
+                          <m:t>𝑡</m:t>
+                        </m:r>
+                      </m:e>
+                    </m:d>
+                    <m:r>
+                      <a:rPr lang="en-US" altLang="zh-CN" b="0" i="1" smtClean="0">
+                        <a:solidFill>
+                          <a:schemeClr val="bg1"/>
+                        </a:solidFill>
+                        <a:latin typeface="Cambria Math" panose="02040503050406030204" pitchFamily="18" charset="0"/>
+                        <a:ea typeface="Cambria Math" panose="02040503050406030204" pitchFamily="18" charset="0"/>
+                      </a:rPr>
+                      <m:t>+</m:t>
+                    </m:r>
+                    <m:sSub>
+                      <m:sSubPr>
+                        <m:ctrlPr>
+                          <a:rPr lang="en-US" altLang="zh-CN" b="0" i="1" smtClean="0">
+                            <a:solidFill>
+                              <a:schemeClr val="bg1"/>
+                            </a:solidFill>
+                            <a:latin typeface="Cambria Math" panose="02040503050406030204" pitchFamily="18" charset="0"/>
+                            <a:ea typeface="Cambria Math" panose="02040503050406030204" pitchFamily="18" charset="0"/>
+                          </a:rPr>
+                        </m:ctrlPr>
+                      </m:sSubPr>
+                      <m:e>
+                        <m:r>
+                          <a:rPr lang="en-US" altLang="zh-CN" b="0" i="1" smtClean="0">
+                            <a:solidFill>
+                              <a:schemeClr val="bg1"/>
+                            </a:solidFill>
+                            <a:latin typeface="Cambria Math" panose="02040503050406030204" pitchFamily="18" charset="0"/>
+                            <a:ea typeface="Cambria Math" panose="02040503050406030204" pitchFamily="18" charset="0"/>
+                          </a:rPr>
+                          <m:t>𝐾</m:t>
+                        </m:r>
+                      </m:e>
+                      <m:sub>
+                        <m:r>
+                          <a:rPr lang="en-US" altLang="zh-CN" b="0" i="1" smtClean="0">
+                            <a:solidFill>
+                              <a:schemeClr val="bg1"/>
+                            </a:solidFill>
+                            <a:latin typeface="Cambria Math" panose="02040503050406030204" pitchFamily="18" charset="0"/>
+                            <a:ea typeface="Cambria Math" panose="02040503050406030204" pitchFamily="18" charset="0"/>
+                          </a:rPr>
+                          <m:t>𝑖</m:t>
+                        </m:r>
+                      </m:sub>
+                    </m:sSub>
+                    <m:nary>
+                      <m:naryPr>
+                        <m:limLoc m:val="undOvr"/>
+                        <m:ctrlPr>
+                          <a:rPr lang="en-US" altLang="zh-CN" b="0" i="1" smtClean="0">
+                            <a:solidFill>
+                              <a:schemeClr val="bg1"/>
+                            </a:solidFill>
+                            <a:latin typeface="Cambria Math" panose="02040503050406030204" pitchFamily="18" charset="0"/>
+                            <a:ea typeface="Cambria Math" panose="02040503050406030204" pitchFamily="18" charset="0"/>
+                          </a:rPr>
+                        </m:ctrlPr>
+                      </m:naryPr>
+                      <m:sub>
+                        <m:r>
+                          <m:rPr>
+                            <m:brk m:alnAt="24"/>
+                          </m:rPr>
+                          <a:rPr lang="en-US" altLang="zh-CN" b="0" i="1" smtClean="0">
+                            <a:solidFill>
+                              <a:schemeClr val="bg1"/>
+                            </a:solidFill>
+                            <a:latin typeface="Cambria Math" panose="02040503050406030204" pitchFamily="18" charset="0"/>
+                            <a:ea typeface="Cambria Math" panose="02040503050406030204" pitchFamily="18" charset="0"/>
+                          </a:rPr>
+                          <m:t>0</m:t>
+                        </m:r>
+                      </m:sub>
+                      <m:sup>
+                        <m:r>
+                          <a:rPr lang="en-US" altLang="zh-CN" b="0" i="1" smtClean="0">
+                            <a:solidFill>
+                              <a:schemeClr val="bg1"/>
+                            </a:solidFill>
+                            <a:latin typeface="Cambria Math" panose="02040503050406030204" pitchFamily="18" charset="0"/>
+                            <a:ea typeface="Cambria Math" panose="02040503050406030204" pitchFamily="18" charset="0"/>
+                          </a:rPr>
+                          <m:t>𝑡</m:t>
+                        </m:r>
+                      </m:sup>
+                      <m:e>
+                        <m:r>
+                          <a:rPr lang="en-US" altLang="zh-CN" b="0" i="1" smtClean="0">
+                            <a:solidFill>
+                              <a:schemeClr val="bg1"/>
+                            </a:solidFill>
+                            <a:latin typeface="Cambria Math" panose="02040503050406030204" pitchFamily="18" charset="0"/>
+                            <a:ea typeface="Cambria Math" panose="02040503050406030204" pitchFamily="18" charset="0"/>
+                          </a:rPr>
+                          <m:t>𝑒</m:t>
+                        </m:r>
+                        <m:d>
+                          <m:dPr>
+                            <m:ctrlPr>
+                              <a:rPr lang="en-US" altLang="zh-CN" b="0" i="1" smtClean="0">
+                                <a:solidFill>
+                                  <a:schemeClr val="bg1"/>
+                                </a:solidFill>
+                                <a:latin typeface="Cambria Math" panose="02040503050406030204" pitchFamily="18" charset="0"/>
+                                <a:ea typeface="Cambria Math" panose="02040503050406030204" pitchFamily="18" charset="0"/>
+                              </a:rPr>
+                            </m:ctrlPr>
+                          </m:dPr>
+                          <m:e>
+                            <m:r>
+                              <a:rPr lang="zh-CN" altLang="en-US" b="0" i="1" smtClean="0">
+                                <a:solidFill>
+                                  <a:schemeClr val="bg1"/>
+                                </a:solidFill>
+                                <a:latin typeface="Cambria Math" panose="02040503050406030204" pitchFamily="18" charset="0"/>
+                                <a:ea typeface="Cambria Math" panose="02040503050406030204" pitchFamily="18" charset="0"/>
+                              </a:rPr>
+                              <m:t>𝜏</m:t>
+                            </m:r>
+                          </m:e>
+                        </m:d>
+                      </m:e>
+                    </m:nary>
+                    <m:r>
+                      <a:rPr lang="en-US" altLang="zh-CN" b="0" i="1" smtClean="0">
+                        <a:solidFill>
+                          <a:schemeClr val="bg1"/>
+                        </a:solidFill>
+                        <a:latin typeface="Cambria Math" panose="02040503050406030204" pitchFamily="18" charset="0"/>
+                        <a:ea typeface="Cambria Math" panose="02040503050406030204" pitchFamily="18" charset="0"/>
+                      </a:rPr>
+                      <m:t>𝑑</m:t>
+                    </m:r>
+                    <m:r>
+                      <a:rPr lang="zh-CN" altLang="en-US" b="0" i="1" smtClean="0">
+                        <a:solidFill>
+                          <a:schemeClr val="bg1"/>
+                        </a:solidFill>
+                        <a:latin typeface="Cambria Math" panose="02040503050406030204" pitchFamily="18" charset="0"/>
+                        <a:ea typeface="Cambria Math" panose="02040503050406030204" pitchFamily="18" charset="0"/>
+                      </a:rPr>
+                      <m:t>𝜏</m:t>
+                    </m:r>
+                  </m:oMath>
+                </a14:m>
+                <a:endParaRPr lang="en-US" altLang="zh-CN" b="0" dirty="0" smtClean="0">
+                  <a:solidFill>
+                    <a:schemeClr val="bg1"/>
+                  </a:solidFill>
+                  <a:ea typeface="Cambria Math" panose="02040503050406030204" pitchFamily="18" charset="0"/>
+                </a:endParaRPr>
+              </a:p>
+              <a:p>
+                <a:pPr marL="285750" indent="-285750">
+                  <a:buFont typeface="Arial" panose="020B0604020202020204" pitchFamily="34" charset="0"/>
+                  <a:buChar char="•"/>
+                </a:pPr>
+                <a14:m>
+                  <m:oMath xmlns:m="http://schemas.openxmlformats.org/officeDocument/2006/math">
+                    <m:r>
+                      <a:rPr lang="en-US" altLang="zh-CN" i="1">
+                        <a:solidFill>
+                          <a:schemeClr val="bg1"/>
+                        </a:solidFill>
+                        <a:latin typeface="Cambria Math" panose="02040503050406030204" pitchFamily="18" charset="0"/>
+                      </a:rPr>
+                      <m:t>𝑢</m:t>
+                    </m:r>
+                    <m:r>
+                      <a:rPr lang="en-US" altLang="zh-CN" i="1">
+                        <a:solidFill>
+                          <a:schemeClr val="bg1"/>
+                        </a:solidFill>
+                        <a:latin typeface="Cambria Math" panose="02040503050406030204" pitchFamily="18" charset="0"/>
+                      </a:rPr>
+                      <m:t>(</m:t>
+                    </m:r>
+                    <m:r>
+                      <a:rPr lang="en-US" altLang="zh-CN" b="0" i="1" smtClean="0">
+                        <a:solidFill>
+                          <a:schemeClr val="bg1"/>
+                        </a:solidFill>
+                        <a:latin typeface="Cambria Math" panose="02040503050406030204" pitchFamily="18" charset="0"/>
+                      </a:rPr>
+                      <m:t>𝑘</m:t>
+                    </m:r>
+                    <m:r>
+                      <a:rPr lang="en-US" altLang="zh-CN" i="1">
+                        <a:solidFill>
+                          <a:schemeClr val="bg1"/>
+                        </a:solidFill>
+                        <a:latin typeface="Cambria Math" panose="02040503050406030204" pitchFamily="18" charset="0"/>
+                      </a:rPr>
+                      <m:t>)=</m:t>
+                    </m:r>
+                    <m:sSub>
+                      <m:sSubPr>
+                        <m:ctrlPr>
+                          <a:rPr lang="en-US" altLang="zh-CN" i="1">
+                            <a:solidFill>
+                              <a:schemeClr val="bg1"/>
+                            </a:solidFill>
+                            <a:latin typeface="Cambria Math" panose="02040503050406030204" pitchFamily="18" charset="0"/>
+                          </a:rPr>
+                        </m:ctrlPr>
+                      </m:sSubPr>
+                      <m:e>
+                        <m:r>
+                          <a:rPr lang="en-US" altLang="zh-CN" i="1">
+                            <a:solidFill>
+                              <a:schemeClr val="bg1"/>
+                            </a:solidFill>
+                            <a:latin typeface="Cambria Math" panose="02040503050406030204" pitchFamily="18" charset="0"/>
+                          </a:rPr>
+                          <m:t>𝐾</m:t>
+                        </m:r>
+                      </m:e>
+                      <m:sub>
+                        <m:r>
+                          <a:rPr lang="en-US" altLang="zh-CN" i="1">
+                            <a:solidFill>
+                              <a:schemeClr val="bg1"/>
+                            </a:solidFill>
+                            <a:latin typeface="Cambria Math" panose="02040503050406030204" pitchFamily="18" charset="0"/>
+                          </a:rPr>
+                          <m:t>𝑝</m:t>
+                        </m:r>
+                      </m:sub>
+                    </m:sSub>
+                    <m:r>
+                      <a:rPr lang="en-US" altLang="zh-CN" i="1">
+                        <a:solidFill>
+                          <a:schemeClr val="bg1"/>
+                        </a:solidFill>
+                        <a:latin typeface="Cambria Math" panose="02040503050406030204" pitchFamily="18" charset="0"/>
+                        <a:ea typeface="Cambria Math" panose="02040503050406030204" pitchFamily="18" charset="0"/>
+                      </a:rPr>
+                      <m:t>𝑒</m:t>
+                    </m:r>
+                    <m:d>
+                      <m:dPr>
+                        <m:ctrlPr>
+                          <a:rPr lang="en-US" altLang="zh-CN" i="1">
+                            <a:solidFill>
+                              <a:schemeClr val="bg1"/>
+                            </a:solidFill>
+                            <a:latin typeface="Cambria Math" panose="02040503050406030204" pitchFamily="18" charset="0"/>
+                            <a:ea typeface="Cambria Math" panose="02040503050406030204" pitchFamily="18" charset="0"/>
+                          </a:rPr>
+                        </m:ctrlPr>
+                      </m:dPr>
+                      <m:e>
+                        <m:r>
+                          <a:rPr lang="en-US" altLang="zh-CN" b="0" i="1" smtClean="0">
+                            <a:solidFill>
+                              <a:schemeClr val="bg1"/>
+                            </a:solidFill>
+                            <a:latin typeface="Cambria Math" panose="02040503050406030204" pitchFamily="18" charset="0"/>
+                            <a:ea typeface="Cambria Math" panose="02040503050406030204" pitchFamily="18" charset="0"/>
+                          </a:rPr>
+                          <m:t>𝑘</m:t>
+                        </m:r>
+                      </m:e>
+                    </m:d>
+                    <m:r>
+                      <a:rPr lang="en-US" altLang="zh-CN" i="1">
+                        <a:solidFill>
+                          <a:schemeClr val="bg1"/>
+                        </a:solidFill>
+                        <a:latin typeface="Cambria Math" panose="02040503050406030204" pitchFamily="18" charset="0"/>
+                        <a:ea typeface="Cambria Math" panose="02040503050406030204" pitchFamily="18" charset="0"/>
+                      </a:rPr>
+                      <m:t>+</m:t>
+                    </m:r>
+                    <m:sSub>
+                      <m:sSubPr>
+                        <m:ctrlPr>
+                          <a:rPr lang="en-US" altLang="zh-CN" i="1" smtClean="0">
+                            <a:solidFill>
+                              <a:schemeClr val="bg1"/>
+                            </a:solidFill>
+                            <a:latin typeface="Cambria Math" panose="02040503050406030204" pitchFamily="18" charset="0"/>
+                            <a:ea typeface="Cambria Math" panose="02040503050406030204" pitchFamily="18" charset="0"/>
+                          </a:rPr>
+                        </m:ctrlPr>
+                      </m:sSubPr>
+                      <m:e>
+                        <m:r>
+                          <a:rPr lang="en-US" altLang="zh-CN" b="0" i="1" smtClean="0">
+                            <a:solidFill>
+                              <a:schemeClr val="bg1"/>
+                            </a:solidFill>
+                            <a:latin typeface="Cambria Math" panose="02040503050406030204" pitchFamily="18" charset="0"/>
+                            <a:ea typeface="Cambria Math" panose="02040503050406030204" pitchFamily="18" charset="0"/>
+                          </a:rPr>
+                          <m:t>𝐾</m:t>
+                        </m:r>
+                      </m:e>
+                      <m:sub>
+                        <m:r>
+                          <a:rPr lang="en-US" altLang="zh-CN" b="0" i="1" smtClean="0">
+                            <a:solidFill>
+                              <a:schemeClr val="bg1"/>
+                            </a:solidFill>
+                            <a:latin typeface="Cambria Math" panose="02040503050406030204" pitchFamily="18" charset="0"/>
+                            <a:ea typeface="Cambria Math" panose="02040503050406030204" pitchFamily="18" charset="0"/>
+                          </a:rPr>
+                          <m:t>𝑖</m:t>
+                        </m:r>
+                      </m:sub>
+                    </m:sSub>
+                    <m:nary>
+                      <m:naryPr>
+                        <m:chr m:val="∑"/>
+                        <m:ctrlPr>
+                          <a:rPr lang="en-US" altLang="zh-CN" i="1" smtClean="0">
+                            <a:solidFill>
+                              <a:schemeClr val="bg1"/>
+                            </a:solidFill>
+                            <a:latin typeface="Cambria Math" panose="02040503050406030204" pitchFamily="18" charset="0"/>
+                            <a:ea typeface="Cambria Math" panose="02040503050406030204" pitchFamily="18" charset="0"/>
+                          </a:rPr>
+                        </m:ctrlPr>
+                      </m:naryPr>
+                      <m:sub>
+                        <m:r>
+                          <m:rPr>
+                            <m:brk m:alnAt="23"/>
+                          </m:rPr>
+                          <a:rPr lang="en-US" altLang="zh-CN" b="0" i="1" smtClean="0">
+                            <a:solidFill>
+                              <a:schemeClr val="bg1"/>
+                            </a:solidFill>
+                            <a:latin typeface="Cambria Math" panose="02040503050406030204" pitchFamily="18" charset="0"/>
+                            <a:ea typeface="Cambria Math" panose="02040503050406030204" pitchFamily="18" charset="0"/>
+                          </a:rPr>
+                          <m:t>𝑛</m:t>
+                        </m:r>
+                        <m:r>
+                          <a:rPr lang="en-US" altLang="zh-CN" b="0" i="1" smtClean="0">
+                            <a:solidFill>
+                              <a:schemeClr val="bg1"/>
+                            </a:solidFill>
+                            <a:latin typeface="Cambria Math" panose="02040503050406030204" pitchFamily="18" charset="0"/>
+                            <a:ea typeface="Cambria Math" panose="02040503050406030204" pitchFamily="18" charset="0"/>
+                          </a:rPr>
+                          <m:t>=0</m:t>
+                        </m:r>
+                      </m:sub>
+                      <m:sup>
+                        <m:r>
+                          <a:rPr lang="en-US" altLang="zh-CN" b="0" i="1" smtClean="0">
+                            <a:solidFill>
+                              <a:schemeClr val="bg1"/>
+                            </a:solidFill>
+                            <a:latin typeface="Cambria Math" panose="02040503050406030204" pitchFamily="18" charset="0"/>
+                            <a:ea typeface="Cambria Math" panose="02040503050406030204" pitchFamily="18" charset="0"/>
+                          </a:rPr>
+                          <m:t>𝑘</m:t>
+                        </m:r>
+                      </m:sup>
+                      <m:e>
+                        <m:r>
+                          <a:rPr lang="en-US" altLang="zh-CN" b="0" i="1" smtClean="0">
+                            <a:solidFill>
+                              <a:schemeClr val="bg1"/>
+                            </a:solidFill>
+                            <a:latin typeface="Cambria Math" panose="02040503050406030204" pitchFamily="18" charset="0"/>
+                            <a:ea typeface="Cambria Math" panose="02040503050406030204" pitchFamily="18" charset="0"/>
+                          </a:rPr>
+                          <m:t>𝑒</m:t>
+                        </m:r>
+                        <m:d>
+                          <m:dPr>
+                            <m:ctrlPr>
+                              <a:rPr lang="en-US" altLang="zh-CN" b="0" i="1" smtClean="0">
+                                <a:solidFill>
+                                  <a:schemeClr val="bg1"/>
+                                </a:solidFill>
+                                <a:latin typeface="Cambria Math" panose="02040503050406030204" pitchFamily="18" charset="0"/>
+                                <a:ea typeface="Cambria Math" panose="02040503050406030204" pitchFamily="18" charset="0"/>
+                              </a:rPr>
+                            </m:ctrlPr>
+                          </m:dPr>
+                          <m:e>
+                            <m:r>
+                              <a:rPr lang="en-US" altLang="zh-CN" b="0" i="1" smtClean="0">
+                                <a:solidFill>
+                                  <a:schemeClr val="bg1"/>
+                                </a:solidFill>
+                                <a:latin typeface="Cambria Math" panose="02040503050406030204" pitchFamily="18" charset="0"/>
+                                <a:ea typeface="Cambria Math" panose="02040503050406030204" pitchFamily="18" charset="0"/>
+                              </a:rPr>
+                              <m:t>𝑛</m:t>
+                            </m:r>
+                          </m:e>
+                        </m:d>
+                      </m:e>
+                    </m:nary>
+                  </m:oMath>
+                </a14:m>
+                <a:endParaRPr lang="zh-CN" altLang="en-US" dirty="0">
+                  <a:solidFill>
+                    <a:schemeClr val="bg1"/>
+                  </a:solidFill>
+                </a:endParaRPr>
+              </a:p>
+            </p:txBody>
+          </p:sp>
+        </mc:Choice>
+        <mc:Fallback>
+          <p:sp>
+            <p:nvSpPr>
+              <p:cNvPr id="48" name="文本框 47"/>
+              <p:cNvSpPr txBox="1">
+                <a:spLocks noRot="1" noChangeAspect="1" noMove="1" noResize="1" noEditPoints="1" noAdjustHandles="1" noChangeArrowheads="1" noChangeShapeType="1" noTextEdit="1"/>
+              </p:cNvSpPr>
+              <p:nvPr/>
+            </p:nvSpPr>
+            <p:spPr>
+              <a:xfrm>
+                <a:off x="6972780" y="2677128"/>
+                <a:ext cx="4628190" cy="1056892"/>
+              </a:xfrm>
+              <a:prstGeom prst="rect">
+                <a:avLst/>
+              </a:prstGeom>
+              <a:blipFill rotWithShape="0">
+                <a:blip r:embed="rId5"/>
+                <a:stretch>
+                  <a:fillRect l="-922" t="-20690" r="-527" b="-62069"/>
+                </a:stretch>
+              </a:blipFill>
+            </p:spPr>
+            <p:txBody>
+              <a:bodyPr/>
+              <a:lstStyle/>
+              <a:p>
+                <a:r>
+                  <a:rPr lang="zh-CN" altLang="en-US">
+                    <a:noFill/>
+                  </a:rPr>
+                  <a:t> </a:t>
+                </a:r>
+              </a:p>
+            </p:txBody>
+          </p:sp>
+        </mc:Fallback>
+      </mc:AlternateContent>
+      <mc:AlternateContent xmlns:mc="http://schemas.openxmlformats.org/markup-compatibility/2006">
+        <mc:Choice xmlns:a14="http://schemas.microsoft.com/office/drawing/2010/main" Requires="a14">
+          <p:sp>
+            <p:nvSpPr>
+              <p:cNvPr id="49" name="文本框 48"/>
+              <p:cNvSpPr txBox="1"/>
+              <p:nvPr/>
+            </p:nvSpPr>
+            <p:spPr>
+              <a:xfrm>
+                <a:off x="6980893" y="2140254"/>
+                <a:ext cx="4468158" cy="646331"/>
+              </a:xfrm>
+              <a:prstGeom prst="rect">
+                <a:avLst/>
+              </a:prstGeom>
+              <a:noFill/>
+            </p:spPr>
+            <p:txBody>
+              <a:bodyPr wrap="square" rtlCol="0">
+                <a:spAutoFit/>
+              </a:bodyPr>
+              <a:lstStyle/>
+              <a:p>
+                <a:pPr marL="285750" indent="-285750">
+                  <a:buFont typeface="Arial" panose="020B0604020202020204" pitchFamily="34" charset="0"/>
+                  <a:buChar char="•"/>
+                </a:pPr>
+                <a14:m>
+                  <m:oMath xmlns:m="http://schemas.openxmlformats.org/officeDocument/2006/math">
+                    <m:r>
+                      <a:rPr lang="zh-CN" altLang="en-US" b="0" i="1" smtClean="0">
+                        <a:solidFill>
+                          <a:schemeClr val="bg1"/>
+                        </a:solidFill>
+                        <a:latin typeface="Cambria Math" panose="02040503050406030204" pitchFamily="18" charset="0"/>
+                      </a:rPr>
+                      <m:t>在</m:t>
+                    </m:r>
+                  </m:oMath>
+                </a14:m>
+                <a:r>
+                  <a:rPr lang="zh-CN" altLang="en-US" dirty="0" smtClean="0">
+                    <a:solidFill>
+                      <a:schemeClr val="bg1"/>
+                    </a:solidFill>
+                  </a:rPr>
+                  <a:t>目标移动时只使用</a:t>
+                </a:r>
+                <a:r>
+                  <a:rPr lang="zh-CN" altLang="en-US" dirty="0" smtClean="0">
+                    <a:solidFill>
+                      <a:schemeClr val="bg1"/>
+                    </a:solidFill>
+                  </a:rPr>
+                  <a:t>比例控制</a:t>
+                </a:r>
+                <a:r>
+                  <a:rPr lang="zh-CN" altLang="en-US" dirty="0" smtClean="0">
+                    <a:solidFill>
+                      <a:schemeClr val="bg1"/>
+                    </a:solidFill>
+                  </a:rPr>
+                  <a:t>最后只能跟在目标后面跑（稳态误差）</a:t>
+                </a:r>
+                <a:endParaRPr lang="zh-CN" altLang="en-US" dirty="0">
+                  <a:solidFill>
+                    <a:schemeClr val="bg1"/>
+                  </a:solidFill>
+                </a:endParaRPr>
+              </a:p>
+            </p:txBody>
+          </p:sp>
+        </mc:Choice>
+        <mc:Fallback>
+          <p:sp>
+            <p:nvSpPr>
+              <p:cNvPr id="49" name="文本框 48"/>
+              <p:cNvSpPr txBox="1">
+                <a:spLocks noRot="1" noChangeAspect="1" noMove="1" noResize="1" noEditPoints="1" noAdjustHandles="1" noChangeArrowheads="1" noChangeShapeType="1" noTextEdit="1"/>
+              </p:cNvSpPr>
+              <p:nvPr/>
+            </p:nvSpPr>
+            <p:spPr>
+              <a:xfrm>
+                <a:off x="6980893" y="2140254"/>
+                <a:ext cx="4468158" cy="646331"/>
+              </a:xfrm>
+              <a:prstGeom prst="rect">
+                <a:avLst/>
+              </a:prstGeom>
+              <a:blipFill rotWithShape="0">
+                <a:blip r:embed="rId6"/>
+                <a:stretch>
+                  <a:fillRect l="-819" t="-6604" b="-11321"/>
+                </a:stretch>
+              </a:blipFill>
+            </p:spPr>
+            <p:txBody>
+              <a:bodyPr/>
+              <a:lstStyle/>
+              <a:p>
+                <a:r>
+                  <a:rPr lang="zh-CN" altLang="en-US">
+                    <a:noFill/>
+                  </a:rPr>
+                  <a:t> </a:t>
+                </a:r>
+              </a:p>
+            </p:txBody>
+          </p:sp>
+        </mc:Fallback>
+      </mc:AlternateContent>
+      <p:sp>
+        <p:nvSpPr>
+          <p:cNvPr id="25" name="文本框 24"/>
+          <p:cNvSpPr txBox="1"/>
+          <p:nvPr/>
+        </p:nvSpPr>
+        <p:spPr>
+          <a:xfrm>
+            <a:off x="952884" y="3704028"/>
+            <a:ext cx="3605474" cy="400110"/>
+          </a:xfrm>
+          <a:prstGeom prst="rect">
+            <a:avLst/>
+          </a:prstGeom>
+          <a:noFill/>
+        </p:spPr>
+        <p:txBody>
+          <a:bodyPr wrap="none" rtlCol="0">
+            <a:spAutoFit/>
+          </a:bodyPr>
+          <a:lstStyle/>
+          <a:p>
+            <a:r>
+              <a:rPr lang="zh-CN" altLang="en-US" sz="2000" b="1" dirty="0" smtClean="0">
+                <a:solidFill>
+                  <a:schemeClr val="bg1"/>
+                </a:solidFill>
+                <a:latin typeface="微软雅黑" panose="020B0503020204020204" pitchFamily="34" charset="-122"/>
+                <a:ea typeface="微软雅黑" panose="020B0503020204020204" pitchFamily="34" charset="-122"/>
+              </a:rPr>
+              <a:t>积分</a:t>
+            </a:r>
+            <a:r>
+              <a:rPr lang="en-US" altLang="zh-CN" sz="2000" b="1" dirty="0" smtClean="0">
+                <a:solidFill>
+                  <a:schemeClr val="bg1"/>
+                </a:solidFill>
+                <a:latin typeface="微软雅黑" panose="020B0503020204020204" pitchFamily="34" charset="-122"/>
+                <a:ea typeface="微软雅黑" panose="020B0503020204020204" pitchFamily="34" charset="-122"/>
+              </a:rPr>
+              <a:t>I</a:t>
+            </a:r>
+            <a:r>
+              <a:rPr lang="zh-CN" altLang="en-US" sz="2000" b="1" dirty="0" smtClean="0">
+                <a:solidFill>
+                  <a:schemeClr val="bg1"/>
+                </a:solidFill>
+                <a:latin typeface="微软雅黑" panose="020B0503020204020204" pitchFamily="34" charset="-122"/>
+                <a:ea typeface="微软雅黑" panose="020B0503020204020204" pitchFamily="34" charset="-122"/>
+              </a:rPr>
+              <a:t>的引入可能带来这种情况</a:t>
+            </a:r>
+            <a:endParaRPr lang="zh-CN" altLang="en-US" sz="2000" b="1" dirty="0">
+              <a:solidFill>
+                <a:schemeClr val="bg1"/>
+              </a:solidFill>
+              <a:latin typeface="微软雅黑" panose="020B0503020204020204" pitchFamily="34" charset="-122"/>
+              <a:ea typeface="微软雅黑" panose="020B0503020204020204" pitchFamily="34" charset="-122"/>
+            </a:endParaRPr>
+          </a:p>
+        </p:txBody>
+      </p:sp>
+      <p:pic>
+        <p:nvPicPr>
+          <p:cNvPr id="40" name="内容占位符 5">
+            <a:extLst>
+              <a:ext uri="{FF2B5EF4-FFF2-40B4-BE49-F238E27FC236}">
+                <a16:creationId xmlns:a16="http://schemas.microsoft.com/office/drawing/2014/main" xmlns="" id="{DB26105E-A1FF-4E29-8ADB-0BAF8186333C}"/>
+              </a:ext>
+            </a:extLst>
+          </p:cNvPr>
+          <p:cNvPicPr>
+            <a:picLocks noChangeAspect="1"/>
+          </p:cNvPicPr>
+          <p:nvPr/>
+        </p:nvPicPr>
+        <p:blipFill>
+          <a:blip r:embed="rId3" cstate="print">
+            <a:extLst>
+              <a:ext uri="{28A0092B-C50C-407E-A947-70E740481C1C}">
+                <a14:useLocalDpi xmlns:a14="http://schemas.microsoft.com/office/drawing/2010/main" val="0"/>
+              </a:ext>
+            </a:extLst>
+          </a:blip>
+          <a:stretch>
+            <a:fillRect/>
+          </a:stretch>
+        </p:blipFill>
+        <p:spPr>
+          <a:xfrm>
+            <a:off x="4544883" y="4349951"/>
+            <a:ext cx="816061" cy="816061"/>
+          </a:xfrm>
+          <a:prstGeom prst="rect">
+            <a:avLst/>
+          </a:prstGeom>
+          <a:ln>
+            <a:solidFill>
+              <a:schemeClr val="accent1"/>
+            </a:solidFill>
+          </a:ln>
+        </p:spPr>
+      </p:pic>
+      <p:grpSp>
+        <p:nvGrpSpPr>
+          <p:cNvPr id="41" name="组合 40"/>
+          <p:cNvGrpSpPr/>
+          <p:nvPr/>
+        </p:nvGrpSpPr>
+        <p:grpSpPr>
+          <a:xfrm>
+            <a:off x="5889313" y="4369516"/>
+            <a:ext cx="850900" cy="776933"/>
+            <a:chOff x="6003614" y="1518301"/>
+            <a:chExt cx="850900" cy="776933"/>
+          </a:xfrm>
+        </p:grpSpPr>
+        <p:sp>
+          <p:nvSpPr>
+            <p:cNvPr id="42" name="矩形 41"/>
+            <p:cNvSpPr/>
+            <p:nvPr/>
+          </p:nvSpPr>
+          <p:spPr>
+            <a:xfrm>
+              <a:off x="6197600" y="1658603"/>
+              <a:ext cx="462928" cy="462928"/>
+            </a:xfrm>
+            <a:prstGeom prst="rect">
+              <a:avLst/>
+            </a:prstGeom>
+            <a:noFill/>
+            <a:ln w="25400">
+              <a:solidFill>
+                <a:srgbClr val="92D050"/>
+              </a:solidFill>
+            </a:ln>
+          </p:spPr>
+          <p:style>
+            <a:lnRef idx="2">
+              <a:schemeClr val="accent1">
+                <a:shade val="50000"/>
+              </a:schemeClr>
+            </a:lnRef>
+            <a:fillRef idx="1">
+              <a:schemeClr val="accent1"/>
+            </a:fillRef>
+            <a:effectRef idx="0">
+              <a:schemeClr val="accent1"/>
+            </a:effectRef>
+            <a:fontRef idx="minor">
+              <a:schemeClr val="lt1"/>
+            </a:fontRef>
+          </p:style>
+          <p:txBody>
+            <a:bodyPr rtlCol="0" anchor="ctr"/>
+            <a:lstStyle/>
+            <a:p>
+              <a:pPr algn="ctr"/>
+              <a:endParaRPr lang="zh-CN" altLang="en-US"/>
+            </a:p>
+          </p:txBody>
+        </p:sp>
+        <p:cxnSp>
+          <p:nvCxnSpPr>
+            <p:cNvPr id="44" name="直接连接符 43"/>
+            <p:cNvCxnSpPr/>
+            <p:nvPr/>
+          </p:nvCxnSpPr>
+          <p:spPr>
+            <a:xfrm>
+              <a:off x="6003614" y="1890067"/>
+              <a:ext cx="850900" cy="0"/>
+            </a:xfrm>
+            <a:prstGeom prst="line">
+              <a:avLst/>
+            </a:prstGeom>
+            <a:ln w="25400">
+              <a:solidFill>
+                <a:srgbClr val="92D050"/>
+              </a:solidFill>
+            </a:ln>
+          </p:spPr>
+          <p:style>
+            <a:lnRef idx="1">
+              <a:schemeClr val="accent1"/>
+            </a:lnRef>
+            <a:fillRef idx="0">
+              <a:schemeClr val="accent1"/>
+            </a:fillRef>
+            <a:effectRef idx="0">
+              <a:schemeClr val="accent1"/>
+            </a:effectRef>
+            <a:fontRef idx="minor">
+              <a:schemeClr val="tx1"/>
+            </a:fontRef>
+          </p:style>
+        </p:cxnSp>
+        <p:cxnSp>
+          <p:nvCxnSpPr>
+            <p:cNvPr id="45" name="直接连接符 44"/>
+            <p:cNvCxnSpPr/>
+            <p:nvPr/>
+          </p:nvCxnSpPr>
+          <p:spPr>
+            <a:xfrm flipV="1">
+              <a:off x="6438278" y="1518301"/>
+              <a:ext cx="0" cy="776933"/>
+            </a:xfrm>
+            <a:prstGeom prst="line">
+              <a:avLst/>
+            </a:prstGeom>
+            <a:ln w="25400">
+              <a:solidFill>
+                <a:srgbClr val="92D050"/>
+              </a:solidFill>
+            </a:ln>
+          </p:spPr>
+          <p:style>
+            <a:lnRef idx="1">
+              <a:schemeClr val="accent1"/>
+            </a:lnRef>
+            <a:fillRef idx="0">
+              <a:schemeClr val="accent1"/>
+            </a:fillRef>
+            <a:effectRef idx="0">
+              <a:schemeClr val="accent1"/>
+            </a:effectRef>
+            <a:fontRef idx="minor">
+              <a:schemeClr val="tx1"/>
+            </a:fontRef>
+          </p:style>
+        </p:cxnSp>
+      </p:grpSp>
+      <p:cxnSp>
+        <p:nvCxnSpPr>
+          <p:cNvPr id="50" name="直接箭头连接符 49"/>
+          <p:cNvCxnSpPr/>
+          <p:nvPr/>
+        </p:nvCxnSpPr>
+        <p:spPr>
+          <a:xfrm>
+            <a:off x="4952913" y="4738848"/>
+            <a:ext cx="1371064" cy="2434"/>
+          </a:xfrm>
+          <a:prstGeom prst="straightConnector1">
+            <a:avLst/>
+          </a:prstGeom>
+          <a:ln w="25400">
+            <a:headEnd type="triangle"/>
+            <a:tailEnd type="triangle"/>
+          </a:ln>
+        </p:spPr>
+        <p:style>
+          <a:lnRef idx="1">
+            <a:schemeClr val="accent1"/>
+          </a:lnRef>
+          <a:fillRef idx="0">
+            <a:schemeClr val="accent1"/>
+          </a:fillRef>
+          <a:effectRef idx="0">
+            <a:schemeClr val="accent1"/>
+          </a:effectRef>
+          <a:fontRef idx="minor">
+            <a:schemeClr val="tx1"/>
+          </a:fontRef>
+        </p:style>
+      </p:cxnSp>
+      <p:sp>
+        <p:nvSpPr>
+          <p:cNvPr id="51" name="文本框 50"/>
+          <p:cNvSpPr txBox="1"/>
+          <p:nvPr/>
+        </p:nvSpPr>
+        <p:spPr>
+          <a:xfrm>
+            <a:off x="5414402" y="4369516"/>
+            <a:ext cx="518091" cy="369332"/>
+          </a:xfrm>
+          <a:prstGeom prst="rect">
+            <a:avLst/>
+          </a:prstGeom>
+          <a:noFill/>
+        </p:spPr>
+        <p:txBody>
+          <a:bodyPr wrap="none" rtlCol="0">
+            <a:spAutoFit/>
+          </a:bodyPr>
+          <a:lstStyle/>
+          <a:p>
+            <a:r>
+              <a:rPr lang="en-US" altLang="zh-CN" dirty="0">
+                <a:solidFill>
+                  <a:schemeClr val="bg1"/>
+                </a:solidFill>
+              </a:rPr>
+              <a:t>e</a:t>
+            </a:r>
+            <a:r>
+              <a:rPr lang="en-US" altLang="zh-CN" dirty="0" smtClean="0">
+                <a:solidFill>
+                  <a:schemeClr val="bg1"/>
+                </a:solidFill>
+              </a:rPr>
+              <a:t>(t)</a:t>
+            </a:r>
+            <a:endParaRPr lang="zh-CN" altLang="en-US" dirty="0">
+              <a:solidFill>
+                <a:schemeClr val="bg1"/>
+              </a:solidFill>
+            </a:endParaRPr>
+          </a:p>
+        </p:txBody>
+      </p:sp>
+      <p:cxnSp>
+        <p:nvCxnSpPr>
+          <p:cNvPr id="53" name="直接箭头连接符 52"/>
+          <p:cNvCxnSpPr/>
+          <p:nvPr/>
+        </p:nvCxnSpPr>
+        <p:spPr>
+          <a:xfrm>
+            <a:off x="2533045" y="4770113"/>
+            <a:ext cx="1289484" cy="0"/>
+          </a:xfrm>
+          <a:prstGeom prst="straightConnector1">
+            <a:avLst/>
+          </a:prstGeom>
+          <a:ln w="25400">
+            <a:headEnd type="triangle"/>
+            <a:tailEnd type="triangle"/>
+          </a:ln>
+        </p:spPr>
+        <p:style>
+          <a:lnRef idx="1">
+            <a:schemeClr val="accent1"/>
+          </a:lnRef>
+          <a:fillRef idx="0">
+            <a:schemeClr val="accent1"/>
+          </a:fillRef>
+          <a:effectRef idx="0">
+            <a:schemeClr val="accent1"/>
+          </a:effectRef>
+          <a:fontRef idx="minor">
+            <a:schemeClr val="tx1"/>
+          </a:fontRef>
+        </p:style>
+      </p:cxnSp>
+      <p:sp>
+        <p:nvSpPr>
+          <p:cNvPr id="54" name="文本框 53"/>
+          <p:cNvSpPr txBox="1"/>
+          <p:nvPr/>
+        </p:nvSpPr>
+        <p:spPr>
+          <a:xfrm>
+            <a:off x="2762745" y="4415620"/>
+            <a:ext cx="750526" cy="369332"/>
+          </a:xfrm>
+          <a:prstGeom prst="rect">
+            <a:avLst/>
+          </a:prstGeom>
+          <a:noFill/>
+        </p:spPr>
+        <p:txBody>
+          <a:bodyPr wrap="none" rtlCol="0">
+            <a:spAutoFit/>
+          </a:bodyPr>
+          <a:lstStyle/>
+          <a:p>
+            <a:r>
+              <a:rPr lang="en-US" altLang="zh-CN" dirty="0" smtClean="0">
+                <a:solidFill>
+                  <a:schemeClr val="bg1"/>
+                </a:solidFill>
+              </a:rPr>
+              <a:t>e(t+1)</a:t>
+            </a:r>
+            <a:endParaRPr lang="zh-CN" altLang="en-US" dirty="0">
+              <a:solidFill>
+                <a:schemeClr val="bg1"/>
+              </a:solidFill>
+            </a:endParaRPr>
+          </a:p>
+        </p:txBody>
+      </p:sp>
+      <mc:AlternateContent xmlns:mc="http://schemas.openxmlformats.org/markup-compatibility/2006">
+        <mc:Choice xmlns:a14="http://schemas.microsoft.com/office/drawing/2010/main" Requires="a14">
+          <p:sp>
+            <p:nvSpPr>
+              <p:cNvPr id="55" name="文本框 54"/>
+              <p:cNvSpPr txBox="1"/>
+              <p:nvPr/>
+            </p:nvSpPr>
+            <p:spPr>
+              <a:xfrm>
+                <a:off x="6980892" y="4184850"/>
+                <a:ext cx="4620078" cy="646331"/>
+              </a:xfrm>
+              <a:prstGeom prst="rect">
+                <a:avLst/>
+              </a:prstGeom>
+              <a:noFill/>
+            </p:spPr>
+            <p:txBody>
+              <a:bodyPr wrap="square" rtlCol="0">
+                <a:spAutoFit/>
+              </a:bodyPr>
+              <a:lstStyle/>
+              <a:p>
+                <a:pPr marL="285750" indent="-285750">
+                  <a:buFont typeface="Arial" panose="020B0604020202020204" pitchFamily="34" charset="0"/>
+                  <a:buChar char="•"/>
+                </a:pPr>
+                <a14:m>
+                  <m:oMath xmlns:m="http://schemas.openxmlformats.org/officeDocument/2006/math">
+                    <m:r>
+                      <a:rPr lang="zh-CN" altLang="en-US" b="0" i="1" smtClean="0">
+                        <a:solidFill>
+                          <a:schemeClr val="bg1"/>
+                        </a:solidFill>
+                        <a:latin typeface="Cambria Math" panose="02040503050406030204" pitchFamily="18" charset="0"/>
+                      </a:rPr>
+                      <m:t>积分</m:t>
+                    </m:r>
+                  </m:oMath>
+                </a14:m>
+                <a:r>
+                  <a:rPr lang="zh-CN" altLang="en-US" dirty="0" smtClean="0">
+                    <a:solidFill>
+                      <a:schemeClr val="bg1"/>
+                    </a:solidFill>
+                  </a:rPr>
+                  <a:t>控制可能导致准星跑得太快超过</a:t>
+                </a:r>
+                <a:r>
+                  <a:rPr lang="zh-CN" altLang="en-US" dirty="0" smtClean="0">
+                    <a:solidFill>
+                      <a:schemeClr val="bg1"/>
+                    </a:solidFill>
+                  </a:rPr>
+                  <a:t>目标（</a:t>
+                </a:r>
+                <a:r>
+                  <a:rPr lang="zh-CN" altLang="en-US" dirty="0">
+                    <a:solidFill>
+                      <a:schemeClr val="bg1"/>
+                    </a:solidFill>
+                  </a:rPr>
+                  <a:t>超调）</a:t>
+                </a:r>
+                <a:r>
+                  <a:rPr lang="zh-CN" altLang="en-US" dirty="0" smtClean="0">
+                    <a:solidFill>
+                      <a:schemeClr val="bg1"/>
+                    </a:solidFill>
+                  </a:rPr>
+                  <a:t>的</a:t>
+                </a:r>
+                <a:r>
+                  <a:rPr lang="zh-CN" altLang="en-US" dirty="0" smtClean="0">
+                    <a:solidFill>
+                      <a:schemeClr val="bg1"/>
+                    </a:solidFill>
+                  </a:rPr>
+                  <a:t>发生</a:t>
+                </a:r>
+                <a:endParaRPr lang="zh-CN" altLang="en-US" dirty="0">
+                  <a:solidFill>
+                    <a:schemeClr val="bg1"/>
+                  </a:solidFill>
+                </a:endParaRPr>
+              </a:p>
+            </p:txBody>
+          </p:sp>
+        </mc:Choice>
+        <mc:Fallback>
+          <p:sp>
+            <p:nvSpPr>
+              <p:cNvPr id="55" name="文本框 54"/>
+              <p:cNvSpPr txBox="1">
+                <a:spLocks noRot="1" noChangeAspect="1" noMove="1" noResize="1" noEditPoints="1" noAdjustHandles="1" noChangeArrowheads="1" noChangeShapeType="1" noTextEdit="1"/>
+              </p:cNvSpPr>
+              <p:nvPr/>
+            </p:nvSpPr>
+            <p:spPr>
+              <a:xfrm>
+                <a:off x="6980892" y="4184850"/>
+                <a:ext cx="4620078" cy="646331"/>
+              </a:xfrm>
+              <a:prstGeom prst="rect">
+                <a:avLst/>
+              </a:prstGeom>
+              <a:blipFill rotWithShape="0">
+                <a:blip r:embed="rId7"/>
+                <a:stretch>
+                  <a:fillRect l="-792" t="-6542" r="-792" b="-10280"/>
+                </a:stretch>
+              </a:blipFill>
+            </p:spPr>
+            <p:txBody>
+              <a:bodyPr/>
+              <a:lstStyle/>
+              <a:p>
+                <a:r>
+                  <a:rPr lang="zh-CN" altLang="en-US">
+                    <a:noFill/>
+                  </a:rPr>
+                  <a:t> </a:t>
+                </a:r>
+              </a:p>
+            </p:txBody>
+          </p:sp>
+        </mc:Fallback>
+      </mc:AlternateContent>
+      <p:sp>
+        <p:nvSpPr>
+          <p:cNvPr id="56" name="文本框 55"/>
+          <p:cNvSpPr txBox="1"/>
+          <p:nvPr/>
+        </p:nvSpPr>
+        <p:spPr>
+          <a:xfrm>
+            <a:off x="971005" y="4611257"/>
+            <a:ext cx="901209" cy="400110"/>
+          </a:xfrm>
+          <a:prstGeom prst="rect">
+            <a:avLst/>
+          </a:prstGeom>
+          <a:noFill/>
+        </p:spPr>
+        <p:txBody>
+          <a:bodyPr wrap="none" rtlCol="0">
+            <a:spAutoFit/>
+          </a:bodyPr>
+          <a:lstStyle/>
+          <a:p>
+            <a:r>
+              <a:rPr lang="zh-CN" altLang="en-US" sz="2000" b="1" dirty="0" smtClean="0">
+                <a:solidFill>
+                  <a:schemeClr val="bg1"/>
+                </a:solidFill>
+                <a:latin typeface="微软雅黑" panose="020B0503020204020204" pitchFamily="34" charset="-122"/>
+                <a:ea typeface="微软雅黑" panose="020B0503020204020204" pitchFamily="34" charset="-122"/>
+              </a:rPr>
+              <a:t>微分</a:t>
+            </a:r>
+            <a:r>
+              <a:rPr lang="en-US" altLang="zh-CN" sz="2000" b="1" dirty="0" smtClean="0">
+                <a:solidFill>
+                  <a:schemeClr val="bg1"/>
+                </a:solidFill>
+                <a:latin typeface="微软雅黑" panose="020B0503020204020204" pitchFamily="34" charset="-122"/>
+                <a:ea typeface="微软雅黑" panose="020B0503020204020204" pitchFamily="34" charset="-122"/>
+              </a:rPr>
+              <a:t>D</a:t>
+            </a:r>
+            <a:endParaRPr lang="zh-CN" altLang="en-US" sz="2000" b="1" dirty="0">
+              <a:solidFill>
+                <a:schemeClr val="bg1"/>
+              </a:solidFill>
+              <a:latin typeface="微软雅黑" panose="020B0503020204020204" pitchFamily="34" charset="-122"/>
+              <a:ea typeface="微软雅黑" panose="020B0503020204020204" pitchFamily="34" charset="-122"/>
+            </a:endParaRPr>
+          </a:p>
+        </p:txBody>
+      </p:sp>
+      <mc:AlternateContent xmlns:mc="http://schemas.openxmlformats.org/markup-compatibility/2006">
+        <mc:Choice xmlns:a14="http://schemas.microsoft.com/office/drawing/2010/main" Requires="a14">
+          <p:sp>
+            <p:nvSpPr>
+              <p:cNvPr id="57" name="文本框 56"/>
+              <p:cNvSpPr txBox="1"/>
+              <p:nvPr/>
+            </p:nvSpPr>
+            <p:spPr>
+              <a:xfrm>
+                <a:off x="6980892" y="4831181"/>
+                <a:ext cx="4361194" cy="1366593"/>
+              </a:xfrm>
+              <a:prstGeom prst="rect">
+                <a:avLst/>
+              </a:prstGeom>
+              <a:noFill/>
+            </p:spPr>
+            <p:txBody>
+              <a:bodyPr wrap="none" rtlCol="0">
+                <a:spAutoFit/>
+              </a:bodyPr>
+              <a:lstStyle/>
+              <a:p>
+                <a:pPr marL="285750" indent="-285750">
+                  <a:buFont typeface="Arial" panose="020B0604020202020204" pitchFamily="34" charset="0"/>
+                  <a:buChar char="•"/>
+                </a:pPr>
+                <a:r>
+                  <a:rPr lang="zh-CN" altLang="en-US" dirty="0" smtClean="0">
+                    <a:solidFill>
+                      <a:schemeClr val="bg1"/>
+                    </a:solidFill>
+                    <a:latin typeface="Cambria Math" panose="02040503050406030204" pitchFamily="18" charset="0"/>
+                  </a:rPr>
+                  <a:t>微分分量用于降低积分</a:t>
+                </a:r>
+                <a:r>
+                  <a:rPr lang="en-US" altLang="zh-CN" dirty="0" smtClean="0">
+                    <a:solidFill>
+                      <a:schemeClr val="bg1"/>
+                    </a:solidFill>
+                    <a:latin typeface="Cambria Math" panose="02040503050406030204" pitchFamily="18" charset="0"/>
+                  </a:rPr>
+                  <a:t>I</a:t>
+                </a:r>
+                <a:r>
+                  <a:rPr lang="zh-CN" altLang="en-US" dirty="0" smtClean="0">
+                    <a:solidFill>
+                      <a:schemeClr val="bg1"/>
+                    </a:solidFill>
+                    <a:latin typeface="Cambria Math" panose="02040503050406030204" pitchFamily="18" charset="0"/>
+                  </a:rPr>
+                  <a:t>引起的超调</a:t>
+                </a:r>
+                <a:endParaRPr lang="en-US" altLang="zh-CN" dirty="0" smtClean="0">
+                  <a:solidFill>
+                    <a:schemeClr val="bg1"/>
+                  </a:solidFill>
+                  <a:latin typeface="Cambria Math" panose="02040503050406030204" pitchFamily="18" charset="0"/>
+                </a:endParaRPr>
+              </a:p>
+              <a:p>
+                <a:pPr marL="285750" indent="-285750">
+                  <a:buFont typeface="Arial" panose="020B0604020202020204" pitchFamily="34" charset="0"/>
+                  <a:buChar char="•"/>
+                </a:pPr>
+                <a14:m>
+                  <m:oMath xmlns:m="http://schemas.openxmlformats.org/officeDocument/2006/math">
+                    <m:r>
+                      <a:rPr lang="en-US" altLang="zh-CN" i="1">
+                        <a:solidFill>
+                          <a:schemeClr val="bg1"/>
+                        </a:solidFill>
+                        <a:latin typeface="Cambria Math" panose="02040503050406030204" pitchFamily="18" charset="0"/>
+                      </a:rPr>
+                      <m:t>𝑢</m:t>
+                    </m:r>
+                    <m:d>
+                      <m:dPr>
+                        <m:ctrlPr>
+                          <a:rPr lang="en-US" altLang="zh-CN" i="1">
+                            <a:solidFill>
+                              <a:schemeClr val="bg1"/>
+                            </a:solidFill>
+                            <a:latin typeface="Cambria Math" panose="02040503050406030204" pitchFamily="18" charset="0"/>
+                          </a:rPr>
+                        </m:ctrlPr>
+                      </m:dPr>
+                      <m:e>
+                        <m:r>
+                          <a:rPr lang="en-US" altLang="zh-CN" i="1">
+                            <a:solidFill>
+                              <a:schemeClr val="bg1"/>
+                            </a:solidFill>
+                            <a:latin typeface="Cambria Math" panose="02040503050406030204" pitchFamily="18" charset="0"/>
+                          </a:rPr>
+                          <m:t>𝑡</m:t>
+                        </m:r>
+                      </m:e>
+                    </m:d>
+                    <m:r>
+                      <a:rPr lang="en-US" altLang="zh-CN" i="1">
+                        <a:solidFill>
+                          <a:schemeClr val="bg1"/>
+                        </a:solidFill>
+                        <a:latin typeface="Cambria Math" panose="02040503050406030204" pitchFamily="18" charset="0"/>
+                      </a:rPr>
+                      <m:t>=</m:t>
+                    </m:r>
+                    <m:sSub>
+                      <m:sSubPr>
+                        <m:ctrlPr>
+                          <a:rPr lang="en-US" altLang="zh-CN" i="1">
+                            <a:solidFill>
+                              <a:schemeClr val="bg1"/>
+                            </a:solidFill>
+                            <a:latin typeface="Cambria Math" panose="02040503050406030204" pitchFamily="18" charset="0"/>
+                          </a:rPr>
+                        </m:ctrlPr>
+                      </m:sSubPr>
+                      <m:e>
+                        <m:r>
+                          <a:rPr lang="en-US" altLang="zh-CN" i="1">
+                            <a:solidFill>
+                              <a:schemeClr val="bg1"/>
+                            </a:solidFill>
+                            <a:latin typeface="Cambria Math" panose="02040503050406030204" pitchFamily="18" charset="0"/>
+                          </a:rPr>
+                          <m:t>𝐾</m:t>
+                        </m:r>
+                      </m:e>
+                      <m:sub>
+                        <m:r>
+                          <a:rPr lang="en-US" altLang="zh-CN" i="1">
+                            <a:solidFill>
+                              <a:schemeClr val="bg1"/>
+                            </a:solidFill>
+                            <a:latin typeface="Cambria Math" panose="02040503050406030204" pitchFamily="18" charset="0"/>
+                          </a:rPr>
+                          <m:t>𝑝</m:t>
+                        </m:r>
+                      </m:sub>
+                    </m:sSub>
+                    <m:r>
+                      <a:rPr lang="en-US" altLang="zh-CN" i="1">
+                        <a:solidFill>
+                          <a:schemeClr val="bg1"/>
+                        </a:solidFill>
+                        <a:latin typeface="Cambria Math" panose="02040503050406030204" pitchFamily="18" charset="0"/>
+                        <a:ea typeface="Cambria Math" panose="02040503050406030204" pitchFamily="18" charset="0"/>
+                      </a:rPr>
+                      <m:t>𝑒</m:t>
+                    </m:r>
+                    <m:d>
+                      <m:dPr>
+                        <m:ctrlPr>
+                          <a:rPr lang="en-US" altLang="zh-CN" i="1">
+                            <a:solidFill>
+                              <a:schemeClr val="bg1"/>
+                            </a:solidFill>
+                            <a:latin typeface="Cambria Math" panose="02040503050406030204" pitchFamily="18" charset="0"/>
+                            <a:ea typeface="Cambria Math" panose="02040503050406030204" pitchFamily="18" charset="0"/>
+                          </a:rPr>
+                        </m:ctrlPr>
+                      </m:dPr>
+                      <m:e>
+                        <m:r>
+                          <a:rPr lang="en-US" altLang="zh-CN" i="1">
+                            <a:solidFill>
+                              <a:schemeClr val="bg1"/>
+                            </a:solidFill>
+                            <a:latin typeface="Cambria Math" panose="02040503050406030204" pitchFamily="18" charset="0"/>
+                            <a:ea typeface="Cambria Math" panose="02040503050406030204" pitchFamily="18" charset="0"/>
+                          </a:rPr>
+                          <m:t>𝑡</m:t>
+                        </m:r>
+                      </m:e>
+                    </m:d>
+                    <m:r>
+                      <a:rPr lang="en-US" altLang="zh-CN" i="1">
+                        <a:solidFill>
+                          <a:schemeClr val="bg1"/>
+                        </a:solidFill>
+                        <a:latin typeface="Cambria Math" panose="02040503050406030204" pitchFamily="18" charset="0"/>
+                        <a:ea typeface="Cambria Math" panose="02040503050406030204" pitchFamily="18" charset="0"/>
+                      </a:rPr>
+                      <m:t>+</m:t>
+                    </m:r>
+                    <m:sSub>
+                      <m:sSubPr>
+                        <m:ctrlPr>
+                          <a:rPr lang="en-US" altLang="zh-CN" i="1">
+                            <a:solidFill>
+                              <a:schemeClr val="bg1"/>
+                            </a:solidFill>
+                            <a:latin typeface="Cambria Math" panose="02040503050406030204" pitchFamily="18" charset="0"/>
+                            <a:ea typeface="Cambria Math" panose="02040503050406030204" pitchFamily="18" charset="0"/>
+                          </a:rPr>
+                        </m:ctrlPr>
+                      </m:sSubPr>
+                      <m:e>
+                        <m:r>
+                          <a:rPr lang="en-US" altLang="zh-CN" i="1">
+                            <a:solidFill>
+                              <a:schemeClr val="bg1"/>
+                            </a:solidFill>
+                            <a:latin typeface="Cambria Math" panose="02040503050406030204" pitchFamily="18" charset="0"/>
+                            <a:ea typeface="Cambria Math" panose="02040503050406030204" pitchFamily="18" charset="0"/>
+                          </a:rPr>
+                          <m:t>𝐾</m:t>
+                        </m:r>
+                      </m:e>
+                      <m:sub>
+                        <m:r>
+                          <a:rPr lang="en-US" altLang="zh-CN" i="1">
+                            <a:solidFill>
+                              <a:schemeClr val="bg1"/>
+                            </a:solidFill>
+                            <a:latin typeface="Cambria Math" panose="02040503050406030204" pitchFamily="18" charset="0"/>
+                            <a:ea typeface="Cambria Math" panose="02040503050406030204" pitchFamily="18" charset="0"/>
+                          </a:rPr>
+                          <m:t>𝑖</m:t>
+                        </m:r>
+                      </m:sub>
+                    </m:sSub>
+                    <m:nary>
+                      <m:naryPr>
+                        <m:limLoc m:val="undOvr"/>
+                        <m:ctrlPr>
+                          <a:rPr lang="en-US" altLang="zh-CN" i="1">
+                            <a:solidFill>
+                              <a:schemeClr val="bg1"/>
+                            </a:solidFill>
+                            <a:latin typeface="Cambria Math" panose="02040503050406030204" pitchFamily="18" charset="0"/>
+                            <a:ea typeface="Cambria Math" panose="02040503050406030204" pitchFamily="18" charset="0"/>
+                          </a:rPr>
+                        </m:ctrlPr>
+                      </m:naryPr>
+                      <m:sub>
+                        <m:r>
+                          <m:rPr>
+                            <m:brk m:alnAt="24"/>
+                          </m:rPr>
+                          <a:rPr lang="en-US" altLang="zh-CN" i="1">
+                            <a:solidFill>
+                              <a:schemeClr val="bg1"/>
+                            </a:solidFill>
+                            <a:latin typeface="Cambria Math" panose="02040503050406030204" pitchFamily="18" charset="0"/>
+                            <a:ea typeface="Cambria Math" panose="02040503050406030204" pitchFamily="18" charset="0"/>
+                          </a:rPr>
+                          <m:t>0</m:t>
+                        </m:r>
+                      </m:sub>
+                      <m:sup>
+                        <m:r>
+                          <a:rPr lang="en-US" altLang="zh-CN" i="1">
+                            <a:solidFill>
+                              <a:schemeClr val="bg1"/>
+                            </a:solidFill>
+                            <a:latin typeface="Cambria Math" panose="02040503050406030204" pitchFamily="18" charset="0"/>
+                            <a:ea typeface="Cambria Math" panose="02040503050406030204" pitchFamily="18" charset="0"/>
+                          </a:rPr>
+                          <m:t>𝑡</m:t>
+                        </m:r>
+                      </m:sup>
+                      <m:e>
+                        <m:r>
+                          <a:rPr lang="en-US" altLang="zh-CN" i="1">
+                            <a:solidFill>
+                              <a:schemeClr val="bg1"/>
+                            </a:solidFill>
+                            <a:latin typeface="Cambria Math" panose="02040503050406030204" pitchFamily="18" charset="0"/>
+                            <a:ea typeface="Cambria Math" panose="02040503050406030204" pitchFamily="18" charset="0"/>
+                          </a:rPr>
+                          <m:t>𝑒</m:t>
+                        </m:r>
+                        <m:d>
+                          <m:dPr>
+                            <m:ctrlPr>
+                              <a:rPr lang="en-US" altLang="zh-CN" i="1">
+                                <a:solidFill>
+                                  <a:schemeClr val="bg1"/>
+                                </a:solidFill>
+                                <a:latin typeface="Cambria Math" panose="02040503050406030204" pitchFamily="18" charset="0"/>
+                                <a:ea typeface="Cambria Math" panose="02040503050406030204" pitchFamily="18" charset="0"/>
+                              </a:rPr>
+                            </m:ctrlPr>
+                          </m:dPr>
+                          <m:e>
+                            <m:r>
+                              <a:rPr lang="zh-CN" altLang="en-US" i="1">
+                                <a:solidFill>
+                                  <a:schemeClr val="bg1"/>
+                                </a:solidFill>
+                                <a:latin typeface="Cambria Math" panose="02040503050406030204" pitchFamily="18" charset="0"/>
+                                <a:ea typeface="Cambria Math" panose="02040503050406030204" pitchFamily="18" charset="0"/>
+                              </a:rPr>
+                              <m:t>𝜏</m:t>
+                            </m:r>
+                          </m:e>
+                        </m:d>
+                      </m:e>
+                    </m:nary>
+                    <m:r>
+                      <a:rPr lang="en-US" altLang="zh-CN" i="1">
+                        <a:solidFill>
+                          <a:schemeClr val="bg1"/>
+                        </a:solidFill>
+                        <a:latin typeface="Cambria Math" panose="02040503050406030204" pitchFamily="18" charset="0"/>
+                        <a:ea typeface="Cambria Math" panose="02040503050406030204" pitchFamily="18" charset="0"/>
+                      </a:rPr>
+                      <m:t>𝑑</m:t>
+                    </m:r>
+                    <m:r>
+                      <a:rPr lang="zh-CN" altLang="en-US" i="1">
+                        <a:solidFill>
+                          <a:schemeClr val="bg1"/>
+                        </a:solidFill>
+                        <a:latin typeface="Cambria Math" panose="02040503050406030204" pitchFamily="18" charset="0"/>
+                        <a:ea typeface="Cambria Math" panose="02040503050406030204" pitchFamily="18" charset="0"/>
+                      </a:rPr>
+                      <m:t>𝜏</m:t>
+                    </m:r>
+                    <m:r>
+                      <a:rPr lang="en-US" altLang="zh-CN" b="0" i="1" smtClean="0">
+                        <a:solidFill>
+                          <a:schemeClr val="bg1"/>
+                        </a:solidFill>
+                        <a:latin typeface="Cambria Math" panose="02040503050406030204" pitchFamily="18" charset="0"/>
+                        <a:ea typeface="Cambria Math" panose="02040503050406030204" pitchFamily="18" charset="0"/>
+                      </a:rPr>
+                      <m:t>+</m:t>
+                    </m:r>
+                    <m:sSub>
+                      <m:sSubPr>
+                        <m:ctrlPr>
+                          <a:rPr lang="en-US" altLang="zh-CN" i="1">
+                            <a:solidFill>
+                              <a:schemeClr val="bg1"/>
+                            </a:solidFill>
+                            <a:latin typeface="Cambria Math" panose="02040503050406030204" pitchFamily="18" charset="0"/>
+                            <a:ea typeface="Cambria Math" panose="02040503050406030204" pitchFamily="18" charset="0"/>
+                          </a:rPr>
+                        </m:ctrlPr>
+                      </m:sSubPr>
+                      <m:e>
+                        <m:r>
+                          <a:rPr lang="en-US" altLang="zh-CN" i="1">
+                            <a:solidFill>
+                              <a:schemeClr val="bg1"/>
+                            </a:solidFill>
+                            <a:latin typeface="Cambria Math" panose="02040503050406030204" pitchFamily="18" charset="0"/>
+                            <a:ea typeface="Cambria Math" panose="02040503050406030204" pitchFamily="18" charset="0"/>
+                          </a:rPr>
+                          <m:t>𝐾</m:t>
+                        </m:r>
+                      </m:e>
+                      <m:sub>
+                        <m:r>
+                          <a:rPr lang="en-US" altLang="zh-CN" b="0" i="1" smtClean="0">
+                            <a:solidFill>
+                              <a:schemeClr val="bg1"/>
+                            </a:solidFill>
+                            <a:latin typeface="Cambria Math" panose="02040503050406030204" pitchFamily="18" charset="0"/>
+                            <a:ea typeface="Cambria Math" panose="02040503050406030204" pitchFamily="18" charset="0"/>
+                          </a:rPr>
+                          <m:t>𝑑</m:t>
+                        </m:r>
+                      </m:sub>
+                    </m:sSub>
+                    <m:f>
+                      <m:fPr>
+                        <m:ctrlPr>
+                          <a:rPr lang="en-US" altLang="zh-CN" i="1" smtClean="0">
+                            <a:solidFill>
+                              <a:schemeClr val="bg1"/>
+                            </a:solidFill>
+                            <a:latin typeface="Cambria Math" panose="02040503050406030204" pitchFamily="18" charset="0"/>
+                            <a:ea typeface="Cambria Math" panose="02040503050406030204" pitchFamily="18" charset="0"/>
+                          </a:rPr>
+                        </m:ctrlPr>
+                      </m:fPr>
+                      <m:num>
+                        <m:r>
+                          <a:rPr lang="en-US" altLang="zh-CN" b="0" i="1" smtClean="0">
+                            <a:solidFill>
+                              <a:schemeClr val="bg1"/>
+                            </a:solidFill>
+                            <a:latin typeface="Cambria Math" panose="02040503050406030204" pitchFamily="18" charset="0"/>
+                            <a:ea typeface="Cambria Math" panose="02040503050406030204" pitchFamily="18" charset="0"/>
+                          </a:rPr>
+                          <m:t>𝑑𝑒</m:t>
+                        </m:r>
+                        <m:r>
+                          <a:rPr lang="en-US" altLang="zh-CN" b="0" i="1" smtClean="0">
+                            <a:solidFill>
+                              <a:schemeClr val="bg1"/>
+                            </a:solidFill>
+                            <a:latin typeface="Cambria Math" panose="02040503050406030204" pitchFamily="18" charset="0"/>
+                            <a:ea typeface="Cambria Math" panose="02040503050406030204" pitchFamily="18" charset="0"/>
+                          </a:rPr>
+                          <m:t>(</m:t>
+                        </m:r>
+                        <m:r>
+                          <a:rPr lang="en-US" altLang="zh-CN" b="0" i="1" smtClean="0">
+                            <a:solidFill>
+                              <a:schemeClr val="bg1"/>
+                            </a:solidFill>
+                            <a:latin typeface="Cambria Math" panose="02040503050406030204" pitchFamily="18" charset="0"/>
+                            <a:ea typeface="Cambria Math" panose="02040503050406030204" pitchFamily="18" charset="0"/>
+                          </a:rPr>
+                          <m:t>𝑡</m:t>
+                        </m:r>
+                        <m:r>
+                          <a:rPr lang="en-US" altLang="zh-CN" b="0" i="1" smtClean="0">
+                            <a:solidFill>
+                              <a:schemeClr val="bg1"/>
+                            </a:solidFill>
+                            <a:latin typeface="Cambria Math" panose="02040503050406030204" pitchFamily="18" charset="0"/>
+                            <a:ea typeface="Cambria Math" panose="02040503050406030204" pitchFamily="18" charset="0"/>
+                          </a:rPr>
+                          <m:t>)</m:t>
+                        </m:r>
+                      </m:num>
+                      <m:den>
+                        <m:r>
+                          <a:rPr lang="en-US" altLang="zh-CN" b="0" i="1" smtClean="0">
+                            <a:solidFill>
+                              <a:schemeClr val="bg1"/>
+                            </a:solidFill>
+                            <a:latin typeface="Cambria Math" panose="02040503050406030204" pitchFamily="18" charset="0"/>
+                            <a:ea typeface="Cambria Math" panose="02040503050406030204" pitchFamily="18" charset="0"/>
+                          </a:rPr>
+                          <m:t>𝑑𝑡</m:t>
+                        </m:r>
+                      </m:den>
+                    </m:f>
+                  </m:oMath>
+                </a14:m>
+                <a:endParaRPr lang="en-US" altLang="zh-CN" dirty="0">
+                  <a:solidFill>
+                    <a:schemeClr val="bg1"/>
+                  </a:solidFill>
+                  <a:ea typeface="Cambria Math" panose="02040503050406030204" pitchFamily="18" charset="0"/>
+                </a:endParaRPr>
+              </a:p>
+              <a:p>
+                <a:pPr marL="285750" indent="-285750">
+                  <a:buFont typeface="Arial" panose="020B0604020202020204" pitchFamily="34" charset="0"/>
+                  <a:buChar char="•"/>
+                </a:pPr>
+                <a14:m>
+                  <m:oMath xmlns:m="http://schemas.openxmlformats.org/officeDocument/2006/math">
+                    <m:r>
+                      <a:rPr lang="en-US" altLang="zh-CN" i="1">
+                        <a:solidFill>
+                          <a:schemeClr val="bg1"/>
+                        </a:solidFill>
+                        <a:latin typeface="Cambria Math" panose="02040503050406030204" pitchFamily="18" charset="0"/>
+                      </a:rPr>
+                      <m:t>𝑢</m:t>
+                    </m:r>
+                    <m:r>
+                      <a:rPr lang="en-US" altLang="zh-CN" i="1">
+                        <a:solidFill>
+                          <a:schemeClr val="bg1"/>
+                        </a:solidFill>
+                        <a:latin typeface="Cambria Math" panose="02040503050406030204" pitchFamily="18" charset="0"/>
+                      </a:rPr>
+                      <m:t>(</m:t>
+                    </m:r>
+                    <m:r>
+                      <a:rPr lang="en-US" altLang="zh-CN" i="1">
+                        <a:solidFill>
+                          <a:schemeClr val="bg1"/>
+                        </a:solidFill>
+                        <a:latin typeface="Cambria Math" panose="02040503050406030204" pitchFamily="18" charset="0"/>
+                      </a:rPr>
+                      <m:t>𝑘</m:t>
+                    </m:r>
+                    <m:r>
+                      <a:rPr lang="en-US" altLang="zh-CN" i="1">
+                        <a:solidFill>
+                          <a:schemeClr val="bg1"/>
+                        </a:solidFill>
+                        <a:latin typeface="Cambria Math" panose="02040503050406030204" pitchFamily="18" charset="0"/>
+                      </a:rPr>
+                      <m:t>)=</m:t>
+                    </m:r>
+                    <m:sSub>
+                      <m:sSubPr>
+                        <m:ctrlPr>
+                          <a:rPr lang="en-US" altLang="zh-CN" i="1">
+                            <a:solidFill>
+                              <a:schemeClr val="bg1"/>
+                            </a:solidFill>
+                            <a:latin typeface="Cambria Math" panose="02040503050406030204" pitchFamily="18" charset="0"/>
+                          </a:rPr>
+                        </m:ctrlPr>
+                      </m:sSubPr>
+                      <m:e>
+                        <m:r>
+                          <a:rPr lang="en-US" altLang="zh-CN" i="1">
+                            <a:solidFill>
+                              <a:schemeClr val="bg1"/>
+                            </a:solidFill>
+                            <a:latin typeface="Cambria Math" panose="02040503050406030204" pitchFamily="18" charset="0"/>
+                          </a:rPr>
+                          <m:t>𝐾</m:t>
+                        </m:r>
+                      </m:e>
+                      <m:sub>
+                        <m:r>
+                          <a:rPr lang="en-US" altLang="zh-CN" i="1">
+                            <a:solidFill>
+                              <a:schemeClr val="bg1"/>
+                            </a:solidFill>
+                            <a:latin typeface="Cambria Math" panose="02040503050406030204" pitchFamily="18" charset="0"/>
+                          </a:rPr>
+                          <m:t>𝑝</m:t>
+                        </m:r>
+                      </m:sub>
+                    </m:sSub>
+                    <m:r>
+                      <a:rPr lang="en-US" altLang="zh-CN" i="1">
+                        <a:solidFill>
+                          <a:schemeClr val="bg1"/>
+                        </a:solidFill>
+                        <a:latin typeface="Cambria Math" panose="02040503050406030204" pitchFamily="18" charset="0"/>
+                        <a:ea typeface="Cambria Math" panose="02040503050406030204" pitchFamily="18" charset="0"/>
+                      </a:rPr>
+                      <m:t>𝑒</m:t>
+                    </m:r>
+                    <m:d>
+                      <m:dPr>
+                        <m:ctrlPr>
+                          <a:rPr lang="en-US" altLang="zh-CN" i="1">
+                            <a:solidFill>
+                              <a:schemeClr val="bg1"/>
+                            </a:solidFill>
+                            <a:latin typeface="Cambria Math" panose="02040503050406030204" pitchFamily="18" charset="0"/>
+                            <a:ea typeface="Cambria Math" panose="02040503050406030204" pitchFamily="18" charset="0"/>
+                          </a:rPr>
+                        </m:ctrlPr>
+                      </m:dPr>
+                      <m:e>
+                        <m:r>
+                          <a:rPr lang="en-US" altLang="zh-CN" i="1">
+                            <a:solidFill>
+                              <a:schemeClr val="bg1"/>
+                            </a:solidFill>
+                            <a:latin typeface="Cambria Math" panose="02040503050406030204" pitchFamily="18" charset="0"/>
+                            <a:ea typeface="Cambria Math" panose="02040503050406030204" pitchFamily="18" charset="0"/>
+                          </a:rPr>
+                          <m:t>𝑘</m:t>
+                        </m:r>
+                      </m:e>
+                    </m:d>
+                    <m:r>
+                      <a:rPr lang="en-US" altLang="zh-CN" i="1">
+                        <a:solidFill>
+                          <a:schemeClr val="bg1"/>
+                        </a:solidFill>
+                        <a:latin typeface="Cambria Math" panose="02040503050406030204" pitchFamily="18" charset="0"/>
+                        <a:ea typeface="Cambria Math" panose="02040503050406030204" pitchFamily="18" charset="0"/>
+                      </a:rPr>
+                      <m:t>+</m:t>
+                    </m:r>
+                    <m:sSub>
+                      <m:sSubPr>
+                        <m:ctrlPr>
+                          <a:rPr lang="en-US" altLang="zh-CN" i="1">
+                            <a:solidFill>
+                              <a:schemeClr val="bg1"/>
+                            </a:solidFill>
+                            <a:latin typeface="Cambria Math" panose="02040503050406030204" pitchFamily="18" charset="0"/>
+                            <a:ea typeface="Cambria Math" panose="02040503050406030204" pitchFamily="18" charset="0"/>
+                          </a:rPr>
+                        </m:ctrlPr>
+                      </m:sSubPr>
+                      <m:e>
+                        <m:r>
+                          <a:rPr lang="en-US" altLang="zh-CN" i="1">
+                            <a:solidFill>
+                              <a:schemeClr val="bg1"/>
+                            </a:solidFill>
+                            <a:latin typeface="Cambria Math" panose="02040503050406030204" pitchFamily="18" charset="0"/>
+                            <a:ea typeface="Cambria Math" panose="02040503050406030204" pitchFamily="18" charset="0"/>
+                          </a:rPr>
+                          <m:t>𝐾</m:t>
+                        </m:r>
+                      </m:e>
+                      <m:sub>
+                        <m:r>
+                          <a:rPr lang="en-US" altLang="zh-CN" i="1">
+                            <a:solidFill>
+                              <a:schemeClr val="bg1"/>
+                            </a:solidFill>
+                            <a:latin typeface="Cambria Math" panose="02040503050406030204" pitchFamily="18" charset="0"/>
+                            <a:ea typeface="Cambria Math" panose="02040503050406030204" pitchFamily="18" charset="0"/>
+                          </a:rPr>
+                          <m:t>𝑖</m:t>
+                        </m:r>
+                      </m:sub>
+                    </m:sSub>
+                    <m:nary>
+                      <m:naryPr>
+                        <m:chr m:val="∑"/>
+                        <m:ctrlPr>
+                          <a:rPr lang="en-US" altLang="zh-CN" i="1">
+                            <a:solidFill>
+                              <a:schemeClr val="bg1"/>
+                            </a:solidFill>
+                            <a:latin typeface="Cambria Math" panose="02040503050406030204" pitchFamily="18" charset="0"/>
+                            <a:ea typeface="Cambria Math" panose="02040503050406030204" pitchFamily="18" charset="0"/>
+                          </a:rPr>
+                        </m:ctrlPr>
+                      </m:naryPr>
+                      <m:sub>
+                        <m:r>
+                          <m:rPr>
+                            <m:brk m:alnAt="23"/>
+                          </m:rPr>
+                          <a:rPr lang="en-US" altLang="zh-CN" i="1">
+                            <a:solidFill>
+                              <a:schemeClr val="bg1"/>
+                            </a:solidFill>
+                            <a:latin typeface="Cambria Math" panose="02040503050406030204" pitchFamily="18" charset="0"/>
+                            <a:ea typeface="Cambria Math" panose="02040503050406030204" pitchFamily="18" charset="0"/>
+                          </a:rPr>
+                          <m:t>𝑛</m:t>
+                        </m:r>
+                        <m:r>
+                          <a:rPr lang="en-US" altLang="zh-CN" i="1">
+                            <a:solidFill>
+                              <a:schemeClr val="bg1"/>
+                            </a:solidFill>
+                            <a:latin typeface="Cambria Math" panose="02040503050406030204" pitchFamily="18" charset="0"/>
+                            <a:ea typeface="Cambria Math" panose="02040503050406030204" pitchFamily="18" charset="0"/>
+                          </a:rPr>
+                          <m:t>=0</m:t>
+                        </m:r>
+                      </m:sub>
+                      <m:sup>
+                        <m:r>
+                          <a:rPr lang="en-US" altLang="zh-CN" i="1">
+                            <a:solidFill>
+                              <a:schemeClr val="bg1"/>
+                            </a:solidFill>
+                            <a:latin typeface="Cambria Math" panose="02040503050406030204" pitchFamily="18" charset="0"/>
+                            <a:ea typeface="Cambria Math" panose="02040503050406030204" pitchFamily="18" charset="0"/>
+                          </a:rPr>
+                          <m:t>𝑘</m:t>
+                        </m:r>
+                      </m:sup>
+                      <m:e>
+                        <m:r>
+                          <a:rPr lang="en-US" altLang="zh-CN" i="1">
+                            <a:solidFill>
+                              <a:schemeClr val="bg1"/>
+                            </a:solidFill>
+                            <a:latin typeface="Cambria Math" panose="02040503050406030204" pitchFamily="18" charset="0"/>
+                            <a:ea typeface="Cambria Math" panose="02040503050406030204" pitchFamily="18" charset="0"/>
+                          </a:rPr>
+                          <m:t>𝑒</m:t>
+                        </m:r>
+                        <m:d>
+                          <m:dPr>
+                            <m:ctrlPr>
+                              <a:rPr lang="en-US" altLang="zh-CN" i="1">
+                                <a:solidFill>
+                                  <a:schemeClr val="bg1"/>
+                                </a:solidFill>
+                                <a:latin typeface="Cambria Math" panose="02040503050406030204" pitchFamily="18" charset="0"/>
+                                <a:ea typeface="Cambria Math" panose="02040503050406030204" pitchFamily="18" charset="0"/>
+                              </a:rPr>
+                            </m:ctrlPr>
+                          </m:dPr>
+                          <m:e>
+                            <m:r>
+                              <a:rPr lang="en-US" altLang="zh-CN" i="1">
+                                <a:solidFill>
+                                  <a:schemeClr val="bg1"/>
+                                </a:solidFill>
+                                <a:latin typeface="Cambria Math" panose="02040503050406030204" pitchFamily="18" charset="0"/>
+                                <a:ea typeface="Cambria Math" panose="02040503050406030204" pitchFamily="18" charset="0"/>
+                              </a:rPr>
+                              <m:t>𝑛</m:t>
+                            </m:r>
+                          </m:e>
+                        </m:d>
+                        <m:r>
+                          <a:rPr lang="en-US" altLang="zh-CN" b="0" i="1" smtClean="0">
+                            <a:solidFill>
+                              <a:schemeClr val="bg1"/>
+                            </a:solidFill>
+                            <a:latin typeface="Cambria Math" panose="02040503050406030204" pitchFamily="18" charset="0"/>
+                            <a:ea typeface="Cambria Math" panose="02040503050406030204" pitchFamily="18" charset="0"/>
+                          </a:rPr>
+                          <m:t>+</m:t>
+                        </m:r>
+                        <m:sSub>
+                          <m:sSubPr>
+                            <m:ctrlPr>
+                              <a:rPr lang="en-US" altLang="zh-CN" i="1">
+                                <a:solidFill>
+                                  <a:schemeClr val="bg1"/>
+                                </a:solidFill>
+                                <a:latin typeface="Cambria Math" panose="02040503050406030204" pitchFamily="18" charset="0"/>
+                                <a:ea typeface="Cambria Math" panose="02040503050406030204" pitchFamily="18" charset="0"/>
+                              </a:rPr>
+                            </m:ctrlPr>
+                          </m:sSubPr>
+                          <m:e>
+                            <m:r>
+                              <a:rPr lang="en-US" altLang="zh-CN" i="1">
+                                <a:solidFill>
+                                  <a:schemeClr val="bg1"/>
+                                </a:solidFill>
+                                <a:latin typeface="Cambria Math" panose="02040503050406030204" pitchFamily="18" charset="0"/>
+                                <a:ea typeface="Cambria Math" panose="02040503050406030204" pitchFamily="18" charset="0"/>
+                              </a:rPr>
+                              <m:t>𝐾</m:t>
+                            </m:r>
+                          </m:e>
+                          <m:sub>
+                            <m:r>
+                              <a:rPr lang="en-US" altLang="zh-CN" i="1">
+                                <a:solidFill>
+                                  <a:schemeClr val="bg1"/>
+                                </a:solidFill>
+                                <a:latin typeface="Cambria Math" panose="02040503050406030204" pitchFamily="18" charset="0"/>
+                                <a:ea typeface="Cambria Math" panose="02040503050406030204" pitchFamily="18" charset="0"/>
+                              </a:rPr>
+                              <m:t>𝑑</m:t>
+                            </m:r>
+                          </m:sub>
+                        </m:sSub>
+                        <m:r>
+                          <a:rPr lang="en-US" altLang="zh-CN" i="1" smtClean="0">
+                            <a:solidFill>
+                              <a:schemeClr val="bg1"/>
+                            </a:solidFill>
+                            <a:latin typeface="Cambria Math" panose="02040503050406030204" pitchFamily="18" charset="0"/>
+                            <a:ea typeface="Cambria Math" panose="02040503050406030204" pitchFamily="18" charset="0"/>
+                          </a:rPr>
+                          <m:t>∆</m:t>
+                        </m:r>
+                        <m:r>
+                          <a:rPr lang="en-US" altLang="zh-CN" b="0" i="1" smtClean="0">
+                            <a:solidFill>
+                              <a:schemeClr val="bg1"/>
+                            </a:solidFill>
+                            <a:latin typeface="Cambria Math" panose="02040503050406030204" pitchFamily="18" charset="0"/>
+                            <a:ea typeface="Cambria Math" panose="02040503050406030204" pitchFamily="18" charset="0"/>
+                          </a:rPr>
+                          <m:t>𝑒</m:t>
+                        </m:r>
+                      </m:e>
+                    </m:nary>
+                  </m:oMath>
+                </a14:m>
+                <a:endParaRPr lang="en-US" altLang="zh-CN" dirty="0" smtClean="0">
+                  <a:solidFill>
+                    <a:schemeClr val="bg1"/>
+                  </a:solidFill>
+                </a:endParaRPr>
+              </a:p>
+              <a:p>
+                <a14:m>
+                  <m:oMathPara xmlns:m="http://schemas.openxmlformats.org/officeDocument/2006/math">
+                    <m:oMathParaPr>
+                      <m:jc m:val="centerGroup"/>
+                    </m:oMathParaPr>
+                    <m:oMath xmlns:m="http://schemas.openxmlformats.org/officeDocument/2006/math">
+                      <m:r>
+                        <a:rPr lang="en-US" altLang="zh-CN" i="1">
+                          <a:solidFill>
+                            <a:schemeClr val="bg1"/>
+                          </a:solidFill>
+                          <a:latin typeface="Cambria Math" panose="02040503050406030204" pitchFamily="18" charset="0"/>
+                          <a:ea typeface="Cambria Math" panose="02040503050406030204" pitchFamily="18" charset="0"/>
+                        </a:rPr>
+                        <m:t>∆</m:t>
+                      </m:r>
+                      <m:r>
+                        <a:rPr lang="en-US" altLang="zh-CN" i="1">
+                          <a:solidFill>
+                            <a:schemeClr val="bg1"/>
+                          </a:solidFill>
+                          <a:latin typeface="Cambria Math" panose="02040503050406030204" pitchFamily="18" charset="0"/>
+                          <a:ea typeface="Cambria Math" panose="02040503050406030204" pitchFamily="18" charset="0"/>
+                        </a:rPr>
+                        <m:t>𝑒</m:t>
+                      </m:r>
+                      <m:r>
+                        <a:rPr lang="en-US" altLang="zh-CN" b="0" i="1" smtClean="0">
+                          <a:solidFill>
+                            <a:schemeClr val="bg1"/>
+                          </a:solidFill>
+                          <a:latin typeface="Cambria Math" panose="02040503050406030204" pitchFamily="18" charset="0"/>
+                          <a:ea typeface="Cambria Math" panose="02040503050406030204" pitchFamily="18" charset="0"/>
+                        </a:rPr>
+                        <m:t>=</m:t>
+                      </m:r>
+                      <m:r>
+                        <a:rPr lang="en-US" altLang="zh-CN" b="0" i="1" smtClean="0">
+                          <a:solidFill>
+                            <a:schemeClr val="bg1"/>
+                          </a:solidFill>
+                          <a:latin typeface="Cambria Math" panose="02040503050406030204" pitchFamily="18" charset="0"/>
+                          <a:ea typeface="Cambria Math" panose="02040503050406030204" pitchFamily="18" charset="0"/>
+                        </a:rPr>
+                        <m:t>𝑒</m:t>
+                      </m:r>
+                      <m:d>
+                        <m:dPr>
+                          <m:ctrlPr>
+                            <a:rPr lang="en-US" altLang="zh-CN" b="0" i="1" smtClean="0">
+                              <a:solidFill>
+                                <a:schemeClr val="bg1"/>
+                              </a:solidFill>
+                              <a:latin typeface="Cambria Math" panose="02040503050406030204" pitchFamily="18" charset="0"/>
+                              <a:ea typeface="Cambria Math" panose="02040503050406030204" pitchFamily="18" charset="0"/>
+                            </a:rPr>
+                          </m:ctrlPr>
+                        </m:dPr>
+                        <m:e>
+                          <m:r>
+                            <a:rPr lang="en-US" altLang="zh-CN" b="0" i="1" smtClean="0">
+                              <a:solidFill>
+                                <a:schemeClr val="bg1"/>
+                              </a:solidFill>
+                              <a:latin typeface="Cambria Math" panose="02040503050406030204" pitchFamily="18" charset="0"/>
+                              <a:ea typeface="Cambria Math" panose="02040503050406030204" pitchFamily="18" charset="0"/>
+                            </a:rPr>
+                            <m:t>𝑡</m:t>
+                          </m:r>
+                        </m:e>
+                      </m:d>
+                      <m:r>
+                        <a:rPr lang="en-US" altLang="zh-CN" b="0" i="1" smtClean="0">
+                          <a:solidFill>
+                            <a:schemeClr val="bg1"/>
+                          </a:solidFill>
+                          <a:latin typeface="Cambria Math" panose="02040503050406030204" pitchFamily="18" charset="0"/>
+                          <a:ea typeface="Cambria Math" panose="02040503050406030204" pitchFamily="18" charset="0"/>
+                        </a:rPr>
+                        <m:t>−</m:t>
+                      </m:r>
+                      <m:r>
+                        <a:rPr lang="en-US" altLang="zh-CN" b="0" i="1" smtClean="0">
+                          <a:solidFill>
+                            <a:schemeClr val="bg1"/>
+                          </a:solidFill>
+                          <a:latin typeface="Cambria Math" panose="02040503050406030204" pitchFamily="18" charset="0"/>
+                          <a:ea typeface="Cambria Math" panose="02040503050406030204" pitchFamily="18" charset="0"/>
+                        </a:rPr>
+                        <m:t>𝑒</m:t>
+                      </m:r>
+                      <m:r>
+                        <a:rPr lang="en-US" altLang="zh-CN" b="0" i="1" smtClean="0">
+                          <a:solidFill>
+                            <a:schemeClr val="bg1"/>
+                          </a:solidFill>
+                          <a:latin typeface="Cambria Math" panose="02040503050406030204" pitchFamily="18" charset="0"/>
+                          <a:ea typeface="Cambria Math" panose="02040503050406030204" pitchFamily="18" charset="0"/>
+                        </a:rPr>
+                        <m:t>(</m:t>
+                      </m:r>
+                      <m:r>
+                        <a:rPr lang="en-US" altLang="zh-CN" b="0" i="1" smtClean="0">
+                          <a:solidFill>
+                            <a:schemeClr val="bg1"/>
+                          </a:solidFill>
+                          <a:latin typeface="Cambria Math" panose="02040503050406030204" pitchFamily="18" charset="0"/>
+                          <a:ea typeface="Cambria Math" panose="02040503050406030204" pitchFamily="18" charset="0"/>
+                        </a:rPr>
+                        <m:t>𝑡</m:t>
+                      </m:r>
+                      <m:r>
+                        <a:rPr lang="en-US" altLang="zh-CN" b="0" i="1" smtClean="0">
+                          <a:solidFill>
+                            <a:schemeClr val="bg1"/>
+                          </a:solidFill>
+                          <a:latin typeface="Cambria Math" panose="02040503050406030204" pitchFamily="18" charset="0"/>
+                          <a:ea typeface="Cambria Math" panose="02040503050406030204" pitchFamily="18" charset="0"/>
+                        </a:rPr>
+                        <m:t>−1)</m:t>
+                      </m:r>
+                    </m:oMath>
+                  </m:oMathPara>
+                </a14:m>
+                <a:endParaRPr lang="zh-CN" altLang="en-US" dirty="0">
+                  <a:solidFill>
+                    <a:schemeClr val="bg1"/>
+                  </a:solidFill>
+                </a:endParaRPr>
+              </a:p>
+            </p:txBody>
+          </p:sp>
+        </mc:Choice>
+        <mc:Fallback>
+          <p:sp>
+            <p:nvSpPr>
+              <p:cNvPr id="57" name="文本框 56"/>
+              <p:cNvSpPr txBox="1">
+                <a:spLocks noRot="1" noChangeAspect="1" noMove="1" noResize="1" noEditPoints="1" noAdjustHandles="1" noChangeArrowheads="1" noChangeShapeType="1" noTextEdit="1"/>
+              </p:cNvSpPr>
+              <p:nvPr/>
+            </p:nvSpPr>
+            <p:spPr>
+              <a:xfrm>
+                <a:off x="6980892" y="4831181"/>
+                <a:ext cx="4361194" cy="1366593"/>
+              </a:xfrm>
+              <a:prstGeom prst="rect">
+                <a:avLst/>
+              </a:prstGeom>
+              <a:blipFill rotWithShape="0">
+                <a:blip r:embed="rId8"/>
+                <a:stretch>
+                  <a:fillRect l="-838" t="-15179" b="-28125"/>
+                </a:stretch>
+              </a:blipFill>
+            </p:spPr>
+            <p:txBody>
+              <a:bodyPr/>
+              <a:lstStyle/>
+              <a:p>
+                <a:r>
+                  <a:rPr lang="zh-CN" altLang="en-US">
+                    <a:noFill/>
+                  </a:rPr>
+                  <a:t> </a:t>
+                </a:r>
+              </a:p>
+            </p:txBody>
+          </p:sp>
+        </mc:Fallback>
+      </mc:AlternateContent>
+    </p:spTree>
+    <p:extLst>
+      <p:ext uri="{BB962C8B-B14F-4D97-AF65-F5344CB8AC3E}">
+        <p14:creationId xmlns:p14="http://schemas.microsoft.com/office/powerpoint/2010/main" val="3230899045"/>
+      </p:ext>
+    </p:extLst>
+  </p:cSld>
+  <p:clrMapOvr>
+    <a:masterClrMapping/>
+  </p:clrMapOvr>
+  <p:timing>
+    <p:tnLst>
+      <p:par>
+        <p:cTn id="1" dur="indefinite" restart="never" nodeType="tmRoot">
+          <p:childTnLst>
+            <p:seq concurrent="1" nextAc="seek">
+              <p:cTn id="2" dur="indefinite" nodeType="mainSeq">
+                <p:childTnLst>
+                  <p:par>
+                    <p:cTn id="3" fill="hold">
+                      <p:stCondLst>
+                        <p:cond delay="indefinite"/>
+                      </p:stCondLst>
+                      <p:childTnLst>
+                        <p:par>
+                          <p:cTn id="4" fill="hold">
+                            <p:stCondLst>
+                              <p:cond delay="0"/>
+                            </p:stCondLst>
+                            <p:childTnLst>
+                              <p:par>
+                                <p:cTn id="5" presetID="10" presetClass="entr" presetSubtype="0" fill="hold" nodeType="clickEffect">
+                                  <p:stCondLst>
+                                    <p:cond delay="0"/>
+                                  </p:stCondLst>
+                                  <p:childTnLst>
+                                    <p:set>
+                                      <p:cBhvr>
+                                        <p:cTn id="6" dur="1" fill="hold">
+                                          <p:stCondLst>
+                                            <p:cond delay="0"/>
+                                          </p:stCondLst>
+                                        </p:cTn>
+                                        <p:tgtEl>
+                                          <p:spTgt spid="4"/>
+                                        </p:tgtEl>
+                                        <p:attrNameLst>
+                                          <p:attrName>style.visibility</p:attrName>
+                                        </p:attrNameLst>
+                                      </p:cBhvr>
+                                      <p:to>
+                                        <p:strVal val="visible"/>
+                                      </p:to>
+                                    </p:set>
+                                    <p:animEffect transition="in" filter="fade">
+                                      <p:cBhvr>
+                                        <p:cTn id="7" dur="500"/>
+                                        <p:tgtEl>
+                                          <p:spTgt spid="4"/>
+                                        </p:tgtEl>
+                                      </p:cBhvr>
+                                    </p:animEffect>
+                                  </p:childTnLst>
+                                </p:cTn>
+                              </p:par>
+                              <p:par>
+                                <p:cTn id="8" presetID="10" presetClass="entr" presetSubtype="0" fill="hold" nodeType="withEffect">
+                                  <p:stCondLst>
+                                    <p:cond delay="0"/>
+                                  </p:stCondLst>
+                                  <p:childTnLst>
+                                    <p:set>
+                                      <p:cBhvr>
+                                        <p:cTn id="9" dur="1" fill="hold">
+                                          <p:stCondLst>
+                                            <p:cond delay="0"/>
+                                          </p:stCondLst>
+                                        </p:cTn>
+                                        <p:tgtEl>
+                                          <p:spTgt spid="14"/>
+                                        </p:tgtEl>
+                                        <p:attrNameLst>
+                                          <p:attrName>style.visibility</p:attrName>
+                                        </p:attrNameLst>
+                                      </p:cBhvr>
+                                      <p:to>
+                                        <p:strVal val="visible"/>
+                                      </p:to>
+                                    </p:set>
+                                    <p:animEffect transition="in" filter="fade">
+                                      <p:cBhvr>
+                                        <p:cTn id="10" dur="500"/>
+                                        <p:tgtEl>
+                                          <p:spTgt spid="14"/>
+                                        </p:tgtEl>
+                                      </p:cBhvr>
+                                    </p:animEffect>
+                                  </p:childTnLst>
+                                </p:cTn>
+                              </p:par>
+                              <p:par>
+                                <p:cTn id="11" presetID="10" presetClass="entr" presetSubtype="0" fill="hold" nodeType="withEffect">
+                                  <p:stCondLst>
+                                    <p:cond delay="0"/>
+                                  </p:stCondLst>
+                                  <p:childTnLst>
+                                    <p:set>
+                                      <p:cBhvr>
+                                        <p:cTn id="12" dur="1" fill="hold">
+                                          <p:stCondLst>
+                                            <p:cond delay="0"/>
+                                          </p:stCondLst>
+                                        </p:cTn>
+                                        <p:tgtEl>
+                                          <p:spTgt spid="16"/>
+                                        </p:tgtEl>
+                                        <p:attrNameLst>
+                                          <p:attrName>style.visibility</p:attrName>
+                                        </p:attrNameLst>
+                                      </p:cBhvr>
+                                      <p:to>
+                                        <p:strVal val="visible"/>
+                                      </p:to>
+                                    </p:set>
+                                    <p:animEffect transition="in" filter="fade">
+                                      <p:cBhvr>
+                                        <p:cTn id="13" dur="500"/>
+                                        <p:tgtEl>
+                                          <p:spTgt spid="16"/>
+                                        </p:tgtEl>
+                                      </p:cBhvr>
+                                    </p:animEffect>
+                                  </p:childTnLst>
+                                </p:cTn>
+                              </p:par>
+                              <p:par>
+                                <p:cTn id="14" presetID="10" presetClass="entr" presetSubtype="0" fill="hold" grpId="0" nodeType="withEffect">
+                                  <p:stCondLst>
+                                    <p:cond delay="0"/>
+                                  </p:stCondLst>
+                                  <p:childTnLst>
+                                    <p:set>
+                                      <p:cBhvr>
+                                        <p:cTn id="15" dur="1" fill="hold">
+                                          <p:stCondLst>
+                                            <p:cond delay="0"/>
+                                          </p:stCondLst>
+                                        </p:cTn>
+                                        <p:tgtEl>
+                                          <p:spTgt spid="19"/>
+                                        </p:tgtEl>
+                                        <p:attrNameLst>
+                                          <p:attrName>style.visibility</p:attrName>
+                                        </p:attrNameLst>
+                                      </p:cBhvr>
+                                      <p:to>
+                                        <p:strVal val="visible"/>
+                                      </p:to>
+                                    </p:set>
+                                    <p:animEffect transition="in" filter="fade">
+                                      <p:cBhvr>
+                                        <p:cTn id="16" dur="500"/>
+                                        <p:tgtEl>
+                                          <p:spTgt spid="19"/>
+                                        </p:tgtEl>
+                                      </p:cBhvr>
+                                    </p:animEffect>
+                                  </p:childTnLst>
+                                </p:cTn>
+                              </p:par>
+                            </p:childTnLst>
+                          </p:cTn>
+                        </p:par>
+                      </p:childTnLst>
+                    </p:cTn>
+                  </p:par>
+                  <p:par>
+                    <p:cTn id="17" fill="hold">
+                      <p:stCondLst>
+                        <p:cond delay="indefinite"/>
+                      </p:stCondLst>
+                      <p:childTnLst>
+                        <p:par>
+                          <p:cTn id="18" fill="hold">
+                            <p:stCondLst>
+                              <p:cond delay="0"/>
+                            </p:stCondLst>
+                            <p:childTnLst>
+                              <p:par>
+                                <p:cTn id="19" presetID="10" presetClass="entr" presetSubtype="0" fill="hold" grpId="0" nodeType="clickEffect">
+                                  <p:stCondLst>
+                                    <p:cond delay="0"/>
+                                  </p:stCondLst>
+                                  <p:childTnLst>
+                                    <p:set>
+                                      <p:cBhvr>
+                                        <p:cTn id="20" dur="1" fill="hold">
+                                          <p:stCondLst>
+                                            <p:cond delay="0"/>
+                                          </p:stCondLst>
+                                        </p:cTn>
+                                        <p:tgtEl>
+                                          <p:spTgt spid="20"/>
+                                        </p:tgtEl>
+                                        <p:attrNameLst>
+                                          <p:attrName>style.visibility</p:attrName>
+                                        </p:attrNameLst>
+                                      </p:cBhvr>
+                                      <p:to>
+                                        <p:strVal val="visible"/>
+                                      </p:to>
+                                    </p:set>
+                                    <p:animEffect transition="in" filter="fade">
+                                      <p:cBhvr>
+                                        <p:cTn id="21" dur="500"/>
+                                        <p:tgtEl>
+                                          <p:spTgt spid="20"/>
+                                        </p:tgtEl>
+                                      </p:cBhvr>
+                                    </p:animEffect>
+                                  </p:childTnLst>
+                                </p:cTn>
+                              </p:par>
+                              <p:par>
+                                <p:cTn id="22" presetID="10" presetClass="entr" presetSubtype="0" fill="hold" grpId="0" nodeType="withEffect">
+                                  <p:stCondLst>
+                                    <p:cond delay="0"/>
+                                  </p:stCondLst>
+                                  <p:childTnLst>
+                                    <p:set>
+                                      <p:cBhvr>
+                                        <p:cTn id="23" dur="1" fill="hold">
+                                          <p:stCondLst>
+                                            <p:cond delay="0"/>
+                                          </p:stCondLst>
+                                        </p:cTn>
+                                        <p:tgtEl>
+                                          <p:spTgt spid="23"/>
+                                        </p:tgtEl>
+                                        <p:attrNameLst>
+                                          <p:attrName>style.visibility</p:attrName>
+                                        </p:attrNameLst>
+                                      </p:cBhvr>
+                                      <p:to>
+                                        <p:strVal val="visible"/>
+                                      </p:to>
+                                    </p:set>
+                                    <p:animEffect transition="in" filter="fade">
+                                      <p:cBhvr>
+                                        <p:cTn id="24" dur="500"/>
+                                        <p:tgtEl>
+                                          <p:spTgt spid="23"/>
+                                        </p:tgtEl>
+                                      </p:cBhvr>
+                                    </p:animEffect>
+                                  </p:childTnLst>
+                                </p:cTn>
+                              </p:par>
+                            </p:childTnLst>
+                          </p:cTn>
+                        </p:par>
+                      </p:childTnLst>
+                    </p:cTn>
+                  </p:par>
+                  <p:par>
+                    <p:cTn id="25" fill="hold">
+                      <p:stCondLst>
+                        <p:cond delay="indefinite"/>
+                      </p:stCondLst>
+                      <p:childTnLst>
+                        <p:par>
+                          <p:cTn id="26" fill="hold">
+                            <p:stCondLst>
+                              <p:cond delay="0"/>
+                            </p:stCondLst>
+                            <p:childTnLst>
+                              <p:par>
+                                <p:cTn id="27" presetID="10" presetClass="entr" presetSubtype="0" fill="hold" nodeType="clickEffect">
+                                  <p:stCondLst>
+                                    <p:cond delay="0"/>
+                                  </p:stCondLst>
+                                  <p:childTnLst>
+                                    <p:set>
+                                      <p:cBhvr>
+                                        <p:cTn id="28" dur="1" fill="hold">
+                                          <p:stCondLst>
+                                            <p:cond delay="0"/>
+                                          </p:stCondLst>
+                                        </p:cTn>
+                                        <p:tgtEl>
+                                          <p:spTgt spid="31"/>
+                                        </p:tgtEl>
+                                        <p:attrNameLst>
+                                          <p:attrName>style.visibility</p:attrName>
+                                        </p:attrNameLst>
+                                      </p:cBhvr>
+                                      <p:to>
+                                        <p:strVal val="visible"/>
+                                      </p:to>
+                                    </p:set>
+                                    <p:animEffect transition="in" filter="fade">
+                                      <p:cBhvr>
+                                        <p:cTn id="29" dur="500"/>
+                                        <p:tgtEl>
+                                          <p:spTgt spid="31"/>
+                                        </p:tgtEl>
+                                      </p:cBhvr>
+                                    </p:animEffect>
+                                  </p:childTnLst>
+                                </p:cTn>
+                              </p:par>
+                              <p:par>
+                                <p:cTn id="30" presetID="10" presetClass="entr" presetSubtype="0" fill="hold" nodeType="withEffect">
+                                  <p:stCondLst>
+                                    <p:cond delay="0"/>
+                                  </p:stCondLst>
+                                  <p:childTnLst>
+                                    <p:set>
+                                      <p:cBhvr>
+                                        <p:cTn id="31" dur="1" fill="hold">
+                                          <p:stCondLst>
+                                            <p:cond delay="0"/>
+                                          </p:stCondLst>
+                                        </p:cTn>
+                                        <p:tgtEl>
+                                          <p:spTgt spid="36"/>
+                                        </p:tgtEl>
+                                        <p:attrNameLst>
+                                          <p:attrName>style.visibility</p:attrName>
+                                        </p:attrNameLst>
+                                      </p:cBhvr>
+                                      <p:to>
+                                        <p:strVal val="visible"/>
+                                      </p:to>
+                                    </p:set>
+                                    <p:animEffect transition="in" filter="fade">
+                                      <p:cBhvr>
+                                        <p:cTn id="32" dur="500"/>
+                                        <p:tgtEl>
+                                          <p:spTgt spid="36"/>
+                                        </p:tgtEl>
+                                      </p:cBhvr>
+                                    </p:animEffect>
+                                  </p:childTnLst>
+                                </p:cTn>
+                              </p:par>
+                              <p:par>
+                                <p:cTn id="33" presetID="10" presetClass="entr" presetSubtype="0" fill="hold" grpId="0" nodeType="withEffect">
+                                  <p:stCondLst>
+                                    <p:cond delay="0"/>
+                                  </p:stCondLst>
+                                  <p:childTnLst>
+                                    <p:set>
+                                      <p:cBhvr>
+                                        <p:cTn id="34" dur="1" fill="hold">
+                                          <p:stCondLst>
+                                            <p:cond delay="0"/>
+                                          </p:stCondLst>
+                                        </p:cTn>
+                                        <p:tgtEl>
+                                          <p:spTgt spid="37"/>
+                                        </p:tgtEl>
+                                        <p:attrNameLst>
+                                          <p:attrName>style.visibility</p:attrName>
+                                        </p:attrNameLst>
+                                      </p:cBhvr>
+                                      <p:to>
+                                        <p:strVal val="visible"/>
+                                      </p:to>
+                                    </p:set>
+                                    <p:animEffect transition="in" filter="fade">
+                                      <p:cBhvr>
+                                        <p:cTn id="35" dur="500"/>
+                                        <p:tgtEl>
+                                          <p:spTgt spid="37"/>
+                                        </p:tgtEl>
+                                      </p:cBhvr>
+                                    </p:animEffect>
+                                  </p:childTnLst>
+                                </p:cTn>
+                              </p:par>
+                              <p:par>
+                                <p:cTn id="36" presetID="10" presetClass="entr" presetSubtype="0" fill="hold" nodeType="withEffect">
+                                  <p:stCondLst>
+                                    <p:cond delay="0"/>
+                                  </p:stCondLst>
+                                  <p:childTnLst>
+                                    <p:set>
+                                      <p:cBhvr>
+                                        <p:cTn id="37" dur="1" fill="hold">
+                                          <p:stCondLst>
+                                            <p:cond delay="0"/>
+                                          </p:stCondLst>
+                                        </p:cTn>
+                                        <p:tgtEl>
+                                          <p:spTgt spid="32"/>
+                                        </p:tgtEl>
+                                        <p:attrNameLst>
+                                          <p:attrName>style.visibility</p:attrName>
+                                        </p:attrNameLst>
+                                      </p:cBhvr>
+                                      <p:to>
+                                        <p:strVal val="visible"/>
+                                      </p:to>
+                                    </p:set>
+                                    <p:animEffect transition="in" filter="fade">
+                                      <p:cBhvr>
+                                        <p:cTn id="38" dur="500"/>
+                                        <p:tgtEl>
+                                          <p:spTgt spid="32"/>
+                                        </p:tgtEl>
+                                      </p:cBhvr>
+                                    </p:animEffect>
+                                  </p:childTnLst>
+                                </p:cTn>
+                              </p:par>
+                            </p:childTnLst>
+                          </p:cTn>
+                        </p:par>
+                      </p:childTnLst>
+                    </p:cTn>
+                  </p:par>
+                  <p:par>
+                    <p:cTn id="39" fill="hold">
+                      <p:stCondLst>
+                        <p:cond delay="indefinite"/>
+                      </p:stCondLst>
+                      <p:childTnLst>
+                        <p:par>
+                          <p:cTn id="40" fill="hold">
+                            <p:stCondLst>
+                              <p:cond delay="0"/>
+                            </p:stCondLst>
+                            <p:childTnLst>
+                              <p:par>
+                                <p:cTn id="41" presetID="10" presetClass="exit" presetSubtype="0" fill="hold" nodeType="clickEffect">
+                                  <p:stCondLst>
+                                    <p:cond delay="0"/>
+                                  </p:stCondLst>
+                                  <p:childTnLst>
+                                    <p:animEffect transition="out" filter="fade">
+                                      <p:cBhvr>
+                                        <p:cTn id="42" dur="500"/>
+                                        <p:tgtEl>
+                                          <p:spTgt spid="36"/>
+                                        </p:tgtEl>
+                                      </p:cBhvr>
+                                    </p:animEffect>
+                                    <p:set>
+                                      <p:cBhvr>
+                                        <p:cTn id="43" dur="1" fill="hold">
+                                          <p:stCondLst>
+                                            <p:cond delay="499"/>
+                                          </p:stCondLst>
+                                        </p:cTn>
+                                        <p:tgtEl>
+                                          <p:spTgt spid="36"/>
+                                        </p:tgtEl>
+                                        <p:attrNameLst>
+                                          <p:attrName>style.visibility</p:attrName>
+                                        </p:attrNameLst>
+                                      </p:cBhvr>
+                                      <p:to>
+                                        <p:strVal val="hidden"/>
+                                      </p:to>
+                                    </p:set>
+                                  </p:childTnLst>
+                                </p:cTn>
+                              </p:par>
+                              <p:par>
+                                <p:cTn id="44" presetID="10" presetClass="exit" presetSubtype="0" fill="hold" grpId="1" nodeType="withEffect">
+                                  <p:stCondLst>
+                                    <p:cond delay="0"/>
+                                  </p:stCondLst>
+                                  <p:childTnLst>
+                                    <p:animEffect transition="out" filter="fade">
+                                      <p:cBhvr>
+                                        <p:cTn id="45" dur="500"/>
+                                        <p:tgtEl>
+                                          <p:spTgt spid="37"/>
+                                        </p:tgtEl>
+                                      </p:cBhvr>
+                                    </p:animEffect>
+                                    <p:set>
+                                      <p:cBhvr>
+                                        <p:cTn id="46" dur="1" fill="hold">
+                                          <p:stCondLst>
+                                            <p:cond delay="499"/>
+                                          </p:stCondLst>
+                                        </p:cTn>
+                                        <p:tgtEl>
+                                          <p:spTgt spid="37"/>
+                                        </p:tgtEl>
+                                        <p:attrNameLst>
+                                          <p:attrName>style.visibility</p:attrName>
+                                        </p:attrNameLst>
+                                      </p:cBhvr>
+                                      <p:to>
+                                        <p:strVal val="hidden"/>
+                                      </p:to>
+                                    </p:set>
+                                  </p:childTnLst>
+                                </p:cTn>
+                              </p:par>
+                            </p:childTnLst>
+                          </p:cTn>
+                        </p:par>
+                      </p:childTnLst>
+                    </p:cTn>
+                  </p:par>
+                  <p:par>
+                    <p:cTn id="47" fill="hold">
+                      <p:stCondLst>
+                        <p:cond delay="indefinite"/>
+                      </p:stCondLst>
+                      <p:childTnLst>
+                        <p:par>
+                          <p:cTn id="48" fill="hold">
+                            <p:stCondLst>
+                              <p:cond delay="0"/>
+                            </p:stCondLst>
+                            <p:childTnLst>
+                              <p:par>
+                                <p:cTn id="49" presetID="42" presetClass="path" presetSubtype="0" accel="50000" decel="50000" fill="hold" nodeType="clickEffect">
+                                  <p:stCondLst>
+                                    <p:cond delay="0"/>
+                                  </p:stCondLst>
+                                  <p:childTnLst>
+                                    <p:animMotion origin="layout" path="M 0 -3.7037E-7 L -0.19844 0.00232 " pathEditMode="relative" rAng="0" ptsTypes="AA">
+                                      <p:cBhvr>
+                                        <p:cTn id="50" dur="2000" fill="hold"/>
+                                        <p:tgtEl>
+                                          <p:spTgt spid="31"/>
+                                        </p:tgtEl>
+                                        <p:attrNameLst>
+                                          <p:attrName>ppt_x</p:attrName>
+                                          <p:attrName>ppt_y</p:attrName>
+                                        </p:attrNameLst>
+                                      </p:cBhvr>
+                                      <p:rCtr x="-9922" y="116"/>
+                                    </p:animMotion>
+                                  </p:childTnLst>
+                                </p:cTn>
+                              </p:par>
+                              <p:par>
+                                <p:cTn id="51" presetID="42" presetClass="path" presetSubtype="0" accel="50000" decel="50000" fill="hold" nodeType="withEffect">
+                                  <p:stCondLst>
+                                    <p:cond delay="0"/>
+                                  </p:stCondLst>
+                                  <p:childTnLst>
+                                    <p:animMotion origin="layout" path="M 1.25E-6 -3.7037E-7 L -0.20547 0.00232 " pathEditMode="relative" rAng="0" ptsTypes="AA">
+                                      <p:cBhvr>
+                                        <p:cTn id="52" dur="2000" fill="hold"/>
+                                        <p:tgtEl>
+                                          <p:spTgt spid="32"/>
+                                        </p:tgtEl>
+                                        <p:attrNameLst>
+                                          <p:attrName>ppt_x</p:attrName>
+                                          <p:attrName>ppt_y</p:attrName>
+                                        </p:attrNameLst>
+                                      </p:cBhvr>
+                                      <p:rCtr x="-10273" y="116"/>
+                                    </p:animMotion>
+                                  </p:childTnLst>
+                                </p:cTn>
+                              </p:par>
+                            </p:childTnLst>
+                          </p:cTn>
+                        </p:par>
+                      </p:childTnLst>
+                    </p:cTn>
+                  </p:par>
+                  <p:par>
+                    <p:cTn id="53" fill="hold">
+                      <p:stCondLst>
+                        <p:cond delay="indefinite"/>
+                      </p:stCondLst>
+                      <p:childTnLst>
+                        <p:par>
+                          <p:cTn id="54" fill="hold">
+                            <p:stCondLst>
+                              <p:cond delay="0"/>
+                            </p:stCondLst>
+                            <p:childTnLst>
+                              <p:par>
+                                <p:cTn id="55" presetID="10" presetClass="entr" presetSubtype="0" fill="hold" grpId="0" nodeType="clickEffect">
+                                  <p:stCondLst>
+                                    <p:cond delay="0"/>
+                                  </p:stCondLst>
+                                  <p:childTnLst>
+                                    <p:set>
+                                      <p:cBhvr>
+                                        <p:cTn id="56" dur="1" fill="hold">
+                                          <p:stCondLst>
+                                            <p:cond delay="0"/>
+                                          </p:stCondLst>
+                                        </p:cTn>
+                                        <p:tgtEl>
+                                          <p:spTgt spid="46"/>
+                                        </p:tgtEl>
+                                        <p:attrNameLst>
+                                          <p:attrName>style.visibility</p:attrName>
+                                        </p:attrNameLst>
+                                      </p:cBhvr>
+                                      <p:to>
+                                        <p:strVal val="visible"/>
+                                      </p:to>
+                                    </p:set>
+                                    <p:animEffect transition="in" filter="fade">
+                                      <p:cBhvr>
+                                        <p:cTn id="57" dur="500"/>
+                                        <p:tgtEl>
+                                          <p:spTgt spid="46"/>
+                                        </p:tgtEl>
+                                      </p:cBhvr>
+                                    </p:animEffect>
+                                  </p:childTnLst>
+                                </p:cTn>
+                              </p:par>
+                              <p:par>
+                                <p:cTn id="58" presetID="10" presetClass="entr" presetSubtype="0" fill="hold" nodeType="withEffect">
+                                  <p:stCondLst>
+                                    <p:cond delay="0"/>
+                                  </p:stCondLst>
+                                  <p:childTnLst>
+                                    <p:set>
+                                      <p:cBhvr>
+                                        <p:cTn id="59" dur="1" fill="hold">
+                                          <p:stCondLst>
+                                            <p:cond delay="0"/>
+                                          </p:stCondLst>
+                                        </p:cTn>
+                                        <p:tgtEl>
+                                          <p:spTgt spid="43"/>
+                                        </p:tgtEl>
+                                        <p:attrNameLst>
+                                          <p:attrName>style.visibility</p:attrName>
+                                        </p:attrNameLst>
+                                      </p:cBhvr>
+                                      <p:to>
+                                        <p:strVal val="visible"/>
+                                      </p:to>
+                                    </p:set>
+                                    <p:animEffect transition="in" filter="fade">
+                                      <p:cBhvr>
+                                        <p:cTn id="60" dur="500"/>
+                                        <p:tgtEl>
+                                          <p:spTgt spid="43"/>
+                                        </p:tgtEl>
+                                      </p:cBhvr>
+                                    </p:animEffect>
+                                  </p:childTnLst>
+                                </p:cTn>
+                              </p:par>
+                            </p:childTnLst>
+                          </p:cTn>
+                        </p:par>
+                      </p:childTnLst>
+                    </p:cTn>
+                  </p:par>
+                  <p:par>
+                    <p:cTn id="61" fill="hold">
+                      <p:stCondLst>
+                        <p:cond delay="indefinite"/>
+                      </p:stCondLst>
+                      <p:childTnLst>
+                        <p:par>
+                          <p:cTn id="62" fill="hold">
+                            <p:stCondLst>
+                              <p:cond delay="0"/>
+                            </p:stCondLst>
+                            <p:childTnLst>
+                              <p:par>
+                                <p:cTn id="63" presetID="10" presetClass="entr" presetSubtype="0" fill="hold" grpId="0" nodeType="clickEffect">
+                                  <p:stCondLst>
+                                    <p:cond delay="0"/>
+                                  </p:stCondLst>
+                                  <p:childTnLst>
+                                    <p:set>
+                                      <p:cBhvr>
+                                        <p:cTn id="64" dur="1" fill="hold">
+                                          <p:stCondLst>
+                                            <p:cond delay="0"/>
+                                          </p:stCondLst>
+                                        </p:cTn>
+                                        <p:tgtEl>
+                                          <p:spTgt spid="49"/>
+                                        </p:tgtEl>
+                                        <p:attrNameLst>
+                                          <p:attrName>style.visibility</p:attrName>
+                                        </p:attrNameLst>
+                                      </p:cBhvr>
+                                      <p:to>
+                                        <p:strVal val="visible"/>
+                                      </p:to>
+                                    </p:set>
+                                    <p:animEffect transition="in" filter="fade">
+                                      <p:cBhvr>
+                                        <p:cTn id="65" dur="500"/>
+                                        <p:tgtEl>
+                                          <p:spTgt spid="49"/>
+                                        </p:tgtEl>
+                                      </p:cBhvr>
+                                    </p:animEffect>
+                                  </p:childTnLst>
+                                </p:cTn>
+                              </p:par>
+                            </p:childTnLst>
+                          </p:cTn>
+                        </p:par>
+                      </p:childTnLst>
+                    </p:cTn>
+                  </p:par>
+                  <p:par>
+                    <p:cTn id="66" fill="hold">
+                      <p:stCondLst>
+                        <p:cond delay="indefinite"/>
+                      </p:stCondLst>
+                      <p:childTnLst>
+                        <p:par>
+                          <p:cTn id="67" fill="hold">
+                            <p:stCondLst>
+                              <p:cond delay="0"/>
+                            </p:stCondLst>
+                            <p:childTnLst>
+                              <p:par>
+                                <p:cTn id="68" presetID="10" presetClass="entr" presetSubtype="0" fill="hold" grpId="0" nodeType="clickEffect">
+                                  <p:stCondLst>
+                                    <p:cond delay="0"/>
+                                  </p:stCondLst>
+                                  <p:childTnLst>
+                                    <p:set>
+                                      <p:cBhvr>
+                                        <p:cTn id="69" dur="1" fill="hold">
+                                          <p:stCondLst>
+                                            <p:cond delay="0"/>
+                                          </p:stCondLst>
+                                        </p:cTn>
+                                        <p:tgtEl>
+                                          <p:spTgt spid="47"/>
+                                        </p:tgtEl>
+                                        <p:attrNameLst>
+                                          <p:attrName>style.visibility</p:attrName>
+                                        </p:attrNameLst>
+                                      </p:cBhvr>
+                                      <p:to>
+                                        <p:strVal val="visible"/>
+                                      </p:to>
+                                    </p:set>
+                                    <p:animEffect transition="in" filter="fade">
+                                      <p:cBhvr>
+                                        <p:cTn id="70" dur="500"/>
+                                        <p:tgtEl>
+                                          <p:spTgt spid="47"/>
+                                        </p:tgtEl>
+                                      </p:cBhvr>
+                                    </p:animEffect>
+                                  </p:childTnLst>
+                                </p:cTn>
+                              </p:par>
+                              <p:par>
+                                <p:cTn id="71" presetID="10" presetClass="entr" presetSubtype="0" fill="hold" grpId="0" nodeType="withEffect">
+                                  <p:stCondLst>
+                                    <p:cond delay="0"/>
+                                  </p:stCondLst>
+                                  <p:childTnLst>
+                                    <p:set>
+                                      <p:cBhvr>
+                                        <p:cTn id="72" dur="1" fill="hold">
+                                          <p:stCondLst>
+                                            <p:cond delay="0"/>
+                                          </p:stCondLst>
+                                        </p:cTn>
+                                        <p:tgtEl>
+                                          <p:spTgt spid="48"/>
+                                        </p:tgtEl>
+                                        <p:attrNameLst>
+                                          <p:attrName>style.visibility</p:attrName>
+                                        </p:attrNameLst>
+                                      </p:cBhvr>
+                                      <p:to>
+                                        <p:strVal val="visible"/>
+                                      </p:to>
+                                    </p:set>
+                                    <p:animEffect transition="in" filter="fade">
+                                      <p:cBhvr>
+                                        <p:cTn id="73" dur="500"/>
+                                        <p:tgtEl>
+                                          <p:spTgt spid="48"/>
+                                        </p:tgtEl>
+                                      </p:cBhvr>
+                                    </p:animEffect>
+                                  </p:childTnLst>
+                                </p:cTn>
+                              </p:par>
+                            </p:childTnLst>
+                          </p:cTn>
+                        </p:par>
+                      </p:childTnLst>
+                    </p:cTn>
+                  </p:par>
+                  <p:par>
+                    <p:cTn id="74" fill="hold">
+                      <p:stCondLst>
+                        <p:cond delay="indefinite"/>
+                      </p:stCondLst>
+                      <p:childTnLst>
+                        <p:par>
+                          <p:cTn id="75" fill="hold">
+                            <p:stCondLst>
+                              <p:cond delay="0"/>
+                            </p:stCondLst>
+                            <p:childTnLst>
+                              <p:par>
+                                <p:cTn id="76" presetID="10" presetClass="entr" presetSubtype="0" fill="hold" grpId="0" nodeType="clickEffect">
+                                  <p:stCondLst>
+                                    <p:cond delay="0"/>
+                                  </p:stCondLst>
+                                  <p:childTnLst>
+                                    <p:set>
+                                      <p:cBhvr>
+                                        <p:cTn id="77" dur="1" fill="hold">
+                                          <p:stCondLst>
+                                            <p:cond delay="0"/>
+                                          </p:stCondLst>
+                                        </p:cTn>
+                                        <p:tgtEl>
+                                          <p:spTgt spid="25"/>
+                                        </p:tgtEl>
+                                        <p:attrNameLst>
+                                          <p:attrName>style.visibility</p:attrName>
+                                        </p:attrNameLst>
+                                      </p:cBhvr>
+                                      <p:to>
+                                        <p:strVal val="visible"/>
+                                      </p:to>
+                                    </p:set>
+                                    <p:animEffect transition="in" filter="fade">
+                                      <p:cBhvr>
+                                        <p:cTn id="78" dur="500"/>
+                                        <p:tgtEl>
+                                          <p:spTgt spid="25"/>
+                                        </p:tgtEl>
+                                      </p:cBhvr>
+                                    </p:animEffect>
+                                  </p:childTnLst>
+                                </p:cTn>
+                              </p:par>
+                            </p:childTnLst>
+                          </p:cTn>
+                        </p:par>
+                      </p:childTnLst>
+                    </p:cTn>
+                  </p:par>
+                  <p:par>
+                    <p:cTn id="79" fill="hold">
+                      <p:stCondLst>
+                        <p:cond delay="indefinite"/>
+                      </p:stCondLst>
+                      <p:childTnLst>
+                        <p:par>
+                          <p:cTn id="80" fill="hold">
+                            <p:stCondLst>
+                              <p:cond delay="0"/>
+                            </p:stCondLst>
+                            <p:childTnLst>
+                              <p:par>
+                                <p:cTn id="81" presetID="10" presetClass="entr" presetSubtype="0" fill="hold" nodeType="clickEffect">
+                                  <p:stCondLst>
+                                    <p:cond delay="0"/>
+                                  </p:stCondLst>
+                                  <p:childTnLst>
+                                    <p:set>
+                                      <p:cBhvr>
+                                        <p:cTn id="82" dur="1" fill="hold">
+                                          <p:stCondLst>
+                                            <p:cond delay="0"/>
+                                          </p:stCondLst>
+                                        </p:cTn>
+                                        <p:tgtEl>
+                                          <p:spTgt spid="40"/>
+                                        </p:tgtEl>
+                                        <p:attrNameLst>
+                                          <p:attrName>style.visibility</p:attrName>
+                                        </p:attrNameLst>
+                                      </p:cBhvr>
+                                      <p:to>
+                                        <p:strVal val="visible"/>
+                                      </p:to>
+                                    </p:set>
+                                    <p:animEffect transition="in" filter="fade">
+                                      <p:cBhvr>
+                                        <p:cTn id="83" dur="500"/>
+                                        <p:tgtEl>
+                                          <p:spTgt spid="40"/>
+                                        </p:tgtEl>
+                                      </p:cBhvr>
+                                    </p:animEffect>
+                                  </p:childTnLst>
+                                </p:cTn>
+                              </p:par>
+                              <p:par>
+                                <p:cTn id="84" presetID="10" presetClass="entr" presetSubtype="0" fill="hold" nodeType="withEffect">
+                                  <p:stCondLst>
+                                    <p:cond delay="0"/>
+                                  </p:stCondLst>
+                                  <p:childTnLst>
+                                    <p:set>
+                                      <p:cBhvr>
+                                        <p:cTn id="85" dur="1" fill="hold">
+                                          <p:stCondLst>
+                                            <p:cond delay="0"/>
+                                          </p:stCondLst>
+                                        </p:cTn>
+                                        <p:tgtEl>
+                                          <p:spTgt spid="50"/>
+                                        </p:tgtEl>
+                                        <p:attrNameLst>
+                                          <p:attrName>style.visibility</p:attrName>
+                                        </p:attrNameLst>
+                                      </p:cBhvr>
+                                      <p:to>
+                                        <p:strVal val="visible"/>
+                                      </p:to>
+                                    </p:set>
+                                    <p:animEffect transition="in" filter="fade">
+                                      <p:cBhvr>
+                                        <p:cTn id="86" dur="500"/>
+                                        <p:tgtEl>
+                                          <p:spTgt spid="50"/>
+                                        </p:tgtEl>
+                                      </p:cBhvr>
+                                    </p:animEffect>
+                                  </p:childTnLst>
+                                </p:cTn>
+                              </p:par>
+                              <p:par>
+                                <p:cTn id="87" presetID="10" presetClass="entr" presetSubtype="0" fill="hold" grpId="0" nodeType="withEffect">
+                                  <p:stCondLst>
+                                    <p:cond delay="0"/>
+                                  </p:stCondLst>
+                                  <p:childTnLst>
+                                    <p:set>
+                                      <p:cBhvr>
+                                        <p:cTn id="88" dur="1" fill="hold">
+                                          <p:stCondLst>
+                                            <p:cond delay="0"/>
+                                          </p:stCondLst>
+                                        </p:cTn>
+                                        <p:tgtEl>
+                                          <p:spTgt spid="51"/>
+                                        </p:tgtEl>
+                                        <p:attrNameLst>
+                                          <p:attrName>style.visibility</p:attrName>
+                                        </p:attrNameLst>
+                                      </p:cBhvr>
+                                      <p:to>
+                                        <p:strVal val="visible"/>
+                                      </p:to>
+                                    </p:set>
+                                    <p:animEffect transition="in" filter="fade">
+                                      <p:cBhvr>
+                                        <p:cTn id="89" dur="500"/>
+                                        <p:tgtEl>
+                                          <p:spTgt spid="51"/>
+                                        </p:tgtEl>
+                                      </p:cBhvr>
+                                    </p:animEffect>
+                                  </p:childTnLst>
+                                </p:cTn>
+                              </p:par>
+                              <p:par>
+                                <p:cTn id="90" presetID="10" presetClass="entr" presetSubtype="0" fill="hold" nodeType="withEffect">
+                                  <p:stCondLst>
+                                    <p:cond delay="0"/>
+                                  </p:stCondLst>
+                                  <p:childTnLst>
+                                    <p:set>
+                                      <p:cBhvr>
+                                        <p:cTn id="91" dur="1" fill="hold">
+                                          <p:stCondLst>
+                                            <p:cond delay="0"/>
+                                          </p:stCondLst>
+                                        </p:cTn>
+                                        <p:tgtEl>
+                                          <p:spTgt spid="41"/>
+                                        </p:tgtEl>
+                                        <p:attrNameLst>
+                                          <p:attrName>style.visibility</p:attrName>
+                                        </p:attrNameLst>
+                                      </p:cBhvr>
+                                      <p:to>
+                                        <p:strVal val="visible"/>
+                                      </p:to>
+                                    </p:set>
+                                    <p:animEffect transition="in" filter="fade">
+                                      <p:cBhvr>
+                                        <p:cTn id="92" dur="500"/>
+                                        <p:tgtEl>
+                                          <p:spTgt spid="41"/>
+                                        </p:tgtEl>
+                                      </p:cBhvr>
+                                    </p:animEffect>
+                                  </p:childTnLst>
+                                </p:cTn>
+                              </p:par>
+                            </p:childTnLst>
+                          </p:cTn>
+                        </p:par>
+                      </p:childTnLst>
+                    </p:cTn>
+                  </p:par>
+                  <p:par>
+                    <p:cTn id="93" fill="hold">
+                      <p:stCondLst>
+                        <p:cond delay="indefinite"/>
+                      </p:stCondLst>
+                      <p:childTnLst>
+                        <p:par>
+                          <p:cTn id="94" fill="hold">
+                            <p:stCondLst>
+                              <p:cond delay="0"/>
+                            </p:stCondLst>
+                            <p:childTnLst>
+                              <p:par>
+                                <p:cTn id="95" presetID="10" presetClass="exit" presetSubtype="0" fill="hold" nodeType="clickEffect">
+                                  <p:stCondLst>
+                                    <p:cond delay="0"/>
+                                  </p:stCondLst>
+                                  <p:childTnLst>
+                                    <p:animEffect transition="out" filter="fade">
+                                      <p:cBhvr>
+                                        <p:cTn id="96" dur="500"/>
+                                        <p:tgtEl>
+                                          <p:spTgt spid="50"/>
+                                        </p:tgtEl>
+                                      </p:cBhvr>
+                                    </p:animEffect>
+                                    <p:set>
+                                      <p:cBhvr>
+                                        <p:cTn id="97" dur="1" fill="hold">
+                                          <p:stCondLst>
+                                            <p:cond delay="499"/>
+                                          </p:stCondLst>
+                                        </p:cTn>
+                                        <p:tgtEl>
+                                          <p:spTgt spid="50"/>
+                                        </p:tgtEl>
+                                        <p:attrNameLst>
+                                          <p:attrName>style.visibility</p:attrName>
+                                        </p:attrNameLst>
+                                      </p:cBhvr>
+                                      <p:to>
+                                        <p:strVal val="hidden"/>
+                                      </p:to>
+                                    </p:set>
+                                  </p:childTnLst>
+                                </p:cTn>
+                              </p:par>
+                              <p:par>
+                                <p:cTn id="98" presetID="10" presetClass="exit" presetSubtype="0" fill="hold" grpId="1" nodeType="withEffect">
+                                  <p:stCondLst>
+                                    <p:cond delay="0"/>
+                                  </p:stCondLst>
+                                  <p:childTnLst>
+                                    <p:animEffect transition="out" filter="fade">
+                                      <p:cBhvr>
+                                        <p:cTn id="99" dur="500"/>
+                                        <p:tgtEl>
+                                          <p:spTgt spid="51"/>
+                                        </p:tgtEl>
+                                      </p:cBhvr>
+                                    </p:animEffect>
+                                    <p:set>
+                                      <p:cBhvr>
+                                        <p:cTn id="100" dur="1" fill="hold">
+                                          <p:stCondLst>
+                                            <p:cond delay="499"/>
+                                          </p:stCondLst>
+                                        </p:cTn>
+                                        <p:tgtEl>
+                                          <p:spTgt spid="51"/>
+                                        </p:tgtEl>
+                                        <p:attrNameLst>
+                                          <p:attrName>style.visibility</p:attrName>
+                                        </p:attrNameLst>
+                                      </p:cBhvr>
+                                      <p:to>
+                                        <p:strVal val="hidden"/>
+                                      </p:to>
+                                    </p:set>
+                                  </p:childTnLst>
+                                </p:cTn>
+                              </p:par>
+                            </p:childTnLst>
+                          </p:cTn>
+                        </p:par>
+                      </p:childTnLst>
+                    </p:cTn>
+                  </p:par>
+                  <p:par>
+                    <p:cTn id="101" fill="hold">
+                      <p:stCondLst>
+                        <p:cond delay="indefinite"/>
+                      </p:stCondLst>
+                      <p:childTnLst>
+                        <p:par>
+                          <p:cTn id="102" fill="hold">
+                            <p:stCondLst>
+                              <p:cond delay="0"/>
+                            </p:stCondLst>
+                            <p:childTnLst>
+                              <p:par>
+                                <p:cTn id="103" presetID="42" presetClass="path" presetSubtype="0" accel="50000" decel="50000" fill="hold" nodeType="clickEffect">
+                                  <p:stCondLst>
+                                    <p:cond delay="0"/>
+                                  </p:stCondLst>
+                                  <p:childTnLst>
+                                    <p:animMotion origin="layout" path="M 0 2.96296E-6 L -0.09375 0.00324 " pathEditMode="relative" rAng="0" ptsTypes="AA">
+                                      <p:cBhvr>
+                                        <p:cTn id="104" dur="2000" fill="hold"/>
+                                        <p:tgtEl>
+                                          <p:spTgt spid="40"/>
+                                        </p:tgtEl>
+                                        <p:attrNameLst>
+                                          <p:attrName>ppt_x</p:attrName>
+                                          <p:attrName>ppt_y</p:attrName>
+                                        </p:attrNameLst>
+                                      </p:cBhvr>
+                                      <p:rCtr x="-4688" y="185"/>
+                                    </p:animMotion>
+                                  </p:childTnLst>
+                                </p:cTn>
+                              </p:par>
+                              <p:par>
+                                <p:cTn id="105" presetID="42" presetClass="path" presetSubtype="0" accel="50000" decel="50000" fill="hold" nodeType="withEffect">
+                                  <p:stCondLst>
+                                    <p:cond delay="0"/>
+                                  </p:stCondLst>
+                                  <p:childTnLst>
+                                    <p:animMotion origin="layout" path="M 1.25E-6 2.22045E-16 L -0.31016 0.00509 " pathEditMode="relative" rAng="0" ptsTypes="AA">
+                                      <p:cBhvr>
+                                        <p:cTn id="106" dur="2000" fill="hold"/>
+                                        <p:tgtEl>
+                                          <p:spTgt spid="41"/>
+                                        </p:tgtEl>
+                                        <p:attrNameLst>
+                                          <p:attrName>ppt_x</p:attrName>
+                                          <p:attrName>ppt_y</p:attrName>
+                                        </p:attrNameLst>
+                                      </p:cBhvr>
+                                      <p:rCtr x="-15508" y="255"/>
+                                    </p:animMotion>
+                                  </p:childTnLst>
+                                </p:cTn>
+                              </p:par>
+                            </p:childTnLst>
+                          </p:cTn>
+                        </p:par>
+                      </p:childTnLst>
+                    </p:cTn>
+                  </p:par>
+                  <p:par>
+                    <p:cTn id="107" fill="hold">
+                      <p:stCondLst>
+                        <p:cond delay="indefinite"/>
+                      </p:stCondLst>
+                      <p:childTnLst>
+                        <p:par>
+                          <p:cTn id="108" fill="hold">
+                            <p:stCondLst>
+                              <p:cond delay="0"/>
+                            </p:stCondLst>
+                            <p:childTnLst>
+                              <p:par>
+                                <p:cTn id="109" presetID="10" presetClass="entr" presetSubtype="0" fill="hold" grpId="0" nodeType="clickEffect">
+                                  <p:stCondLst>
+                                    <p:cond delay="0"/>
+                                  </p:stCondLst>
+                                  <p:childTnLst>
+                                    <p:set>
+                                      <p:cBhvr>
+                                        <p:cTn id="110" dur="1" fill="hold">
+                                          <p:stCondLst>
+                                            <p:cond delay="0"/>
+                                          </p:stCondLst>
+                                        </p:cTn>
+                                        <p:tgtEl>
+                                          <p:spTgt spid="54"/>
+                                        </p:tgtEl>
+                                        <p:attrNameLst>
+                                          <p:attrName>style.visibility</p:attrName>
+                                        </p:attrNameLst>
+                                      </p:cBhvr>
+                                      <p:to>
+                                        <p:strVal val="visible"/>
+                                      </p:to>
+                                    </p:set>
+                                    <p:animEffect transition="in" filter="fade">
+                                      <p:cBhvr>
+                                        <p:cTn id="111" dur="500"/>
+                                        <p:tgtEl>
+                                          <p:spTgt spid="54"/>
+                                        </p:tgtEl>
+                                      </p:cBhvr>
+                                    </p:animEffect>
+                                  </p:childTnLst>
+                                </p:cTn>
+                              </p:par>
+                              <p:par>
+                                <p:cTn id="112" presetID="10" presetClass="entr" presetSubtype="0" fill="hold" nodeType="withEffect">
+                                  <p:stCondLst>
+                                    <p:cond delay="0"/>
+                                  </p:stCondLst>
+                                  <p:childTnLst>
+                                    <p:set>
+                                      <p:cBhvr>
+                                        <p:cTn id="113" dur="1" fill="hold">
+                                          <p:stCondLst>
+                                            <p:cond delay="0"/>
+                                          </p:stCondLst>
+                                        </p:cTn>
+                                        <p:tgtEl>
+                                          <p:spTgt spid="53"/>
+                                        </p:tgtEl>
+                                        <p:attrNameLst>
+                                          <p:attrName>style.visibility</p:attrName>
+                                        </p:attrNameLst>
+                                      </p:cBhvr>
+                                      <p:to>
+                                        <p:strVal val="visible"/>
+                                      </p:to>
+                                    </p:set>
+                                    <p:animEffect transition="in" filter="fade">
+                                      <p:cBhvr>
+                                        <p:cTn id="114" dur="500"/>
+                                        <p:tgtEl>
+                                          <p:spTgt spid="53"/>
+                                        </p:tgtEl>
+                                      </p:cBhvr>
+                                    </p:animEffect>
+                                  </p:childTnLst>
+                                </p:cTn>
+                              </p:par>
+                            </p:childTnLst>
+                          </p:cTn>
+                        </p:par>
+                      </p:childTnLst>
+                    </p:cTn>
+                  </p:par>
+                  <p:par>
+                    <p:cTn id="115" fill="hold">
+                      <p:stCondLst>
+                        <p:cond delay="indefinite"/>
+                      </p:stCondLst>
+                      <p:childTnLst>
+                        <p:par>
+                          <p:cTn id="116" fill="hold">
+                            <p:stCondLst>
+                              <p:cond delay="0"/>
+                            </p:stCondLst>
+                            <p:childTnLst>
+                              <p:par>
+                                <p:cTn id="117" presetID="10" presetClass="entr" presetSubtype="0" fill="hold" grpId="0" nodeType="clickEffect">
+                                  <p:stCondLst>
+                                    <p:cond delay="0"/>
+                                  </p:stCondLst>
+                                  <p:childTnLst>
+                                    <p:set>
+                                      <p:cBhvr>
+                                        <p:cTn id="118" dur="1" fill="hold">
+                                          <p:stCondLst>
+                                            <p:cond delay="0"/>
+                                          </p:stCondLst>
+                                        </p:cTn>
+                                        <p:tgtEl>
+                                          <p:spTgt spid="55"/>
+                                        </p:tgtEl>
+                                        <p:attrNameLst>
+                                          <p:attrName>style.visibility</p:attrName>
+                                        </p:attrNameLst>
+                                      </p:cBhvr>
+                                      <p:to>
+                                        <p:strVal val="visible"/>
+                                      </p:to>
+                                    </p:set>
+                                    <p:animEffect transition="in" filter="fade">
+                                      <p:cBhvr>
+                                        <p:cTn id="119" dur="500"/>
+                                        <p:tgtEl>
+                                          <p:spTgt spid="55"/>
+                                        </p:tgtEl>
+                                      </p:cBhvr>
+                                    </p:animEffect>
+                                  </p:childTnLst>
+                                </p:cTn>
+                              </p:par>
+                            </p:childTnLst>
+                          </p:cTn>
+                        </p:par>
+                      </p:childTnLst>
+                    </p:cTn>
+                  </p:par>
+                  <p:par>
+                    <p:cTn id="120" fill="hold">
+                      <p:stCondLst>
+                        <p:cond delay="indefinite"/>
+                      </p:stCondLst>
+                      <p:childTnLst>
+                        <p:par>
+                          <p:cTn id="121" fill="hold">
+                            <p:stCondLst>
+                              <p:cond delay="0"/>
+                            </p:stCondLst>
+                            <p:childTnLst>
+                              <p:par>
+                                <p:cTn id="122" presetID="1" presetClass="entr" presetSubtype="0" fill="hold" grpId="0" nodeType="clickEffect">
+                                  <p:stCondLst>
+                                    <p:cond delay="0"/>
+                                  </p:stCondLst>
+                                  <p:childTnLst>
+                                    <p:set>
+                                      <p:cBhvr>
+                                        <p:cTn id="123" dur="1" fill="hold">
+                                          <p:stCondLst>
+                                            <p:cond delay="0"/>
+                                          </p:stCondLst>
+                                        </p:cTn>
+                                        <p:tgtEl>
+                                          <p:spTgt spid="57"/>
+                                        </p:tgtEl>
+                                        <p:attrNameLst>
+                                          <p:attrName>style.visibility</p:attrName>
+                                        </p:attrNameLst>
+                                      </p:cBhvr>
+                                      <p:to>
+                                        <p:strVal val="visible"/>
+                                      </p:to>
+                                    </p:set>
+                                  </p:childTnLst>
+                                </p:cTn>
+                              </p:par>
+                              <p:par>
+                                <p:cTn id="124" presetID="1" presetClass="entr" presetSubtype="0" fill="hold" grpId="0" nodeType="withEffect">
+                                  <p:stCondLst>
+                                    <p:cond delay="0"/>
+                                  </p:stCondLst>
+                                  <p:childTnLst>
+                                    <p:set>
+                                      <p:cBhvr>
+                                        <p:cTn id="125" dur="1" fill="hold">
+                                          <p:stCondLst>
+                                            <p:cond delay="0"/>
+                                          </p:stCondLst>
+                                        </p:cTn>
+                                        <p:tgtEl>
+                                          <p:spTgt spid="56"/>
+                                        </p:tgtEl>
+                                        <p:attrNameLst>
+                                          <p:attrName>style.visibility</p:attrName>
+                                        </p:attrNameLst>
+                                      </p:cBhvr>
+                                      <p:to>
+                                        <p:strVal val="visible"/>
+                                      </p:to>
+                                    </p:set>
+                                  </p:childTnLst>
+                                </p:cTn>
+                              </p:par>
+                            </p:childTnLst>
+                          </p:cTn>
+                        </p:par>
+                      </p:childTnLst>
+                    </p:cTn>
+                  </p:par>
+                </p:childTnLst>
+              </p:cTn>
+              <p:prevCondLst>
+                <p:cond evt="onPrev" delay="0">
+                  <p:tgtEl>
+                    <p:sldTgt/>
+                  </p:tgtEl>
+                </p:cond>
+              </p:prevCondLst>
+              <p:nextCondLst>
+                <p:cond evt="onNext" delay="0">
+                  <p:tgtEl>
+                    <p:sldTgt/>
+                  </p:tgtEl>
+                </p:cond>
+              </p:nextCondLst>
+            </p:seq>
+          </p:childTnLst>
+        </p:cTn>
+      </p:par>
+    </p:tnLst>
+    <p:bldLst>
+      <p:bldP spid="19" grpId="0"/>
+      <p:bldP spid="20" grpId="0"/>
+      <p:bldP spid="23" grpId="0"/>
+      <p:bldP spid="37" grpId="0"/>
+      <p:bldP spid="37" grpId="1"/>
+      <p:bldP spid="46" grpId="0"/>
+      <p:bldP spid="47" grpId="0"/>
+      <p:bldP spid="48" grpId="0"/>
+      <p:bldP spid="49" grpId="0"/>
+      <p:bldP spid="25" grpId="0"/>
+      <p:bldP spid="51" grpId="0"/>
+      <p:bldP spid="51" grpId="1"/>
+      <p:bldP spid="54" grpId="0"/>
+      <p:bldP spid="55" grpId="0"/>
+      <p:bldP spid="56" grpId="0"/>
+      <p:bldP spid="57" grpId="0"/>
+    </p:bldLst>
+  </p:timing>
+</p:sld>
+</file>
+
 <file path=ppt/theme/theme1.xml><?xml version="1.0" encoding="utf-8"?>
 <a:theme xmlns:a="http://schemas.openxmlformats.org/drawingml/2006/main" name="Office 主题">
   <a:themeElements>

--- a/07 云台控制/07 自动瞄准-云台控制.pptx
+++ b/07 云台控制/07 自动瞄准-云台控制.pptx
@@ -202,7 +202,7 @@
           <a:p>
             <a:fld id="{3A33E72D-B369-482C-8E75-C72865680BD7}" type="datetimeFigureOut">
               <a:rPr lang="zh-CN" altLang="en-US" smtClean="0"/>
-              <a:t>2021/10/31</a:t>
+              <a:t>2021/11/2</a:t>
             </a:fld>
             <a:endParaRPr lang="zh-CN" altLang="en-US"/>
           </a:p>
@@ -850,7 +850,7 @@
           <a:p>
             <a:fld id="{C39C68C5-D724-4B50-A561-B354F4A5D368}" type="datetimeFigureOut">
               <a:rPr lang="zh-CN" altLang="en-US" smtClean="0"/>
-              <a:t>2021/10/31</a:t>
+              <a:t>2021/11/2</a:t>
             </a:fld>
             <a:endParaRPr lang="zh-CN" altLang="en-US"/>
           </a:p>
@@ -1018,7 +1018,7 @@
           <a:p>
             <a:fld id="{C39C68C5-D724-4B50-A561-B354F4A5D368}" type="datetimeFigureOut">
               <a:rPr lang="zh-CN" altLang="en-US" smtClean="0"/>
-              <a:t>2021/10/31</a:t>
+              <a:t>2021/11/2</a:t>
             </a:fld>
             <a:endParaRPr lang="zh-CN" altLang="en-US"/>
           </a:p>
@@ -1196,7 +1196,7 @@
           <a:p>
             <a:fld id="{C39C68C5-D724-4B50-A561-B354F4A5D368}" type="datetimeFigureOut">
               <a:rPr lang="zh-CN" altLang="en-US" smtClean="0"/>
-              <a:t>2021/10/31</a:t>
+              <a:t>2021/11/2</a:t>
             </a:fld>
             <a:endParaRPr lang="zh-CN" altLang="en-US"/>
           </a:p>
@@ -1364,7 +1364,7 @@
           <a:p>
             <a:fld id="{C39C68C5-D724-4B50-A561-B354F4A5D368}" type="datetimeFigureOut">
               <a:rPr lang="zh-CN" altLang="en-US" smtClean="0"/>
-              <a:t>2021/10/31</a:t>
+              <a:t>2021/11/2</a:t>
             </a:fld>
             <a:endParaRPr lang="zh-CN" altLang="en-US"/>
           </a:p>
@@ -1609,7 +1609,7 @@
           <a:p>
             <a:fld id="{C39C68C5-D724-4B50-A561-B354F4A5D368}" type="datetimeFigureOut">
               <a:rPr lang="zh-CN" altLang="en-US" smtClean="0"/>
-              <a:t>2021/10/31</a:t>
+              <a:t>2021/11/2</a:t>
             </a:fld>
             <a:endParaRPr lang="zh-CN" altLang="en-US"/>
           </a:p>
@@ -1838,7 +1838,7 @@
           <a:p>
             <a:fld id="{C39C68C5-D724-4B50-A561-B354F4A5D368}" type="datetimeFigureOut">
               <a:rPr lang="zh-CN" altLang="en-US" smtClean="0"/>
-              <a:t>2021/10/31</a:t>
+              <a:t>2021/11/2</a:t>
             </a:fld>
             <a:endParaRPr lang="zh-CN" altLang="en-US"/>
           </a:p>
@@ -2202,7 +2202,7 @@
           <a:p>
             <a:fld id="{C39C68C5-D724-4B50-A561-B354F4A5D368}" type="datetimeFigureOut">
               <a:rPr lang="zh-CN" altLang="en-US" smtClean="0"/>
-              <a:t>2021/10/31</a:t>
+              <a:t>2021/11/2</a:t>
             </a:fld>
             <a:endParaRPr lang="zh-CN" altLang="en-US"/>
           </a:p>
@@ -2319,7 +2319,7 @@
           <a:p>
             <a:fld id="{C39C68C5-D724-4B50-A561-B354F4A5D368}" type="datetimeFigureOut">
               <a:rPr lang="zh-CN" altLang="en-US" smtClean="0"/>
-              <a:t>2021/10/31</a:t>
+              <a:t>2021/11/2</a:t>
             </a:fld>
             <a:endParaRPr lang="zh-CN" altLang="en-US"/>
           </a:p>
@@ -2414,7 +2414,7 @@
           <a:p>
             <a:fld id="{C39C68C5-D724-4B50-A561-B354F4A5D368}" type="datetimeFigureOut">
               <a:rPr lang="zh-CN" altLang="en-US" smtClean="0"/>
-              <a:t>2021/10/31</a:t>
+              <a:t>2021/11/2</a:t>
             </a:fld>
             <a:endParaRPr lang="zh-CN" altLang="en-US"/>
           </a:p>
@@ -2689,7 +2689,7 @@
           <a:p>
             <a:fld id="{C39C68C5-D724-4B50-A561-B354F4A5D368}" type="datetimeFigureOut">
               <a:rPr lang="zh-CN" altLang="en-US" smtClean="0"/>
-              <a:t>2021/10/31</a:t>
+              <a:t>2021/11/2</a:t>
             </a:fld>
             <a:endParaRPr lang="zh-CN" altLang="en-US"/>
           </a:p>
@@ -2941,7 +2941,7 @@
           <a:p>
             <a:fld id="{C39C68C5-D724-4B50-A561-B354F4A5D368}" type="datetimeFigureOut">
               <a:rPr lang="zh-CN" altLang="en-US" smtClean="0"/>
-              <a:t>2021/10/31</a:t>
+              <a:t>2021/11/2</a:t>
             </a:fld>
             <a:endParaRPr lang="zh-CN" altLang="en-US"/>
           </a:p>
@@ -3162,7 +3162,7 @@
           <a:p>
             <a:fld id="{C39C68C5-D724-4B50-A561-B354F4A5D368}" type="datetimeFigureOut">
               <a:rPr lang="zh-CN" altLang="en-US" smtClean="0"/>
-              <a:t>2021/10/31</a:t>
+              <a:t>2021/11/2</a:t>
             </a:fld>
             <a:endParaRPr lang="zh-CN" altLang="en-US"/>
           </a:p>
@@ -3623,7 +3623,7 @@
           <p:cNvPr id="3" name="标题 1">
             <a:extLst>
               <a:ext uri="{FF2B5EF4-FFF2-40B4-BE49-F238E27FC236}">
-                <a16:creationId xmlns="" xmlns:a16="http://schemas.microsoft.com/office/drawing/2014/main" id="{7D4229FA-2E26-4630-8915-D8ACA64945A8}"/>
+                <a16:creationId xmlns:a16="http://schemas.microsoft.com/office/drawing/2014/main" xmlns="" id="{7D4229FA-2E26-4630-8915-D8ACA64945A8}"/>
               </a:ext>
             </a:extLst>
           </p:cNvPr>
@@ -5166,19 +5166,7 @@
                           <a:ea typeface="+mn-ea"/>
                           <a:cs typeface="+mn-cs"/>
                         </a:rPr>
-                        <a:t>控制底盘运动当指定位置</a:t>
-                      </a:r>
-                      <a:r>
-                        <a:rPr lang="zh-CN" altLang="en-US" sz="1400" b="0" i="0" kern="1200" dirty="0" smtClean="0">
-                          <a:solidFill>
-                            <a:schemeClr val="dk1"/>
-                          </a:solidFill>
-                          <a:effectLst/>
-                          <a:latin typeface="+mn-lt"/>
-                          <a:ea typeface="+mn-ea"/>
-                          <a:cs typeface="+mn-cs"/>
-                        </a:rPr>
-                        <a:t>，坐标轴原点为上电位置</a:t>
+                        <a:t>控制底盘运动当指定位置，坐标轴原点为上电位置</a:t>
                       </a:r>
                       <a:endParaRPr lang="zh-CN" altLang="en-US" sz="1400" b="0" i="0" kern="1200" dirty="0">
                         <a:solidFill>
@@ -6341,11 +6329,7 @@
                       </a:r>
                       <a:r>
                         <a:rPr lang="en-US" altLang="zh-CN" sz="1400" dirty="0" smtClean="0"/>
-                        <a:t>(timeout=None</a:t>
-                      </a:r>
-                      <a:r>
-                        <a:rPr lang="en-US" altLang="zh-CN" sz="1400" dirty="0" smtClean="0"/>
-                        <a:t>)</a:t>
+                        <a:t>(timeout=None)</a:t>
                       </a:r>
                       <a:r>
                         <a:rPr lang="zh-CN" altLang="en-US" sz="1400" dirty="0" smtClean="0"/>
@@ -6706,7 +6690,7 @@
           <p:cNvPr id="4" name="内容占位符 5">
             <a:extLst>
               <a:ext uri="{FF2B5EF4-FFF2-40B4-BE49-F238E27FC236}">
-                <a16:creationId xmlns="" xmlns:a16="http://schemas.microsoft.com/office/drawing/2014/main" id="{DB26105E-A1FF-4E29-8ADB-0BAF8186333C}"/>
+                <a16:creationId xmlns:a16="http://schemas.microsoft.com/office/drawing/2014/main" xmlns="" id="{DB26105E-A1FF-4E29-8ADB-0BAF8186333C}"/>
               </a:ext>
             </a:extLst>
           </p:cNvPr>
@@ -6944,8 +6928,8 @@
           </a:p>
         </p:txBody>
       </p:sp>
-      <mc:AlternateContent xmlns:mc="http://schemas.openxmlformats.org/markup-compatibility/2006">
-        <mc:Choice xmlns:a14="http://schemas.microsoft.com/office/drawing/2010/main" Requires="a14">
+      <mc:AlternateContent xmlns:mc="http://schemas.openxmlformats.org/markup-compatibility/2006" xmlns:a14="http://schemas.microsoft.com/office/drawing/2010/main">
+        <mc:Choice Requires="a14">
           <p:sp>
             <p:nvSpPr>
               <p:cNvPr id="20" name="文本框 19"/>
@@ -7119,7 +7103,7 @@
             </p:txBody>
           </p:sp>
         </mc:Choice>
-        <mc:Fallback>
+        <mc:Fallback xmlns="">
           <p:sp>
             <p:nvSpPr>
               <p:cNvPr id="20" name="文本框 19"/>
@@ -7215,7 +7199,7 @@
           <p:cNvPr id="31" name="内容占位符 5">
             <a:extLst>
               <a:ext uri="{FF2B5EF4-FFF2-40B4-BE49-F238E27FC236}">
-                <a16:creationId xmlns="" xmlns:a16="http://schemas.microsoft.com/office/drawing/2014/main" id="{DB26105E-A1FF-4E29-8ADB-0BAF8186333C}"/>
+                <a16:creationId xmlns:a16="http://schemas.microsoft.com/office/drawing/2014/main" xmlns="" id="{DB26105E-A1FF-4E29-8ADB-0BAF8186333C}"/>
               </a:ext>
             </a:extLst>
           </p:cNvPr>
@@ -7586,8 +7570,8 @@
           </a:p>
         </p:txBody>
       </p:sp>
-      <mc:AlternateContent xmlns:mc="http://schemas.openxmlformats.org/markup-compatibility/2006">
-        <mc:Choice xmlns:a14="http://schemas.microsoft.com/office/drawing/2010/main" Requires="a14">
+      <mc:AlternateContent xmlns:mc="http://schemas.openxmlformats.org/markup-compatibility/2006" xmlns:a14="http://schemas.microsoft.com/office/drawing/2010/main">
+        <mc:Choice Requires="a14">
           <p:sp>
             <p:nvSpPr>
               <p:cNvPr id="48" name="文本框 47"/>
@@ -8154,7 +8138,7 @@
             </p:txBody>
           </p:sp>
         </mc:Choice>
-        <mc:Fallback>
+        <mc:Fallback xmlns="">
           <p:sp>
             <p:nvSpPr>
               <p:cNvPr id="48" name="文本框 47"/>
@@ -8193,8 +8177,8 @@
           </p:sp>
         </mc:Fallback>
       </mc:AlternateContent>
-      <mc:AlternateContent xmlns:mc="http://schemas.openxmlformats.org/markup-compatibility/2006">
-        <mc:Choice xmlns:a14="http://schemas.microsoft.com/office/drawing/2010/main" Requires="a14">
+      <mc:AlternateContent xmlns:mc="http://schemas.openxmlformats.org/markup-compatibility/2006" xmlns:a14="http://schemas.microsoft.com/office/drawing/2010/main">
+        <mc:Choice Requires="a14">
           <p:sp>
             <p:nvSpPr>
               <p:cNvPr id="49" name="文本框 48"/>
@@ -8251,7 +8235,7 @@
             </p:txBody>
           </p:sp>
         </mc:Choice>
-        <mc:Fallback>
+        <mc:Fallback xmlns="">
           <p:sp>
             <p:nvSpPr>
               <p:cNvPr id="49" name="文本框 48"/>
@@ -8357,7 +8341,7 @@
           <p:cNvPr id="40" name="内容占位符 5">
             <a:extLst>
               <a:ext uri="{FF2B5EF4-FFF2-40B4-BE49-F238E27FC236}">
-                <a16:creationId xmlns="" xmlns:a16="http://schemas.microsoft.com/office/drawing/2014/main" id="{DB26105E-A1FF-4E29-8ADB-0BAF8186333C}"/>
+                <a16:creationId xmlns:a16="http://schemas.microsoft.com/office/drawing/2014/main" xmlns="" id="{DB26105E-A1FF-4E29-8ADB-0BAF8186333C}"/>
               </a:ext>
             </a:extLst>
           </p:cNvPr>
@@ -8676,8 +8660,8 @@
           </a:p>
         </p:txBody>
       </p:sp>
-      <mc:AlternateContent xmlns:mc="http://schemas.openxmlformats.org/markup-compatibility/2006">
-        <mc:Choice xmlns:a14="http://schemas.microsoft.com/office/drawing/2010/main" Requires="a14">
+      <mc:AlternateContent xmlns:mc="http://schemas.openxmlformats.org/markup-compatibility/2006" xmlns:a14="http://schemas.microsoft.com/office/drawing/2010/main">
+        <mc:Choice Requires="a14">
           <p:sp>
             <p:nvSpPr>
               <p:cNvPr id="55" name="文本框 54"/>
@@ -8750,7 +8734,7 @@
             </p:txBody>
           </p:sp>
         </mc:Choice>
-        <mc:Fallback>
+        <mc:Fallback xmlns="">
           <p:sp>
             <p:nvSpPr>
               <p:cNvPr id="55" name="文本框 54"/>
@@ -8841,8 +8825,8 @@
           </a:p>
         </p:txBody>
       </p:sp>
-      <mc:AlternateContent xmlns:mc="http://schemas.openxmlformats.org/markup-compatibility/2006">
-        <mc:Choice xmlns:a14="http://schemas.microsoft.com/office/drawing/2010/main" Requires="a14">
+      <mc:AlternateContent xmlns:mc="http://schemas.openxmlformats.org/markup-compatibility/2006" xmlns:a14="http://schemas.microsoft.com/office/drawing/2010/main">
+        <mc:Choice Requires="a14">
           <p:sp>
             <p:nvSpPr>
               <p:cNvPr id="57" name="文本框 56"/>
@@ -9745,7 +9729,7 @@
             </p:txBody>
           </p:sp>
         </mc:Choice>
-        <mc:Fallback>
+        <mc:Fallback xmlns="">
           <p:sp>
             <p:nvSpPr>
               <p:cNvPr id="57" name="文本框 56"/>
@@ -11588,7 +11572,7 @@
         </p:blipFill>
         <p:spPr bwMode="auto">
           <a:xfrm>
-            <a:off x="971005" y="3949832"/>
+            <a:off x="971005" y="3653734"/>
             <a:ext cx="3299409" cy="2121965"/>
           </a:xfrm>
           <a:prstGeom prst="rect">
@@ -11625,7 +11609,7 @@
         </p:blipFill>
         <p:spPr bwMode="auto">
           <a:xfrm>
-            <a:off x="4466927" y="3949832"/>
+            <a:off x="4466927" y="3653734"/>
             <a:ext cx="3255797" cy="2093916"/>
           </a:xfrm>
           <a:prstGeom prst="rect">
@@ -11941,6 +11925,72 @@
               <a:t>直至稳态误差和响应速度达到要求</a:t>
             </a:r>
             <a:endParaRPr lang="zh-CN" altLang="en-US" baseline="-25000" dirty="0">
+              <a:solidFill>
+                <a:schemeClr val="bg1"/>
+              </a:solidFill>
+            </a:endParaRPr>
+          </a:p>
+        </p:txBody>
+      </p:sp>
+      <p:sp>
+        <p:nvSpPr>
+          <p:cNvPr id="11" name="文本框 10"/>
+          <p:cNvSpPr txBox="1"/>
+          <p:nvPr/>
+        </p:nvSpPr>
+        <p:spPr>
+          <a:xfrm>
+            <a:off x="971005" y="5775699"/>
+            <a:ext cx="3982350" cy="307777"/>
+          </a:xfrm>
+          <a:prstGeom prst="rect">
+            <a:avLst/>
+          </a:prstGeom>
+          <a:noFill/>
+        </p:spPr>
+        <p:txBody>
+          <a:bodyPr wrap="square" rtlCol="0">
+            <a:spAutoFit/>
+          </a:bodyPr>
+          <a:lstStyle/>
+          <a:p>
+            <a:r>
+              <a:rPr lang="zh-CN" altLang="en-US" sz="1400" dirty="0" smtClean="0">
+                <a:solidFill>
+                  <a:schemeClr val="bg1"/>
+                </a:solidFill>
+                <a:latin typeface="Cambria Math" panose="02040503050406030204" pitchFamily="18" charset="0"/>
+              </a:rPr>
+              <a:t>以上图片中积分项</a:t>
+            </a:r>
+            <a:r>
+              <a:rPr lang="en-US" altLang="zh-CN" sz="1400" dirty="0" err="1" smtClean="0">
+                <a:solidFill>
+                  <a:schemeClr val="bg1"/>
+                </a:solidFill>
+                <a:latin typeface="Cambria Math" panose="02040503050406030204" pitchFamily="18" charset="0"/>
+              </a:rPr>
+              <a:t>sum_err</a:t>
+            </a:r>
+            <a:r>
+              <a:rPr lang="zh-CN" altLang="en-US" sz="1400" dirty="0" smtClean="0">
+                <a:solidFill>
+                  <a:schemeClr val="bg1"/>
+                </a:solidFill>
+                <a:latin typeface="Cambria Math" panose="02040503050406030204" pitchFamily="18" charset="0"/>
+              </a:rPr>
+              <a:t>被除以</a:t>
+            </a:r>
+            <a:r>
+              <a:rPr lang="en-US" altLang="zh-CN" sz="1400" dirty="0" smtClean="0">
+                <a:solidFill>
+                  <a:schemeClr val="bg1"/>
+                </a:solidFill>
+                <a:latin typeface="Cambria Math" panose="02040503050406030204" pitchFamily="18" charset="0"/>
+              </a:rPr>
+              <a:t>10</a:t>
+            </a:r>
+            <a:endParaRPr lang="zh-CN" altLang="en-US" sz="1400" baseline="-25000" dirty="0">
               <a:solidFill>
                 <a:schemeClr val="bg1"/>
               </a:solidFill>
@@ -12086,6 +12136,41 @@
                                   </p:childTnLst>
                                 </p:cTn>
                               </p:par>
+                              <p:par>
+                                <p:cTn id="14" presetID="10" presetClass="entr" presetSubtype="0" fill="hold" grpId="0" nodeType="withEffect">
+                                  <p:stCondLst>
+                                    <p:cond delay="0"/>
+                                  </p:stCondLst>
+                                  <p:childTnLst>
+                                    <p:set>
+                                      <p:cBhvr>
+                                        <p:cTn id="15" dur="1" fill="hold">
+                                          <p:stCondLst>
+                                            <p:cond delay="0"/>
+                                          </p:stCondLst>
+                                        </p:cTn>
+                                        <p:tgtEl>
+                                          <p:spTgt spid="11"/>
+                                        </p:tgtEl>
+                                        <p:attrNameLst>
+                                          <p:attrName>style.visibility</p:attrName>
+                                        </p:attrNameLst>
+                                      </p:cBhvr>
+                                      <p:to>
+                                        <p:strVal val="visible"/>
+                                      </p:to>
+                                    </p:set>
+                                    <p:animEffect transition="in" filter="fade">
+                                      <p:cBhvr>
+                                        <p:cTn id="16" dur="500"/>
+                                        <p:tgtEl>
+                                          <p:spTgt spid="11"/>
+                                        </p:tgtEl>
+                                      </p:cBhvr>
+                                    </p:animEffect>
+                                  </p:childTnLst>
+                                </p:cTn>
+                              </p:par>
                             </p:childTnLst>
                           </p:cTn>
                         </p:par>
@@ -12117,6 +12202,7 @@
       <p:bldP spid="61" grpId="0"/>
       <p:bldP spid="62" grpId="0"/>
       <p:bldP spid="63" grpId="0"/>
+      <p:bldP spid="11" grpId="0"/>
     </p:bldLst>
   </p:timing>
 </p:sld>

--- a/07 云台控制/07 自动瞄准-云台控制.pptx
+++ b/07 云台控制/07 自动瞄准-云台控制.pptx
@@ -202,7 +202,7 @@
           <a:p>
             <a:fld id="{3A33E72D-B369-482C-8E75-C72865680BD7}" type="datetimeFigureOut">
               <a:rPr lang="zh-CN" altLang="en-US" smtClean="0"/>
-              <a:t>2021/11/2</a:t>
+              <a:t>2021/11/24</a:t>
             </a:fld>
             <a:endParaRPr lang="zh-CN" altLang="en-US"/>
           </a:p>
@@ -850,7 +850,7 @@
           <a:p>
             <a:fld id="{C39C68C5-D724-4B50-A561-B354F4A5D368}" type="datetimeFigureOut">
               <a:rPr lang="zh-CN" altLang="en-US" smtClean="0"/>
-              <a:t>2021/11/2</a:t>
+              <a:t>2021/11/24</a:t>
             </a:fld>
             <a:endParaRPr lang="zh-CN" altLang="en-US"/>
           </a:p>
@@ -1018,7 +1018,7 @@
           <a:p>
             <a:fld id="{C39C68C5-D724-4B50-A561-B354F4A5D368}" type="datetimeFigureOut">
               <a:rPr lang="zh-CN" altLang="en-US" smtClean="0"/>
-              <a:t>2021/11/2</a:t>
+              <a:t>2021/11/24</a:t>
             </a:fld>
             <a:endParaRPr lang="zh-CN" altLang="en-US"/>
           </a:p>
@@ -1196,7 +1196,7 @@
           <a:p>
             <a:fld id="{C39C68C5-D724-4B50-A561-B354F4A5D368}" type="datetimeFigureOut">
               <a:rPr lang="zh-CN" altLang="en-US" smtClean="0"/>
-              <a:t>2021/11/2</a:t>
+              <a:t>2021/11/24</a:t>
             </a:fld>
             <a:endParaRPr lang="zh-CN" altLang="en-US"/>
           </a:p>
@@ -1364,7 +1364,7 @@
           <a:p>
             <a:fld id="{C39C68C5-D724-4B50-A561-B354F4A5D368}" type="datetimeFigureOut">
               <a:rPr lang="zh-CN" altLang="en-US" smtClean="0"/>
-              <a:t>2021/11/2</a:t>
+              <a:t>2021/11/24</a:t>
             </a:fld>
             <a:endParaRPr lang="zh-CN" altLang="en-US"/>
           </a:p>
@@ -1609,7 +1609,7 @@
           <a:p>
             <a:fld id="{C39C68C5-D724-4B50-A561-B354F4A5D368}" type="datetimeFigureOut">
               <a:rPr lang="zh-CN" altLang="en-US" smtClean="0"/>
-              <a:t>2021/11/2</a:t>
+              <a:t>2021/11/24</a:t>
             </a:fld>
             <a:endParaRPr lang="zh-CN" altLang="en-US"/>
           </a:p>
@@ -1838,7 +1838,7 @@
           <a:p>
             <a:fld id="{C39C68C5-D724-4B50-A561-B354F4A5D368}" type="datetimeFigureOut">
               <a:rPr lang="zh-CN" altLang="en-US" smtClean="0"/>
-              <a:t>2021/11/2</a:t>
+              <a:t>2021/11/24</a:t>
             </a:fld>
             <a:endParaRPr lang="zh-CN" altLang="en-US"/>
           </a:p>
@@ -2202,7 +2202,7 @@
           <a:p>
             <a:fld id="{C39C68C5-D724-4B50-A561-B354F4A5D368}" type="datetimeFigureOut">
               <a:rPr lang="zh-CN" altLang="en-US" smtClean="0"/>
-              <a:t>2021/11/2</a:t>
+              <a:t>2021/11/24</a:t>
             </a:fld>
             <a:endParaRPr lang="zh-CN" altLang="en-US"/>
           </a:p>
@@ -2319,7 +2319,7 @@
           <a:p>
             <a:fld id="{C39C68C5-D724-4B50-A561-B354F4A5D368}" type="datetimeFigureOut">
               <a:rPr lang="zh-CN" altLang="en-US" smtClean="0"/>
-              <a:t>2021/11/2</a:t>
+              <a:t>2021/11/24</a:t>
             </a:fld>
             <a:endParaRPr lang="zh-CN" altLang="en-US"/>
           </a:p>
@@ -2414,7 +2414,7 @@
           <a:p>
             <a:fld id="{C39C68C5-D724-4B50-A561-B354F4A5D368}" type="datetimeFigureOut">
               <a:rPr lang="zh-CN" altLang="en-US" smtClean="0"/>
-              <a:t>2021/11/2</a:t>
+              <a:t>2021/11/24</a:t>
             </a:fld>
             <a:endParaRPr lang="zh-CN" altLang="en-US"/>
           </a:p>
@@ -2689,7 +2689,7 @@
           <a:p>
             <a:fld id="{C39C68C5-D724-4B50-A561-B354F4A5D368}" type="datetimeFigureOut">
               <a:rPr lang="zh-CN" altLang="en-US" smtClean="0"/>
-              <a:t>2021/11/2</a:t>
+              <a:t>2021/11/24</a:t>
             </a:fld>
             <a:endParaRPr lang="zh-CN" altLang="en-US"/>
           </a:p>
@@ -2941,7 +2941,7 @@
           <a:p>
             <a:fld id="{C39C68C5-D724-4B50-A561-B354F4A5D368}" type="datetimeFigureOut">
               <a:rPr lang="zh-CN" altLang="en-US" smtClean="0"/>
-              <a:t>2021/11/2</a:t>
+              <a:t>2021/11/24</a:t>
             </a:fld>
             <a:endParaRPr lang="zh-CN" altLang="en-US"/>
           </a:p>
@@ -3162,7 +3162,7 @@
           <a:p>
             <a:fld id="{C39C68C5-D724-4B50-A561-B354F4A5D368}" type="datetimeFigureOut">
               <a:rPr lang="zh-CN" altLang="en-US" smtClean="0"/>
-              <a:t>2021/11/2</a:t>
+              <a:t>2021/11/24</a:t>
             </a:fld>
             <a:endParaRPr lang="zh-CN" altLang="en-US"/>
           </a:p>
@@ -3623,7 +3623,7 @@
           <p:cNvPr id="3" name="标题 1">
             <a:extLst>
               <a:ext uri="{FF2B5EF4-FFF2-40B4-BE49-F238E27FC236}">
-                <a16:creationId xmlns:a16="http://schemas.microsoft.com/office/drawing/2014/main" xmlns="" id="{7D4229FA-2E26-4630-8915-D8ACA64945A8}"/>
+                <a16:creationId xmlns="" xmlns:a16="http://schemas.microsoft.com/office/drawing/2014/main" id="{7D4229FA-2E26-4630-8915-D8ACA64945A8}"/>
               </a:ext>
             </a:extLst>
           </p:cNvPr>
@@ -3666,12 +3666,12 @@
           </a:lstStyle>
           <a:p>
             <a:r>
-              <a:rPr lang="zh-CN" altLang="en-US" sz="4000">
+              <a:rPr lang="zh-CN" altLang="en-US" sz="4000" dirty="0" smtClean="0">
                 <a:solidFill>
                   <a:schemeClr val="bg1"/>
                 </a:solidFill>
               </a:rPr>
-              <a:t>目标检测</a:t>
+              <a:t>云台控制</a:t>
             </a:r>
             <a:endParaRPr lang="zh-CN" altLang="en-US" sz="4000" dirty="0">
               <a:solidFill>
@@ -6690,7 +6690,7 @@
           <p:cNvPr id="4" name="内容占位符 5">
             <a:extLst>
               <a:ext uri="{FF2B5EF4-FFF2-40B4-BE49-F238E27FC236}">
-                <a16:creationId xmlns:a16="http://schemas.microsoft.com/office/drawing/2014/main" xmlns="" id="{DB26105E-A1FF-4E29-8ADB-0BAF8186333C}"/>
+                <a16:creationId xmlns="" xmlns:a16="http://schemas.microsoft.com/office/drawing/2014/main" id="{DB26105E-A1FF-4E29-8ADB-0BAF8186333C}"/>
               </a:ext>
             </a:extLst>
           </p:cNvPr>
@@ -7199,7 +7199,7 @@
           <p:cNvPr id="31" name="内容占位符 5">
             <a:extLst>
               <a:ext uri="{FF2B5EF4-FFF2-40B4-BE49-F238E27FC236}">
-                <a16:creationId xmlns:a16="http://schemas.microsoft.com/office/drawing/2014/main" xmlns="" id="{DB26105E-A1FF-4E29-8ADB-0BAF8186333C}"/>
+                <a16:creationId xmlns="" xmlns:a16="http://schemas.microsoft.com/office/drawing/2014/main" id="{DB26105E-A1FF-4E29-8ADB-0BAF8186333C}"/>
               </a:ext>
             </a:extLst>
           </p:cNvPr>
@@ -8341,7 +8341,7 @@
           <p:cNvPr id="40" name="内容占位符 5">
             <a:extLst>
               <a:ext uri="{FF2B5EF4-FFF2-40B4-BE49-F238E27FC236}">
-                <a16:creationId xmlns:a16="http://schemas.microsoft.com/office/drawing/2014/main" xmlns="" id="{DB26105E-A1FF-4E29-8ADB-0BAF8186333C}"/>
+                <a16:creationId xmlns="" xmlns:a16="http://schemas.microsoft.com/office/drawing/2014/main" id="{DB26105E-A1FF-4E29-8ADB-0BAF8186333C}"/>
               </a:ext>
             </a:extLst>
           </p:cNvPr>
@@ -12878,7 +12878,7 @@
         <a:sysClr val="windowText" lastClr="000000"/>
       </a:dk1>
       <a:lt1>
-        <a:sysClr val="window" lastClr="CCE8CF"/>
+        <a:sysClr val="window" lastClr="FFFFFF"/>
       </a:lt1>
       <a:dk2>
         <a:srgbClr val="44546A"/>
@@ -13139,7 +13139,7 @@
         <a:sysClr val="windowText" lastClr="000000"/>
       </a:dk1>
       <a:lt1>
-        <a:sysClr val="window" lastClr="CCE8CF"/>
+        <a:sysClr val="window" lastClr="FFFFFF"/>
       </a:lt1>
       <a:dk2>
         <a:srgbClr val="44546A"/>
